--- a/presentation/pptx/03-Classification_methods_part2_SVMs_and_Cross_Validation.pptx
+++ b/presentation/pptx/03-Classification_methods_part2_SVMs_and_Cross_Validation.pptx
@@ -27,9 +27,9 @@
     <p:sldId id="290" r:id="rId18"/>
     <p:sldId id="291" r:id="rId19"/>
     <p:sldId id="292" r:id="rId20"/>
-    <p:sldId id="294" r:id="rId21"/>
-    <p:sldId id="287" r:id="rId22"/>
-    <p:sldId id="280" r:id="rId23"/>
+    <p:sldId id="287" r:id="rId21"/>
+    <p:sldId id="293" r:id="rId22"/>
+    <p:sldId id="294" r:id="rId23"/>
   </p:sldIdLst>
   <p:sldSz cx="12192000" cy="6858000"/>
   <p:notesSz cx="6858000" cy="9144000"/>
@@ -141,7 +141,7 @@
             <a:srgbClr val="A4A3A4"/>
           </p15:clr>
         </p15:guide>
-        <p15:guide id="3" orient="horz" pos="3543" userDrawn="1">
+        <p15:guide id="3" orient="horz" pos="2409" userDrawn="1">
           <p15:clr>
             <a:srgbClr val="A4A3A4"/>
           </p15:clr>
@@ -5186,10 +5186,10 @@
           <a:p>
             <a:pPr rtl="0"/>
             <a:r>
-              <a:rPr lang="en-US" dirty="0"/>
-              <a:t>Classification Methods</a:t>
+              <a:rPr lang="en-US" sz="6600" dirty="0"/>
+              <a:t>Classification Methods and Cross Validation</a:t>
             </a:r>
-            <a:endParaRPr lang="he-IL" dirty="0"/>
+            <a:endParaRPr lang="he-IL" sz="6600" dirty="0"/>
           </a:p>
         </p:txBody>
       </p:sp>
@@ -9370,7 +9370,7 @@
             </a:r>
             <a:r>
               <a:rPr lang="en-US" dirty="0"/>
-              <a:t>: In LOOOCV we’re essentially using almost “the same” version of train set</a:t>
+              <a:t>: In LOOCV we’re essentially using almost “the same” version of train set</a:t>
             </a:r>
           </a:p>
           <a:p>
@@ -11178,13 +11178,7 @@
       </p:grpSpPr>
       <p:sp>
         <p:nvSpPr>
-          <p:cNvPr id="6" name="Title 5">
-            <a:extLst>
-              <a:ext uri="{FF2B5EF4-FFF2-40B4-BE49-F238E27FC236}">
-                <a16:creationId xmlns:a16="http://schemas.microsoft.com/office/drawing/2014/main" id="{C597AF8A-D0AF-442E-A36B-B3FF29783E5B}"/>
-              </a:ext>
-            </a:extLst>
-          </p:cNvPr>
+          <p:cNvPr id="2" name="Title 1"/>
           <p:cNvSpPr>
             <a:spLocks noGrp="1"/>
           </p:cNvSpPr>
@@ -11197,24 +11191,22 @@
           <a:bodyPr/>
           <a:lstStyle/>
           <a:p>
-            <a:endParaRPr lang="en-IL" dirty="0"/>
+            <a:r>
+              <a:rPr lang="en-US" dirty="0"/>
+              <a:t>Classification and Regression Trees</a:t>
+            </a:r>
+            <a:endParaRPr lang="he-IL" dirty="0"/>
           </a:p>
         </p:txBody>
       </p:sp>
       <p:sp>
         <p:nvSpPr>
-          <p:cNvPr id="7" name="Content Placeholder 6">
-            <a:extLst>
-              <a:ext uri="{FF2B5EF4-FFF2-40B4-BE49-F238E27FC236}">
-                <a16:creationId xmlns:a16="http://schemas.microsoft.com/office/drawing/2014/main" id="{E4AFBB3B-9582-495E-A13C-D019F34270E2}"/>
-              </a:ext>
-            </a:extLst>
-          </p:cNvPr>
+          <p:cNvPr id="3" name="Text Placeholder 2"/>
           <p:cNvSpPr>
             <a:spLocks noGrp="1"/>
           </p:cNvSpPr>
           <p:nvPr>
-            <p:ph idx="1"/>
+            <p:ph type="body" idx="1"/>
           </p:nvPr>
         </p:nvSpPr>
         <p:spPr/>
@@ -11222,19 +11214,13 @@
           <a:bodyPr/>
           <a:lstStyle/>
           <a:p>
-            <a:endParaRPr lang="en-IL"/>
+            <a:endParaRPr lang="he-IL"/>
           </a:p>
         </p:txBody>
       </p:sp>
       <p:sp>
         <p:nvSpPr>
-          <p:cNvPr id="4" name="Footer Placeholder 3">
-            <a:extLst>
-              <a:ext uri="{FF2B5EF4-FFF2-40B4-BE49-F238E27FC236}">
-                <a16:creationId xmlns:a16="http://schemas.microsoft.com/office/drawing/2014/main" id="{685BD3A1-92E5-46FA-A35A-4460C60A8498}"/>
-              </a:ext>
-            </a:extLst>
-          </p:cNvPr>
+          <p:cNvPr id="4" name="Footer Placeholder 3"/>
           <p:cNvSpPr>
             <a:spLocks noGrp="1"/>
           </p:cNvSpPr>
@@ -11257,13 +11243,7 @@
       </p:sp>
       <p:sp>
         <p:nvSpPr>
-          <p:cNvPr id="5" name="Slide Number Placeholder 4">
-            <a:extLst>
-              <a:ext uri="{FF2B5EF4-FFF2-40B4-BE49-F238E27FC236}">
-                <a16:creationId xmlns:a16="http://schemas.microsoft.com/office/drawing/2014/main" id="{6FD5507D-BD51-4F23-8CF1-66630579983B}"/>
-              </a:ext>
-            </a:extLst>
-          </p:cNvPr>
+          <p:cNvPr id="5" name="Slide Number Placeholder 4"/>
           <p:cNvSpPr>
             <a:spLocks noGrp="1"/>
           </p:cNvSpPr>
@@ -11288,7 +11268,7 @@
     </p:spTree>
     <p:extLst>
       <p:ext uri="{BB962C8B-B14F-4D97-AF65-F5344CB8AC3E}">
-        <p14:creationId xmlns:p14="http://schemas.microsoft.com/office/powerpoint/2010/main" val="2830087839"/>
+        <p14:creationId xmlns:p14="http://schemas.microsoft.com/office/powerpoint/2010/main" val="2886468126"/>
       </p:ext>
     </p:extLst>
   </p:cSld>
@@ -11317,7 +11297,13 @@
       </p:grpSpPr>
       <p:sp>
         <p:nvSpPr>
-          <p:cNvPr id="2" name="Title 1"/>
+          <p:cNvPr id="6" name="Title 5">
+            <a:extLst>
+              <a:ext uri="{FF2B5EF4-FFF2-40B4-BE49-F238E27FC236}">
+                <a16:creationId xmlns:a16="http://schemas.microsoft.com/office/drawing/2014/main" id="{DFD4A2CB-46CD-4B88-A127-C79091E62127}"/>
+              </a:ext>
+            </a:extLst>
+          </p:cNvPr>
           <p:cNvSpPr>
             <a:spLocks noGrp="1"/>
           </p:cNvSpPr>
@@ -11332,20 +11318,26 @@
           <a:p>
             <a:r>
               <a:rPr lang="en-US" dirty="0"/>
-              <a:t>Classification and Regression Trees</a:t>
+              <a:t>Building Trees</a:t>
             </a:r>
-            <a:endParaRPr lang="he-IL" dirty="0"/>
+            <a:endParaRPr lang="en-IL" dirty="0"/>
           </a:p>
         </p:txBody>
       </p:sp>
       <p:sp>
         <p:nvSpPr>
-          <p:cNvPr id="3" name="Text Placeholder 2"/>
+          <p:cNvPr id="7" name="Content Placeholder 6">
+            <a:extLst>
+              <a:ext uri="{FF2B5EF4-FFF2-40B4-BE49-F238E27FC236}">
+                <a16:creationId xmlns:a16="http://schemas.microsoft.com/office/drawing/2014/main" id="{43858DC6-4784-4AEA-8A8B-1A75B8A5668B}"/>
+              </a:ext>
+            </a:extLst>
+          </p:cNvPr>
           <p:cNvSpPr>
             <a:spLocks noGrp="1"/>
           </p:cNvSpPr>
           <p:nvPr>
-            <p:ph type="body" idx="1"/>
+            <p:ph idx="1"/>
           </p:nvPr>
         </p:nvSpPr>
         <p:spPr/>
@@ -11353,13 +11345,60 @@
           <a:bodyPr/>
           <a:lstStyle/>
           <a:p>
-            <a:endParaRPr lang="he-IL"/>
+            <a:pPr>
+              <a:lnSpc>
+                <a:spcPct val="100000"/>
+              </a:lnSpc>
+            </a:pPr>
+            <a:r>
+              <a:rPr lang="en-US" dirty="0"/>
+              <a:t>Classification and Regression Trees is an algorithm used to divide the space into sub-regions. In each region the prediction is given according to the observations which “reside” in the region. </a:t>
+            </a:r>
+          </a:p>
+          <a:p>
+            <a:pPr>
+              <a:lnSpc>
+                <a:spcPct val="100000"/>
+              </a:lnSpc>
+            </a:pPr>
+            <a:r>
+              <a:rPr lang="en-US" dirty="0"/>
+              <a:t>This makes trees a very flexible model.</a:t>
+            </a:r>
+          </a:p>
+          <a:p>
+            <a:pPr>
+              <a:lnSpc>
+                <a:spcPct val="100000"/>
+              </a:lnSpc>
+            </a:pPr>
+            <a:r>
+              <a:rPr lang="en-US" dirty="0"/>
+              <a:t>Trees can be used for either regression or classification.</a:t>
+            </a:r>
+          </a:p>
+          <a:p>
+            <a:pPr>
+              <a:lnSpc>
+                <a:spcPct val="100000"/>
+              </a:lnSpc>
+            </a:pPr>
+            <a:r>
+              <a:rPr lang="en-US" dirty="0"/>
+              <a:t>Caution, flexibility = can be easily abused into over-fitting.</a:t>
+            </a:r>
           </a:p>
         </p:txBody>
       </p:sp>
       <p:sp>
         <p:nvSpPr>
-          <p:cNvPr id="4" name="Footer Placeholder 3"/>
+          <p:cNvPr id="4" name="Footer Placeholder 3">
+            <a:extLst>
+              <a:ext uri="{FF2B5EF4-FFF2-40B4-BE49-F238E27FC236}">
+                <a16:creationId xmlns:a16="http://schemas.microsoft.com/office/drawing/2014/main" id="{C24CD76A-FBBD-4EB5-9331-3E36048858BE}"/>
+              </a:ext>
+            </a:extLst>
+          </p:cNvPr>
           <p:cNvSpPr>
             <a:spLocks noGrp="1"/>
           </p:cNvSpPr>
@@ -11382,7 +11421,13 @@
       </p:sp>
       <p:sp>
         <p:nvSpPr>
-          <p:cNvPr id="5" name="Slide Number Placeholder 4"/>
+          <p:cNvPr id="5" name="Slide Number Placeholder 4">
+            <a:extLst>
+              <a:ext uri="{FF2B5EF4-FFF2-40B4-BE49-F238E27FC236}">
+                <a16:creationId xmlns:a16="http://schemas.microsoft.com/office/drawing/2014/main" id="{DE746B01-14E9-4AD0-BE3F-87BE928042C3}"/>
+              </a:ext>
+            </a:extLst>
+          </p:cNvPr>
           <p:cNvSpPr>
             <a:spLocks noGrp="1"/>
           </p:cNvSpPr>
@@ -11407,7 +11452,7 @@
     </p:spTree>
     <p:extLst>
       <p:ext uri="{BB962C8B-B14F-4D97-AF65-F5344CB8AC3E}">
-        <p14:creationId xmlns:p14="http://schemas.microsoft.com/office/powerpoint/2010/main" val="2886468126"/>
+        <p14:creationId xmlns:p14="http://schemas.microsoft.com/office/powerpoint/2010/main" val="714108075"/>
       </p:ext>
     </p:extLst>
   </p:cSld>
@@ -11436,7 +11481,13 @@
       </p:grpSpPr>
       <p:sp>
         <p:nvSpPr>
-          <p:cNvPr id="2" name="Title 1"/>
+          <p:cNvPr id="2" name="Title 1">
+            <a:extLst>
+              <a:ext uri="{FF2B5EF4-FFF2-40B4-BE49-F238E27FC236}">
+                <a16:creationId xmlns:a16="http://schemas.microsoft.com/office/drawing/2014/main" id="{B3042215-2117-4C38-9223-E9880B1CB7FD}"/>
+              </a:ext>
+            </a:extLst>
+          </p:cNvPr>
           <p:cNvSpPr>
             <a:spLocks noGrp="1"/>
           </p:cNvSpPr>
@@ -11451,91 +11502,21 @@
           <a:p>
             <a:r>
               <a:rPr lang="en-US" dirty="0"/>
-              <a:t>Match the Classifier</a:t>
+              <a:t>Example: How a Tree Classifies</a:t>
             </a:r>
-            <a:endParaRPr lang="he-IL" dirty="0"/>
+            <a:endParaRPr lang="en-IL" dirty="0"/>
           </a:p>
         </p:txBody>
       </p:sp>
       <p:sp>
         <p:nvSpPr>
-          <p:cNvPr id="3" name="Content Placeholder 2"/>
-          <p:cNvSpPr>
-            <a:spLocks noGrp="1"/>
-          </p:cNvSpPr>
-          <p:nvPr>
-            <p:ph idx="1"/>
-          </p:nvPr>
-        </p:nvSpPr>
-        <p:spPr/>
-        <p:txBody>
-          <a:bodyPr/>
-          <a:lstStyle/>
-          <a:p>
-            <a:r>
-              <a:rPr lang="en-US" dirty="0"/>
-              <a:t>For each of the following images, which classifier was used to generate the classification?</a:t>
-            </a:r>
-          </a:p>
-          <a:p>
-            <a:r>
-              <a:rPr lang="en-US" dirty="0"/>
-              <a:t>Choose out of the following list:</a:t>
-            </a:r>
-          </a:p>
-          <a:p>
-            <a:pPr lvl="1"/>
-            <a:r>
-              <a:rPr lang="en-US" dirty="0"/>
-              <a:t>Logistic regression</a:t>
-            </a:r>
-          </a:p>
-          <a:p>
-            <a:pPr lvl="1"/>
-            <a:r>
-              <a:rPr lang="en-US" dirty="0"/>
-              <a:t>Linear regression</a:t>
-            </a:r>
-          </a:p>
-          <a:p>
-            <a:pPr lvl="1"/>
-            <a:r>
-              <a:rPr lang="en-US" dirty="0"/>
-              <a:t>LDA</a:t>
-            </a:r>
-          </a:p>
-          <a:p>
-            <a:pPr lvl="1"/>
-            <a:r>
-              <a:rPr lang="en-US" dirty="0"/>
-              <a:t>QDA</a:t>
-            </a:r>
-          </a:p>
-          <a:p>
-            <a:pPr lvl="1"/>
-            <a:r>
-              <a:rPr lang="en-US" dirty="0"/>
-              <a:t>SVM</a:t>
-            </a:r>
-          </a:p>
-          <a:p>
-            <a:pPr lvl="1"/>
-            <a:r>
-              <a:rPr lang="en-US" dirty="0"/>
-              <a:t>Trees</a:t>
-            </a:r>
-          </a:p>
-          <a:p>
-            <a:r>
-              <a:rPr lang="en-US" dirty="0"/>
-              <a:t>/class code/03-Match_the_classifier.R</a:t>
-            </a:r>
-          </a:p>
-        </p:txBody>
-      </p:sp>
-      <p:sp>
-        <p:nvSpPr>
-          <p:cNvPr id="4" name="Footer Placeholder 3"/>
+          <p:cNvPr id="4" name="Footer Placeholder 3">
+            <a:extLst>
+              <a:ext uri="{FF2B5EF4-FFF2-40B4-BE49-F238E27FC236}">
+                <a16:creationId xmlns:a16="http://schemas.microsoft.com/office/drawing/2014/main" id="{B44097BD-0487-4EA7-BFE4-D8A7D091E162}"/>
+              </a:ext>
+            </a:extLst>
+          </p:cNvPr>
           <p:cNvSpPr>
             <a:spLocks noGrp="1"/>
           </p:cNvSpPr>
@@ -11558,7 +11539,13 @@
       </p:sp>
       <p:sp>
         <p:nvSpPr>
-          <p:cNvPr id="5" name="Slide Number Placeholder 4"/>
+          <p:cNvPr id="5" name="Slide Number Placeholder 4">
+            <a:extLst>
+              <a:ext uri="{FF2B5EF4-FFF2-40B4-BE49-F238E27FC236}">
+                <a16:creationId xmlns:a16="http://schemas.microsoft.com/office/drawing/2014/main" id="{B2F01D67-0638-4612-9939-3CE66F87D951}"/>
+              </a:ext>
+            </a:extLst>
+          </p:cNvPr>
           <p:cNvSpPr>
             <a:spLocks noGrp="1"/>
           </p:cNvSpPr>
@@ -11579,93 +11566,4611 @@
           </a:p>
         </p:txBody>
       </p:sp>
-      <p:pic>
-        <p:nvPicPr>
-          <p:cNvPr id="6" name="Picture 5">
-            <a:hlinkClick r:id="rId2"/>
+      <p:sp>
+        <p:nvSpPr>
+          <p:cNvPr id="6" name="Rectangle 5">
             <a:extLst>
               <a:ext uri="{FF2B5EF4-FFF2-40B4-BE49-F238E27FC236}">
-                <a16:creationId xmlns:a16="http://schemas.microsoft.com/office/drawing/2014/main" id="{DB58D866-C1C8-46C0-8AC0-0119F1B826E7}"/>
+                <a16:creationId xmlns:a16="http://schemas.microsoft.com/office/drawing/2014/main" id="{3442B1E6-2694-464F-88FC-1848535F22BD}"/>
               </a:ext>
             </a:extLst>
           </p:cNvPr>
-          <p:cNvPicPr>
-            <a:picLocks noChangeAspect="1"/>
-          </p:cNvPicPr>
+          <p:cNvSpPr/>
           <p:nvPr/>
-        </p:nvPicPr>
-        <p:blipFill rotWithShape="1">
-          <a:blip r:embed="rId3"/>
-          <a:srcRect l="16061" t="18242" r="8788" b="16788"/>
-          <a:stretch/>
-        </p:blipFill>
+        </p:nvSpPr>
         <p:spPr>
           <a:xfrm>
-            <a:off x="10090274" y="5661025"/>
-            <a:ext cx="1113369" cy="962525"/>
+            <a:off x="603209" y="2567822"/>
+            <a:ext cx="4489786" cy="3358932"/>
           </a:xfrm>
           <a:prstGeom prst="rect">
             <a:avLst/>
           </a:prstGeom>
         </p:spPr>
-      </p:pic>
+        <p:style>
+          <a:lnRef idx="2">
+            <a:schemeClr val="accent1"/>
+          </a:lnRef>
+          <a:fillRef idx="1">
+            <a:schemeClr val="lt1"/>
+          </a:fillRef>
+          <a:effectRef idx="0">
+            <a:schemeClr val="accent1"/>
+          </a:effectRef>
+          <a:fontRef idx="minor">
+            <a:schemeClr val="dk1"/>
+          </a:fontRef>
+        </p:style>
+        <p:txBody>
+          <a:bodyPr rtlCol="0" anchor="ctr"/>
+          <a:lstStyle/>
+          <a:p>
+            <a:pPr algn="ctr"/>
+            <a:endParaRPr lang="en-IL" dirty="0"/>
+          </a:p>
+        </p:txBody>
+      </p:sp>
+      <mc:AlternateContent xmlns:mc="http://schemas.openxmlformats.org/markup-compatibility/2006">
+        <mc:Choice xmlns:a14="http://schemas.microsoft.com/office/drawing/2010/main" Requires="a14">
+          <p:sp>
+            <p:nvSpPr>
+              <p:cNvPr id="7" name="TextBox 6">
+                <a:extLst>
+                  <a:ext uri="{FF2B5EF4-FFF2-40B4-BE49-F238E27FC236}">
+                    <a16:creationId xmlns:a16="http://schemas.microsoft.com/office/drawing/2014/main" id="{2A71E425-0C54-4B85-AB7C-739145400BD6}"/>
+                  </a:ext>
+                </a:extLst>
+              </p:cNvPr>
+              <p:cNvSpPr txBox="1"/>
+              <p:nvPr/>
+            </p:nvSpPr>
+            <p:spPr>
+              <a:xfrm>
+                <a:off x="1252806" y="1924855"/>
+                <a:ext cx="2999154" cy="369332"/>
+              </a:xfrm>
+              <a:prstGeom prst="rect">
+                <a:avLst/>
+              </a:prstGeom>
+              <a:noFill/>
+            </p:spPr>
+            <p:txBody>
+              <a:bodyPr wrap="none" rtlCol="0">
+                <a:spAutoFit/>
+              </a:bodyPr>
+              <a:lstStyle/>
+              <a:p>
+                <a:r>
+                  <a:rPr lang="en-US" dirty="0"/>
+                  <a:t>Plane (</a:t>
+                </a:r>
+                <a14:m>
+                  <m:oMath xmlns:m="http://schemas.openxmlformats.org/officeDocument/2006/math">
+                    <m:r>
+                      <a:rPr lang="en-US" b="0" i="1" smtClean="0">
+                        <a:latin typeface="Cambria Math" panose="02040503050406030204" pitchFamily="18" charset="0"/>
+                      </a:rPr>
+                      <m:t>𝑝</m:t>
+                    </m:r>
+                    <m:r>
+                      <a:rPr lang="en-US" b="0" i="1" smtClean="0">
+                        <a:latin typeface="Cambria Math" panose="02040503050406030204" pitchFamily="18" charset="0"/>
+                      </a:rPr>
+                      <m:t>=</m:t>
+                    </m:r>
+                    <m:r>
+                      <a:rPr lang="en-US" b="0" i="1" smtClean="0">
+                        <a:latin typeface="Cambria Math" panose="02040503050406030204" pitchFamily="18" charset="0"/>
+                      </a:rPr>
+                      <m:t>2</m:t>
+                    </m:r>
+                  </m:oMath>
+                </a14:m>
+                <a:r>
+                  <a:rPr lang="en-US" dirty="0"/>
+                  <a:t>, two classes)</a:t>
+                </a:r>
+                <a:endParaRPr lang="en-IL" dirty="0"/>
+              </a:p>
+            </p:txBody>
+          </p:sp>
+        </mc:Choice>
+        <mc:Fallback>
+          <p:sp>
+            <p:nvSpPr>
+              <p:cNvPr id="7" name="TextBox 6">
+                <a:extLst>
+                  <a:ext uri="{FF2B5EF4-FFF2-40B4-BE49-F238E27FC236}">
+                    <a16:creationId xmlns:a16="http://schemas.microsoft.com/office/drawing/2014/main" id="{2A71E425-0C54-4B85-AB7C-739145400BD6}"/>
+                  </a:ext>
+                </a:extLst>
+              </p:cNvPr>
+              <p:cNvSpPr txBox="1">
+                <a:spLocks noRot="1" noChangeAspect="1" noMove="1" noResize="1" noEditPoints="1" noAdjustHandles="1" noChangeArrowheads="1" noChangeShapeType="1" noTextEdit="1"/>
+              </p:cNvSpPr>
+              <p:nvPr/>
+            </p:nvSpPr>
+            <p:spPr>
+              <a:xfrm>
+                <a:off x="1252806" y="1924855"/>
+                <a:ext cx="2999154" cy="369332"/>
+              </a:xfrm>
+              <a:prstGeom prst="rect">
+                <a:avLst/>
+              </a:prstGeom>
+              <a:blipFill>
+                <a:blip r:embed="rId2"/>
+                <a:stretch>
+                  <a:fillRect l="-1829" t="-8333" r="-1016" b="-28333"/>
+                </a:stretch>
+              </a:blipFill>
+            </p:spPr>
+            <p:txBody>
+              <a:bodyPr/>
+              <a:lstStyle/>
+              <a:p>
+                <a:r>
+                  <a:rPr lang="en-IL">
+                    <a:noFill/>
+                  </a:rPr>
+                  <a:t> </a:t>
+                </a:r>
+              </a:p>
+            </p:txBody>
+          </p:sp>
+        </mc:Fallback>
+      </mc:AlternateContent>
       <p:sp>
         <p:nvSpPr>
-          <p:cNvPr id="7" name="Rounded Rectangle 6"/>
+          <p:cNvPr id="8" name="TextBox 7">
+            <a:extLst>
+              <a:ext uri="{FF2B5EF4-FFF2-40B4-BE49-F238E27FC236}">
+                <a16:creationId xmlns:a16="http://schemas.microsoft.com/office/drawing/2014/main" id="{36E8DD9F-908C-4366-B368-9CCBEF593E61}"/>
+              </a:ext>
+            </a:extLst>
+          </p:cNvPr>
+          <p:cNvSpPr txBox="1"/>
+          <p:nvPr/>
+        </p:nvSpPr>
+        <p:spPr>
+          <a:xfrm>
+            <a:off x="8464298" y="1924855"/>
+            <a:ext cx="1667444" cy="369332"/>
+          </a:xfrm>
+          <a:prstGeom prst="rect">
+            <a:avLst/>
+          </a:prstGeom>
+          <a:noFill/>
+        </p:spPr>
+        <p:txBody>
+          <a:bodyPr wrap="none" rtlCol="0">
+            <a:spAutoFit/>
+          </a:bodyPr>
+          <a:lstStyle/>
+          <a:p>
+            <a:r>
+              <a:rPr lang="en-US" dirty="0"/>
+              <a:t>Example tree</a:t>
+            </a:r>
+            <a:endParaRPr lang="en-IL" dirty="0"/>
+          </a:p>
+        </p:txBody>
+      </p:sp>
+      <mc:AlternateContent xmlns:mc="http://schemas.openxmlformats.org/markup-compatibility/2006">
+        <mc:Choice xmlns:a14="http://schemas.microsoft.com/office/drawing/2010/main" Requires="a14">
+          <p:sp>
+            <p:nvSpPr>
+              <p:cNvPr id="9" name="TextBox 8">
+                <a:extLst>
+                  <a:ext uri="{FF2B5EF4-FFF2-40B4-BE49-F238E27FC236}">
+                    <a16:creationId xmlns:a16="http://schemas.microsoft.com/office/drawing/2014/main" id="{EBA7195F-A1FA-4BFE-B981-52393AB19818}"/>
+                  </a:ext>
+                </a:extLst>
+              </p:cNvPr>
+              <p:cNvSpPr txBox="1"/>
+              <p:nvPr/>
+            </p:nvSpPr>
+            <p:spPr>
+              <a:xfrm>
+                <a:off x="4774018" y="5903452"/>
+                <a:ext cx="318977" cy="369332"/>
+              </a:xfrm>
+              <a:prstGeom prst="rect">
+                <a:avLst/>
+              </a:prstGeom>
+              <a:noFill/>
+            </p:spPr>
+            <p:txBody>
+              <a:bodyPr wrap="square" rtlCol="0">
+                <a:spAutoFit/>
+              </a:bodyPr>
+              <a:lstStyle/>
+              <a:p>
+                <a14:m>
+                  <m:oMathPara xmlns:m="http://schemas.openxmlformats.org/officeDocument/2006/math">
+                    <m:oMathParaPr>
+                      <m:jc m:val="centerGroup"/>
+                    </m:oMathParaPr>
+                    <m:oMath xmlns:m="http://schemas.openxmlformats.org/officeDocument/2006/math">
+                      <m:sSub>
+                        <m:sSubPr>
+                          <m:ctrlPr>
+                            <a:rPr lang="en-US" b="0" i="1" smtClean="0">
+                              <a:latin typeface="Cambria Math" panose="02040503050406030204" pitchFamily="18" charset="0"/>
+                            </a:rPr>
+                          </m:ctrlPr>
+                        </m:sSubPr>
+                        <m:e>
+                          <m:r>
+                            <a:rPr lang="en-US" b="0" i="1" smtClean="0">
+                              <a:latin typeface="Cambria Math" panose="02040503050406030204" pitchFamily="18" charset="0"/>
+                            </a:rPr>
+                            <m:t>𝑥</m:t>
+                          </m:r>
+                        </m:e>
+                        <m:sub>
+                          <m:r>
+                            <a:rPr lang="en-US" b="0" i="1" smtClean="0">
+                              <a:latin typeface="Cambria Math" panose="02040503050406030204" pitchFamily="18" charset="0"/>
+                            </a:rPr>
+                            <m:t>1</m:t>
+                          </m:r>
+                        </m:sub>
+                      </m:sSub>
+                    </m:oMath>
+                  </m:oMathPara>
+                </a14:m>
+                <a:endParaRPr lang="en-IL" dirty="0"/>
+              </a:p>
+            </p:txBody>
+          </p:sp>
+        </mc:Choice>
+        <mc:Fallback>
+          <p:sp>
+            <p:nvSpPr>
+              <p:cNvPr id="9" name="TextBox 8">
+                <a:extLst>
+                  <a:ext uri="{FF2B5EF4-FFF2-40B4-BE49-F238E27FC236}">
+                    <a16:creationId xmlns:a16="http://schemas.microsoft.com/office/drawing/2014/main" id="{EBA7195F-A1FA-4BFE-B981-52393AB19818}"/>
+                  </a:ext>
+                </a:extLst>
+              </p:cNvPr>
+              <p:cNvSpPr txBox="1">
+                <a:spLocks noRot="1" noChangeAspect="1" noMove="1" noResize="1" noEditPoints="1" noAdjustHandles="1" noChangeArrowheads="1" noChangeShapeType="1" noTextEdit="1"/>
+              </p:cNvSpPr>
+              <p:nvPr/>
+            </p:nvSpPr>
+            <p:spPr>
+              <a:xfrm>
+                <a:off x="4774018" y="5903452"/>
+                <a:ext cx="318977" cy="369332"/>
+              </a:xfrm>
+              <a:prstGeom prst="rect">
+                <a:avLst/>
+              </a:prstGeom>
+              <a:blipFill>
+                <a:blip r:embed="rId3"/>
+                <a:stretch>
+                  <a:fillRect r="-15385"/>
+                </a:stretch>
+              </a:blipFill>
+            </p:spPr>
+            <p:txBody>
+              <a:bodyPr/>
+              <a:lstStyle/>
+              <a:p>
+                <a:r>
+                  <a:rPr lang="en-IL">
+                    <a:noFill/>
+                  </a:rPr>
+                  <a:t> </a:t>
+                </a:r>
+              </a:p>
+            </p:txBody>
+          </p:sp>
+        </mc:Fallback>
+      </mc:AlternateContent>
+      <mc:AlternateContent xmlns:mc="http://schemas.openxmlformats.org/markup-compatibility/2006">
+        <mc:Choice xmlns:a14="http://schemas.microsoft.com/office/drawing/2010/main" Requires="a14">
+          <p:sp>
+            <p:nvSpPr>
+              <p:cNvPr id="10" name="TextBox 9">
+                <a:extLst>
+                  <a:ext uri="{FF2B5EF4-FFF2-40B4-BE49-F238E27FC236}">
+                    <a16:creationId xmlns:a16="http://schemas.microsoft.com/office/drawing/2014/main" id="{A6141EEA-0148-4460-A352-265C3AFD9883}"/>
+                  </a:ext>
+                </a:extLst>
+              </p:cNvPr>
+              <p:cNvSpPr txBox="1"/>
+              <p:nvPr/>
+            </p:nvSpPr>
+            <p:spPr>
+              <a:xfrm>
+                <a:off x="167273" y="2567822"/>
+                <a:ext cx="318977" cy="369332"/>
+              </a:xfrm>
+              <a:prstGeom prst="rect">
+                <a:avLst/>
+              </a:prstGeom>
+              <a:noFill/>
+            </p:spPr>
+            <p:txBody>
+              <a:bodyPr wrap="square" rtlCol="0">
+                <a:spAutoFit/>
+              </a:bodyPr>
+              <a:lstStyle/>
+              <a:p>
+                <a14:m>
+                  <m:oMathPara xmlns:m="http://schemas.openxmlformats.org/officeDocument/2006/math">
+                    <m:oMathParaPr>
+                      <m:jc m:val="centerGroup"/>
+                    </m:oMathParaPr>
+                    <m:oMath xmlns:m="http://schemas.openxmlformats.org/officeDocument/2006/math">
+                      <m:sSub>
+                        <m:sSubPr>
+                          <m:ctrlPr>
+                            <a:rPr lang="en-US" b="0" i="1" smtClean="0">
+                              <a:latin typeface="Cambria Math" panose="02040503050406030204" pitchFamily="18" charset="0"/>
+                            </a:rPr>
+                          </m:ctrlPr>
+                        </m:sSubPr>
+                        <m:e>
+                          <m:r>
+                            <a:rPr lang="en-US" b="0" i="1" smtClean="0">
+                              <a:latin typeface="Cambria Math" panose="02040503050406030204" pitchFamily="18" charset="0"/>
+                            </a:rPr>
+                            <m:t>𝑥</m:t>
+                          </m:r>
+                        </m:e>
+                        <m:sub>
+                          <m:r>
+                            <a:rPr lang="en-US" b="0" i="1" smtClean="0">
+                              <a:latin typeface="Cambria Math" panose="02040503050406030204" pitchFamily="18" charset="0"/>
+                            </a:rPr>
+                            <m:t>2</m:t>
+                          </m:r>
+                        </m:sub>
+                      </m:sSub>
+                    </m:oMath>
+                  </m:oMathPara>
+                </a14:m>
+                <a:endParaRPr lang="en-IL" dirty="0"/>
+              </a:p>
+            </p:txBody>
+          </p:sp>
+        </mc:Choice>
+        <mc:Fallback>
+          <p:sp>
+            <p:nvSpPr>
+              <p:cNvPr id="10" name="TextBox 9">
+                <a:extLst>
+                  <a:ext uri="{FF2B5EF4-FFF2-40B4-BE49-F238E27FC236}">
+                    <a16:creationId xmlns:a16="http://schemas.microsoft.com/office/drawing/2014/main" id="{A6141EEA-0148-4460-A352-265C3AFD9883}"/>
+                  </a:ext>
+                </a:extLst>
+              </p:cNvPr>
+              <p:cNvSpPr txBox="1">
+                <a:spLocks noRot="1" noChangeAspect="1" noMove="1" noResize="1" noEditPoints="1" noAdjustHandles="1" noChangeArrowheads="1" noChangeShapeType="1" noTextEdit="1"/>
+              </p:cNvSpPr>
+              <p:nvPr/>
+            </p:nvSpPr>
+            <p:spPr>
+              <a:xfrm>
+                <a:off x="167273" y="2567822"/>
+                <a:ext cx="318977" cy="369332"/>
+              </a:xfrm>
+              <a:prstGeom prst="rect">
+                <a:avLst/>
+              </a:prstGeom>
+              <a:blipFill>
+                <a:blip r:embed="rId4"/>
+                <a:stretch>
+                  <a:fillRect r="-15094"/>
+                </a:stretch>
+              </a:blipFill>
+            </p:spPr>
+            <p:txBody>
+              <a:bodyPr/>
+              <a:lstStyle/>
+              <a:p>
+                <a:r>
+                  <a:rPr lang="en-IL">
+                    <a:noFill/>
+                  </a:rPr>
+                  <a:t> </a:t>
+                </a:r>
+              </a:p>
+            </p:txBody>
+          </p:sp>
+        </mc:Fallback>
+      </mc:AlternateContent>
+      <p:sp>
+        <p:nvSpPr>
+          <p:cNvPr id="11" name="Oval 10">
+            <a:extLst>
+              <a:ext uri="{FF2B5EF4-FFF2-40B4-BE49-F238E27FC236}">
+                <a16:creationId xmlns:a16="http://schemas.microsoft.com/office/drawing/2014/main" id="{363DD30C-A5C2-4E41-8B5D-FF64A6788637}"/>
+              </a:ext>
+            </a:extLst>
+          </p:cNvPr>
           <p:cNvSpPr/>
           <p:nvPr/>
         </p:nvSpPr>
         <p:spPr>
           <a:xfrm>
-            <a:off x="7961971" y="5738217"/>
-            <a:ext cx="2609385" cy="780585"/>
+            <a:off x="3923414" y="5039833"/>
+            <a:ext cx="180753" cy="180753"/>
           </a:xfrm>
-          <a:prstGeom prst="roundRect">
+          <a:prstGeom prst="ellipse">
             <a:avLst/>
           </a:prstGeom>
-          <a:solidFill>
-            <a:srgbClr val="FF0000"/>
-          </a:solidFill>
         </p:spPr>
         <p:style>
           <a:lnRef idx="2">
-            <a:schemeClr val="accent1">
+            <a:schemeClr val="accent4">
               <a:shade val="50000"/>
             </a:schemeClr>
           </a:lnRef>
           <a:fillRef idx="1">
-            <a:schemeClr val="accent1"/>
+            <a:schemeClr val="accent4"/>
           </a:fillRef>
           <a:effectRef idx="0">
-            <a:schemeClr val="accent1"/>
+            <a:schemeClr val="accent4"/>
           </a:effectRef>
           <a:fontRef idx="minor">
             <a:schemeClr val="lt1"/>
           </a:fontRef>
         </p:style>
         <p:txBody>
-          <a:bodyPr rtlCol="1" anchor="ctr"/>
+          <a:bodyPr rtlCol="0" anchor="ctr"/>
           <a:lstStyle/>
           <a:p>
             <a:pPr algn="ctr"/>
+            <a:endParaRPr lang="en-IL"/>
+          </a:p>
+        </p:txBody>
+      </p:sp>
+      <p:sp>
+        <p:nvSpPr>
+          <p:cNvPr id="12" name="Oval 11">
+            <a:extLst>
+              <a:ext uri="{FF2B5EF4-FFF2-40B4-BE49-F238E27FC236}">
+                <a16:creationId xmlns:a16="http://schemas.microsoft.com/office/drawing/2014/main" id="{A707B8DE-D97E-4C44-9EE3-A90A4FADF5F6}"/>
+              </a:ext>
+            </a:extLst>
+          </p:cNvPr>
+          <p:cNvSpPr/>
+          <p:nvPr/>
+        </p:nvSpPr>
+        <p:spPr>
+          <a:xfrm>
+            <a:off x="4417827" y="5130209"/>
+            <a:ext cx="180753" cy="180753"/>
+          </a:xfrm>
+          <a:prstGeom prst="ellipse">
+            <a:avLst/>
+          </a:prstGeom>
+        </p:spPr>
+        <p:style>
+          <a:lnRef idx="2">
+            <a:schemeClr val="accent4">
+              <a:shade val="50000"/>
+            </a:schemeClr>
+          </a:lnRef>
+          <a:fillRef idx="1">
+            <a:schemeClr val="accent4"/>
+          </a:fillRef>
+          <a:effectRef idx="0">
+            <a:schemeClr val="accent4"/>
+          </a:effectRef>
+          <a:fontRef idx="minor">
+            <a:schemeClr val="lt1"/>
+          </a:fontRef>
+        </p:style>
+        <p:txBody>
+          <a:bodyPr rtlCol="0" anchor="ctr"/>
+          <a:lstStyle/>
+          <a:p>
+            <a:pPr algn="ctr"/>
+            <a:endParaRPr lang="en-IL"/>
+          </a:p>
+        </p:txBody>
+      </p:sp>
+      <p:sp>
+        <p:nvSpPr>
+          <p:cNvPr id="13" name="Oval 12">
+            <a:extLst>
+              <a:ext uri="{FF2B5EF4-FFF2-40B4-BE49-F238E27FC236}">
+                <a16:creationId xmlns:a16="http://schemas.microsoft.com/office/drawing/2014/main" id="{315DD323-0EBE-4457-90A7-C53CFBA1DF22}"/>
+              </a:ext>
+            </a:extLst>
+          </p:cNvPr>
+          <p:cNvSpPr/>
+          <p:nvPr/>
+        </p:nvSpPr>
+        <p:spPr>
+          <a:xfrm>
+            <a:off x="3141920" y="5534136"/>
+            <a:ext cx="180753" cy="180753"/>
+          </a:xfrm>
+          <a:prstGeom prst="ellipse">
+            <a:avLst/>
+          </a:prstGeom>
+        </p:spPr>
+        <p:style>
+          <a:lnRef idx="2">
+            <a:schemeClr val="accent4">
+              <a:shade val="50000"/>
+            </a:schemeClr>
+          </a:lnRef>
+          <a:fillRef idx="1">
+            <a:schemeClr val="accent4"/>
+          </a:fillRef>
+          <a:effectRef idx="0">
+            <a:schemeClr val="accent4"/>
+          </a:effectRef>
+          <a:fontRef idx="minor">
+            <a:schemeClr val="lt1"/>
+          </a:fontRef>
+        </p:style>
+        <p:txBody>
+          <a:bodyPr rtlCol="0" anchor="ctr"/>
+          <a:lstStyle/>
+          <a:p>
+            <a:pPr algn="ctr"/>
+            <a:endParaRPr lang="en-IL"/>
+          </a:p>
+        </p:txBody>
+      </p:sp>
+      <p:sp>
+        <p:nvSpPr>
+          <p:cNvPr id="14" name="Oval 13">
+            <a:extLst>
+              <a:ext uri="{FF2B5EF4-FFF2-40B4-BE49-F238E27FC236}">
+                <a16:creationId xmlns:a16="http://schemas.microsoft.com/office/drawing/2014/main" id="{3C003550-262B-4AC3-BF3B-03548C51184D}"/>
+              </a:ext>
+            </a:extLst>
+          </p:cNvPr>
+          <p:cNvSpPr/>
+          <p:nvPr/>
+        </p:nvSpPr>
+        <p:spPr>
+          <a:xfrm>
+            <a:off x="1525771" y="2846777"/>
+            <a:ext cx="180753" cy="180753"/>
+          </a:xfrm>
+          <a:prstGeom prst="ellipse">
+            <a:avLst/>
+          </a:prstGeom>
+        </p:spPr>
+        <p:style>
+          <a:lnRef idx="2">
+            <a:schemeClr val="accent5">
+              <a:shade val="50000"/>
+            </a:schemeClr>
+          </a:lnRef>
+          <a:fillRef idx="1">
+            <a:schemeClr val="accent5"/>
+          </a:fillRef>
+          <a:effectRef idx="0">
+            <a:schemeClr val="accent5"/>
+          </a:effectRef>
+          <a:fontRef idx="minor">
+            <a:schemeClr val="lt1"/>
+          </a:fontRef>
+        </p:style>
+        <p:txBody>
+          <a:bodyPr rtlCol="0" anchor="ctr"/>
+          <a:lstStyle/>
+          <a:p>
+            <a:pPr algn="ctr"/>
+            <a:endParaRPr lang="en-IL"/>
+          </a:p>
+        </p:txBody>
+      </p:sp>
+      <p:sp>
+        <p:nvSpPr>
+          <p:cNvPr id="15" name="Oval 14">
+            <a:extLst>
+              <a:ext uri="{FF2B5EF4-FFF2-40B4-BE49-F238E27FC236}">
+                <a16:creationId xmlns:a16="http://schemas.microsoft.com/office/drawing/2014/main" id="{A1921351-B68C-4CF9-A8EF-0BEB8EDA2624}"/>
+              </a:ext>
+            </a:extLst>
+          </p:cNvPr>
+          <p:cNvSpPr/>
+          <p:nvPr/>
+        </p:nvSpPr>
+        <p:spPr>
+          <a:xfrm>
+            <a:off x="2493333" y="3463465"/>
+            <a:ext cx="180753" cy="180753"/>
+          </a:xfrm>
+          <a:prstGeom prst="ellipse">
+            <a:avLst/>
+          </a:prstGeom>
+        </p:spPr>
+        <p:style>
+          <a:lnRef idx="2">
+            <a:schemeClr val="accent5">
+              <a:shade val="50000"/>
+            </a:schemeClr>
+          </a:lnRef>
+          <a:fillRef idx="1">
+            <a:schemeClr val="accent5"/>
+          </a:fillRef>
+          <a:effectRef idx="0">
+            <a:schemeClr val="accent5"/>
+          </a:effectRef>
+          <a:fontRef idx="minor">
+            <a:schemeClr val="lt1"/>
+          </a:fontRef>
+        </p:style>
+        <p:txBody>
+          <a:bodyPr rtlCol="0" anchor="ctr"/>
+          <a:lstStyle/>
+          <a:p>
+            <a:pPr algn="ctr"/>
+            <a:endParaRPr lang="en-IL"/>
+          </a:p>
+        </p:txBody>
+      </p:sp>
+      <p:sp>
+        <p:nvSpPr>
+          <p:cNvPr id="16" name="Oval 15">
+            <a:extLst>
+              <a:ext uri="{FF2B5EF4-FFF2-40B4-BE49-F238E27FC236}">
+                <a16:creationId xmlns:a16="http://schemas.microsoft.com/office/drawing/2014/main" id="{6443FBD4-8ECB-4FF9-9505-45F784F3D338}"/>
+              </a:ext>
+            </a:extLst>
+          </p:cNvPr>
+          <p:cNvSpPr/>
+          <p:nvPr/>
+        </p:nvSpPr>
+        <p:spPr>
+          <a:xfrm>
+            <a:off x="3232296" y="3035414"/>
+            <a:ext cx="180753" cy="180753"/>
+          </a:xfrm>
+          <a:prstGeom prst="ellipse">
+            <a:avLst/>
+          </a:prstGeom>
+        </p:spPr>
+        <p:style>
+          <a:lnRef idx="2">
+            <a:schemeClr val="accent5">
+              <a:shade val="50000"/>
+            </a:schemeClr>
+          </a:lnRef>
+          <a:fillRef idx="1">
+            <a:schemeClr val="accent5"/>
+          </a:fillRef>
+          <a:effectRef idx="0">
+            <a:schemeClr val="accent5"/>
+          </a:effectRef>
+          <a:fontRef idx="minor">
+            <a:schemeClr val="lt1"/>
+          </a:fontRef>
+        </p:style>
+        <p:txBody>
+          <a:bodyPr rtlCol="0" anchor="ctr"/>
+          <a:lstStyle/>
+          <a:p>
+            <a:pPr algn="ctr"/>
+            <a:endParaRPr lang="en-IL"/>
+          </a:p>
+        </p:txBody>
+      </p:sp>
+      <p:sp>
+        <p:nvSpPr>
+          <p:cNvPr id="17" name="Oval 16">
+            <a:extLst>
+              <a:ext uri="{FF2B5EF4-FFF2-40B4-BE49-F238E27FC236}">
+                <a16:creationId xmlns:a16="http://schemas.microsoft.com/office/drawing/2014/main" id="{45E274D9-181D-4A2C-8464-36254439798B}"/>
+              </a:ext>
+            </a:extLst>
+          </p:cNvPr>
+          <p:cNvSpPr/>
+          <p:nvPr/>
+        </p:nvSpPr>
+        <p:spPr>
+          <a:xfrm>
+            <a:off x="997759" y="5353383"/>
+            <a:ext cx="180753" cy="180753"/>
+          </a:xfrm>
+          <a:prstGeom prst="ellipse">
+            <a:avLst/>
+          </a:prstGeom>
+        </p:spPr>
+        <p:style>
+          <a:lnRef idx="2">
+            <a:schemeClr val="accent5">
+              <a:shade val="50000"/>
+            </a:schemeClr>
+          </a:lnRef>
+          <a:fillRef idx="1">
+            <a:schemeClr val="accent5"/>
+          </a:fillRef>
+          <a:effectRef idx="0">
+            <a:schemeClr val="accent5"/>
+          </a:effectRef>
+          <a:fontRef idx="minor">
+            <a:schemeClr val="lt1"/>
+          </a:fontRef>
+        </p:style>
+        <p:txBody>
+          <a:bodyPr rtlCol="0" anchor="ctr"/>
+          <a:lstStyle/>
+          <a:p>
+            <a:pPr algn="ctr"/>
+            <a:endParaRPr lang="en-IL"/>
+          </a:p>
+        </p:txBody>
+      </p:sp>
+      <p:sp>
+        <p:nvSpPr>
+          <p:cNvPr id="18" name="Oval 17">
+            <a:extLst>
+              <a:ext uri="{FF2B5EF4-FFF2-40B4-BE49-F238E27FC236}">
+                <a16:creationId xmlns:a16="http://schemas.microsoft.com/office/drawing/2014/main" id="{B6387863-3141-49D7-95E0-4DE1DCB381BA}"/>
+              </a:ext>
+            </a:extLst>
+          </p:cNvPr>
+          <p:cNvSpPr/>
+          <p:nvPr/>
+        </p:nvSpPr>
+        <p:spPr>
+          <a:xfrm>
+            <a:off x="3248246" y="4996610"/>
+            <a:ext cx="180753" cy="180753"/>
+          </a:xfrm>
+          <a:prstGeom prst="ellipse">
+            <a:avLst/>
+          </a:prstGeom>
+        </p:spPr>
+        <p:style>
+          <a:lnRef idx="2">
+            <a:schemeClr val="accent4">
+              <a:shade val="50000"/>
+            </a:schemeClr>
+          </a:lnRef>
+          <a:fillRef idx="1">
+            <a:schemeClr val="accent4"/>
+          </a:fillRef>
+          <a:effectRef idx="0">
+            <a:schemeClr val="accent4"/>
+          </a:effectRef>
+          <a:fontRef idx="minor">
+            <a:schemeClr val="lt1"/>
+          </a:fontRef>
+        </p:style>
+        <p:txBody>
+          <a:bodyPr rtlCol="0" anchor="ctr"/>
+          <a:lstStyle/>
+          <a:p>
+            <a:pPr algn="ctr"/>
+            <a:endParaRPr lang="en-IL"/>
+          </a:p>
+        </p:txBody>
+      </p:sp>
+      <p:sp>
+        <p:nvSpPr>
+          <p:cNvPr id="19" name="Oval 18">
+            <a:extLst>
+              <a:ext uri="{FF2B5EF4-FFF2-40B4-BE49-F238E27FC236}">
+                <a16:creationId xmlns:a16="http://schemas.microsoft.com/office/drawing/2014/main" id="{99E1AA68-D6CE-42C7-BB07-5FD6D0B39A05}"/>
+              </a:ext>
+            </a:extLst>
+          </p:cNvPr>
+          <p:cNvSpPr/>
+          <p:nvPr/>
+        </p:nvSpPr>
+        <p:spPr>
+          <a:xfrm>
+            <a:off x="2387010" y="5177363"/>
+            <a:ext cx="180753" cy="180753"/>
+          </a:xfrm>
+          <a:prstGeom prst="ellipse">
+            <a:avLst/>
+          </a:prstGeom>
+        </p:spPr>
+        <p:style>
+          <a:lnRef idx="2">
+            <a:schemeClr val="accent4">
+              <a:shade val="50000"/>
+            </a:schemeClr>
+          </a:lnRef>
+          <a:fillRef idx="1">
+            <a:schemeClr val="accent4"/>
+          </a:fillRef>
+          <a:effectRef idx="0">
+            <a:schemeClr val="accent4"/>
+          </a:effectRef>
+          <a:fontRef idx="minor">
+            <a:schemeClr val="lt1"/>
+          </a:fontRef>
+        </p:style>
+        <p:txBody>
+          <a:bodyPr rtlCol="0" anchor="ctr"/>
+          <a:lstStyle/>
+          <a:p>
+            <a:pPr algn="ctr"/>
+            <a:endParaRPr lang="en-IL"/>
+          </a:p>
+        </p:txBody>
+      </p:sp>
+      <p:sp>
+        <p:nvSpPr>
+          <p:cNvPr id="20" name="Oval 19">
+            <a:extLst>
+              <a:ext uri="{FF2B5EF4-FFF2-40B4-BE49-F238E27FC236}">
+                <a16:creationId xmlns:a16="http://schemas.microsoft.com/office/drawing/2014/main" id="{CE20978C-78A8-4B4E-A52A-26117A14A4B8}"/>
+              </a:ext>
+            </a:extLst>
+          </p:cNvPr>
+          <p:cNvSpPr/>
+          <p:nvPr/>
+        </p:nvSpPr>
+        <p:spPr>
+          <a:xfrm>
+            <a:off x="1884819" y="4906233"/>
+            <a:ext cx="180753" cy="180753"/>
+          </a:xfrm>
+          <a:prstGeom prst="ellipse">
+            <a:avLst/>
+          </a:prstGeom>
+        </p:spPr>
+        <p:style>
+          <a:lnRef idx="2">
+            <a:schemeClr val="accent4">
+              <a:shade val="50000"/>
+            </a:schemeClr>
+          </a:lnRef>
+          <a:fillRef idx="1">
+            <a:schemeClr val="accent4"/>
+          </a:fillRef>
+          <a:effectRef idx="0">
+            <a:schemeClr val="accent4"/>
+          </a:effectRef>
+          <a:fontRef idx="minor">
+            <a:schemeClr val="lt1"/>
+          </a:fontRef>
+        </p:style>
+        <p:txBody>
+          <a:bodyPr rtlCol="0" anchor="ctr"/>
+          <a:lstStyle/>
+          <a:p>
+            <a:pPr algn="ctr"/>
+            <a:endParaRPr lang="en-IL"/>
+          </a:p>
+        </p:txBody>
+      </p:sp>
+      <p:sp>
+        <p:nvSpPr>
+          <p:cNvPr id="21" name="Oval 20">
+            <a:extLst>
+              <a:ext uri="{FF2B5EF4-FFF2-40B4-BE49-F238E27FC236}">
+                <a16:creationId xmlns:a16="http://schemas.microsoft.com/office/drawing/2014/main" id="{E949C59F-3FBA-4BB9-9238-99A1F1723A88}"/>
+              </a:ext>
+            </a:extLst>
+          </p:cNvPr>
+          <p:cNvSpPr/>
+          <p:nvPr/>
+        </p:nvSpPr>
+        <p:spPr>
+          <a:xfrm>
+            <a:off x="1088135" y="3373088"/>
+            <a:ext cx="180753" cy="180753"/>
+          </a:xfrm>
+          <a:prstGeom prst="ellipse">
+            <a:avLst/>
+          </a:prstGeom>
+        </p:spPr>
+        <p:style>
+          <a:lnRef idx="2">
+            <a:schemeClr val="accent5">
+              <a:shade val="50000"/>
+            </a:schemeClr>
+          </a:lnRef>
+          <a:fillRef idx="1">
+            <a:schemeClr val="accent5"/>
+          </a:fillRef>
+          <a:effectRef idx="0">
+            <a:schemeClr val="accent5"/>
+          </a:effectRef>
+          <a:fontRef idx="minor">
+            <a:schemeClr val="lt1"/>
+          </a:fontRef>
+        </p:style>
+        <p:txBody>
+          <a:bodyPr rtlCol="0" anchor="ctr"/>
+          <a:lstStyle/>
+          <a:p>
+            <a:pPr algn="ctr"/>
+            <a:endParaRPr lang="en-IL"/>
+          </a:p>
+        </p:txBody>
+      </p:sp>
+      <p:sp>
+        <p:nvSpPr>
+          <p:cNvPr id="22" name="Oval 21">
+            <a:extLst>
+              <a:ext uri="{FF2B5EF4-FFF2-40B4-BE49-F238E27FC236}">
+                <a16:creationId xmlns:a16="http://schemas.microsoft.com/office/drawing/2014/main" id="{DA6B1F4F-2FB8-4836-8D86-B44EFA15530D}"/>
+              </a:ext>
+            </a:extLst>
+          </p:cNvPr>
+          <p:cNvSpPr/>
+          <p:nvPr/>
+        </p:nvSpPr>
+        <p:spPr>
+          <a:xfrm>
+            <a:off x="715238" y="5047716"/>
+            <a:ext cx="180753" cy="180753"/>
+          </a:xfrm>
+          <a:prstGeom prst="ellipse">
+            <a:avLst/>
+          </a:prstGeom>
+        </p:spPr>
+        <p:style>
+          <a:lnRef idx="2">
+            <a:schemeClr val="accent5">
+              <a:shade val="50000"/>
+            </a:schemeClr>
+          </a:lnRef>
+          <a:fillRef idx="1">
+            <a:schemeClr val="accent5"/>
+          </a:fillRef>
+          <a:effectRef idx="0">
+            <a:schemeClr val="accent5"/>
+          </a:effectRef>
+          <a:fontRef idx="minor">
+            <a:schemeClr val="lt1"/>
+          </a:fontRef>
+        </p:style>
+        <p:txBody>
+          <a:bodyPr rtlCol="0" anchor="ctr"/>
+          <a:lstStyle/>
+          <a:p>
+            <a:pPr algn="ctr"/>
+            <a:endParaRPr lang="en-IL"/>
+          </a:p>
+        </p:txBody>
+      </p:sp>
+      <p:sp>
+        <p:nvSpPr>
+          <p:cNvPr id="23" name="Oval 22">
+            <a:extLst>
+              <a:ext uri="{FF2B5EF4-FFF2-40B4-BE49-F238E27FC236}">
+                <a16:creationId xmlns:a16="http://schemas.microsoft.com/office/drawing/2014/main" id="{93EF1755-2BF6-4BD7-9F3E-8C71D73186EA}"/>
+              </a:ext>
+            </a:extLst>
+          </p:cNvPr>
+          <p:cNvSpPr/>
+          <p:nvPr/>
+        </p:nvSpPr>
+        <p:spPr>
+          <a:xfrm>
+            <a:off x="4630476" y="2934037"/>
+            <a:ext cx="180753" cy="180753"/>
+          </a:xfrm>
+          <a:prstGeom prst="ellipse">
+            <a:avLst/>
+          </a:prstGeom>
+        </p:spPr>
+        <p:style>
+          <a:lnRef idx="2">
+            <a:schemeClr val="accent4">
+              <a:shade val="50000"/>
+            </a:schemeClr>
+          </a:lnRef>
+          <a:fillRef idx="1">
+            <a:schemeClr val="accent4"/>
+          </a:fillRef>
+          <a:effectRef idx="0">
+            <a:schemeClr val="accent4"/>
+          </a:effectRef>
+          <a:fontRef idx="minor">
+            <a:schemeClr val="lt1"/>
+          </a:fontRef>
+        </p:style>
+        <p:txBody>
+          <a:bodyPr rtlCol="0" anchor="ctr"/>
+          <a:lstStyle/>
+          <a:p>
+            <a:pPr algn="ctr"/>
+            <a:endParaRPr lang="en-IL"/>
+          </a:p>
+        </p:txBody>
+      </p:sp>
+      <p:grpSp>
+        <p:nvGrpSpPr>
+          <p:cNvPr id="33" name="Group 32">
+            <a:extLst>
+              <a:ext uri="{FF2B5EF4-FFF2-40B4-BE49-F238E27FC236}">
+                <a16:creationId xmlns:a16="http://schemas.microsoft.com/office/drawing/2014/main" id="{32C4FBF8-C351-487C-96FB-A5A06B7A3F39}"/>
+              </a:ext>
+            </a:extLst>
+          </p:cNvPr>
+          <p:cNvGrpSpPr/>
+          <p:nvPr/>
+        </p:nvGrpSpPr>
+        <p:grpSpPr>
+          <a:xfrm>
+            <a:off x="262054" y="4062622"/>
+            <a:ext cx="4830941" cy="369332"/>
+            <a:chOff x="262054" y="4062622"/>
+            <a:chExt cx="4830941" cy="369332"/>
+          </a:xfrm>
+        </p:grpSpPr>
+        <mc:AlternateContent xmlns:mc="http://schemas.openxmlformats.org/markup-compatibility/2006">
+          <mc:Choice xmlns:a14="http://schemas.microsoft.com/office/drawing/2010/main" Requires="a14">
+            <p:sp>
+              <p:nvSpPr>
+                <p:cNvPr id="24" name="TextBox 23">
+                  <a:extLst>
+                    <a:ext uri="{FF2B5EF4-FFF2-40B4-BE49-F238E27FC236}">
+                      <a16:creationId xmlns:a16="http://schemas.microsoft.com/office/drawing/2014/main" id="{7F20AF05-F713-4D71-8383-04F2FC65505B}"/>
+                    </a:ext>
+                  </a:extLst>
+                </p:cNvPr>
+                <p:cNvSpPr txBox="1"/>
+                <p:nvPr/>
+              </p:nvSpPr>
+              <p:spPr>
+                <a:xfrm>
+                  <a:off x="262054" y="4062622"/>
+                  <a:ext cx="448391" cy="369332"/>
+                </a:xfrm>
+                <a:prstGeom prst="rect">
+                  <a:avLst/>
+                </a:prstGeom>
+                <a:noFill/>
+              </p:spPr>
+              <p:txBody>
+                <a:bodyPr wrap="none" rtlCol="0">
+                  <a:spAutoFit/>
+                </a:bodyPr>
+                <a:lstStyle/>
+                <a:p>
+                  <a14:m>
+                    <m:oMathPara xmlns:m="http://schemas.openxmlformats.org/officeDocument/2006/math">
+                      <m:oMathParaPr>
+                        <m:jc m:val="centerGroup"/>
+                      </m:oMathParaPr>
+                      <m:oMath xmlns:m="http://schemas.openxmlformats.org/officeDocument/2006/math">
+                        <m:sSub>
+                          <m:sSubPr>
+                            <m:ctrlPr>
+                              <a:rPr lang="en-US" b="0" i="1" smtClean="0">
+                                <a:latin typeface="Cambria Math" panose="02040503050406030204" pitchFamily="18" charset="0"/>
+                              </a:rPr>
+                            </m:ctrlPr>
+                          </m:sSubPr>
+                          <m:e>
+                            <m:r>
+                              <a:rPr lang="en-US" b="0" i="1" smtClean="0">
+                                <a:latin typeface="Cambria Math" panose="02040503050406030204" pitchFamily="18" charset="0"/>
+                              </a:rPr>
+                              <m:t>𝑡</m:t>
+                            </m:r>
+                          </m:e>
+                          <m:sub>
+                            <m:r>
+                              <a:rPr lang="en-US" b="0" i="1" smtClean="0">
+                                <a:latin typeface="Cambria Math" panose="02040503050406030204" pitchFamily="18" charset="0"/>
+                              </a:rPr>
+                              <m:t>1</m:t>
+                            </m:r>
+                          </m:sub>
+                        </m:sSub>
+                      </m:oMath>
+                    </m:oMathPara>
+                  </a14:m>
+                  <a:endParaRPr lang="en-IL" dirty="0"/>
+                </a:p>
+              </p:txBody>
+            </p:sp>
+          </mc:Choice>
+          <mc:Fallback>
+            <p:sp>
+              <p:nvSpPr>
+                <p:cNvPr id="24" name="TextBox 23">
+                  <a:extLst>
+                    <a:ext uri="{FF2B5EF4-FFF2-40B4-BE49-F238E27FC236}">
+                      <a16:creationId xmlns:a16="http://schemas.microsoft.com/office/drawing/2014/main" id="{7F20AF05-F713-4D71-8383-04F2FC65505B}"/>
+                    </a:ext>
+                  </a:extLst>
+                </p:cNvPr>
+                <p:cNvSpPr txBox="1">
+                  <a:spLocks noRot="1" noChangeAspect="1" noMove="1" noResize="1" noEditPoints="1" noAdjustHandles="1" noChangeArrowheads="1" noChangeShapeType="1" noTextEdit="1"/>
+                </p:cNvSpPr>
+                <p:nvPr/>
+              </p:nvSpPr>
+              <p:spPr>
+                <a:xfrm>
+                  <a:off x="262054" y="4062622"/>
+                  <a:ext cx="448391" cy="369332"/>
+                </a:xfrm>
+                <a:prstGeom prst="rect">
+                  <a:avLst/>
+                </a:prstGeom>
+                <a:blipFill>
+                  <a:blip r:embed="rId5"/>
+                  <a:stretch>
+                    <a:fillRect/>
+                  </a:stretch>
+                </a:blipFill>
+              </p:spPr>
+              <p:txBody>
+                <a:bodyPr/>
+                <a:lstStyle/>
+                <a:p>
+                  <a:r>
+                    <a:rPr lang="en-IL">
+                      <a:noFill/>
+                    </a:rPr>
+                    <a:t> </a:t>
+                  </a:r>
+                </a:p>
+              </p:txBody>
+            </p:sp>
+          </mc:Fallback>
+        </mc:AlternateContent>
+        <p:cxnSp>
+          <p:nvCxnSpPr>
+            <p:cNvPr id="28" name="Straight Connector 27">
+              <a:extLst>
+                <a:ext uri="{FF2B5EF4-FFF2-40B4-BE49-F238E27FC236}">
+                  <a16:creationId xmlns:a16="http://schemas.microsoft.com/office/drawing/2014/main" id="{3C0A636A-244F-4A27-B55D-0B986EE8B119}"/>
+                </a:ext>
+              </a:extLst>
+            </p:cNvPr>
+            <p:cNvCxnSpPr>
+              <a:cxnSpLocks/>
+              <a:stCxn id="6" idx="1"/>
+              <a:endCxn id="6" idx="3"/>
+            </p:cNvCxnSpPr>
+            <p:nvPr/>
+          </p:nvCxnSpPr>
+          <p:spPr>
+            <a:xfrm>
+              <a:off x="603209" y="4247288"/>
+              <a:ext cx="4489786" cy="0"/>
+            </a:xfrm>
+            <a:prstGeom prst="line">
+              <a:avLst/>
+            </a:prstGeom>
+            <a:ln>
+              <a:prstDash val="dash"/>
+            </a:ln>
+          </p:spPr>
+          <p:style>
+            <a:lnRef idx="1">
+              <a:schemeClr val="accent1"/>
+            </a:lnRef>
+            <a:fillRef idx="0">
+              <a:schemeClr val="accent1"/>
+            </a:fillRef>
+            <a:effectRef idx="0">
+              <a:schemeClr val="accent1"/>
+            </a:effectRef>
+            <a:fontRef idx="minor">
+              <a:schemeClr val="tx1"/>
+            </a:fontRef>
+          </p:style>
+        </p:cxnSp>
+      </p:grpSp>
+      <p:grpSp>
+        <p:nvGrpSpPr>
+          <p:cNvPr id="34" name="Group 33">
+            <a:extLst>
+              <a:ext uri="{FF2B5EF4-FFF2-40B4-BE49-F238E27FC236}">
+                <a16:creationId xmlns:a16="http://schemas.microsoft.com/office/drawing/2014/main" id="{2AA1E853-89D9-45C7-9CAB-3A101ADCA72D}"/>
+              </a:ext>
+            </a:extLst>
+          </p:cNvPr>
+          <p:cNvGrpSpPr/>
+          <p:nvPr/>
+        </p:nvGrpSpPr>
+        <p:grpSpPr>
+          <a:xfrm>
+            <a:off x="1238548" y="2567822"/>
+            <a:ext cx="453714" cy="3728264"/>
+            <a:chOff x="1238548" y="2567822"/>
+            <a:chExt cx="453714" cy="3728264"/>
+          </a:xfrm>
+        </p:grpSpPr>
+        <mc:AlternateContent xmlns:mc="http://schemas.openxmlformats.org/markup-compatibility/2006">
+          <mc:Choice xmlns:a14="http://schemas.microsoft.com/office/drawing/2010/main" Requires="a14">
+            <p:sp>
+              <p:nvSpPr>
+                <p:cNvPr id="25" name="TextBox 24">
+                  <a:extLst>
+                    <a:ext uri="{FF2B5EF4-FFF2-40B4-BE49-F238E27FC236}">
+                      <a16:creationId xmlns:a16="http://schemas.microsoft.com/office/drawing/2014/main" id="{59856A66-DC33-4D03-8191-B0719617DF77}"/>
+                    </a:ext>
+                  </a:extLst>
+                </p:cNvPr>
+                <p:cNvSpPr txBox="1"/>
+                <p:nvPr/>
+              </p:nvSpPr>
+              <p:spPr>
+                <a:xfrm>
+                  <a:off x="1238548" y="5926754"/>
+                  <a:ext cx="453714" cy="369332"/>
+                </a:xfrm>
+                <a:prstGeom prst="rect">
+                  <a:avLst/>
+                </a:prstGeom>
+                <a:noFill/>
+              </p:spPr>
+              <p:txBody>
+                <a:bodyPr wrap="none" rtlCol="0">
+                  <a:spAutoFit/>
+                </a:bodyPr>
+                <a:lstStyle/>
+                <a:p>
+                  <a14:m>
+                    <m:oMathPara xmlns:m="http://schemas.openxmlformats.org/officeDocument/2006/math">
+                      <m:oMathParaPr>
+                        <m:jc m:val="centerGroup"/>
+                      </m:oMathParaPr>
+                      <m:oMath xmlns:m="http://schemas.openxmlformats.org/officeDocument/2006/math">
+                        <m:sSub>
+                          <m:sSubPr>
+                            <m:ctrlPr>
+                              <a:rPr lang="en-US" b="0" i="1" smtClean="0">
+                                <a:latin typeface="Cambria Math" panose="02040503050406030204" pitchFamily="18" charset="0"/>
+                              </a:rPr>
+                            </m:ctrlPr>
+                          </m:sSubPr>
+                          <m:e>
+                            <m:r>
+                              <a:rPr lang="en-US" b="0" i="1" smtClean="0">
+                                <a:latin typeface="Cambria Math" panose="02040503050406030204" pitchFamily="18" charset="0"/>
+                              </a:rPr>
+                              <m:t>𝑡</m:t>
+                            </m:r>
+                          </m:e>
+                          <m:sub>
+                            <m:r>
+                              <a:rPr lang="en-US" b="0" i="1" smtClean="0">
+                                <a:latin typeface="Cambria Math" panose="02040503050406030204" pitchFamily="18" charset="0"/>
+                              </a:rPr>
+                              <m:t>2</m:t>
+                            </m:r>
+                          </m:sub>
+                        </m:sSub>
+                      </m:oMath>
+                    </m:oMathPara>
+                  </a14:m>
+                  <a:endParaRPr lang="en-IL" dirty="0"/>
+                </a:p>
+              </p:txBody>
+            </p:sp>
+          </mc:Choice>
+          <mc:Fallback>
+            <p:sp>
+              <p:nvSpPr>
+                <p:cNvPr id="25" name="TextBox 24">
+                  <a:extLst>
+                    <a:ext uri="{FF2B5EF4-FFF2-40B4-BE49-F238E27FC236}">
+                      <a16:creationId xmlns:a16="http://schemas.microsoft.com/office/drawing/2014/main" id="{59856A66-DC33-4D03-8191-B0719617DF77}"/>
+                    </a:ext>
+                  </a:extLst>
+                </p:cNvPr>
+                <p:cNvSpPr txBox="1">
+                  <a:spLocks noRot="1" noChangeAspect="1" noMove="1" noResize="1" noEditPoints="1" noAdjustHandles="1" noChangeArrowheads="1" noChangeShapeType="1" noTextEdit="1"/>
+                </p:cNvSpPr>
+                <p:nvPr/>
+              </p:nvSpPr>
+              <p:spPr>
+                <a:xfrm>
+                  <a:off x="1238548" y="5926754"/>
+                  <a:ext cx="453714" cy="369332"/>
+                </a:xfrm>
+                <a:prstGeom prst="rect">
+                  <a:avLst/>
+                </a:prstGeom>
+                <a:blipFill>
+                  <a:blip r:embed="rId6"/>
+                  <a:stretch>
+                    <a:fillRect/>
+                  </a:stretch>
+                </a:blipFill>
+              </p:spPr>
+              <p:txBody>
+                <a:bodyPr/>
+                <a:lstStyle/>
+                <a:p>
+                  <a:r>
+                    <a:rPr lang="en-IL">
+                      <a:noFill/>
+                    </a:rPr>
+                    <a:t> </a:t>
+                  </a:r>
+                </a:p>
+              </p:txBody>
+            </p:sp>
+          </mc:Fallback>
+        </mc:AlternateContent>
+        <p:cxnSp>
+          <p:nvCxnSpPr>
+            <p:cNvPr id="31" name="Straight Connector 30">
+              <a:extLst>
+                <a:ext uri="{FF2B5EF4-FFF2-40B4-BE49-F238E27FC236}">
+                  <a16:creationId xmlns:a16="http://schemas.microsoft.com/office/drawing/2014/main" id="{976EAA6F-0762-43E4-AD2A-93E4BB682BB0}"/>
+                </a:ext>
+              </a:extLst>
+            </p:cNvPr>
+            <p:cNvCxnSpPr>
+              <a:stCxn id="25" idx="0"/>
+            </p:cNvCxnSpPr>
+            <p:nvPr/>
+          </p:nvCxnSpPr>
+          <p:spPr>
+            <a:xfrm flipV="1">
+              <a:off x="1465405" y="2567822"/>
+              <a:ext cx="0" cy="3358932"/>
+            </a:xfrm>
+            <a:prstGeom prst="line">
+              <a:avLst/>
+            </a:prstGeom>
+            <a:ln>
+              <a:prstDash val="dash"/>
+            </a:ln>
+          </p:spPr>
+          <p:style>
+            <a:lnRef idx="1">
+              <a:schemeClr val="accent1"/>
+            </a:lnRef>
+            <a:fillRef idx="0">
+              <a:schemeClr val="accent1"/>
+            </a:fillRef>
+            <a:effectRef idx="0">
+              <a:schemeClr val="accent1"/>
+            </a:effectRef>
+            <a:fontRef idx="minor">
+              <a:schemeClr val="tx1"/>
+            </a:fontRef>
+          </p:style>
+        </p:cxnSp>
+      </p:grpSp>
+      <p:grpSp>
+        <p:nvGrpSpPr>
+          <p:cNvPr id="35" name="Group 34">
+            <a:extLst>
+              <a:ext uri="{FF2B5EF4-FFF2-40B4-BE49-F238E27FC236}">
+                <a16:creationId xmlns:a16="http://schemas.microsoft.com/office/drawing/2014/main" id="{41B5289D-E630-4E76-A0FA-D0271CABF024}"/>
+              </a:ext>
+            </a:extLst>
+          </p:cNvPr>
+          <p:cNvGrpSpPr/>
+          <p:nvPr/>
+        </p:nvGrpSpPr>
+        <p:grpSpPr>
+          <a:xfrm>
+            <a:off x="3878775" y="2567822"/>
+            <a:ext cx="453714" cy="3728264"/>
+            <a:chOff x="3878775" y="2567822"/>
+            <a:chExt cx="453714" cy="3728264"/>
+          </a:xfrm>
+        </p:grpSpPr>
+        <mc:AlternateContent xmlns:mc="http://schemas.openxmlformats.org/markup-compatibility/2006">
+          <mc:Choice xmlns:a14="http://schemas.microsoft.com/office/drawing/2010/main" Requires="a14">
+            <p:sp>
+              <p:nvSpPr>
+                <p:cNvPr id="26" name="TextBox 25">
+                  <a:extLst>
+                    <a:ext uri="{FF2B5EF4-FFF2-40B4-BE49-F238E27FC236}">
+                      <a16:creationId xmlns:a16="http://schemas.microsoft.com/office/drawing/2014/main" id="{D333640E-C693-4AEA-BBCD-64A29CDBD7DB}"/>
+                    </a:ext>
+                  </a:extLst>
+                </p:cNvPr>
+                <p:cNvSpPr txBox="1"/>
+                <p:nvPr/>
+              </p:nvSpPr>
+              <p:spPr>
+                <a:xfrm>
+                  <a:off x="3878775" y="5926754"/>
+                  <a:ext cx="453714" cy="369332"/>
+                </a:xfrm>
+                <a:prstGeom prst="rect">
+                  <a:avLst/>
+                </a:prstGeom>
+                <a:noFill/>
+              </p:spPr>
+              <p:txBody>
+                <a:bodyPr wrap="none" rtlCol="0">
+                  <a:spAutoFit/>
+                </a:bodyPr>
+                <a:lstStyle/>
+                <a:p>
+                  <a14:m>
+                    <m:oMathPara xmlns:m="http://schemas.openxmlformats.org/officeDocument/2006/math">
+                      <m:oMathParaPr>
+                        <m:jc m:val="centerGroup"/>
+                      </m:oMathParaPr>
+                      <m:oMath xmlns:m="http://schemas.openxmlformats.org/officeDocument/2006/math">
+                        <m:sSub>
+                          <m:sSubPr>
+                            <m:ctrlPr>
+                              <a:rPr lang="en-US" b="0" i="1" smtClean="0">
+                                <a:latin typeface="Cambria Math" panose="02040503050406030204" pitchFamily="18" charset="0"/>
+                              </a:rPr>
+                            </m:ctrlPr>
+                          </m:sSubPr>
+                          <m:e>
+                            <m:r>
+                              <a:rPr lang="en-US" b="0" i="1" smtClean="0">
+                                <a:latin typeface="Cambria Math" panose="02040503050406030204" pitchFamily="18" charset="0"/>
+                              </a:rPr>
+                              <m:t>𝑡</m:t>
+                            </m:r>
+                          </m:e>
+                          <m:sub>
+                            <m:r>
+                              <a:rPr lang="en-US" b="0" i="1" smtClean="0">
+                                <a:latin typeface="Cambria Math" panose="02040503050406030204" pitchFamily="18" charset="0"/>
+                              </a:rPr>
+                              <m:t>3</m:t>
+                            </m:r>
+                          </m:sub>
+                        </m:sSub>
+                      </m:oMath>
+                    </m:oMathPara>
+                  </a14:m>
+                  <a:endParaRPr lang="en-IL" dirty="0"/>
+                </a:p>
+              </p:txBody>
+            </p:sp>
+          </mc:Choice>
+          <mc:Fallback>
+            <p:sp>
+              <p:nvSpPr>
+                <p:cNvPr id="26" name="TextBox 25">
+                  <a:extLst>
+                    <a:ext uri="{FF2B5EF4-FFF2-40B4-BE49-F238E27FC236}">
+                      <a16:creationId xmlns:a16="http://schemas.microsoft.com/office/drawing/2014/main" id="{D333640E-C693-4AEA-BBCD-64A29CDBD7DB}"/>
+                    </a:ext>
+                  </a:extLst>
+                </p:cNvPr>
+                <p:cNvSpPr txBox="1">
+                  <a:spLocks noRot="1" noChangeAspect="1" noMove="1" noResize="1" noEditPoints="1" noAdjustHandles="1" noChangeArrowheads="1" noChangeShapeType="1" noTextEdit="1"/>
+                </p:cNvSpPr>
+                <p:nvPr/>
+              </p:nvSpPr>
+              <p:spPr>
+                <a:xfrm>
+                  <a:off x="3878775" y="5926754"/>
+                  <a:ext cx="453714" cy="369332"/>
+                </a:xfrm>
+                <a:prstGeom prst="rect">
+                  <a:avLst/>
+                </a:prstGeom>
+                <a:blipFill>
+                  <a:blip r:embed="rId7"/>
+                  <a:stretch>
+                    <a:fillRect/>
+                  </a:stretch>
+                </a:blipFill>
+              </p:spPr>
+              <p:txBody>
+                <a:bodyPr/>
+                <a:lstStyle/>
+                <a:p>
+                  <a:r>
+                    <a:rPr lang="en-IL">
+                      <a:noFill/>
+                    </a:rPr>
+                    <a:t> </a:t>
+                  </a:r>
+                </a:p>
+              </p:txBody>
+            </p:sp>
+          </mc:Fallback>
+        </mc:AlternateContent>
+        <p:cxnSp>
+          <p:nvCxnSpPr>
+            <p:cNvPr id="32" name="Straight Connector 31">
+              <a:extLst>
+                <a:ext uri="{FF2B5EF4-FFF2-40B4-BE49-F238E27FC236}">
+                  <a16:creationId xmlns:a16="http://schemas.microsoft.com/office/drawing/2014/main" id="{8543E43C-1F22-43F3-9512-E4171B78EBE3}"/>
+                </a:ext>
+              </a:extLst>
+            </p:cNvPr>
+            <p:cNvCxnSpPr/>
+            <p:nvPr/>
+          </p:nvCxnSpPr>
+          <p:spPr>
+            <a:xfrm flipV="1">
+              <a:off x="3932159" y="2567822"/>
+              <a:ext cx="0" cy="3358932"/>
+            </a:xfrm>
+            <a:prstGeom prst="line">
+              <a:avLst/>
+            </a:prstGeom>
+            <a:ln>
+              <a:prstDash val="dash"/>
+            </a:ln>
+          </p:spPr>
+          <p:style>
+            <a:lnRef idx="1">
+              <a:schemeClr val="accent1"/>
+            </a:lnRef>
+            <a:fillRef idx="0">
+              <a:schemeClr val="accent1"/>
+            </a:fillRef>
+            <a:effectRef idx="0">
+              <a:schemeClr val="accent1"/>
+            </a:effectRef>
+            <a:fontRef idx="minor">
+              <a:schemeClr val="tx1"/>
+            </a:fontRef>
+          </p:style>
+        </p:cxnSp>
+      </p:grpSp>
+      <p:grpSp>
+        <p:nvGrpSpPr>
+          <p:cNvPr id="40" name="Group 39">
+            <a:extLst>
+              <a:ext uri="{FF2B5EF4-FFF2-40B4-BE49-F238E27FC236}">
+                <a16:creationId xmlns:a16="http://schemas.microsoft.com/office/drawing/2014/main" id="{641CFE8E-F4A3-4626-B6D8-CA992D3B3B0A}"/>
+              </a:ext>
+            </a:extLst>
+          </p:cNvPr>
+          <p:cNvGrpSpPr/>
+          <p:nvPr/>
+        </p:nvGrpSpPr>
+        <p:grpSpPr>
+          <a:xfrm>
+            <a:off x="8464298" y="2466445"/>
+            <a:ext cx="1667444" cy="467592"/>
+            <a:chOff x="8763096" y="2466445"/>
+            <a:chExt cx="1667444" cy="467592"/>
+          </a:xfrm>
+        </p:grpSpPr>
+        <p:sp>
+          <p:nvSpPr>
+            <p:cNvPr id="36" name="Rectangle: Rounded Corners 35">
+              <a:extLst>
+                <a:ext uri="{FF2B5EF4-FFF2-40B4-BE49-F238E27FC236}">
+                  <a16:creationId xmlns:a16="http://schemas.microsoft.com/office/drawing/2014/main" id="{340258DB-694F-4551-A031-787B4627DD7E}"/>
+                </a:ext>
+              </a:extLst>
+            </p:cNvPr>
+            <p:cNvSpPr/>
+            <p:nvPr/>
+          </p:nvSpPr>
+          <p:spPr>
+            <a:xfrm>
+              <a:off x="8763096" y="2466445"/>
+              <a:ext cx="1667444" cy="467592"/>
+            </a:xfrm>
+            <a:prstGeom prst="roundRect">
+              <a:avLst/>
+            </a:prstGeom>
+          </p:spPr>
+          <p:style>
+            <a:lnRef idx="2">
+              <a:schemeClr val="accent1"/>
+            </a:lnRef>
+            <a:fillRef idx="1">
+              <a:schemeClr val="lt1"/>
+            </a:fillRef>
+            <a:effectRef idx="0">
+              <a:schemeClr val="accent1"/>
+            </a:effectRef>
+            <a:fontRef idx="minor">
+              <a:schemeClr val="dk1"/>
+            </a:fontRef>
+          </p:style>
+          <p:txBody>
+            <a:bodyPr rtlCol="0" anchor="ctr"/>
+            <a:lstStyle/>
+            <a:p>
+              <a:r>
+                <a:rPr lang="en-US" dirty="0"/>
+                <a:t>Root </a:t>
+              </a:r>
+              <a:endParaRPr lang="en-IL" dirty="0"/>
+            </a:p>
+          </p:txBody>
+        </p:sp>
+        <p:sp>
+          <p:nvSpPr>
+            <p:cNvPr id="37" name="Oval 36">
+              <a:extLst>
+                <a:ext uri="{FF2B5EF4-FFF2-40B4-BE49-F238E27FC236}">
+                  <a16:creationId xmlns:a16="http://schemas.microsoft.com/office/drawing/2014/main" id="{B6AD9D9A-B6EF-4415-B8F9-4F6D1328769A}"/>
+                </a:ext>
+              </a:extLst>
+            </p:cNvPr>
+            <p:cNvSpPr/>
+            <p:nvPr/>
+          </p:nvSpPr>
+          <p:spPr>
+            <a:xfrm>
+              <a:off x="9782610" y="2641763"/>
+              <a:ext cx="180753" cy="180753"/>
+            </a:xfrm>
+            <a:prstGeom prst="ellipse">
+              <a:avLst/>
+            </a:prstGeom>
+          </p:spPr>
+          <p:style>
+            <a:lnRef idx="2">
+              <a:schemeClr val="accent4">
+                <a:shade val="50000"/>
+              </a:schemeClr>
+            </a:lnRef>
+            <a:fillRef idx="1">
+              <a:schemeClr val="accent4"/>
+            </a:fillRef>
+            <a:effectRef idx="0">
+              <a:schemeClr val="accent4"/>
+            </a:effectRef>
+            <a:fontRef idx="minor">
+              <a:schemeClr val="lt1"/>
+            </a:fontRef>
+          </p:style>
+          <p:txBody>
+            <a:bodyPr rtlCol="0" anchor="ctr"/>
+            <a:lstStyle/>
+            <a:p>
+              <a:pPr algn="ctr"/>
+              <a:r>
+                <a:rPr lang="en-US" dirty="0"/>
+                <a:t>7</a:t>
+              </a:r>
+              <a:endParaRPr lang="en-IL" dirty="0"/>
+            </a:p>
+          </p:txBody>
+        </p:sp>
+        <p:sp>
+          <p:nvSpPr>
+            <p:cNvPr id="39" name="Oval 38">
+              <a:extLst>
+                <a:ext uri="{FF2B5EF4-FFF2-40B4-BE49-F238E27FC236}">
+                  <a16:creationId xmlns:a16="http://schemas.microsoft.com/office/drawing/2014/main" id="{4EF5DACC-15A7-4AC2-B45E-894D886A21E1}"/>
+                </a:ext>
+              </a:extLst>
+            </p:cNvPr>
+            <p:cNvSpPr/>
+            <p:nvPr/>
+          </p:nvSpPr>
+          <p:spPr>
+            <a:xfrm>
+              <a:off x="10124430" y="2641763"/>
+              <a:ext cx="180753" cy="180753"/>
+            </a:xfrm>
+            <a:prstGeom prst="ellipse">
+              <a:avLst/>
+            </a:prstGeom>
+          </p:spPr>
+          <p:style>
+            <a:lnRef idx="2">
+              <a:schemeClr val="accent5">
+                <a:shade val="50000"/>
+              </a:schemeClr>
+            </a:lnRef>
+            <a:fillRef idx="1">
+              <a:schemeClr val="accent5"/>
+            </a:fillRef>
+            <a:effectRef idx="0">
+              <a:schemeClr val="accent5"/>
+            </a:effectRef>
+            <a:fontRef idx="minor">
+              <a:schemeClr val="lt1"/>
+            </a:fontRef>
+          </p:style>
+          <p:txBody>
+            <a:bodyPr rtlCol="0" anchor="ctr"/>
+            <a:lstStyle/>
+            <a:p>
+              <a:pPr algn="ctr"/>
+              <a:r>
+                <a:rPr lang="en-US" dirty="0"/>
+                <a:t>6</a:t>
+              </a:r>
+              <a:endParaRPr lang="en-IL" dirty="0"/>
+            </a:p>
+          </p:txBody>
+        </p:sp>
+      </p:grpSp>
+      <p:grpSp>
+        <p:nvGrpSpPr>
+          <p:cNvPr id="49" name="Group 48">
+            <a:extLst>
+              <a:ext uri="{FF2B5EF4-FFF2-40B4-BE49-F238E27FC236}">
+                <a16:creationId xmlns:a16="http://schemas.microsoft.com/office/drawing/2014/main" id="{62CEBA5D-88F4-4763-8B1F-7C09B621431E}"/>
+              </a:ext>
+            </a:extLst>
+          </p:cNvPr>
+          <p:cNvGrpSpPr/>
+          <p:nvPr/>
+        </p:nvGrpSpPr>
+        <p:grpSpPr>
+          <a:xfrm>
+            <a:off x="8059479" y="2985966"/>
+            <a:ext cx="2573079" cy="841755"/>
+            <a:chOff x="8059479" y="2985966"/>
+            <a:chExt cx="2573079" cy="841755"/>
+          </a:xfrm>
+        </p:grpSpPr>
+        <mc:AlternateContent xmlns:mc="http://schemas.openxmlformats.org/markup-compatibility/2006">
+          <mc:Choice xmlns:a14="http://schemas.microsoft.com/office/drawing/2010/main" Requires="a14">
+            <p:sp>
+              <p:nvSpPr>
+                <p:cNvPr id="41" name="TextBox 40">
+                  <a:extLst>
+                    <a:ext uri="{FF2B5EF4-FFF2-40B4-BE49-F238E27FC236}">
+                      <a16:creationId xmlns:a16="http://schemas.microsoft.com/office/drawing/2014/main" id="{CF11CB49-F917-4A34-859A-C773D70EC308}"/>
+                    </a:ext>
+                  </a:extLst>
+                </p:cNvPr>
+                <p:cNvSpPr txBox="1"/>
+                <p:nvPr/>
+              </p:nvSpPr>
+              <p:spPr>
+                <a:xfrm>
+                  <a:off x="8808879" y="2985966"/>
+                  <a:ext cx="978281" cy="369332"/>
+                </a:xfrm>
+                <a:prstGeom prst="rect">
+                  <a:avLst/>
+                </a:prstGeom>
+                <a:noFill/>
+              </p:spPr>
+              <p:txBody>
+                <a:bodyPr wrap="none" rtlCol="0">
+                  <a:spAutoFit/>
+                </a:bodyPr>
+                <a:lstStyle/>
+                <a:p>
+                  <a14:m>
+                    <m:oMathPara xmlns:m="http://schemas.openxmlformats.org/officeDocument/2006/math">
+                      <m:oMathParaPr>
+                        <m:jc m:val="centerGroup"/>
+                      </m:oMathParaPr>
+                      <m:oMath xmlns:m="http://schemas.openxmlformats.org/officeDocument/2006/math">
+                        <m:sSub>
+                          <m:sSubPr>
+                            <m:ctrlPr>
+                              <a:rPr lang="en-US" b="0" i="1" smtClean="0">
+                                <a:latin typeface="Cambria Math" panose="02040503050406030204" pitchFamily="18" charset="0"/>
+                              </a:rPr>
+                            </m:ctrlPr>
+                          </m:sSubPr>
+                          <m:e>
+                            <m:r>
+                              <a:rPr lang="en-US" b="0" i="1" smtClean="0">
+                                <a:latin typeface="Cambria Math" panose="02040503050406030204" pitchFamily="18" charset="0"/>
+                              </a:rPr>
+                              <m:t>𝑥</m:t>
+                            </m:r>
+                          </m:e>
+                          <m:sub>
+                            <m:r>
+                              <a:rPr lang="en-US" b="0" i="1" smtClean="0">
+                                <a:latin typeface="Cambria Math" panose="02040503050406030204" pitchFamily="18" charset="0"/>
+                              </a:rPr>
+                              <m:t>2</m:t>
+                            </m:r>
+                          </m:sub>
+                        </m:sSub>
+                        <m:r>
+                          <a:rPr lang="en-US" b="0" i="1" smtClean="0">
+                            <a:latin typeface="Cambria Math" panose="02040503050406030204" pitchFamily="18" charset="0"/>
+                          </a:rPr>
+                          <m:t>≤</m:t>
+                        </m:r>
+                        <m:sSub>
+                          <m:sSubPr>
+                            <m:ctrlPr>
+                              <a:rPr lang="en-US" b="0" i="1" smtClean="0">
+                                <a:latin typeface="Cambria Math" panose="02040503050406030204" pitchFamily="18" charset="0"/>
+                              </a:rPr>
+                            </m:ctrlPr>
+                          </m:sSubPr>
+                          <m:e>
+                            <m:r>
+                              <a:rPr lang="en-US" b="0" i="1" smtClean="0">
+                                <a:latin typeface="Cambria Math" panose="02040503050406030204" pitchFamily="18" charset="0"/>
+                              </a:rPr>
+                              <m:t>𝑡</m:t>
+                            </m:r>
+                          </m:e>
+                          <m:sub>
+                            <m:r>
+                              <a:rPr lang="en-US" b="0" i="1" smtClean="0">
+                                <a:latin typeface="Cambria Math" panose="02040503050406030204" pitchFamily="18" charset="0"/>
+                              </a:rPr>
+                              <m:t>1</m:t>
+                            </m:r>
+                          </m:sub>
+                        </m:sSub>
+                      </m:oMath>
+                    </m:oMathPara>
+                  </a14:m>
+                  <a:endParaRPr lang="en-IL" dirty="0"/>
+                </a:p>
+              </p:txBody>
+            </p:sp>
+          </mc:Choice>
+          <mc:Fallback>
+            <p:sp>
+              <p:nvSpPr>
+                <p:cNvPr id="41" name="TextBox 40">
+                  <a:extLst>
+                    <a:ext uri="{FF2B5EF4-FFF2-40B4-BE49-F238E27FC236}">
+                      <a16:creationId xmlns:a16="http://schemas.microsoft.com/office/drawing/2014/main" id="{CF11CB49-F917-4A34-859A-C773D70EC308}"/>
+                    </a:ext>
+                  </a:extLst>
+                </p:cNvPr>
+                <p:cNvSpPr txBox="1">
+                  <a:spLocks noRot="1" noChangeAspect="1" noMove="1" noResize="1" noEditPoints="1" noAdjustHandles="1" noChangeArrowheads="1" noChangeShapeType="1" noTextEdit="1"/>
+                </p:cNvSpPr>
+                <p:nvPr/>
+              </p:nvSpPr>
+              <p:spPr>
+                <a:xfrm>
+                  <a:off x="8808879" y="2985966"/>
+                  <a:ext cx="978281" cy="369332"/>
+                </a:xfrm>
+                <a:prstGeom prst="rect">
+                  <a:avLst/>
+                </a:prstGeom>
+                <a:blipFill>
+                  <a:blip r:embed="rId8"/>
+                  <a:stretch>
+                    <a:fillRect b="-1667"/>
+                  </a:stretch>
+                </a:blipFill>
+              </p:spPr>
+              <p:txBody>
+                <a:bodyPr/>
+                <a:lstStyle/>
+                <a:p>
+                  <a:r>
+                    <a:rPr lang="en-IL">
+                      <a:noFill/>
+                    </a:rPr>
+                    <a:t> </a:t>
+                  </a:r>
+                </a:p>
+              </p:txBody>
+            </p:sp>
+          </mc:Fallback>
+        </mc:AlternateContent>
+        <p:cxnSp>
+          <p:nvCxnSpPr>
+            <p:cNvPr id="43" name="Straight Arrow Connector 42">
+              <a:extLst>
+                <a:ext uri="{FF2B5EF4-FFF2-40B4-BE49-F238E27FC236}">
+                  <a16:creationId xmlns:a16="http://schemas.microsoft.com/office/drawing/2014/main" id="{747DCEAF-5657-41AD-8CB6-C401A802C941}"/>
+                </a:ext>
+              </a:extLst>
+            </p:cNvPr>
+            <p:cNvCxnSpPr>
+              <a:stCxn id="41" idx="2"/>
+            </p:cNvCxnSpPr>
+            <p:nvPr/>
+          </p:nvCxnSpPr>
+          <p:spPr>
+            <a:xfrm flipH="1">
+              <a:off x="8059479" y="3355298"/>
+              <a:ext cx="1238541" cy="472423"/>
+            </a:xfrm>
+            <a:prstGeom prst="straightConnector1">
+              <a:avLst/>
+            </a:prstGeom>
+            <a:ln>
+              <a:tailEnd type="triangle"/>
+            </a:ln>
+          </p:spPr>
+          <p:style>
+            <a:lnRef idx="1">
+              <a:schemeClr val="accent1"/>
+            </a:lnRef>
+            <a:fillRef idx="0">
+              <a:schemeClr val="accent1"/>
+            </a:fillRef>
+            <a:effectRef idx="0">
+              <a:schemeClr val="accent1"/>
+            </a:effectRef>
+            <a:fontRef idx="minor">
+              <a:schemeClr val="tx1"/>
+            </a:fontRef>
+          </p:style>
+        </p:cxnSp>
+        <p:cxnSp>
+          <p:nvCxnSpPr>
+            <p:cNvPr id="45" name="Straight Arrow Connector 44">
+              <a:extLst>
+                <a:ext uri="{FF2B5EF4-FFF2-40B4-BE49-F238E27FC236}">
+                  <a16:creationId xmlns:a16="http://schemas.microsoft.com/office/drawing/2014/main" id="{FF59A100-EEEC-432E-A43B-307BA1BA9863}"/>
+                </a:ext>
+              </a:extLst>
+            </p:cNvPr>
+            <p:cNvCxnSpPr>
+              <a:cxnSpLocks/>
+              <a:stCxn id="41" idx="2"/>
+            </p:cNvCxnSpPr>
+            <p:nvPr/>
+          </p:nvCxnSpPr>
+          <p:spPr>
+            <a:xfrm>
+              <a:off x="9298020" y="3355298"/>
+              <a:ext cx="1334538" cy="468990"/>
+            </a:xfrm>
+            <a:prstGeom prst="straightConnector1">
+              <a:avLst/>
+            </a:prstGeom>
+            <a:ln>
+              <a:tailEnd type="triangle"/>
+            </a:ln>
+          </p:spPr>
+          <p:style>
+            <a:lnRef idx="1">
+              <a:schemeClr val="accent1"/>
+            </a:lnRef>
+            <a:fillRef idx="0">
+              <a:schemeClr val="accent1"/>
+            </a:fillRef>
+            <a:effectRef idx="0">
+              <a:schemeClr val="accent1"/>
+            </a:effectRef>
+            <a:fontRef idx="minor">
+              <a:schemeClr val="tx1"/>
+            </a:fontRef>
+          </p:style>
+        </p:cxnSp>
+        <p:sp>
+          <p:nvSpPr>
+            <p:cNvPr id="47" name="TextBox 46">
+              <a:extLst>
+                <a:ext uri="{FF2B5EF4-FFF2-40B4-BE49-F238E27FC236}">
+                  <a16:creationId xmlns:a16="http://schemas.microsoft.com/office/drawing/2014/main" id="{5601F4C7-A4C7-478C-BFC9-EDE441673A88}"/>
+                </a:ext>
+              </a:extLst>
+            </p:cNvPr>
+            <p:cNvSpPr txBox="1"/>
+            <p:nvPr/>
+          </p:nvSpPr>
+          <p:spPr>
+            <a:xfrm>
+              <a:off x="8403673" y="3348855"/>
+              <a:ext cx="550151" cy="369332"/>
+            </a:xfrm>
+            <a:prstGeom prst="rect">
+              <a:avLst/>
+            </a:prstGeom>
+            <a:noFill/>
+          </p:spPr>
+          <p:txBody>
+            <a:bodyPr wrap="none" rtlCol="0">
+              <a:spAutoFit/>
+            </a:bodyPr>
+            <a:lstStyle/>
+            <a:p>
+              <a:r>
+                <a:rPr lang="en-US" dirty="0"/>
+                <a:t>yes</a:t>
+              </a:r>
+              <a:endParaRPr lang="en-IL" dirty="0"/>
+            </a:p>
+          </p:txBody>
+        </p:sp>
+        <p:sp>
+          <p:nvSpPr>
+            <p:cNvPr id="48" name="TextBox 47">
+              <a:extLst>
+                <a:ext uri="{FF2B5EF4-FFF2-40B4-BE49-F238E27FC236}">
+                  <a16:creationId xmlns:a16="http://schemas.microsoft.com/office/drawing/2014/main" id="{3AA6E2FA-FCF9-4EEE-8E12-9EC1DBB3ED4C}"/>
+                </a:ext>
+              </a:extLst>
+            </p:cNvPr>
+            <p:cNvSpPr txBox="1"/>
+            <p:nvPr/>
+          </p:nvSpPr>
+          <p:spPr>
+            <a:xfrm>
+              <a:off x="9642214" y="3348855"/>
+              <a:ext cx="466794" cy="369332"/>
+            </a:xfrm>
+            <a:prstGeom prst="rect">
+              <a:avLst/>
+            </a:prstGeom>
+            <a:noFill/>
+          </p:spPr>
+          <p:txBody>
+            <a:bodyPr wrap="none" rtlCol="0">
+              <a:spAutoFit/>
+            </a:bodyPr>
+            <a:lstStyle/>
+            <a:p>
+              <a:r>
+                <a:rPr lang="en-US" dirty="0"/>
+                <a:t>no</a:t>
+              </a:r>
+              <a:endParaRPr lang="en-IL" dirty="0"/>
+            </a:p>
+          </p:txBody>
+        </p:sp>
+      </p:grpSp>
+      <p:grpSp>
+        <p:nvGrpSpPr>
+          <p:cNvPr id="50" name="Group 49">
+            <a:extLst>
+              <a:ext uri="{FF2B5EF4-FFF2-40B4-BE49-F238E27FC236}">
+                <a16:creationId xmlns:a16="http://schemas.microsoft.com/office/drawing/2014/main" id="{611C21F7-BC39-41F9-B969-0752EB613B9D}"/>
+              </a:ext>
+            </a:extLst>
+          </p:cNvPr>
+          <p:cNvGrpSpPr/>
+          <p:nvPr/>
+        </p:nvGrpSpPr>
+        <p:grpSpPr>
+          <a:xfrm>
+            <a:off x="7760990" y="3896308"/>
+            <a:ext cx="745840" cy="467592"/>
+            <a:chOff x="9266430" y="2466445"/>
+            <a:chExt cx="745840" cy="467592"/>
+          </a:xfrm>
+        </p:grpSpPr>
+        <p:sp>
+          <p:nvSpPr>
+            <p:cNvPr id="51" name="Rectangle: Rounded Corners 50">
+              <a:extLst>
+                <a:ext uri="{FF2B5EF4-FFF2-40B4-BE49-F238E27FC236}">
+                  <a16:creationId xmlns:a16="http://schemas.microsoft.com/office/drawing/2014/main" id="{2E75907D-9836-4101-87C9-F82C22CA3993}"/>
+                </a:ext>
+              </a:extLst>
+            </p:cNvPr>
+            <p:cNvSpPr/>
+            <p:nvPr/>
+          </p:nvSpPr>
+          <p:spPr>
+            <a:xfrm>
+              <a:off x="9266430" y="2466445"/>
+              <a:ext cx="745840" cy="467592"/>
+            </a:xfrm>
+            <a:prstGeom prst="roundRect">
+              <a:avLst/>
+            </a:prstGeom>
+          </p:spPr>
+          <p:style>
+            <a:lnRef idx="2">
+              <a:schemeClr val="accent1"/>
+            </a:lnRef>
+            <a:fillRef idx="1">
+              <a:schemeClr val="lt1"/>
+            </a:fillRef>
+            <a:effectRef idx="0">
+              <a:schemeClr val="accent1"/>
+            </a:effectRef>
+            <a:fontRef idx="minor">
+              <a:schemeClr val="dk1"/>
+            </a:fontRef>
+          </p:style>
+          <p:txBody>
+            <a:bodyPr rtlCol="0" anchor="ctr"/>
+            <a:lstStyle/>
+            <a:p>
+              <a:r>
+                <a:rPr lang="en-US" dirty="0"/>
+                <a:t> </a:t>
+              </a:r>
+              <a:endParaRPr lang="en-IL" dirty="0"/>
+            </a:p>
+          </p:txBody>
+        </p:sp>
+        <p:sp>
+          <p:nvSpPr>
+            <p:cNvPr id="52" name="Oval 51">
+              <a:extLst>
+                <a:ext uri="{FF2B5EF4-FFF2-40B4-BE49-F238E27FC236}">
+                  <a16:creationId xmlns:a16="http://schemas.microsoft.com/office/drawing/2014/main" id="{606E7BA5-23D8-44B1-BA8A-362B9A92B331}"/>
+                </a:ext>
+              </a:extLst>
+            </p:cNvPr>
+            <p:cNvSpPr/>
+            <p:nvPr/>
+          </p:nvSpPr>
+          <p:spPr>
+            <a:xfrm>
+              <a:off x="9384166" y="2641763"/>
+              <a:ext cx="180753" cy="180753"/>
+            </a:xfrm>
+            <a:prstGeom prst="ellipse">
+              <a:avLst/>
+            </a:prstGeom>
+          </p:spPr>
+          <p:style>
+            <a:lnRef idx="2">
+              <a:schemeClr val="accent4">
+                <a:shade val="50000"/>
+              </a:schemeClr>
+            </a:lnRef>
+            <a:fillRef idx="1">
+              <a:schemeClr val="accent4"/>
+            </a:fillRef>
+            <a:effectRef idx="0">
+              <a:schemeClr val="accent4"/>
+            </a:effectRef>
+            <a:fontRef idx="minor">
+              <a:schemeClr val="lt1"/>
+            </a:fontRef>
+          </p:style>
+          <p:txBody>
+            <a:bodyPr rtlCol="0" anchor="ctr"/>
+            <a:lstStyle/>
+            <a:p>
+              <a:pPr algn="ctr"/>
+              <a:r>
+                <a:rPr lang="en-US" dirty="0"/>
+                <a:t>6</a:t>
+              </a:r>
+              <a:endParaRPr lang="en-IL" dirty="0"/>
+            </a:p>
+          </p:txBody>
+        </p:sp>
+        <p:sp>
+          <p:nvSpPr>
+            <p:cNvPr id="53" name="Oval 52">
+              <a:extLst>
+                <a:ext uri="{FF2B5EF4-FFF2-40B4-BE49-F238E27FC236}">
+                  <a16:creationId xmlns:a16="http://schemas.microsoft.com/office/drawing/2014/main" id="{3E8134F4-26D0-4FCC-AEF3-D0B89501555E}"/>
+                </a:ext>
+              </a:extLst>
+            </p:cNvPr>
+            <p:cNvSpPr/>
+            <p:nvPr/>
+          </p:nvSpPr>
+          <p:spPr>
+            <a:xfrm>
+              <a:off x="9725986" y="2641763"/>
+              <a:ext cx="180753" cy="180753"/>
+            </a:xfrm>
+            <a:prstGeom prst="ellipse">
+              <a:avLst/>
+            </a:prstGeom>
+          </p:spPr>
+          <p:style>
+            <a:lnRef idx="2">
+              <a:schemeClr val="accent5">
+                <a:shade val="50000"/>
+              </a:schemeClr>
+            </a:lnRef>
+            <a:fillRef idx="1">
+              <a:schemeClr val="accent5"/>
+            </a:fillRef>
+            <a:effectRef idx="0">
+              <a:schemeClr val="accent5"/>
+            </a:effectRef>
+            <a:fontRef idx="minor">
+              <a:schemeClr val="lt1"/>
+            </a:fontRef>
+          </p:style>
+          <p:txBody>
+            <a:bodyPr rtlCol="0" anchor="ctr"/>
+            <a:lstStyle/>
+            <a:p>
+              <a:pPr algn="ctr"/>
+              <a:r>
+                <a:rPr lang="en-US" dirty="0"/>
+                <a:t>2</a:t>
+              </a:r>
+              <a:endParaRPr lang="en-IL" dirty="0"/>
+            </a:p>
+          </p:txBody>
+        </p:sp>
+      </p:grpSp>
+      <p:grpSp>
+        <p:nvGrpSpPr>
+          <p:cNvPr id="54" name="Group 53">
+            <a:extLst>
+              <a:ext uri="{FF2B5EF4-FFF2-40B4-BE49-F238E27FC236}">
+                <a16:creationId xmlns:a16="http://schemas.microsoft.com/office/drawing/2014/main" id="{099A7A1E-EFC3-4B6C-B338-3E5682E254D6}"/>
+              </a:ext>
+            </a:extLst>
+          </p:cNvPr>
+          <p:cNvGrpSpPr/>
+          <p:nvPr/>
+        </p:nvGrpSpPr>
+        <p:grpSpPr>
+          <a:xfrm>
+            <a:off x="10175355" y="3896308"/>
+            <a:ext cx="765544" cy="467592"/>
+            <a:chOff x="9139615" y="2466445"/>
+            <a:chExt cx="765544" cy="467592"/>
+          </a:xfrm>
+        </p:grpSpPr>
+        <p:sp>
+          <p:nvSpPr>
+            <p:cNvPr id="55" name="Rectangle: Rounded Corners 54">
+              <a:extLst>
+                <a:ext uri="{FF2B5EF4-FFF2-40B4-BE49-F238E27FC236}">
+                  <a16:creationId xmlns:a16="http://schemas.microsoft.com/office/drawing/2014/main" id="{7BF37FAB-2DC6-482C-A51A-0AD68A9495BE}"/>
+                </a:ext>
+              </a:extLst>
+            </p:cNvPr>
+            <p:cNvSpPr/>
+            <p:nvPr/>
+          </p:nvSpPr>
+          <p:spPr>
+            <a:xfrm>
+              <a:off x="9139615" y="2466445"/>
+              <a:ext cx="765544" cy="467592"/>
+            </a:xfrm>
+            <a:prstGeom prst="roundRect">
+              <a:avLst/>
+            </a:prstGeom>
+          </p:spPr>
+          <p:style>
+            <a:lnRef idx="2">
+              <a:schemeClr val="accent1"/>
+            </a:lnRef>
+            <a:fillRef idx="1">
+              <a:schemeClr val="lt1"/>
+            </a:fillRef>
+            <a:effectRef idx="0">
+              <a:schemeClr val="accent1"/>
+            </a:effectRef>
+            <a:fontRef idx="minor">
+              <a:schemeClr val="dk1"/>
+            </a:fontRef>
+          </p:style>
+          <p:txBody>
+            <a:bodyPr rtlCol="0" anchor="ctr"/>
+            <a:lstStyle/>
+            <a:p>
+              <a:r>
+                <a:rPr lang="en-US" dirty="0"/>
+                <a:t> </a:t>
+              </a:r>
+              <a:endParaRPr lang="en-IL" dirty="0"/>
+            </a:p>
+          </p:txBody>
+        </p:sp>
+        <p:sp>
+          <p:nvSpPr>
+            <p:cNvPr id="56" name="Oval 55">
+              <a:extLst>
+                <a:ext uri="{FF2B5EF4-FFF2-40B4-BE49-F238E27FC236}">
+                  <a16:creationId xmlns:a16="http://schemas.microsoft.com/office/drawing/2014/main" id="{31C16AE6-0ADA-4608-A836-285FAB55CBFB}"/>
+                </a:ext>
+              </a:extLst>
+            </p:cNvPr>
+            <p:cNvSpPr/>
+            <p:nvPr/>
+          </p:nvSpPr>
+          <p:spPr>
+            <a:xfrm>
+              <a:off x="9282880" y="2641763"/>
+              <a:ext cx="180753" cy="180753"/>
+            </a:xfrm>
+            <a:prstGeom prst="ellipse">
+              <a:avLst/>
+            </a:prstGeom>
+          </p:spPr>
+          <p:style>
+            <a:lnRef idx="2">
+              <a:schemeClr val="accent4">
+                <a:shade val="50000"/>
+              </a:schemeClr>
+            </a:lnRef>
+            <a:fillRef idx="1">
+              <a:schemeClr val="accent4"/>
+            </a:fillRef>
+            <a:effectRef idx="0">
+              <a:schemeClr val="accent4"/>
+            </a:effectRef>
+            <a:fontRef idx="minor">
+              <a:schemeClr val="lt1"/>
+            </a:fontRef>
+          </p:style>
+          <p:txBody>
+            <a:bodyPr rtlCol="0" anchor="ctr"/>
+            <a:lstStyle/>
+            <a:p>
+              <a:pPr algn="ctr"/>
+              <a:r>
+                <a:rPr lang="en-US" dirty="0"/>
+                <a:t>1</a:t>
+              </a:r>
+              <a:endParaRPr lang="en-IL" dirty="0"/>
+            </a:p>
+          </p:txBody>
+        </p:sp>
+        <p:sp>
+          <p:nvSpPr>
+            <p:cNvPr id="57" name="Oval 56">
+              <a:extLst>
+                <a:ext uri="{FF2B5EF4-FFF2-40B4-BE49-F238E27FC236}">
+                  <a16:creationId xmlns:a16="http://schemas.microsoft.com/office/drawing/2014/main" id="{9F56D818-C650-4DEE-BF67-FF75A7137FC4}"/>
+                </a:ext>
+              </a:extLst>
+            </p:cNvPr>
+            <p:cNvSpPr/>
+            <p:nvPr/>
+          </p:nvSpPr>
+          <p:spPr>
+            <a:xfrm>
+              <a:off x="9624700" y="2641763"/>
+              <a:ext cx="180753" cy="180753"/>
+            </a:xfrm>
+            <a:prstGeom prst="ellipse">
+              <a:avLst/>
+            </a:prstGeom>
+          </p:spPr>
+          <p:style>
+            <a:lnRef idx="2">
+              <a:schemeClr val="accent5">
+                <a:shade val="50000"/>
+              </a:schemeClr>
+            </a:lnRef>
+            <a:fillRef idx="1">
+              <a:schemeClr val="accent5"/>
+            </a:fillRef>
+            <a:effectRef idx="0">
+              <a:schemeClr val="accent5"/>
+            </a:effectRef>
+            <a:fontRef idx="minor">
+              <a:schemeClr val="lt1"/>
+            </a:fontRef>
+          </p:style>
+          <p:txBody>
+            <a:bodyPr rtlCol="0" anchor="ctr"/>
+            <a:lstStyle/>
+            <a:p>
+              <a:pPr algn="ctr"/>
+              <a:r>
+                <a:rPr lang="en-US" dirty="0"/>
+                <a:t>4</a:t>
+              </a:r>
+              <a:endParaRPr lang="en-IL" dirty="0"/>
+            </a:p>
+          </p:txBody>
+        </p:sp>
+      </p:grpSp>
+      <p:grpSp>
+        <p:nvGrpSpPr>
+          <p:cNvPr id="69" name="Group 68">
+            <a:extLst>
+              <a:ext uri="{FF2B5EF4-FFF2-40B4-BE49-F238E27FC236}">
+                <a16:creationId xmlns:a16="http://schemas.microsoft.com/office/drawing/2014/main" id="{4B203686-4BD4-4FE3-8CB0-252361A69159}"/>
+              </a:ext>
+            </a:extLst>
+          </p:cNvPr>
+          <p:cNvGrpSpPr/>
+          <p:nvPr/>
+        </p:nvGrpSpPr>
+        <p:grpSpPr>
+          <a:xfrm>
+            <a:off x="7155712" y="4367037"/>
+            <a:ext cx="1535613" cy="853548"/>
+            <a:chOff x="7155712" y="4367037"/>
+            <a:chExt cx="1535613" cy="853548"/>
+          </a:xfrm>
+        </p:grpSpPr>
+        <mc:AlternateContent xmlns:mc="http://schemas.openxmlformats.org/markup-compatibility/2006">
+          <mc:Choice xmlns:a14="http://schemas.microsoft.com/office/drawing/2010/main" Requires="a14">
+            <p:sp>
+              <p:nvSpPr>
+                <p:cNvPr id="58" name="TextBox 57">
+                  <a:extLst>
+                    <a:ext uri="{FF2B5EF4-FFF2-40B4-BE49-F238E27FC236}">
+                      <a16:creationId xmlns:a16="http://schemas.microsoft.com/office/drawing/2014/main" id="{D44B1821-A753-4C4F-9FEB-481AE3ECDCC5}"/>
+                    </a:ext>
+                  </a:extLst>
+                </p:cNvPr>
+                <p:cNvSpPr txBox="1"/>
+                <p:nvPr/>
+              </p:nvSpPr>
+              <p:spPr>
+                <a:xfrm>
+                  <a:off x="7643436" y="4367037"/>
+                  <a:ext cx="1047889" cy="369332"/>
+                </a:xfrm>
+                <a:prstGeom prst="rect">
+                  <a:avLst/>
+                </a:prstGeom>
+                <a:noFill/>
+              </p:spPr>
+              <p:txBody>
+                <a:bodyPr wrap="square" rtlCol="0">
+                  <a:spAutoFit/>
+                </a:bodyPr>
+                <a:lstStyle/>
+                <a:p>
+                  <a14:m>
+                    <m:oMathPara xmlns:m="http://schemas.openxmlformats.org/officeDocument/2006/math">
+                      <m:oMathParaPr>
+                        <m:jc m:val="centerGroup"/>
+                      </m:oMathParaPr>
+                      <m:oMath xmlns:m="http://schemas.openxmlformats.org/officeDocument/2006/math">
+                        <m:sSub>
+                          <m:sSubPr>
+                            <m:ctrlPr>
+                              <a:rPr lang="en-US" b="0" i="1" smtClean="0">
+                                <a:latin typeface="Cambria Math" panose="02040503050406030204" pitchFamily="18" charset="0"/>
+                              </a:rPr>
+                            </m:ctrlPr>
+                          </m:sSubPr>
+                          <m:e>
+                            <m:r>
+                              <a:rPr lang="en-US" b="0" i="1" smtClean="0">
+                                <a:latin typeface="Cambria Math" panose="02040503050406030204" pitchFamily="18" charset="0"/>
+                              </a:rPr>
+                              <m:t>𝑥</m:t>
+                            </m:r>
+                          </m:e>
+                          <m:sub>
+                            <m:r>
+                              <a:rPr lang="en-US" b="0" i="1" smtClean="0">
+                                <a:latin typeface="Cambria Math" panose="02040503050406030204" pitchFamily="18" charset="0"/>
+                              </a:rPr>
+                              <m:t>1</m:t>
+                            </m:r>
+                          </m:sub>
+                        </m:sSub>
+                        <m:r>
+                          <a:rPr lang="en-US" b="0" i="1" smtClean="0">
+                            <a:latin typeface="Cambria Math" panose="02040503050406030204" pitchFamily="18" charset="0"/>
+                          </a:rPr>
+                          <m:t>≤</m:t>
+                        </m:r>
+                        <m:sSub>
+                          <m:sSubPr>
+                            <m:ctrlPr>
+                              <a:rPr lang="en-US" b="0" i="1" smtClean="0">
+                                <a:latin typeface="Cambria Math" panose="02040503050406030204" pitchFamily="18" charset="0"/>
+                              </a:rPr>
+                            </m:ctrlPr>
+                          </m:sSubPr>
+                          <m:e>
+                            <m:r>
+                              <a:rPr lang="en-US" b="0" i="1" smtClean="0">
+                                <a:latin typeface="Cambria Math" panose="02040503050406030204" pitchFamily="18" charset="0"/>
+                              </a:rPr>
+                              <m:t>𝑡</m:t>
+                            </m:r>
+                          </m:e>
+                          <m:sub>
+                            <m:r>
+                              <a:rPr lang="en-US" b="0" i="1" smtClean="0">
+                                <a:latin typeface="Cambria Math" panose="02040503050406030204" pitchFamily="18" charset="0"/>
+                              </a:rPr>
+                              <m:t>2</m:t>
+                            </m:r>
+                          </m:sub>
+                        </m:sSub>
+                      </m:oMath>
+                    </m:oMathPara>
+                  </a14:m>
+                  <a:endParaRPr lang="en-IL" dirty="0"/>
+                </a:p>
+              </p:txBody>
+            </p:sp>
+          </mc:Choice>
+          <mc:Fallback>
+            <p:sp>
+              <p:nvSpPr>
+                <p:cNvPr id="58" name="TextBox 57">
+                  <a:extLst>
+                    <a:ext uri="{FF2B5EF4-FFF2-40B4-BE49-F238E27FC236}">
+                      <a16:creationId xmlns:a16="http://schemas.microsoft.com/office/drawing/2014/main" id="{D44B1821-A753-4C4F-9FEB-481AE3ECDCC5}"/>
+                    </a:ext>
+                  </a:extLst>
+                </p:cNvPr>
+                <p:cNvSpPr txBox="1">
+                  <a:spLocks noRot="1" noChangeAspect="1" noMove="1" noResize="1" noEditPoints="1" noAdjustHandles="1" noChangeArrowheads="1" noChangeShapeType="1" noTextEdit="1"/>
+                </p:cNvSpPr>
+                <p:nvPr/>
+              </p:nvSpPr>
+              <p:spPr>
+                <a:xfrm>
+                  <a:off x="7643436" y="4367037"/>
+                  <a:ext cx="1047889" cy="369332"/>
+                </a:xfrm>
+                <a:prstGeom prst="rect">
+                  <a:avLst/>
+                </a:prstGeom>
+                <a:blipFill>
+                  <a:blip r:embed="rId9"/>
+                  <a:stretch>
+                    <a:fillRect/>
+                  </a:stretch>
+                </a:blipFill>
+              </p:spPr>
+              <p:txBody>
+                <a:bodyPr/>
+                <a:lstStyle/>
+                <a:p>
+                  <a:r>
+                    <a:rPr lang="en-IL">
+                      <a:noFill/>
+                    </a:rPr>
+                    <a:t> </a:t>
+                  </a:r>
+                </a:p>
+              </p:txBody>
+            </p:sp>
+          </mc:Fallback>
+        </mc:AlternateContent>
+        <p:cxnSp>
+          <p:nvCxnSpPr>
+            <p:cNvPr id="60" name="Straight Arrow Connector 59">
+              <a:extLst>
+                <a:ext uri="{FF2B5EF4-FFF2-40B4-BE49-F238E27FC236}">
+                  <a16:creationId xmlns:a16="http://schemas.microsoft.com/office/drawing/2014/main" id="{BA9932EA-231B-4D19-AC6E-43E689CECC8C}"/>
+                </a:ext>
+              </a:extLst>
+            </p:cNvPr>
+            <p:cNvCxnSpPr>
+              <a:stCxn id="58" idx="2"/>
+            </p:cNvCxnSpPr>
+            <p:nvPr/>
+          </p:nvCxnSpPr>
+          <p:spPr>
+            <a:xfrm flipH="1">
+              <a:off x="7155712" y="4736369"/>
+              <a:ext cx="1011669" cy="440994"/>
+            </a:xfrm>
+            <a:prstGeom prst="straightConnector1">
+              <a:avLst/>
+            </a:prstGeom>
+            <a:ln>
+              <a:tailEnd type="triangle"/>
+            </a:ln>
+          </p:spPr>
+          <p:style>
+            <a:lnRef idx="1">
+              <a:schemeClr val="accent1"/>
+            </a:lnRef>
+            <a:fillRef idx="0">
+              <a:schemeClr val="accent1"/>
+            </a:fillRef>
+            <a:effectRef idx="0">
+              <a:schemeClr val="accent1"/>
+            </a:effectRef>
+            <a:fontRef idx="minor">
+              <a:schemeClr val="tx1"/>
+            </a:fontRef>
+          </p:style>
+        </p:cxnSp>
+        <p:cxnSp>
+          <p:nvCxnSpPr>
+            <p:cNvPr id="62" name="Straight Arrow Connector 61">
+              <a:extLst>
+                <a:ext uri="{FF2B5EF4-FFF2-40B4-BE49-F238E27FC236}">
+                  <a16:creationId xmlns:a16="http://schemas.microsoft.com/office/drawing/2014/main" id="{E7209C8B-FC3A-4639-9E8C-6AE12CE0E999}"/>
+                </a:ext>
+              </a:extLst>
+            </p:cNvPr>
+            <p:cNvCxnSpPr>
+              <a:stCxn id="58" idx="2"/>
+            </p:cNvCxnSpPr>
+            <p:nvPr/>
+          </p:nvCxnSpPr>
+          <p:spPr>
+            <a:xfrm flipH="1">
+              <a:off x="8167380" y="4736369"/>
+              <a:ext cx="1" cy="484216"/>
+            </a:xfrm>
+            <a:prstGeom prst="straightConnector1">
+              <a:avLst/>
+            </a:prstGeom>
+            <a:ln>
+              <a:tailEnd type="triangle"/>
+            </a:ln>
+          </p:spPr>
+          <p:style>
+            <a:lnRef idx="1">
+              <a:schemeClr val="accent1"/>
+            </a:lnRef>
+            <a:fillRef idx="0">
+              <a:schemeClr val="accent1"/>
+            </a:fillRef>
+            <a:effectRef idx="0">
+              <a:schemeClr val="accent1"/>
+            </a:effectRef>
+            <a:fontRef idx="minor">
+              <a:schemeClr val="tx1"/>
+            </a:fontRef>
+          </p:style>
+        </p:cxnSp>
+        <p:sp>
+          <p:nvSpPr>
+            <p:cNvPr id="63" name="TextBox 62">
+              <a:extLst>
+                <a:ext uri="{FF2B5EF4-FFF2-40B4-BE49-F238E27FC236}">
+                  <a16:creationId xmlns:a16="http://schemas.microsoft.com/office/drawing/2014/main" id="{D67734EF-CAFC-422F-A333-83DF36B8233E}"/>
+                </a:ext>
+              </a:extLst>
+            </p:cNvPr>
+            <p:cNvSpPr txBox="1"/>
+            <p:nvPr/>
+          </p:nvSpPr>
+          <p:spPr>
+            <a:xfrm>
+              <a:off x="7511333" y="4716961"/>
+              <a:ext cx="309700" cy="369332"/>
+            </a:xfrm>
+            <a:prstGeom prst="rect">
+              <a:avLst/>
+            </a:prstGeom>
+            <a:noFill/>
+          </p:spPr>
+          <p:txBody>
+            <a:bodyPr wrap="none" rtlCol="0">
+              <a:spAutoFit/>
+            </a:bodyPr>
+            <a:lstStyle/>
+            <a:p>
+              <a:r>
+                <a:rPr lang="en-US" dirty="0"/>
+                <a:t>y</a:t>
+              </a:r>
+              <a:endParaRPr lang="en-IL" dirty="0"/>
+            </a:p>
+          </p:txBody>
+        </p:sp>
+        <p:sp>
+          <p:nvSpPr>
+            <p:cNvPr id="64" name="TextBox 63">
+              <a:extLst>
+                <a:ext uri="{FF2B5EF4-FFF2-40B4-BE49-F238E27FC236}">
+                  <a16:creationId xmlns:a16="http://schemas.microsoft.com/office/drawing/2014/main" id="{110086EC-C284-4346-A657-0197E32004C7}"/>
+                </a:ext>
+              </a:extLst>
+            </p:cNvPr>
+            <p:cNvSpPr txBox="1"/>
+            <p:nvPr/>
+          </p:nvSpPr>
+          <p:spPr>
+            <a:xfrm>
+              <a:off x="8021804" y="4716961"/>
+              <a:ext cx="336952" cy="369332"/>
+            </a:xfrm>
+            <a:prstGeom prst="rect">
+              <a:avLst/>
+            </a:prstGeom>
+            <a:noFill/>
+          </p:spPr>
+          <p:txBody>
+            <a:bodyPr wrap="none" rtlCol="0">
+              <a:spAutoFit/>
+            </a:bodyPr>
+            <a:lstStyle/>
+            <a:p>
+              <a:r>
+                <a:rPr lang="en-US" dirty="0"/>
+                <a:t>n</a:t>
+              </a:r>
+              <a:endParaRPr lang="en-IL" dirty="0"/>
+            </a:p>
+          </p:txBody>
+        </p:sp>
+      </p:grpSp>
+      <p:grpSp>
+        <p:nvGrpSpPr>
+          <p:cNvPr id="65" name="Group 64">
+            <a:extLst>
+              <a:ext uri="{FF2B5EF4-FFF2-40B4-BE49-F238E27FC236}">
+                <a16:creationId xmlns:a16="http://schemas.microsoft.com/office/drawing/2014/main" id="{FAD9FE03-422A-47A8-ACC2-D21AE48B6889}"/>
+              </a:ext>
+            </a:extLst>
+          </p:cNvPr>
+          <p:cNvGrpSpPr/>
+          <p:nvPr/>
+        </p:nvGrpSpPr>
+        <p:grpSpPr>
+          <a:xfrm>
+            <a:off x="5955191" y="5218762"/>
+            <a:ext cx="1523731" cy="467592"/>
+            <a:chOff x="8488539" y="2466445"/>
+            <a:chExt cx="1523731" cy="467592"/>
+          </a:xfrm>
+        </p:grpSpPr>
+        <p:sp>
+          <p:nvSpPr>
+            <p:cNvPr id="66" name="Rectangle: Rounded Corners 65">
+              <a:extLst>
+                <a:ext uri="{FF2B5EF4-FFF2-40B4-BE49-F238E27FC236}">
+                  <a16:creationId xmlns:a16="http://schemas.microsoft.com/office/drawing/2014/main" id="{D58EC50B-6C91-499B-A890-BCAE3BB01B1E}"/>
+                </a:ext>
+              </a:extLst>
+            </p:cNvPr>
+            <p:cNvSpPr/>
+            <p:nvPr/>
+          </p:nvSpPr>
+          <p:spPr>
+            <a:xfrm>
+              <a:off x="8488539" y="2466445"/>
+              <a:ext cx="1523731" cy="467592"/>
+            </a:xfrm>
+            <a:prstGeom prst="roundRect">
+              <a:avLst/>
+            </a:prstGeom>
+          </p:spPr>
+          <p:style>
+            <a:lnRef idx="2">
+              <a:schemeClr val="accent1"/>
+            </a:lnRef>
+            <a:fillRef idx="1">
+              <a:schemeClr val="lt1"/>
+            </a:fillRef>
+            <a:effectRef idx="0">
+              <a:schemeClr val="accent1"/>
+            </a:effectRef>
+            <a:fontRef idx="minor">
+              <a:schemeClr val="dk1"/>
+            </a:fontRef>
+          </p:style>
+          <p:txBody>
+            <a:bodyPr rtlCol="0" anchor="ctr"/>
+            <a:lstStyle/>
+            <a:p>
+              <a:r>
+                <a:rPr lang="en-US" dirty="0"/>
+                <a:t>Leaf</a:t>
+              </a:r>
+              <a:endParaRPr lang="en-IL" dirty="0"/>
+            </a:p>
+          </p:txBody>
+        </p:sp>
+        <p:sp>
+          <p:nvSpPr>
+            <p:cNvPr id="67" name="Oval 66">
+              <a:extLst>
+                <a:ext uri="{FF2B5EF4-FFF2-40B4-BE49-F238E27FC236}">
+                  <a16:creationId xmlns:a16="http://schemas.microsoft.com/office/drawing/2014/main" id="{7318EF0F-790A-4DC4-9A72-9F1709612FAF}"/>
+                </a:ext>
+              </a:extLst>
+            </p:cNvPr>
+            <p:cNvSpPr/>
+            <p:nvPr/>
+          </p:nvSpPr>
+          <p:spPr>
+            <a:xfrm>
+              <a:off x="9384166" y="2641763"/>
+              <a:ext cx="180753" cy="180753"/>
+            </a:xfrm>
+            <a:prstGeom prst="ellipse">
+              <a:avLst/>
+            </a:prstGeom>
+          </p:spPr>
+          <p:style>
+            <a:lnRef idx="2">
+              <a:schemeClr val="accent4">
+                <a:shade val="50000"/>
+              </a:schemeClr>
+            </a:lnRef>
+            <a:fillRef idx="1">
+              <a:schemeClr val="accent4"/>
+            </a:fillRef>
+            <a:effectRef idx="0">
+              <a:schemeClr val="accent4"/>
+            </a:effectRef>
+            <a:fontRef idx="minor">
+              <a:schemeClr val="lt1"/>
+            </a:fontRef>
+          </p:style>
+          <p:txBody>
+            <a:bodyPr rtlCol="0" anchor="ctr"/>
+            <a:lstStyle/>
+            <a:p>
+              <a:pPr algn="ctr"/>
+              <a:r>
+                <a:rPr lang="en-US" dirty="0"/>
+                <a:t>0</a:t>
+              </a:r>
+              <a:endParaRPr lang="en-IL" dirty="0"/>
+            </a:p>
+          </p:txBody>
+        </p:sp>
+        <p:sp>
+          <p:nvSpPr>
+            <p:cNvPr id="68" name="Oval 67">
+              <a:extLst>
+                <a:ext uri="{FF2B5EF4-FFF2-40B4-BE49-F238E27FC236}">
+                  <a16:creationId xmlns:a16="http://schemas.microsoft.com/office/drawing/2014/main" id="{830EF6C8-230A-40D0-8445-843E241CE560}"/>
+                </a:ext>
+              </a:extLst>
+            </p:cNvPr>
+            <p:cNvSpPr/>
+            <p:nvPr/>
+          </p:nvSpPr>
+          <p:spPr>
+            <a:xfrm>
+              <a:off x="9725986" y="2641763"/>
+              <a:ext cx="180753" cy="180753"/>
+            </a:xfrm>
+            <a:prstGeom prst="ellipse">
+              <a:avLst/>
+            </a:prstGeom>
+          </p:spPr>
+          <p:style>
+            <a:lnRef idx="2">
+              <a:schemeClr val="accent5">
+                <a:shade val="50000"/>
+              </a:schemeClr>
+            </a:lnRef>
+            <a:fillRef idx="1">
+              <a:schemeClr val="accent5"/>
+            </a:fillRef>
+            <a:effectRef idx="0">
+              <a:schemeClr val="accent5"/>
+            </a:effectRef>
+            <a:fontRef idx="minor">
+              <a:schemeClr val="lt1"/>
+            </a:fontRef>
+          </p:style>
+          <p:txBody>
+            <a:bodyPr rtlCol="0" anchor="ctr"/>
+            <a:lstStyle/>
+            <a:p>
+              <a:pPr algn="ctr"/>
+              <a:r>
+                <a:rPr lang="en-US" dirty="0"/>
+                <a:t>2</a:t>
+              </a:r>
+              <a:endParaRPr lang="en-IL" dirty="0"/>
+            </a:p>
+          </p:txBody>
+        </p:sp>
+      </p:grpSp>
+      <p:grpSp>
+        <p:nvGrpSpPr>
+          <p:cNvPr id="70" name="Group 69">
+            <a:extLst>
+              <a:ext uri="{FF2B5EF4-FFF2-40B4-BE49-F238E27FC236}">
+                <a16:creationId xmlns:a16="http://schemas.microsoft.com/office/drawing/2014/main" id="{6BECCB33-8889-420F-9DCD-55949A312976}"/>
+              </a:ext>
+            </a:extLst>
+          </p:cNvPr>
+          <p:cNvGrpSpPr/>
+          <p:nvPr/>
+        </p:nvGrpSpPr>
+        <p:grpSpPr>
+          <a:xfrm>
+            <a:off x="7525404" y="5218762"/>
+            <a:ext cx="1349540" cy="467592"/>
+            <a:chOff x="9266430" y="2466445"/>
+            <a:chExt cx="1349540" cy="467592"/>
+          </a:xfrm>
+        </p:grpSpPr>
+        <p:sp>
+          <p:nvSpPr>
+            <p:cNvPr id="71" name="Rectangle: Rounded Corners 70">
+              <a:extLst>
+                <a:ext uri="{FF2B5EF4-FFF2-40B4-BE49-F238E27FC236}">
+                  <a16:creationId xmlns:a16="http://schemas.microsoft.com/office/drawing/2014/main" id="{7D2BC2B6-765F-477D-9DEA-DBFC9181D49D}"/>
+                </a:ext>
+              </a:extLst>
+            </p:cNvPr>
+            <p:cNvSpPr/>
+            <p:nvPr/>
+          </p:nvSpPr>
+          <p:spPr>
+            <a:xfrm>
+              <a:off x="9266430" y="2466445"/>
+              <a:ext cx="1349540" cy="467592"/>
+            </a:xfrm>
+            <a:prstGeom prst="roundRect">
+              <a:avLst/>
+            </a:prstGeom>
+          </p:spPr>
+          <p:style>
+            <a:lnRef idx="2">
+              <a:schemeClr val="accent1"/>
+            </a:lnRef>
+            <a:fillRef idx="1">
+              <a:schemeClr val="lt1"/>
+            </a:fillRef>
+            <a:effectRef idx="0">
+              <a:schemeClr val="accent1"/>
+            </a:effectRef>
+            <a:fontRef idx="minor">
+              <a:schemeClr val="dk1"/>
+            </a:fontRef>
+          </p:style>
+          <p:txBody>
+            <a:bodyPr rtlCol="0" anchor="ctr"/>
+            <a:lstStyle/>
+            <a:p>
+              <a:r>
+                <a:rPr lang="en-US" dirty="0"/>
+                <a:t>Leaf</a:t>
+              </a:r>
+              <a:endParaRPr lang="en-IL" dirty="0"/>
+            </a:p>
+          </p:txBody>
+        </p:sp>
+        <p:sp>
+          <p:nvSpPr>
+            <p:cNvPr id="72" name="Oval 71">
+              <a:extLst>
+                <a:ext uri="{FF2B5EF4-FFF2-40B4-BE49-F238E27FC236}">
+                  <a16:creationId xmlns:a16="http://schemas.microsoft.com/office/drawing/2014/main" id="{89DFE2E2-E5D1-4D50-9FAA-89C41353E878}"/>
+                </a:ext>
+              </a:extLst>
+            </p:cNvPr>
+            <p:cNvSpPr/>
+            <p:nvPr/>
+          </p:nvSpPr>
+          <p:spPr>
+            <a:xfrm>
+              <a:off x="9944988" y="2641763"/>
+              <a:ext cx="180753" cy="180753"/>
+            </a:xfrm>
+            <a:prstGeom prst="ellipse">
+              <a:avLst/>
+            </a:prstGeom>
+          </p:spPr>
+          <p:style>
+            <a:lnRef idx="2">
+              <a:schemeClr val="accent4">
+                <a:shade val="50000"/>
+              </a:schemeClr>
+            </a:lnRef>
+            <a:fillRef idx="1">
+              <a:schemeClr val="accent4"/>
+            </a:fillRef>
+            <a:effectRef idx="0">
+              <a:schemeClr val="accent4"/>
+            </a:effectRef>
+            <a:fontRef idx="minor">
+              <a:schemeClr val="lt1"/>
+            </a:fontRef>
+          </p:style>
+          <p:txBody>
+            <a:bodyPr rtlCol="0" anchor="ctr"/>
+            <a:lstStyle/>
+            <a:p>
+              <a:pPr algn="ctr"/>
+              <a:r>
+                <a:rPr lang="en-US" dirty="0"/>
+                <a:t>6</a:t>
+              </a:r>
+              <a:endParaRPr lang="en-IL" dirty="0"/>
+            </a:p>
+          </p:txBody>
+        </p:sp>
+        <p:sp>
+          <p:nvSpPr>
+            <p:cNvPr id="73" name="Oval 72">
+              <a:extLst>
+                <a:ext uri="{FF2B5EF4-FFF2-40B4-BE49-F238E27FC236}">
+                  <a16:creationId xmlns:a16="http://schemas.microsoft.com/office/drawing/2014/main" id="{FBB363DA-4DE7-4A7B-944B-04926479AF11}"/>
+                </a:ext>
+              </a:extLst>
+            </p:cNvPr>
+            <p:cNvSpPr/>
+            <p:nvPr/>
+          </p:nvSpPr>
+          <p:spPr>
+            <a:xfrm>
+              <a:off x="10286808" y="2641763"/>
+              <a:ext cx="180753" cy="180753"/>
+            </a:xfrm>
+            <a:prstGeom prst="ellipse">
+              <a:avLst/>
+            </a:prstGeom>
+          </p:spPr>
+          <p:style>
+            <a:lnRef idx="2">
+              <a:schemeClr val="accent5">
+                <a:shade val="50000"/>
+              </a:schemeClr>
+            </a:lnRef>
+            <a:fillRef idx="1">
+              <a:schemeClr val="accent5"/>
+            </a:fillRef>
+            <a:effectRef idx="0">
+              <a:schemeClr val="accent5"/>
+            </a:effectRef>
+            <a:fontRef idx="minor">
+              <a:schemeClr val="lt1"/>
+            </a:fontRef>
+          </p:style>
+          <p:txBody>
+            <a:bodyPr rtlCol="0" anchor="ctr"/>
+            <a:lstStyle/>
+            <a:p>
+              <a:pPr algn="ctr"/>
+              <a:r>
+                <a:rPr lang="en-US" dirty="0"/>
+                <a:t>0</a:t>
+              </a:r>
+              <a:endParaRPr lang="en-IL" dirty="0"/>
+            </a:p>
+          </p:txBody>
+        </p:sp>
+      </p:grpSp>
+      <p:grpSp>
+        <p:nvGrpSpPr>
+          <p:cNvPr id="74" name="Group 73">
+            <a:extLst>
+              <a:ext uri="{FF2B5EF4-FFF2-40B4-BE49-F238E27FC236}">
+                <a16:creationId xmlns:a16="http://schemas.microsoft.com/office/drawing/2014/main" id="{F7885F8F-F2E1-4764-9A6D-A58ED2C1EBE0}"/>
+              </a:ext>
+            </a:extLst>
+          </p:cNvPr>
+          <p:cNvGrpSpPr/>
+          <p:nvPr/>
+        </p:nvGrpSpPr>
+        <p:grpSpPr>
+          <a:xfrm>
+            <a:off x="9875611" y="4367037"/>
+            <a:ext cx="1713180" cy="730867"/>
+            <a:chOff x="7366758" y="4367037"/>
+            <a:chExt cx="1713180" cy="730867"/>
+          </a:xfrm>
+        </p:grpSpPr>
+        <mc:AlternateContent xmlns:mc="http://schemas.openxmlformats.org/markup-compatibility/2006">
+          <mc:Choice xmlns:a14="http://schemas.microsoft.com/office/drawing/2010/main" Requires="a14">
+            <p:sp>
+              <p:nvSpPr>
+                <p:cNvPr id="75" name="TextBox 74">
+                  <a:extLst>
+                    <a:ext uri="{FF2B5EF4-FFF2-40B4-BE49-F238E27FC236}">
+                      <a16:creationId xmlns:a16="http://schemas.microsoft.com/office/drawing/2014/main" id="{096FD93A-C20D-486F-87AB-87ADE8ED6EB3}"/>
+                    </a:ext>
+                  </a:extLst>
+                </p:cNvPr>
+                <p:cNvSpPr txBox="1"/>
+                <p:nvPr/>
+              </p:nvSpPr>
+              <p:spPr>
+                <a:xfrm>
+                  <a:off x="7643436" y="4367037"/>
+                  <a:ext cx="1047889" cy="369332"/>
+                </a:xfrm>
+                <a:prstGeom prst="rect">
+                  <a:avLst/>
+                </a:prstGeom>
+                <a:noFill/>
+              </p:spPr>
+              <p:txBody>
+                <a:bodyPr wrap="square" rtlCol="0">
+                  <a:spAutoFit/>
+                </a:bodyPr>
+                <a:lstStyle/>
+                <a:p>
+                  <a14:m>
+                    <m:oMathPara xmlns:m="http://schemas.openxmlformats.org/officeDocument/2006/math">
+                      <m:oMathParaPr>
+                        <m:jc m:val="centerGroup"/>
+                      </m:oMathParaPr>
+                      <m:oMath xmlns:m="http://schemas.openxmlformats.org/officeDocument/2006/math">
+                        <m:sSub>
+                          <m:sSubPr>
+                            <m:ctrlPr>
+                              <a:rPr lang="en-US" b="0" i="1" smtClean="0">
+                                <a:latin typeface="Cambria Math" panose="02040503050406030204" pitchFamily="18" charset="0"/>
+                              </a:rPr>
+                            </m:ctrlPr>
+                          </m:sSubPr>
+                          <m:e>
+                            <m:r>
+                              <a:rPr lang="en-US" b="0" i="1" smtClean="0">
+                                <a:latin typeface="Cambria Math" panose="02040503050406030204" pitchFamily="18" charset="0"/>
+                              </a:rPr>
+                              <m:t>𝑥</m:t>
+                            </m:r>
+                          </m:e>
+                          <m:sub>
+                            <m:r>
+                              <a:rPr lang="en-US" b="0" i="1" smtClean="0">
+                                <a:latin typeface="Cambria Math" panose="02040503050406030204" pitchFamily="18" charset="0"/>
+                              </a:rPr>
+                              <m:t>1</m:t>
+                            </m:r>
+                          </m:sub>
+                        </m:sSub>
+                        <m:r>
+                          <a:rPr lang="en-US" b="0" i="1" smtClean="0">
+                            <a:latin typeface="Cambria Math" panose="02040503050406030204" pitchFamily="18" charset="0"/>
+                          </a:rPr>
+                          <m:t>≤</m:t>
+                        </m:r>
+                        <m:sSub>
+                          <m:sSubPr>
+                            <m:ctrlPr>
+                              <a:rPr lang="en-US" b="0" i="1" smtClean="0">
+                                <a:latin typeface="Cambria Math" panose="02040503050406030204" pitchFamily="18" charset="0"/>
+                              </a:rPr>
+                            </m:ctrlPr>
+                          </m:sSubPr>
+                          <m:e>
+                            <m:r>
+                              <a:rPr lang="en-US" b="0" i="1" smtClean="0">
+                                <a:latin typeface="Cambria Math" panose="02040503050406030204" pitchFamily="18" charset="0"/>
+                              </a:rPr>
+                              <m:t>𝑡</m:t>
+                            </m:r>
+                          </m:e>
+                          <m:sub>
+                            <m:r>
+                              <a:rPr lang="en-US" b="0" i="1" smtClean="0">
+                                <a:latin typeface="Cambria Math" panose="02040503050406030204" pitchFamily="18" charset="0"/>
+                              </a:rPr>
+                              <m:t>3</m:t>
+                            </m:r>
+                          </m:sub>
+                        </m:sSub>
+                      </m:oMath>
+                    </m:oMathPara>
+                  </a14:m>
+                  <a:endParaRPr lang="en-IL" dirty="0"/>
+                </a:p>
+              </p:txBody>
+            </p:sp>
+          </mc:Choice>
+          <mc:Fallback>
+            <p:sp>
+              <p:nvSpPr>
+                <p:cNvPr id="75" name="TextBox 74">
+                  <a:extLst>
+                    <a:ext uri="{FF2B5EF4-FFF2-40B4-BE49-F238E27FC236}">
+                      <a16:creationId xmlns:a16="http://schemas.microsoft.com/office/drawing/2014/main" id="{096FD93A-C20D-486F-87AB-87ADE8ED6EB3}"/>
+                    </a:ext>
+                  </a:extLst>
+                </p:cNvPr>
+                <p:cNvSpPr txBox="1">
+                  <a:spLocks noRot="1" noChangeAspect="1" noMove="1" noResize="1" noEditPoints="1" noAdjustHandles="1" noChangeArrowheads="1" noChangeShapeType="1" noTextEdit="1"/>
+                </p:cNvSpPr>
+                <p:nvPr/>
+              </p:nvSpPr>
+              <p:spPr>
+                <a:xfrm>
+                  <a:off x="7643436" y="4367037"/>
+                  <a:ext cx="1047889" cy="369332"/>
+                </a:xfrm>
+                <a:prstGeom prst="rect">
+                  <a:avLst/>
+                </a:prstGeom>
+                <a:blipFill>
+                  <a:blip r:embed="rId10"/>
+                  <a:stretch>
+                    <a:fillRect/>
+                  </a:stretch>
+                </a:blipFill>
+              </p:spPr>
+              <p:txBody>
+                <a:bodyPr/>
+                <a:lstStyle/>
+                <a:p>
+                  <a:r>
+                    <a:rPr lang="en-IL">
+                      <a:noFill/>
+                    </a:rPr>
+                    <a:t> </a:t>
+                  </a:r>
+                </a:p>
+              </p:txBody>
+            </p:sp>
+          </mc:Fallback>
+        </mc:AlternateContent>
+        <p:cxnSp>
+          <p:nvCxnSpPr>
+            <p:cNvPr id="76" name="Straight Arrow Connector 75">
+              <a:extLst>
+                <a:ext uri="{FF2B5EF4-FFF2-40B4-BE49-F238E27FC236}">
+                  <a16:creationId xmlns:a16="http://schemas.microsoft.com/office/drawing/2014/main" id="{17A05DC1-9244-45DC-9DD0-16CBCF1C66B7}"/>
+                </a:ext>
+              </a:extLst>
+            </p:cNvPr>
+            <p:cNvCxnSpPr>
+              <a:cxnSpLocks/>
+              <a:stCxn id="75" idx="2"/>
+            </p:cNvCxnSpPr>
+            <p:nvPr/>
+          </p:nvCxnSpPr>
+          <p:spPr>
+            <a:xfrm flipH="1">
+              <a:off x="7366758" y="4736369"/>
+              <a:ext cx="800623" cy="349241"/>
+            </a:xfrm>
+            <a:prstGeom prst="straightConnector1">
+              <a:avLst/>
+            </a:prstGeom>
+            <a:ln>
+              <a:tailEnd type="triangle"/>
+            </a:ln>
+          </p:spPr>
+          <p:style>
+            <a:lnRef idx="1">
+              <a:schemeClr val="accent1"/>
+            </a:lnRef>
+            <a:fillRef idx="0">
+              <a:schemeClr val="accent1"/>
+            </a:fillRef>
+            <a:effectRef idx="0">
+              <a:schemeClr val="accent1"/>
+            </a:effectRef>
+            <a:fontRef idx="minor">
+              <a:schemeClr val="tx1"/>
+            </a:fontRef>
+          </p:style>
+        </p:cxnSp>
+        <p:cxnSp>
+          <p:nvCxnSpPr>
+            <p:cNvPr id="77" name="Straight Arrow Connector 76">
+              <a:extLst>
+                <a:ext uri="{FF2B5EF4-FFF2-40B4-BE49-F238E27FC236}">
+                  <a16:creationId xmlns:a16="http://schemas.microsoft.com/office/drawing/2014/main" id="{BF56EF6E-E7CF-4500-AE00-CE965ABE60B5}"/>
+                </a:ext>
+              </a:extLst>
+            </p:cNvPr>
+            <p:cNvCxnSpPr>
+              <a:cxnSpLocks/>
+              <a:stCxn id="75" idx="2"/>
+            </p:cNvCxnSpPr>
+            <p:nvPr/>
+          </p:nvCxnSpPr>
+          <p:spPr>
+            <a:xfrm>
+              <a:off x="8167381" y="4736369"/>
+              <a:ext cx="912557" cy="349924"/>
+            </a:xfrm>
+            <a:prstGeom prst="straightConnector1">
+              <a:avLst/>
+            </a:prstGeom>
+            <a:ln>
+              <a:tailEnd type="triangle"/>
+            </a:ln>
+          </p:spPr>
+          <p:style>
+            <a:lnRef idx="1">
+              <a:schemeClr val="accent1"/>
+            </a:lnRef>
+            <a:fillRef idx="0">
+              <a:schemeClr val="accent1"/>
+            </a:fillRef>
+            <a:effectRef idx="0">
+              <a:schemeClr val="accent1"/>
+            </a:effectRef>
+            <a:fontRef idx="minor">
+              <a:schemeClr val="tx1"/>
+            </a:fontRef>
+          </p:style>
+        </p:cxnSp>
+        <p:sp>
+          <p:nvSpPr>
+            <p:cNvPr id="78" name="TextBox 77">
+              <a:extLst>
+                <a:ext uri="{FF2B5EF4-FFF2-40B4-BE49-F238E27FC236}">
+                  <a16:creationId xmlns:a16="http://schemas.microsoft.com/office/drawing/2014/main" id="{0569A97B-370C-4193-802D-55E4F7266F0C}"/>
+                </a:ext>
+              </a:extLst>
+            </p:cNvPr>
+            <p:cNvSpPr txBox="1"/>
+            <p:nvPr/>
+          </p:nvSpPr>
+          <p:spPr>
+            <a:xfrm>
+              <a:off x="7667032" y="4728572"/>
+              <a:ext cx="309700" cy="369332"/>
+            </a:xfrm>
+            <a:prstGeom prst="rect">
+              <a:avLst/>
+            </a:prstGeom>
+            <a:noFill/>
+          </p:spPr>
+          <p:txBody>
+            <a:bodyPr wrap="none" rtlCol="0">
+              <a:spAutoFit/>
+            </a:bodyPr>
+            <a:lstStyle/>
+            <a:p>
+              <a:r>
+                <a:rPr lang="en-US" dirty="0"/>
+                <a:t>y</a:t>
+              </a:r>
+              <a:endParaRPr lang="en-IL" dirty="0"/>
+            </a:p>
+          </p:txBody>
+        </p:sp>
+        <p:sp>
+          <p:nvSpPr>
+            <p:cNvPr id="79" name="TextBox 78">
+              <a:extLst>
+                <a:ext uri="{FF2B5EF4-FFF2-40B4-BE49-F238E27FC236}">
+                  <a16:creationId xmlns:a16="http://schemas.microsoft.com/office/drawing/2014/main" id="{86F7327C-DA30-4B05-97EF-21CF640763A0}"/>
+                </a:ext>
+              </a:extLst>
+            </p:cNvPr>
+            <p:cNvSpPr txBox="1"/>
+            <p:nvPr/>
+          </p:nvSpPr>
+          <p:spPr>
+            <a:xfrm>
+              <a:off x="8548679" y="4716961"/>
+              <a:ext cx="336952" cy="369332"/>
+            </a:xfrm>
+            <a:prstGeom prst="rect">
+              <a:avLst/>
+            </a:prstGeom>
+            <a:noFill/>
+          </p:spPr>
+          <p:txBody>
+            <a:bodyPr wrap="none" rtlCol="0">
+              <a:spAutoFit/>
+            </a:bodyPr>
+            <a:lstStyle/>
+            <a:p>
+              <a:r>
+                <a:rPr lang="en-US" dirty="0"/>
+                <a:t>n</a:t>
+              </a:r>
+              <a:endParaRPr lang="en-IL" dirty="0"/>
+            </a:p>
+          </p:txBody>
+        </p:sp>
+      </p:grpSp>
+      <p:grpSp>
+        <p:nvGrpSpPr>
+          <p:cNvPr id="87" name="Group 86">
+            <a:extLst>
+              <a:ext uri="{FF2B5EF4-FFF2-40B4-BE49-F238E27FC236}">
+                <a16:creationId xmlns:a16="http://schemas.microsoft.com/office/drawing/2014/main" id="{3D19119C-A919-49EE-95E6-40A7CE571508}"/>
+              </a:ext>
+            </a:extLst>
+          </p:cNvPr>
+          <p:cNvGrpSpPr/>
+          <p:nvPr/>
+        </p:nvGrpSpPr>
+        <p:grpSpPr>
+          <a:xfrm>
+            <a:off x="9203423" y="5218762"/>
+            <a:ext cx="1523731" cy="467592"/>
+            <a:chOff x="8488539" y="2466445"/>
+            <a:chExt cx="1523731" cy="467592"/>
+          </a:xfrm>
+        </p:grpSpPr>
+        <p:sp>
+          <p:nvSpPr>
+            <p:cNvPr id="88" name="Rectangle: Rounded Corners 87">
+              <a:extLst>
+                <a:ext uri="{FF2B5EF4-FFF2-40B4-BE49-F238E27FC236}">
+                  <a16:creationId xmlns:a16="http://schemas.microsoft.com/office/drawing/2014/main" id="{9B841BF9-85FD-4E4E-A0BD-190DBD86F6D0}"/>
+                </a:ext>
+              </a:extLst>
+            </p:cNvPr>
+            <p:cNvSpPr/>
+            <p:nvPr/>
+          </p:nvSpPr>
+          <p:spPr>
+            <a:xfrm>
+              <a:off x="8488539" y="2466445"/>
+              <a:ext cx="1523731" cy="467592"/>
+            </a:xfrm>
+            <a:prstGeom prst="roundRect">
+              <a:avLst/>
+            </a:prstGeom>
+          </p:spPr>
+          <p:style>
+            <a:lnRef idx="2">
+              <a:schemeClr val="accent1"/>
+            </a:lnRef>
+            <a:fillRef idx="1">
+              <a:schemeClr val="lt1"/>
+            </a:fillRef>
+            <a:effectRef idx="0">
+              <a:schemeClr val="accent1"/>
+            </a:effectRef>
+            <a:fontRef idx="minor">
+              <a:schemeClr val="dk1"/>
+            </a:fontRef>
+          </p:style>
+          <p:txBody>
+            <a:bodyPr rtlCol="0" anchor="ctr"/>
+            <a:lstStyle/>
+            <a:p>
+              <a:r>
+                <a:rPr lang="en-US" dirty="0"/>
+                <a:t>Leaf</a:t>
+              </a:r>
+              <a:endParaRPr lang="en-IL" dirty="0"/>
+            </a:p>
+          </p:txBody>
+        </p:sp>
+        <p:sp>
+          <p:nvSpPr>
+            <p:cNvPr id="89" name="Oval 88">
+              <a:extLst>
+                <a:ext uri="{FF2B5EF4-FFF2-40B4-BE49-F238E27FC236}">
+                  <a16:creationId xmlns:a16="http://schemas.microsoft.com/office/drawing/2014/main" id="{F5DDFC14-3B3B-4C68-B51B-15FDFD2FAC86}"/>
+                </a:ext>
+              </a:extLst>
+            </p:cNvPr>
+            <p:cNvSpPr/>
+            <p:nvPr/>
+          </p:nvSpPr>
+          <p:spPr>
+            <a:xfrm>
+              <a:off x="9384166" y="2641763"/>
+              <a:ext cx="180753" cy="180753"/>
+            </a:xfrm>
+            <a:prstGeom prst="ellipse">
+              <a:avLst/>
+            </a:prstGeom>
+          </p:spPr>
+          <p:style>
+            <a:lnRef idx="2">
+              <a:schemeClr val="accent4">
+                <a:shade val="50000"/>
+              </a:schemeClr>
+            </a:lnRef>
+            <a:fillRef idx="1">
+              <a:schemeClr val="accent4"/>
+            </a:fillRef>
+            <a:effectRef idx="0">
+              <a:schemeClr val="accent4"/>
+            </a:effectRef>
+            <a:fontRef idx="minor">
+              <a:schemeClr val="lt1"/>
+            </a:fontRef>
+          </p:style>
+          <p:txBody>
+            <a:bodyPr rtlCol="0" anchor="ctr"/>
+            <a:lstStyle/>
+            <a:p>
+              <a:pPr algn="ctr"/>
+              <a:r>
+                <a:rPr lang="en-US" dirty="0"/>
+                <a:t>0</a:t>
+              </a:r>
+              <a:endParaRPr lang="en-IL" dirty="0"/>
+            </a:p>
+          </p:txBody>
+        </p:sp>
+        <p:sp>
+          <p:nvSpPr>
+            <p:cNvPr id="90" name="Oval 89">
+              <a:extLst>
+                <a:ext uri="{FF2B5EF4-FFF2-40B4-BE49-F238E27FC236}">
+                  <a16:creationId xmlns:a16="http://schemas.microsoft.com/office/drawing/2014/main" id="{92B99E18-4804-4442-8D8A-790D051A962F}"/>
+                </a:ext>
+              </a:extLst>
+            </p:cNvPr>
+            <p:cNvSpPr/>
+            <p:nvPr/>
+          </p:nvSpPr>
+          <p:spPr>
+            <a:xfrm>
+              <a:off x="9725986" y="2641763"/>
+              <a:ext cx="180753" cy="180753"/>
+            </a:xfrm>
+            <a:prstGeom prst="ellipse">
+              <a:avLst/>
+            </a:prstGeom>
+          </p:spPr>
+          <p:style>
+            <a:lnRef idx="2">
+              <a:schemeClr val="accent5">
+                <a:shade val="50000"/>
+              </a:schemeClr>
+            </a:lnRef>
+            <a:fillRef idx="1">
+              <a:schemeClr val="accent5"/>
+            </a:fillRef>
+            <a:effectRef idx="0">
+              <a:schemeClr val="accent5"/>
+            </a:effectRef>
+            <a:fontRef idx="minor">
+              <a:schemeClr val="lt1"/>
+            </a:fontRef>
+          </p:style>
+          <p:txBody>
+            <a:bodyPr rtlCol="0" anchor="ctr"/>
+            <a:lstStyle/>
+            <a:p>
+              <a:pPr algn="ctr"/>
+              <a:r>
+                <a:rPr lang="en-US" dirty="0"/>
+                <a:t>4</a:t>
+              </a:r>
+              <a:endParaRPr lang="en-IL" dirty="0"/>
+            </a:p>
+          </p:txBody>
+        </p:sp>
+      </p:grpSp>
+      <p:grpSp>
+        <p:nvGrpSpPr>
+          <p:cNvPr id="91" name="Group 90">
+            <a:extLst>
+              <a:ext uri="{FF2B5EF4-FFF2-40B4-BE49-F238E27FC236}">
+                <a16:creationId xmlns:a16="http://schemas.microsoft.com/office/drawing/2014/main" id="{864E5A6E-3FB4-4E83-AFF0-67A69C5A41C9}"/>
+              </a:ext>
+            </a:extLst>
+          </p:cNvPr>
+          <p:cNvGrpSpPr/>
+          <p:nvPr/>
+        </p:nvGrpSpPr>
+        <p:grpSpPr>
+          <a:xfrm>
+            <a:off x="10761196" y="5218762"/>
+            <a:ext cx="1349540" cy="467592"/>
+            <a:chOff x="9266430" y="2466445"/>
+            <a:chExt cx="1349540" cy="467592"/>
+          </a:xfrm>
+        </p:grpSpPr>
+        <p:sp>
+          <p:nvSpPr>
+            <p:cNvPr id="92" name="Rectangle: Rounded Corners 91">
+              <a:extLst>
+                <a:ext uri="{FF2B5EF4-FFF2-40B4-BE49-F238E27FC236}">
+                  <a16:creationId xmlns:a16="http://schemas.microsoft.com/office/drawing/2014/main" id="{66AC6ECC-F985-4DE1-9F53-7B9C42ADAF7B}"/>
+                </a:ext>
+              </a:extLst>
+            </p:cNvPr>
+            <p:cNvSpPr/>
+            <p:nvPr/>
+          </p:nvSpPr>
+          <p:spPr>
+            <a:xfrm>
+              <a:off x="9266430" y="2466445"/>
+              <a:ext cx="1349540" cy="467592"/>
+            </a:xfrm>
+            <a:prstGeom prst="roundRect">
+              <a:avLst/>
+            </a:prstGeom>
+          </p:spPr>
+          <p:style>
+            <a:lnRef idx="2">
+              <a:schemeClr val="accent1"/>
+            </a:lnRef>
+            <a:fillRef idx="1">
+              <a:schemeClr val="lt1"/>
+            </a:fillRef>
+            <a:effectRef idx="0">
+              <a:schemeClr val="accent1"/>
+            </a:effectRef>
+            <a:fontRef idx="minor">
+              <a:schemeClr val="dk1"/>
+            </a:fontRef>
+          </p:style>
+          <p:txBody>
+            <a:bodyPr rtlCol="0" anchor="ctr"/>
+            <a:lstStyle/>
+            <a:p>
+              <a:r>
+                <a:rPr lang="en-US" dirty="0"/>
+                <a:t>Leaf</a:t>
+              </a:r>
+              <a:endParaRPr lang="en-IL" dirty="0"/>
+            </a:p>
+          </p:txBody>
+        </p:sp>
+        <p:sp>
+          <p:nvSpPr>
+            <p:cNvPr id="93" name="Oval 92">
+              <a:extLst>
+                <a:ext uri="{FF2B5EF4-FFF2-40B4-BE49-F238E27FC236}">
+                  <a16:creationId xmlns:a16="http://schemas.microsoft.com/office/drawing/2014/main" id="{F0A956A1-D8F8-4989-AB69-627673C4FE50}"/>
+                </a:ext>
+              </a:extLst>
+            </p:cNvPr>
+            <p:cNvSpPr/>
+            <p:nvPr/>
+          </p:nvSpPr>
+          <p:spPr>
+            <a:xfrm>
+              <a:off x="9944988" y="2641763"/>
+              <a:ext cx="180753" cy="180753"/>
+            </a:xfrm>
+            <a:prstGeom prst="ellipse">
+              <a:avLst/>
+            </a:prstGeom>
+          </p:spPr>
+          <p:style>
+            <a:lnRef idx="2">
+              <a:schemeClr val="accent4">
+                <a:shade val="50000"/>
+              </a:schemeClr>
+            </a:lnRef>
+            <a:fillRef idx="1">
+              <a:schemeClr val="accent4"/>
+            </a:fillRef>
+            <a:effectRef idx="0">
+              <a:schemeClr val="accent4"/>
+            </a:effectRef>
+            <a:fontRef idx="minor">
+              <a:schemeClr val="lt1"/>
+            </a:fontRef>
+          </p:style>
+          <p:txBody>
+            <a:bodyPr rtlCol="0" anchor="ctr"/>
+            <a:lstStyle/>
+            <a:p>
+              <a:pPr algn="ctr"/>
+              <a:r>
+                <a:rPr lang="en-US" dirty="0"/>
+                <a:t>1</a:t>
+              </a:r>
+              <a:endParaRPr lang="en-IL" dirty="0"/>
+            </a:p>
+          </p:txBody>
+        </p:sp>
+        <p:sp>
+          <p:nvSpPr>
+            <p:cNvPr id="94" name="Oval 93">
+              <a:extLst>
+                <a:ext uri="{FF2B5EF4-FFF2-40B4-BE49-F238E27FC236}">
+                  <a16:creationId xmlns:a16="http://schemas.microsoft.com/office/drawing/2014/main" id="{65CE9998-8150-44BF-BF53-27173272668E}"/>
+                </a:ext>
+              </a:extLst>
+            </p:cNvPr>
+            <p:cNvSpPr/>
+            <p:nvPr/>
+          </p:nvSpPr>
+          <p:spPr>
+            <a:xfrm>
+              <a:off x="10286808" y="2641763"/>
+              <a:ext cx="180753" cy="180753"/>
+            </a:xfrm>
+            <a:prstGeom prst="ellipse">
+              <a:avLst/>
+            </a:prstGeom>
+          </p:spPr>
+          <p:style>
+            <a:lnRef idx="2">
+              <a:schemeClr val="accent5">
+                <a:shade val="50000"/>
+              </a:schemeClr>
+            </a:lnRef>
+            <a:fillRef idx="1">
+              <a:schemeClr val="accent5"/>
+            </a:fillRef>
+            <a:effectRef idx="0">
+              <a:schemeClr val="accent5"/>
+            </a:effectRef>
+            <a:fontRef idx="minor">
+              <a:schemeClr val="lt1"/>
+            </a:fontRef>
+          </p:style>
+          <p:txBody>
+            <a:bodyPr rtlCol="0" anchor="ctr"/>
+            <a:lstStyle/>
+            <a:p>
+              <a:pPr algn="ctr"/>
+              <a:r>
+                <a:rPr lang="en-US" dirty="0"/>
+                <a:t>0</a:t>
+              </a:r>
+              <a:endParaRPr lang="en-IL" dirty="0"/>
+            </a:p>
+          </p:txBody>
+        </p:sp>
+      </p:grpSp>
+      <p:grpSp>
+        <p:nvGrpSpPr>
+          <p:cNvPr id="106" name="Group 105">
+            <a:extLst>
+              <a:ext uri="{FF2B5EF4-FFF2-40B4-BE49-F238E27FC236}">
+                <a16:creationId xmlns:a16="http://schemas.microsoft.com/office/drawing/2014/main" id="{ACB91C6C-3F93-4ECB-B541-C75953EAB4A5}"/>
+              </a:ext>
+            </a:extLst>
+          </p:cNvPr>
+          <p:cNvGrpSpPr/>
+          <p:nvPr/>
+        </p:nvGrpSpPr>
+        <p:grpSpPr>
+          <a:xfrm>
+            <a:off x="5401340" y="2372476"/>
+            <a:ext cx="6560987" cy="651937"/>
+            <a:chOff x="5401340" y="2372476"/>
+            <a:chExt cx="6560987" cy="651937"/>
+          </a:xfrm>
+        </p:grpSpPr>
+        <p:cxnSp>
+          <p:nvCxnSpPr>
+            <p:cNvPr id="100" name="Straight Connector 99">
+              <a:extLst>
+                <a:ext uri="{FF2B5EF4-FFF2-40B4-BE49-F238E27FC236}">
+                  <a16:creationId xmlns:a16="http://schemas.microsoft.com/office/drawing/2014/main" id="{FAD6B5B9-AF12-4AD4-8F9A-206498563B93}"/>
+                </a:ext>
+              </a:extLst>
+            </p:cNvPr>
+            <p:cNvCxnSpPr/>
+            <p:nvPr/>
+          </p:nvCxnSpPr>
+          <p:spPr>
+            <a:xfrm flipH="1">
+              <a:off x="5401340" y="3024413"/>
+              <a:ext cx="6560987" cy="0"/>
+            </a:xfrm>
+            <a:prstGeom prst="line">
+              <a:avLst/>
+            </a:prstGeom>
+          </p:spPr>
+          <p:style>
+            <a:lnRef idx="1">
+              <a:schemeClr val="accent1"/>
+            </a:lnRef>
+            <a:fillRef idx="0">
+              <a:schemeClr val="accent1"/>
+            </a:fillRef>
+            <a:effectRef idx="0">
+              <a:schemeClr val="accent1"/>
+            </a:effectRef>
+            <a:fontRef idx="minor">
+              <a:schemeClr val="tx1"/>
+            </a:fontRef>
+          </p:style>
+        </p:cxnSp>
+        <p:sp>
+          <p:nvSpPr>
+            <p:cNvPr id="103" name="TextBox 102">
+              <a:extLst>
+                <a:ext uri="{FF2B5EF4-FFF2-40B4-BE49-F238E27FC236}">
+                  <a16:creationId xmlns:a16="http://schemas.microsoft.com/office/drawing/2014/main" id="{F1116805-03FC-4BA1-AE8A-E52806FEFED1}"/>
+                </a:ext>
+              </a:extLst>
+            </p:cNvPr>
+            <p:cNvSpPr txBox="1"/>
+            <p:nvPr/>
+          </p:nvSpPr>
+          <p:spPr>
+            <a:xfrm>
+              <a:off x="5401340" y="2372476"/>
+              <a:ext cx="2077581" cy="646331"/>
+            </a:xfrm>
+            <a:prstGeom prst="rect">
+              <a:avLst/>
+            </a:prstGeom>
+            <a:noFill/>
+          </p:spPr>
+          <p:txBody>
+            <a:bodyPr wrap="square" rtlCol="0">
+              <a:spAutoFit/>
+            </a:bodyPr>
+            <a:lstStyle/>
+            <a:p>
+              <a:r>
+                <a:rPr lang="en-US" dirty="0"/>
+                <a:t>Train set error:</a:t>
+              </a:r>
+            </a:p>
+            <a:p>
+              <a:r>
+                <a:rPr lang="en-US" dirty="0"/>
+                <a:t>Err 46%</a:t>
+              </a:r>
+              <a:endParaRPr lang="en-IL" dirty="0"/>
+            </a:p>
+          </p:txBody>
+        </p:sp>
+      </p:grpSp>
+      <p:grpSp>
+        <p:nvGrpSpPr>
+          <p:cNvPr id="107" name="Group 106">
+            <a:extLst>
+              <a:ext uri="{FF2B5EF4-FFF2-40B4-BE49-F238E27FC236}">
+                <a16:creationId xmlns:a16="http://schemas.microsoft.com/office/drawing/2014/main" id="{63918DFF-A260-4692-B9F4-D65E0F3BAD80}"/>
+              </a:ext>
+            </a:extLst>
+          </p:cNvPr>
+          <p:cNvGrpSpPr/>
+          <p:nvPr/>
+        </p:nvGrpSpPr>
+        <p:grpSpPr>
+          <a:xfrm>
+            <a:off x="5401340" y="4006057"/>
+            <a:ext cx="6560987" cy="420030"/>
+            <a:chOff x="5401340" y="4006057"/>
+            <a:chExt cx="6560987" cy="420030"/>
+          </a:xfrm>
+        </p:grpSpPr>
+        <p:cxnSp>
+          <p:nvCxnSpPr>
+            <p:cNvPr id="101" name="Straight Connector 100">
+              <a:extLst>
+                <a:ext uri="{FF2B5EF4-FFF2-40B4-BE49-F238E27FC236}">
+                  <a16:creationId xmlns:a16="http://schemas.microsoft.com/office/drawing/2014/main" id="{D202004A-14EE-42D6-9C2F-DB503D39E078}"/>
+                </a:ext>
+              </a:extLst>
+            </p:cNvPr>
+            <p:cNvCxnSpPr/>
+            <p:nvPr/>
+          </p:nvCxnSpPr>
+          <p:spPr>
+            <a:xfrm flipH="1">
+              <a:off x="5401340" y="4426087"/>
+              <a:ext cx="6560987" cy="0"/>
+            </a:xfrm>
+            <a:prstGeom prst="line">
+              <a:avLst/>
+            </a:prstGeom>
+          </p:spPr>
+          <p:style>
+            <a:lnRef idx="1">
+              <a:schemeClr val="accent1"/>
+            </a:lnRef>
+            <a:fillRef idx="0">
+              <a:schemeClr val="accent1"/>
+            </a:fillRef>
+            <a:effectRef idx="0">
+              <a:schemeClr val="accent1"/>
+            </a:effectRef>
+            <a:fontRef idx="minor">
+              <a:schemeClr val="tx1"/>
+            </a:fontRef>
+          </p:style>
+        </p:cxnSp>
+        <p:sp>
+          <p:nvSpPr>
+            <p:cNvPr id="104" name="TextBox 103">
+              <a:extLst>
+                <a:ext uri="{FF2B5EF4-FFF2-40B4-BE49-F238E27FC236}">
+                  <a16:creationId xmlns:a16="http://schemas.microsoft.com/office/drawing/2014/main" id="{BCBE8286-1A05-4D50-B37D-C7ECDA597775}"/>
+                </a:ext>
+              </a:extLst>
+            </p:cNvPr>
+            <p:cNvSpPr txBox="1"/>
+            <p:nvPr/>
+          </p:nvSpPr>
+          <p:spPr>
+            <a:xfrm>
+              <a:off x="5401341" y="4006057"/>
+              <a:ext cx="1160834" cy="370172"/>
+            </a:xfrm>
+            <a:prstGeom prst="rect">
+              <a:avLst/>
+            </a:prstGeom>
+            <a:noFill/>
+          </p:spPr>
+          <p:txBody>
+            <a:bodyPr wrap="square" rtlCol="0">
+              <a:spAutoFit/>
+            </a:bodyPr>
+            <a:lstStyle/>
+            <a:p>
+              <a:r>
+                <a:rPr lang="en-US" dirty="0"/>
+                <a:t>Err 23%</a:t>
+              </a:r>
+              <a:endParaRPr lang="en-IL" dirty="0"/>
+            </a:p>
+          </p:txBody>
+        </p:sp>
+      </p:grpSp>
+      <p:grpSp>
+        <p:nvGrpSpPr>
+          <p:cNvPr id="108" name="Group 107">
+            <a:extLst>
+              <a:ext uri="{FF2B5EF4-FFF2-40B4-BE49-F238E27FC236}">
+                <a16:creationId xmlns:a16="http://schemas.microsoft.com/office/drawing/2014/main" id="{0C296B05-3289-443D-BF30-054517DB78A6}"/>
+              </a:ext>
+            </a:extLst>
+          </p:cNvPr>
+          <p:cNvGrpSpPr/>
+          <p:nvPr/>
+        </p:nvGrpSpPr>
+        <p:grpSpPr>
+          <a:xfrm>
+            <a:off x="5401340" y="5802894"/>
+            <a:ext cx="6560987" cy="420031"/>
+            <a:chOff x="5401340" y="5802894"/>
+            <a:chExt cx="6560987" cy="420031"/>
+          </a:xfrm>
+        </p:grpSpPr>
+        <p:cxnSp>
+          <p:nvCxnSpPr>
+            <p:cNvPr id="102" name="Straight Connector 101">
+              <a:extLst>
+                <a:ext uri="{FF2B5EF4-FFF2-40B4-BE49-F238E27FC236}">
+                  <a16:creationId xmlns:a16="http://schemas.microsoft.com/office/drawing/2014/main" id="{9009F9ED-8F10-48C8-B3DA-9295222574AE}"/>
+                </a:ext>
+              </a:extLst>
+            </p:cNvPr>
+            <p:cNvCxnSpPr/>
+            <p:nvPr/>
+          </p:nvCxnSpPr>
+          <p:spPr>
+            <a:xfrm flipH="1">
+              <a:off x="5401340" y="5802894"/>
+              <a:ext cx="6560987" cy="0"/>
+            </a:xfrm>
+            <a:prstGeom prst="line">
+              <a:avLst/>
+            </a:prstGeom>
+          </p:spPr>
+          <p:style>
+            <a:lnRef idx="1">
+              <a:schemeClr val="accent1"/>
+            </a:lnRef>
+            <a:fillRef idx="0">
+              <a:schemeClr val="accent1"/>
+            </a:fillRef>
+            <a:effectRef idx="0">
+              <a:schemeClr val="accent1"/>
+            </a:effectRef>
+            <a:fontRef idx="minor">
+              <a:schemeClr val="tx1"/>
+            </a:fontRef>
+          </p:style>
+        </p:cxnSp>
+        <p:sp>
+          <p:nvSpPr>
+            <p:cNvPr id="105" name="TextBox 104">
+              <a:extLst>
+                <a:ext uri="{FF2B5EF4-FFF2-40B4-BE49-F238E27FC236}">
+                  <a16:creationId xmlns:a16="http://schemas.microsoft.com/office/drawing/2014/main" id="{04ED07C1-B800-4ED8-A1D1-F093543601C7}"/>
+                </a:ext>
+              </a:extLst>
+            </p:cNvPr>
+            <p:cNvSpPr txBox="1"/>
+            <p:nvPr/>
+          </p:nvSpPr>
+          <p:spPr>
+            <a:xfrm>
+              <a:off x="5401341" y="5852753"/>
+              <a:ext cx="1160834" cy="370172"/>
+            </a:xfrm>
+            <a:prstGeom prst="rect">
+              <a:avLst/>
+            </a:prstGeom>
+            <a:noFill/>
+          </p:spPr>
+          <p:txBody>
+            <a:bodyPr wrap="square" rtlCol="0">
+              <a:spAutoFit/>
+            </a:bodyPr>
+            <a:lstStyle/>
+            <a:p>
+              <a:r>
+                <a:rPr lang="en-US" dirty="0"/>
+                <a:t>Err 0%</a:t>
+              </a:r>
+              <a:endParaRPr lang="en-IL" dirty="0"/>
+            </a:p>
+          </p:txBody>
+        </p:sp>
+      </p:grpSp>
+      <p:sp>
+        <p:nvSpPr>
+          <p:cNvPr id="109" name="TextBox 108">
+            <a:extLst>
+              <a:ext uri="{FF2B5EF4-FFF2-40B4-BE49-F238E27FC236}">
+                <a16:creationId xmlns:a16="http://schemas.microsoft.com/office/drawing/2014/main" id="{6116B856-0794-4ADC-9239-EAF7CDE7CC8C}"/>
+              </a:ext>
+            </a:extLst>
+          </p:cNvPr>
+          <p:cNvSpPr txBox="1"/>
+          <p:nvPr/>
+        </p:nvSpPr>
+        <p:spPr>
+          <a:xfrm>
+            <a:off x="5427573" y="4824501"/>
+            <a:ext cx="1051891" cy="369332"/>
+          </a:xfrm>
+          <a:prstGeom prst="rect">
+            <a:avLst/>
+          </a:prstGeom>
+          <a:noFill/>
+        </p:spPr>
+        <p:txBody>
+          <a:bodyPr wrap="none" rtlCol="0">
+            <a:spAutoFit/>
+          </a:bodyPr>
+          <a:lstStyle/>
+          <a:p>
             <a:r>
               <a:rPr lang="en-US" dirty="0"/>
-              <a:t>Add quiz/illustration here!</a:t>
+              <a:t>Err 8% </a:t>
             </a:r>
-            <a:endParaRPr lang="he-IL" dirty="0"/>
+            <a:endParaRPr lang="en-IL" dirty="0"/>
           </a:p>
         </p:txBody>
       </p:sp>
     </p:spTree>
     <p:extLst>
       <p:ext uri="{BB962C8B-B14F-4D97-AF65-F5344CB8AC3E}">
-        <p14:creationId xmlns:p14="http://schemas.microsoft.com/office/powerpoint/2010/main" val="2706928345"/>
+        <p14:creationId xmlns:p14="http://schemas.microsoft.com/office/powerpoint/2010/main" val="469820867"/>
       </p:ext>
     </p:extLst>
   </p:cSld>
   <p:clrMapOvr>
     <a:masterClrMapping/>
   </p:clrMapOvr>
+  <p:timing>
+    <p:tnLst>
+      <p:par>
+        <p:cTn id="1" dur="indefinite" restart="never" nodeType="tmRoot">
+          <p:childTnLst>
+            <p:seq concurrent="1" nextAc="seek">
+              <p:cTn id="2" dur="indefinite" nodeType="mainSeq">
+                <p:childTnLst>
+                  <p:par>
+                    <p:cTn id="3" fill="hold">
+                      <p:stCondLst>
+                        <p:cond delay="indefinite"/>
+                      </p:stCondLst>
+                      <p:childTnLst>
+                        <p:par>
+                          <p:cTn id="4" fill="hold">
+                            <p:stCondLst>
+                              <p:cond delay="0"/>
+                            </p:stCondLst>
+                            <p:childTnLst>
+                              <p:par>
+                                <p:cTn id="5" presetID="1" presetClass="entr" presetSubtype="0" fill="hold" nodeType="clickEffect">
+                                  <p:stCondLst>
+                                    <p:cond delay="0"/>
+                                  </p:stCondLst>
+                                  <p:childTnLst>
+                                    <p:set>
+                                      <p:cBhvr>
+                                        <p:cTn id="6" dur="1" fill="hold">
+                                          <p:stCondLst>
+                                            <p:cond delay="0"/>
+                                          </p:stCondLst>
+                                        </p:cTn>
+                                        <p:tgtEl>
+                                          <p:spTgt spid="106"/>
+                                        </p:tgtEl>
+                                        <p:attrNameLst>
+                                          <p:attrName>style.visibility</p:attrName>
+                                        </p:attrNameLst>
+                                      </p:cBhvr>
+                                      <p:to>
+                                        <p:strVal val="visible"/>
+                                      </p:to>
+                                    </p:set>
+                                  </p:childTnLst>
+                                </p:cTn>
+                              </p:par>
+                            </p:childTnLst>
+                          </p:cTn>
+                        </p:par>
+                      </p:childTnLst>
+                    </p:cTn>
+                  </p:par>
+                  <p:par>
+                    <p:cTn id="7" fill="hold">
+                      <p:stCondLst>
+                        <p:cond delay="indefinite"/>
+                      </p:stCondLst>
+                      <p:childTnLst>
+                        <p:par>
+                          <p:cTn id="8" fill="hold">
+                            <p:stCondLst>
+                              <p:cond delay="0"/>
+                            </p:stCondLst>
+                            <p:childTnLst>
+                              <p:par>
+                                <p:cTn id="9" presetID="1" presetClass="entr" presetSubtype="0" fill="hold" nodeType="clickEffect">
+                                  <p:stCondLst>
+                                    <p:cond delay="0"/>
+                                  </p:stCondLst>
+                                  <p:childTnLst>
+                                    <p:set>
+                                      <p:cBhvr>
+                                        <p:cTn id="10" dur="1" fill="hold">
+                                          <p:stCondLst>
+                                            <p:cond delay="0"/>
+                                          </p:stCondLst>
+                                        </p:cTn>
+                                        <p:tgtEl>
+                                          <p:spTgt spid="33"/>
+                                        </p:tgtEl>
+                                        <p:attrNameLst>
+                                          <p:attrName>style.visibility</p:attrName>
+                                        </p:attrNameLst>
+                                      </p:cBhvr>
+                                      <p:to>
+                                        <p:strVal val="visible"/>
+                                      </p:to>
+                                    </p:set>
+                                  </p:childTnLst>
+                                </p:cTn>
+                              </p:par>
+                              <p:par>
+                                <p:cTn id="11" presetID="1" presetClass="entr" presetSubtype="0" fill="hold" nodeType="withEffect">
+                                  <p:stCondLst>
+                                    <p:cond delay="0"/>
+                                  </p:stCondLst>
+                                  <p:childTnLst>
+                                    <p:set>
+                                      <p:cBhvr>
+                                        <p:cTn id="12" dur="1" fill="hold">
+                                          <p:stCondLst>
+                                            <p:cond delay="0"/>
+                                          </p:stCondLst>
+                                        </p:cTn>
+                                        <p:tgtEl>
+                                          <p:spTgt spid="49"/>
+                                        </p:tgtEl>
+                                        <p:attrNameLst>
+                                          <p:attrName>style.visibility</p:attrName>
+                                        </p:attrNameLst>
+                                      </p:cBhvr>
+                                      <p:to>
+                                        <p:strVal val="visible"/>
+                                      </p:to>
+                                    </p:set>
+                                  </p:childTnLst>
+                                </p:cTn>
+                              </p:par>
+                              <p:par>
+                                <p:cTn id="13" presetID="1" presetClass="entr" presetSubtype="0" fill="hold" nodeType="withEffect">
+                                  <p:stCondLst>
+                                    <p:cond delay="0"/>
+                                  </p:stCondLst>
+                                  <p:childTnLst>
+                                    <p:set>
+                                      <p:cBhvr>
+                                        <p:cTn id="14" dur="1" fill="hold">
+                                          <p:stCondLst>
+                                            <p:cond delay="0"/>
+                                          </p:stCondLst>
+                                        </p:cTn>
+                                        <p:tgtEl>
+                                          <p:spTgt spid="50"/>
+                                        </p:tgtEl>
+                                        <p:attrNameLst>
+                                          <p:attrName>style.visibility</p:attrName>
+                                        </p:attrNameLst>
+                                      </p:cBhvr>
+                                      <p:to>
+                                        <p:strVal val="visible"/>
+                                      </p:to>
+                                    </p:set>
+                                  </p:childTnLst>
+                                </p:cTn>
+                              </p:par>
+                              <p:par>
+                                <p:cTn id="15" presetID="1" presetClass="entr" presetSubtype="0" fill="hold" nodeType="withEffect">
+                                  <p:stCondLst>
+                                    <p:cond delay="0"/>
+                                  </p:stCondLst>
+                                  <p:childTnLst>
+                                    <p:set>
+                                      <p:cBhvr>
+                                        <p:cTn id="16" dur="1" fill="hold">
+                                          <p:stCondLst>
+                                            <p:cond delay="0"/>
+                                          </p:stCondLst>
+                                        </p:cTn>
+                                        <p:tgtEl>
+                                          <p:spTgt spid="54"/>
+                                        </p:tgtEl>
+                                        <p:attrNameLst>
+                                          <p:attrName>style.visibility</p:attrName>
+                                        </p:attrNameLst>
+                                      </p:cBhvr>
+                                      <p:to>
+                                        <p:strVal val="visible"/>
+                                      </p:to>
+                                    </p:set>
+                                  </p:childTnLst>
+                                </p:cTn>
+                              </p:par>
+                            </p:childTnLst>
+                          </p:cTn>
+                        </p:par>
+                      </p:childTnLst>
+                    </p:cTn>
+                  </p:par>
+                  <p:par>
+                    <p:cTn id="17" fill="hold">
+                      <p:stCondLst>
+                        <p:cond delay="indefinite"/>
+                      </p:stCondLst>
+                      <p:childTnLst>
+                        <p:par>
+                          <p:cTn id="18" fill="hold">
+                            <p:stCondLst>
+                              <p:cond delay="0"/>
+                            </p:stCondLst>
+                            <p:childTnLst>
+                              <p:par>
+                                <p:cTn id="19" presetID="1" presetClass="entr" presetSubtype="0" fill="hold" nodeType="clickEffect">
+                                  <p:stCondLst>
+                                    <p:cond delay="0"/>
+                                  </p:stCondLst>
+                                  <p:childTnLst>
+                                    <p:set>
+                                      <p:cBhvr>
+                                        <p:cTn id="20" dur="1" fill="hold">
+                                          <p:stCondLst>
+                                            <p:cond delay="0"/>
+                                          </p:stCondLst>
+                                        </p:cTn>
+                                        <p:tgtEl>
+                                          <p:spTgt spid="107"/>
+                                        </p:tgtEl>
+                                        <p:attrNameLst>
+                                          <p:attrName>style.visibility</p:attrName>
+                                        </p:attrNameLst>
+                                      </p:cBhvr>
+                                      <p:to>
+                                        <p:strVal val="visible"/>
+                                      </p:to>
+                                    </p:set>
+                                  </p:childTnLst>
+                                </p:cTn>
+                              </p:par>
+                            </p:childTnLst>
+                          </p:cTn>
+                        </p:par>
+                      </p:childTnLst>
+                    </p:cTn>
+                  </p:par>
+                  <p:par>
+                    <p:cTn id="21" fill="hold">
+                      <p:stCondLst>
+                        <p:cond delay="indefinite"/>
+                      </p:stCondLst>
+                      <p:childTnLst>
+                        <p:par>
+                          <p:cTn id="22" fill="hold">
+                            <p:stCondLst>
+                              <p:cond delay="0"/>
+                            </p:stCondLst>
+                            <p:childTnLst>
+                              <p:par>
+                                <p:cTn id="23" presetID="1" presetClass="entr" presetSubtype="0" fill="hold" nodeType="clickEffect">
+                                  <p:stCondLst>
+                                    <p:cond delay="0"/>
+                                  </p:stCondLst>
+                                  <p:childTnLst>
+                                    <p:set>
+                                      <p:cBhvr>
+                                        <p:cTn id="24" dur="1" fill="hold">
+                                          <p:stCondLst>
+                                            <p:cond delay="0"/>
+                                          </p:stCondLst>
+                                        </p:cTn>
+                                        <p:tgtEl>
+                                          <p:spTgt spid="34"/>
+                                        </p:tgtEl>
+                                        <p:attrNameLst>
+                                          <p:attrName>style.visibility</p:attrName>
+                                        </p:attrNameLst>
+                                      </p:cBhvr>
+                                      <p:to>
+                                        <p:strVal val="visible"/>
+                                      </p:to>
+                                    </p:set>
+                                  </p:childTnLst>
+                                </p:cTn>
+                              </p:par>
+                              <p:par>
+                                <p:cTn id="25" presetID="1" presetClass="entr" presetSubtype="0" fill="hold" nodeType="withEffect">
+                                  <p:stCondLst>
+                                    <p:cond delay="0"/>
+                                  </p:stCondLst>
+                                  <p:childTnLst>
+                                    <p:set>
+                                      <p:cBhvr>
+                                        <p:cTn id="26" dur="1" fill="hold">
+                                          <p:stCondLst>
+                                            <p:cond delay="0"/>
+                                          </p:stCondLst>
+                                        </p:cTn>
+                                        <p:tgtEl>
+                                          <p:spTgt spid="69"/>
+                                        </p:tgtEl>
+                                        <p:attrNameLst>
+                                          <p:attrName>style.visibility</p:attrName>
+                                        </p:attrNameLst>
+                                      </p:cBhvr>
+                                      <p:to>
+                                        <p:strVal val="visible"/>
+                                      </p:to>
+                                    </p:set>
+                                  </p:childTnLst>
+                                </p:cTn>
+                              </p:par>
+                              <p:par>
+                                <p:cTn id="27" presetID="1" presetClass="entr" presetSubtype="0" fill="hold" nodeType="withEffect">
+                                  <p:stCondLst>
+                                    <p:cond delay="0"/>
+                                  </p:stCondLst>
+                                  <p:childTnLst>
+                                    <p:set>
+                                      <p:cBhvr>
+                                        <p:cTn id="28" dur="1" fill="hold">
+                                          <p:stCondLst>
+                                            <p:cond delay="0"/>
+                                          </p:stCondLst>
+                                        </p:cTn>
+                                        <p:tgtEl>
+                                          <p:spTgt spid="65"/>
+                                        </p:tgtEl>
+                                        <p:attrNameLst>
+                                          <p:attrName>style.visibility</p:attrName>
+                                        </p:attrNameLst>
+                                      </p:cBhvr>
+                                      <p:to>
+                                        <p:strVal val="visible"/>
+                                      </p:to>
+                                    </p:set>
+                                  </p:childTnLst>
+                                </p:cTn>
+                              </p:par>
+                              <p:par>
+                                <p:cTn id="29" presetID="1" presetClass="entr" presetSubtype="0" fill="hold" nodeType="withEffect">
+                                  <p:stCondLst>
+                                    <p:cond delay="0"/>
+                                  </p:stCondLst>
+                                  <p:childTnLst>
+                                    <p:set>
+                                      <p:cBhvr>
+                                        <p:cTn id="30" dur="1" fill="hold">
+                                          <p:stCondLst>
+                                            <p:cond delay="0"/>
+                                          </p:stCondLst>
+                                        </p:cTn>
+                                        <p:tgtEl>
+                                          <p:spTgt spid="70"/>
+                                        </p:tgtEl>
+                                        <p:attrNameLst>
+                                          <p:attrName>style.visibility</p:attrName>
+                                        </p:attrNameLst>
+                                      </p:cBhvr>
+                                      <p:to>
+                                        <p:strVal val="visible"/>
+                                      </p:to>
+                                    </p:set>
+                                  </p:childTnLst>
+                                </p:cTn>
+                              </p:par>
+                            </p:childTnLst>
+                          </p:cTn>
+                        </p:par>
+                      </p:childTnLst>
+                    </p:cTn>
+                  </p:par>
+                  <p:par>
+                    <p:cTn id="31" fill="hold">
+                      <p:stCondLst>
+                        <p:cond delay="indefinite"/>
+                      </p:stCondLst>
+                      <p:childTnLst>
+                        <p:par>
+                          <p:cTn id="32" fill="hold">
+                            <p:stCondLst>
+                              <p:cond delay="0"/>
+                            </p:stCondLst>
+                            <p:childTnLst>
+                              <p:par>
+                                <p:cTn id="33" presetID="1" presetClass="entr" presetSubtype="0" fill="hold" grpId="0" nodeType="clickEffect">
+                                  <p:stCondLst>
+                                    <p:cond delay="0"/>
+                                  </p:stCondLst>
+                                  <p:childTnLst>
+                                    <p:set>
+                                      <p:cBhvr>
+                                        <p:cTn id="34" dur="1" fill="hold">
+                                          <p:stCondLst>
+                                            <p:cond delay="0"/>
+                                          </p:stCondLst>
+                                        </p:cTn>
+                                        <p:tgtEl>
+                                          <p:spTgt spid="109"/>
+                                        </p:tgtEl>
+                                        <p:attrNameLst>
+                                          <p:attrName>style.visibility</p:attrName>
+                                        </p:attrNameLst>
+                                      </p:cBhvr>
+                                      <p:to>
+                                        <p:strVal val="visible"/>
+                                      </p:to>
+                                    </p:set>
+                                  </p:childTnLst>
+                                </p:cTn>
+                              </p:par>
+                            </p:childTnLst>
+                          </p:cTn>
+                        </p:par>
+                      </p:childTnLst>
+                    </p:cTn>
+                  </p:par>
+                  <p:par>
+                    <p:cTn id="35" fill="hold">
+                      <p:stCondLst>
+                        <p:cond delay="indefinite"/>
+                      </p:stCondLst>
+                      <p:childTnLst>
+                        <p:par>
+                          <p:cTn id="36" fill="hold">
+                            <p:stCondLst>
+                              <p:cond delay="0"/>
+                            </p:stCondLst>
+                            <p:childTnLst>
+                              <p:par>
+                                <p:cTn id="37" presetID="1" presetClass="entr" presetSubtype="0" fill="hold" nodeType="clickEffect">
+                                  <p:stCondLst>
+                                    <p:cond delay="0"/>
+                                  </p:stCondLst>
+                                  <p:childTnLst>
+                                    <p:set>
+                                      <p:cBhvr>
+                                        <p:cTn id="38" dur="1" fill="hold">
+                                          <p:stCondLst>
+                                            <p:cond delay="0"/>
+                                          </p:stCondLst>
+                                        </p:cTn>
+                                        <p:tgtEl>
+                                          <p:spTgt spid="35"/>
+                                        </p:tgtEl>
+                                        <p:attrNameLst>
+                                          <p:attrName>style.visibility</p:attrName>
+                                        </p:attrNameLst>
+                                      </p:cBhvr>
+                                      <p:to>
+                                        <p:strVal val="visible"/>
+                                      </p:to>
+                                    </p:set>
+                                  </p:childTnLst>
+                                </p:cTn>
+                              </p:par>
+                              <p:par>
+                                <p:cTn id="39" presetID="1" presetClass="entr" presetSubtype="0" fill="hold" nodeType="withEffect">
+                                  <p:stCondLst>
+                                    <p:cond delay="0"/>
+                                  </p:stCondLst>
+                                  <p:childTnLst>
+                                    <p:set>
+                                      <p:cBhvr>
+                                        <p:cTn id="40" dur="1" fill="hold">
+                                          <p:stCondLst>
+                                            <p:cond delay="0"/>
+                                          </p:stCondLst>
+                                        </p:cTn>
+                                        <p:tgtEl>
+                                          <p:spTgt spid="74"/>
+                                        </p:tgtEl>
+                                        <p:attrNameLst>
+                                          <p:attrName>style.visibility</p:attrName>
+                                        </p:attrNameLst>
+                                      </p:cBhvr>
+                                      <p:to>
+                                        <p:strVal val="visible"/>
+                                      </p:to>
+                                    </p:set>
+                                  </p:childTnLst>
+                                </p:cTn>
+                              </p:par>
+                              <p:par>
+                                <p:cTn id="41" presetID="1" presetClass="entr" presetSubtype="0" fill="hold" nodeType="withEffect">
+                                  <p:stCondLst>
+                                    <p:cond delay="0"/>
+                                  </p:stCondLst>
+                                  <p:childTnLst>
+                                    <p:set>
+                                      <p:cBhvr>
+                                        <p:cTn id="42" dur="1" fill="hold">
+                                          <p:stCondLst>
+                                            <p:cond delay="0"/>
+                                          </p:stCondLst>
+                                        </p:cTn>
+                                        <p:tgtEl>
+                                          <p:spTgt spid="87"/>
+                                        </p:tgtEl>
+                                        <p:attrNameLst>
+                                          <p:attrName>style.visibility</p:attrName>
+                                        </p:attrNameLst>
+                                      </p:cBhvr>
+                                      <p:to>
+                                        <p:strVal val="visible"/>
+                                      </p:to>
+                                    </p:set>
+                                  </p:childTnLst>
+                                </p:cTn>
+                              </p:par>
+                              <p:par>
+                                <p:cTn id="43" presetID="1" presetClass="entr" presetSubtype="0" fill="hold" nodeType="withEffect">
+                                  <p:stCondLst>
+                                    <p:cond delay="0"/>
+                                  </p:stCondLst>
+                                  <p:childTnLst>
+                                    <p:set>
+                                      <p:cBhvr>
+                                        <p:cTn id="44" dur="1" fill="hold">
+                                          <p:stCondLst>
+                                            <p:cond delay="0"/>
+                                          </p:stCondLst>
+                                        </p:cTn>
+                                        <p:tgtEl>
+                                          <p:spTgt spid="91"/>
+                                        </p:tgtEl>
+                                        <p:attrNameLst>
+                                          <p:attrName>style.visibility</p:attrName>
+                                        </p:attrNameLst>
+                                      </p:cBhvr>
+                                      <p:to>
+                                        <p:strVal val="visible"/>
+                                      </p:to>
+                                    </p:set>
+                                  </p:childTnLst>
+                                </p:cTn>
+                              </p:par>
+                            </p:childTnLst>
+                          </p:cTn>
+                        </p:par>
+                      </p:childTnLst>
+                    </p:cTn>
+                  </p:par>
+                  <p:par>
+                    <p:cTn id="45" fill="hold">
+                      <p:stCondLst>
+                        <p:cond delay="indefinite"/>
+                      </p:stCondLst>
+                      <p:childTnLst>
+                        <p:par>
+                          <p:cTn id="46" fill="hold">
+                            <p:stCondLst>
+                              <p:cond delay="0"/>
+                            </p:stCondLst>
+                            <p:childTnLst>
+                              <p:par>
+                                <p:cTn id="47" presetID="1" presetClass="entr" presetSubtype="0" fill="hold" nodeType="clickEffect">
+                                  <p:stCondLst>
+                                    <p:cond delay="0"/>
+                                  </p:stCondLst>
+                                  <p:childTnLst>
+                                    <p:set>
+                                      <p:cBhvr>
+                                        <p:cTn id="48" dur="1" fill="hold">
+                                          <p:stCondLst>
+                                            <p:cond delay="0"/>
+                                          </p:stCondLst>
+                                        </p:cTn>
+                                        <p:tgtEl>
+                                          <p:spTgt spid="108"/>
+                                        </p:tgtEl>
+                                        <p:attrNameLst>
+                                          <p:attrName>style.visibility</p:attrName>
+                                        </p:attrNameLst>
+                                      </p:cBhvr>
+                                      <p:to>
+                                        <p:strVal val="visible"/>
+                                      </p:to>
+                                    </p:set>
+                                  </p:childTnLst>
+                                </p:cTn>
+                              </p:par>
+                            </p:childTnLst>
+                          </p:cTn>
+                        </p:par>
+                      </p:childTnLst>
+                    </p:cTn>
+                  </p:par>
+                </p:childTnLst>
+              </p:cTn>
+              <p:prevCondLst>
+                <p:cond evt="onPrev" delay="0">
+                  <p:tgtEl>
+                    <p:sldTgt/>
+                  </p:tgtEl>
+                </p:cond>
+              </p:prevCondLst>
+              <p:nextCondLst>
+                <p:cond evt="onNext" delay="0">
+                  <p:tgtEl>
+                    <p:sldTgt/>
+                  </p:tgtEl>
+                </p:cond>
+              </p:nextCondLst>
+            </p:seq>
+          </p:childTnLst>
+        </p:cTn>
+      </p:par>
+    </p:tnLst>
+    <p:bldLst>
+      <p:bldP spid="109" grpId="0"/>
+    </p:bldLst>
+  </p:timing>
 </p:sld>
 </file>
 

--- a/presentation/pptx/03-Classification_methods_part2_SVMs_and_Cross_Validation.pptx
+++ b/presentation/pptx/03-Classification_methods_part2_SVMs_and_Cross_Validation.pptx
@@ -5,7 +5,7 @@
     <p:sldMasterId id="2147483840" r:id="rId1"/>
   </p:sldMasterIdLst>
   <p:notesMasterIdLst>
-    <p:notesMasterId r:id="rId24"/>
+    <p:notesMasterId r:id="rId27"/>
   </p:notesMasterIdLst>
   <p:sldIdLst>
     <p:sldId id="256" r:id="rId2"/>
@@ -30,6 +30,9 @@
     <p:sldId id="287" r:id="rId21"/>
     <p:sldId id="293" r:id="rId22"/>
     <p:sldId id="294" r:id="rId23"/>
+    <p:sldId id="295" r:id="rId24"/>
+    <p:sldId id="296" r:id="rId25"/>
+    <p:sldId id="297" r:id="rId26"/>
   </p:sldIdLst>
   <p:sldSz cx="12192000" cy="6858000"/>
   <p:notesSz cx="6858000" cy="9144000"/>
@@ -974,6 +977,94 @@
     <p:extLst>
       <p:ext uri="{BB962C8B-B14F-4D97-AF65-F5344CB8AC3E}">
         <p14:creationId xmlns:p14="http://schemas.microsoft.com/office/powerpoint/2010/main" val="2463563639"/>
+      </p:ext>
+    </p:extLst>
+  </p:cSld>
+  <p:clrMapOvr>
+    <a:masterClrMapping/>
+  </p:clrMapOvr>
+</p:notes>
+</file>
+
+<file path=ppt/notesSlides/notesSlide6.xml><?xml version="1.0" encoding="utf-8"?>
+<p:notes xmlns:a="http://schemas.openxmlformats.org/drawingml/2006/main" xmlns:r="http://schemas.openxmlformats.org/officeDocument/2006/relationships" xmlns:p="http://schemas.openxmlformats.org/presentationml/2006/main">
+  <p:cSld>
+    <p:spTree>
+      <p:nvGrpSpPr>
+        <p:cNvPr id="1" name=""/>
+        <p:cNvGrpSpPr/>
+        <p:nvPr/>
+      </p:nvGrpSpPr>
+      <p:grpSpPr>
+        <a:xfrm>
+          <a:off x="0" y="0"/>
+          <a:ext cx="0" cy="0"/>
+          <a:chOff x="0" y="0"/>
+          <a:chExt cx="0" cy="0"/>
+        </a:xfrm>
+      </p:grpSpPr>
+      <p:sp>
+        <p:nvSpPr>
+          <p:cNvPr id="2" name="Slide Image Placeholder 1"/>
+          <p:cNvSpPr>
+            <a:spLocks noGrp="1" noRot="1" noChangeAspect="1"/>
+          </p:cNvSpPr>
+          <p:nvPr>
+            <p:ph type="sldImg"/>
+          </p:nvPr>
+        </p:nvSpPr>
+        <p:spPr/>
+      </p:sp>
+      <p:sp>
+        <p:nvSpPr>
+          <p:cNvPr id="3" name="Notes Placeholder 2"/>
+          <p:cNvSpPr>
+            <a:spLocks noGrp="1"/>
+          </p:cNvSpPr>
+          <p:nvPr>
+            <p:ph type="body" idx="1"/>
+          </p:nvPr>
+        </p:nvSpPr>
+        <p:spPr/>
+        <p:txBody>
+          <a:bodyPr/>
+          <a:lstStyle/>
+          <a:p>
+            <a:r>
+              <a:rPr lang="en-US" dirty="0"/>
+              <a:t>For details about measures and why misclassification is not that advised, see ESLII pages 309-310.</a:t>
+            </a:r>
+            <a:endParaRPr lang="en-IL" dirty="0"/>
+          </a:p>
+        </p:txBody>
+      </p:sp>
+      <p:sp>
+        <p:nvSpPr>
+          <p:cNvPr id="4" name="Slide Number Placeholder 3"/>
+          <p:cNvSpPr>
+            <a:spLocks noGrp="1"/>
+          </p:cNvSpPr>
+          <p:nvPr>
+            <p:ph type="sldNum" sz="quarter" idx="5"/>
+          </p:nvPr>
+        </p:nvSpPr>
+        <p:spPr/>
+        <p:txBody>
+          <a:bodyPr/>
+          <a:lstStyle/>
+          <a:p>
+            <a:fld id="{C4276747-8356-4D8F-84BF-3C530C5DAF39}" type="slidenum">
+              <a:rPr lang="he-IL" smtClean="0"/>
+              <a:t>25</a:t>
+            </a:fld>
+            <a:endParaRPr lang="he-IL"/>
+          </a:p>
+        </p:txBody>
+      </p:sp>
+    </p:spTree>
+    <p:extLst>
+      <p:ext uri="{BB962C8B-B14F-4D97-AF65-F5344CB8AC3E}">
+        <p14:creationId xmlns:p14="http://schemas.microsoft.com/office/powerpoint/2010/main" val="3900918535"/>
       </p:ext>
     </p:extLst>
   </p:cSld>
@@ -11385,7 +11476,7 @@
             </a:pPr>
             <a:r>
               <a:rPr lang="en-US" dirty="0"/>
-              <a:t>Caution, flexibility = can be easily abused into over-fitting.</a:t>
+              <a:t>Caution, flexibility = very high bias = can be easily abused into over-fitting.</a:t>
             </a:r>
           </a:p>
         </p:txBody>
@@ -16174,6 +16265,2273 @@
 </p:sld>
 </file>
 
+<file path=ppt/slides/slide23.xml><?xml version="1.0" encoding="utf-8"?>
+<p:sld xmlns:a="http://schemas.openxmlformats.org/drawingml/2006/main" xmlns:r="http://schemas.openxmlformats.org/officeDocument/2006/relationships" xmlns:p="http://schemas.openxmlformats.org/presentationml/2006/main">
+  <p:cSld>
+    <p:spTree>
+      <p:nvGrpSpPr>
+        <p:cNvPr id="1" name=""/>
+        <p:cNvGrpSpPr/>
+        <p:nvPr/>
+      </p:nvGrpSpPr>
+      <p:grpSpPr>
+        <a:xfrm>
+          <a:off x="0" y="0"/>
+          <a:ext cx="0" cy="0"/>
+          <a:chOff x="0" y="0"/>
+          <a:chExt cx="0" cy="0"/>
+        </a:xfrm>
+      </p:grpSpPr>
+      <p:sp>
+        <p:nvSpPr>
+          <p:cNvPr id="2" name="Title 1">
+            <a:extLst>
+              <a:ext uri="{FF2B5EF4-FFF2-40B4-BE49-F238E27FC236}">
+                <a16:creationId xmlns:a16="http://schemas.microsoft.com/office/drawing/2014/main" id="{69C02056-5B20-4641-9849-83AEA12BB707}"/>
+              </a:ext>
+            </a:extLst>
+          </p:cNvPr>
+          <p:cNvSpPr>
+            <a:spLocks noGrp="1"/>
+          </p:cNvSpPr>
+          <p:nvPr>
+            <p:ph type="title"/>
+          </p:nvPr>
+        </p:nvSpPr>
+        <p:spPr/>
+        <p:txBody>
+          <a:bodyPr/>
+          <a:lstStyle/>
+          <a:p>
+            <a:r>
+              <a:rPr lang="en-US" dirty="0"/>
+              <a:t>How a Tree is Grown?</a:t>
+            </a:r>
+            <a:endParaRPr lang="en-IL" dirty="0"/>
+          </a:p>
+        </p:txBody>
+      </p:sp>
+      <mc:AlternateContent xmlns:mc="http://schemas.openxmlformats.org/markup-compatibility/2006">
+        <mc:Choice xmlns:a14="http://schemas.microsoft.com/office/drawing/2010/main" Requires="a14">
+          <p:sp>
+            <p:nvSpPr>
+              <p:cNvPr id="3" name="Content Placeholder 2">
+                <a:extLst>
+                  <a:ext uri="{FF2B5EF4-FFF2-40B4-BE49-F238E27FC236}">
+                    <a16:creationId xmlns:a16="http://schemas.microsoft.com/office/drawing/2014/main" id="{31AE4E9F-EACB-472F-B605-A431EA5EC19F}"/>
+                  </a:ext>
+                </a:extLst>
+              </p:cNvPr>
+              <p:cNvSpPr>
+                <a:spLocks noGrp="1"/>
+              </p:cNvSpPr>
+              <p:nvPr>
+                <p:ph idx="1"/>
+              </p:nvPr>
+            </p:nvSpPr>
+            <p:spPr/>
+            <p:txBody>
+              <a:bodyPr/>
+              <a:lstStyle/>
+              <a:p>
+                <a:pPr>
+                  <a:lnSpc>
+                    <a:spcPct val="100000"/>
+                  </a:lnSpc>
+                </a:pPr>
+                <a:r>
+                  <a:rPr lang="en-US" dirty="0"/>
+                  <a:t>(Regression tree)</a:t>
+                </a:r>
+              </a:p>
+              <a:p>
+                <a:pPr>
+                  <a:lnSpc>
+                    <a:spcPct val="100000"/>
+                  </a:lnSpc>
+                </a:pPr>
+                <a:r>
+                  <a:rPr lang="en-US" dirty="0"/>
+                  <a:t>The goal: find “boxes” which divide the plane and minimize:</a:t>
+                </a:r>
+              </a:p>
+              <a:p>
+                <a:pPr marL="0" indent="0" algn="ctr">
+                  <a:lnSpc>
+                    <a:spcPct val="100000"/>
+                  </a:lnSpc>
+                  <a:buNone/>
+                </a:pPr>
+                <a14:m>
+                  <m:oMathPara xmlns:m="http://schemas.openxmlformats.org/officeDocument/2006/math">
+                    <m:oMathParaPr>
+                      <m:jc m:val="centerGroup"/>
+                    </m:oMathParaPr>
+                    <m:oMath xmlns:m="http://schemas.openxmlformats.org/officeDocument/2006/math">
+                      <m:nary>
+                        <m:naryPr>
+                          <m:chr m:val="∑"/>
+                          <m:ctrlPr>
+                            <a:rPr lang="en-US" b="0" i="1" smtClean="0">
+                              <a:latin typeface="Cambria Math" panose="02040503050406030204" pitchFamily="18" charset="0"/>
+                            </a:rPr>
+                          </m:ctrlPr>
+                        </m:naryPr>
+                        <m:sub>
+                          <m:r>
+                            <a:rPr lang="en-US" b="0" i="1" smtClean="0">
+                              <a:latin typeface="Cambria Math" panose="02040503050406030204" pitchFamily="18" charset="0"/>
+                            </a:rPr>
+                            <m:t>𝑗</m:t>
+                          </m:r>
+                          <m:r>
+                            <a:rPr lang="en-US" b="0" i="1" smtClean="0">
+                              <a:latin typeface="Cambria Math" panose="02040503050406030204" pitchFamily="18" charset="0"/>
+                            </a:rPr>
+                            <m:t>=</m:t>
+                          </m:r>
+                          <m:r>
+                            <a:rPr lang="en-US" b="0" i="1" smtClean="0">
+                              <a:latin typeface="Cambria Math" panose="02040503050406030204" pitchFamily="18" charset="0"/>
+                            </a:rPr>
+                            <m:t>1</m:t>
+                          </m:r>
+                        </m:sub>
+                        <m:sup>
+                          <m:r>
+                            <a:rPr lang="en-US" b="0" i="1" smtClean="0">
+                              <a:latin typeface="Cambria Math" panose="02040503050406030204" pitchFamily="18" charset="0"/>
+                            </a:rPr>
+                            <m:t>𝐽</m:t>
+                          </m:r>
+                        </m:sup>
+                        <m:e>
+                          <m:nary>
+                            <m:naryPr>
+                              <m:chr m:val="∑"/>
+                              <m:supHide m:val="on"/>
+                              <m:ctrlPr>
+                                <a:rPr lang="en-US" b="0" i="1" smtClean="0">
+                                  <a:latin typeface="Cambria Math" panose="02040503050406030204" pitchFamily="18" charset="0"/>
+                                </a:rPr>
+                              </m:ctrlPr>
+                            </m:naryPr>
+                            <m:sub>
+                              <m:r>
+                                <a:rPr lang="en-US" b="0" i="1" smtClean="0">
+                                  <a:latin typeface="Cambria Math" panose="02040503050406030204" pitchFamily="18" charset="0"/>
+                                </a:rPr>
+                                <m:t>𝑖</m:t>
+                              </m:r>
+                              <m:r>
+                                <a:rPr lang="en-US" b="0" i="1" smtClean="0">
+                                  <a:latin typeface="Cambria Math" panose="02040503050406030204" pitchFamily="18" charset="0"/>
+                                </a:rPr>
+                                <m:t>∈</m:t>
+                              </m:r>
+                              <m:sSub>
+                                <m:sSubPr>
+                                  <m:ctrlPr>
+                                    <a:rPr lang="en-US" b="0" i="1" smtClean="0">
+                                      <a:latin typeface="Cambria Math" panose="02040503050406030204" pitchFamily="18" charset="0"/>
+                                    </a:rPr>
+                                  </m:ctrlPr>
+                                </m:sSubPr>
+                                <m:e>
+                                  <m:r>
+                                    <a:rPr lang="en-US" b="0" i="1" smtClean="0">
+                                      <a:latin typeface="Cambria Math" panose="02040503050406030204" pitchFamily="18" charset="0"/>
+                                    </a:rPr>
+                                    <m:t>𝑅</m:t>
+                                  </m:r>
+                                </m:e>
+                                <m:sub>
+                                  <m:r>
+                                    <a:rPr lang="en-US" b="0" i="1" smtClean="0">
+                                      <a:latin typeface="Cambria Math" panose="02040503050406030204" pitchFamily="18" charset="0"/>
+                                    </a:rPr>
+                                    <m:t>𝑗</m:t>
+                                  </m:r>
+                                </m:sub>
+                              </m:sSub>
+                            </m:sub>
+                            <m:sup/>
+                            <m:e>
+                              <m:sSup>
+                                <m:sSupPr>
+                                  <m:ctrlPr>
+                                    <a:rPr lang="en-US" b="0" i="1" smtClean="0">
+                                      <a:latin typeface="Cambria Math" panose="02040503050406030204" pitchFamily="18" charset="0"/>
+                                    </a:rPr>
+                                  </m:ctrlPr>
+                                </m:sSupPr>
+                                <m:e>
+                                  <m:d>
+                                    <m:dPr>
+                                      <m:ctrlPr>
+                                        <a:rPr lang="en-US" b="0" i="1" smtClean="0">
+                                          <a:latin typeface="Cambria Math" panose="02040503050406030204" pitchFamily="18" charset="0"/>
+                                        </a:rPr>
+                                      </m:ctrlPr>
+                                    </m:dPr>
+                                    <m:e>
+                                      <m:sSub>
+                                        <m:sSubPr>
+                                          <m:ctrlPr>
+                                            <a:rPr lang="en-US" b="0" i="1" smtClean="0">
+                                              <a:latin typeface="Cambria Math" panose="02040503050406030204" pitchFamily="18" charset="0"/>
+                                            </a:rPr>
+                                          </m:ctrlPr>
+                                        </m:sSubPr>
+                                        <m:e>
+                                          <m:r>
+                                            <a:rPr lang="en-US" b="0" i="1" smtClean="0">
+                                              <a:latin typeface="Cambria Math" panose="02040503050406030204" pitchFamily="18" charset="0"/>
+                                            </a:rPr>
+                                            <m:t>𝑦</m:t>
+                                          </m:r>
+                                        </m:e>
+                                        <m:sub>
+                                          <m:r>
+                                            <a:rPr lang="en-US" b="0" i="1" smtClean="0">
+                                              <a:latin typeface="Cambria Math" panose="02040503050406030204" pitchFamily="18" charset="0"/>
+                                            </a:rPr>
+                                            <m:t>𝑖</m:t>
+                                          </m:r>
+                                        </m:sub>
+                                      </m:sSub>
+                                      <m:r>
+                                        <a:rPr lang="en-US" b="0" i="1" smtClean="0">
+                                          <a:latin typeface="Cambria Math" panose="02040503050406030204" pitchFamily="18" charset="0"/>
+                                        </a:rPr>
+                                        <m:t>−</m:t>
+                                      </m:r>
+                                      <m:sSub>
+                                        <m:sSubPr>
+                                          <m:ctrlPr>
+                                            <a:rPr lang="en-US" b="0" i="1" smtClean="0">
+                                              <a:latin typeface="Cambria Math" panose="02040503050406030204" pitchFamily="18" charset="0"/>
+                                            </a:rPr>
+                                          </m:ctrlPr>
+                                        </m:sSubPr>
+                                        <m:e>
+                                          <m:acc>
+                                            <m:accPr>
+                                              <m:chr m:val="̂"/>
+                                              <m:ctrlPr>
+                                                <a:rPr lang="en-US" b="0" i="1" smtClean="0">
+                                                  <a:latin typeface="Cambria Math" panose="02040503050406030204" pitchFamily="18" charset="0"/>
+                                                </a:rPr>
+                                              </m:ctrlPr>
+                                            </m:accPr>
+                                            <m:e>
+                                              <m:r>
+                                                <a:rPr lang="en-US" b="0" i="1" smtClean="0">
+                                                  <a:latin typeface="Cambria Math" panose="02040503050406030204" pitchFamily="18" charset="0"/>
+                                                </a:rPr>
+                                                <m:t>𝑦</m:t>
+                                              </m:r>
+                                            </m:e>
+                                          </m:acc>
+                                        </m:e>
+                                        <m:sub>
+                                          <m:sSub>
+                                            <m:sSubPr>
+                                              <m:ctrlPr>
+                                                <a:rPr lang="en-US" b="0" i="1" smtClean="0">
+                                                  <a:latin typeface="Cambria Math" panose="02040503050406030204" pitchFamily="18" charset="0"/>
+                                                </a:rPr>
+                                              </m:ctrlPr>
+                                            </m:sSubPr>
+                                            <m:e>
+                                              <m:r>
+                                                <a:rPr lang="en-US" b="0" i="1" smtClean="0">
+                                                  <a:latin typeface="Cambria Math" panose="02040503050406030204" pitchFamily="18" charset="0"/>
+                                                </a:rPr>
+                                                <m:t>𝑅</m:t>
+                                              </m:r>
+                                            </m:e>
+                                            <m:sub>
+                                              <m:r>
+                                                <a:rPr lang="en-US" b="0" i="1" smtClean="0">
+                                                  <a:latin typeface="Cambria Math" panose="02040503050406030204" pitchFamily="18" charset="0"/>
+                                                </a:rPr>
+                                                <m:t>𝑗</m:t>
+                                              </m:r>
+                                            </m:sub>
+                                          </m:sSub>
+                                        </m:sub>
+                                      </m:sSub>
+                                    </m:e>
+                                  </m:d>
+                                </m:e>
+                                <m:sup>
+                                  <m:r>
+                                    <a:rPr lang="en-US" b="0" i="1" smtClean="0">
+                                      <a:latin typeface="Cambria Math" panose="02040503050406030204" pitchFamily="18" charset="0"/>
+                                    </a:rPr>
+                                    <m:t>2</m:t>
+                                  </m:r>
+                                </m:sup>
+                              </m:sSup>
+                            </m:e>
+                          </m:nary>
+                        </m:e>
+                      </m:nary>
+                    </m:oMath>
+                  </m:oMathPara>
+                </a14:m>
+                <a:endParaRPr lang="en-US" dirty="0"/>
+              </a:p>
+              <a:p>
+                <a:pPr marL="0" indent="0">
+                  <a:lnSpc>
+                    <a:spcPct val="100000"/>
+                  </a:lnSpc>
+                  <a:buNone/>
+                </a:pPr>
+                <a:r>
+                  <a:rPr lang="en-US" dirty="0"/>
+                  <a:t>(the residual sum of squares; prediction = average of points in box)</a:t>
+                </a:r>
+              </a:p>
+              <a:p>
+                <a:pPr>
+                  <a:lnSpc>
+                    <a:spcPct val="100000"/>
+                  </a:lnSpc>
+                </a:pPr>
+                <a:r>
+                  <a:rPr lang="en-US" dirty="0"/>
+                  <a:t>Greedy approach. at each step find </a:t>
+                </a:r>
+                <a14:m>
+                  <m:oMath xmlns:m="http://schemas.openxmlformats.org/officeDocument/2006/math">
+                    <m:r>
+                      <a:rPr lang="en-US" b="0" i="1" smtClean="0">
+                        <a:latin typeface="Cambria Math" panose="02040503050406030204" pitchFamily="18" charset="0"/>
+                      </a:rPr>
+                      <m:t>𝑗</m:t>
+                    </m:r>
+                    <m:r>
+                      <a:rPr lang="en-US" b="0" i="1" smtClean="0">
+                        <a:latin typeface="Cambria Math" panose="02040503050406030204" pitchFamily="18" charset="0"/>
+                      </a:rPr>
+                      <m:t>,</m:t>
+                    </m:r>
+                    <m:r>
+                      <a:rPr lang="en-US" b="0" i="1" smtClean="0">
+                        <a:latin typeface="Cambria Math" panose="02040503050406030204" pitchFamily="18" charset="0"/>
+                      </a:rPr>
+                      <m:t>𝑠</m:t>
+                    </m:r>
+                  </m:oMath>
+                </a14:m>
+                <a:r>
+                  <a:rPr lang="en-US" dirty="0"/>
+                  <a:t> for splitting </a:t>
+                </a:r>
+                <a14:m>
+                  <m:oMath xmlns:m="http://schemas.openxmlformats.org/officeDocument/2006/math">
+                    <m:sSub>
+                      <m:sSubPr>
+                        <m:ctrlPr>
+                          <a:rPr lang="en-US" b="0" i="1" smtClean="0">
+                            <a:latin typeface="Cambria Math" panose="02040503050406030204" pitchFamily="18" charset="0"/>
+                          </a:rPr>
+                        </m:ctrlPr>
+                      </m:sSubPr>
+                      <m:e>
+                        <m:r>
+                          <a:rPr lang="en-US" b="0" i="1" smtClean="0">
+                            <a:latin typeface="Cambria Math" panose="02040503050406030204" pitchFamily="18" charset="0"/>
+                          </a:rPr>
+                          <m:t>𝑋</m:t>
+                        </m:r>
+                      </m:e>
+                      <m:sub>
+                        <m:r>
+                          <a:rPr lang="en-US" b="0" i="1" smtClean="0">
+                            <a:latin typeface="Cambria Math" panose="02040503050406030204" pitchFamily="18" charset="0"/>
+                          </a:rPr>
+                          <m:t>𝑗</m:t>
+                        </m:r>
+                      </m:sub>
+                    </m:sSub>
+                    <m:r>
+                      <a:rPr lang="en-US" b="0" i="1" smtClean="0">
+                        <a:latin typeface="Cambria Math" panose="02040503050406030204" pitchFamily="18" charset="0"/>
+                      </a:rPr>
+                      <m:t>&lt;</m:t>
+                    </m:r>
+                    <m:r>
+                      <a:rPr lang="en-US" b="0" i="1" smtClean="0">
+                        <a:latin typeface="Cambria Math" panose="02040503050406030204" pitchFamily="18" charset="0"/>
+                      </a:rPr>
+                      <m:t>𝑠</m:t>
+                    </m:r>
+                  </m:oMath>
+                </a14:m>
+                <a:r>
+                  <a:rPr lang="en-US" dirty="0"/>
+                  <a:t> versus </a:t>
+                </a:r>
+                <a14:m>
+                  <m:oMath xmlns:m="http://schemas.openxmlformats.org/officeDocument/2006/math">
+                    <m:sSub>
+                      <m:sSubPr>
+                        <m:ctrlPr>
+                          <a:rPr lang="en-US" b="0" i="1" smtClean="0">
+                            <a:latin typeface="Cambria Math" panose="02040503050406030204" pitchFamily="18" charset="0"/>
+                          </a:rPr>
+                        </m:ctrlPr>
+                      </m:sSubPr>
+                      <m:e>
+                        <m:r>
+                          <a:rPr lang="en-US" b="0" i="1" smtClean="0">
+                            <a:latin typeface="Cambria Math" panose="02040503050406030204" pitchFamily="18" charset="0"/>
+                          </a:rPr>
+                          <m:t>𝑋</m:t>
+                        </m:r>
+                      </m:e>
+                      <m:sub>
+                        <m:r>
+                          <a:rPr lang="en-US" b="0" i="1" smtClean="0">
+                            <a:latin typeface="Cambria Math" panose="02040503050406030204" pitchFamily="18" charset="0"/>
+                          </a:rPr>
+                          <m:t>𝑗</m:t>
+                        </m:r>
+                      </m:sub>
+                    </m:sSub>
+                    <m:r>
+                      <a:rPr lang="en-US" b="0" i="1" smtClean="0">
+                        <a:latin typeface="Cambria Math" panose="02040503050406030204" pitchFamily="18" charset="0"/>
+                      </a:rPr>
+                      <m:t>≥</m:t>
+                    </m:r>
+                    <m:r>
+                      <a:rPr lang="en-US" b="0" i="1" smtClean="0">
+                        <a:latin typeface="Cambria Math" panose="02040503050406030204" pitchFamily="18" charset="0"/>
+                      </a:rPr>
+                      <m:t>𝑠</m:t>
+                    </m:r>
+                  </m:oMath>
+                </a14:m>
+                <a:r>
+                  <a:rPr lang="en-US" dirty="0"/>
+                  <a:t>, </a:t>
+                </a:r>
+                <a:br>
+                  <a:rPr lang="en-US" dirty="0"/>
+                </a:br>
+                <a:r>
+                  <a:rPr lang="en-US" dirty="0"/>
+                  <a:t>which minimize:</a:t>
+                </a:r>
+              </a:p>
+              <a:p>
+                <a:pPr marL="274320" lvl="1" indent="0">
+                  <a:lnSpc>
+                    <a:spcPct val="100000"/>
+                  </a:lnSpc>
+                  <a:buNone/>
+                </a:pPr>
+                <a14:m>
+                  <m:oMathPara xmlns:m="http://schemas.openxmlformats.org/officeDocument/2006/math">
+                    <m:oMathParaPr>
+                      <m:jc m:val="centerGroup"/>
+                    </m:oMathParaPr>
+                    <m:oMath xmlns:m="http://schemas.openxmlformats.org/officeDocument/2006/math">
+                      <m:nary>
+                        <m:naryPr>
+                          <m:chr m:val="∑"/>
+                          <m:supHide m:val="on"/>
+                          <m:ctrlPr>
+                            <a:rPr lang="en-US" b="0" i="1" smtClean="0">
+                              <a:latin typeface="Cambria Math" panose="02040503050406030204" pitchFamily="18" charset="0"/>
+                            </a:rPr>
+                          </m:ctrlPr>
+                        </m:naryPr>
+                        <m:sub>
+                          <m:r>
+                            <a:rPr lang="en-US" b="0" i="1" smtClean="0">
+                              <a:latin typeface="Cambria Math" panose="02040503050406030204" pitchFamily="18" charset="0"/>
+                            </a:rPr>
+                            <m:t>𝑖</m:t>
+                          </m:r>
+                          <m:r>
+                            <a:rPr lang="en-US" b="0" i="1" smtClean="0">
+                              <a:latin typeface="Cambria Math" panose="02040503050406030204" pitchFamily="18" charset="0"/>
+                            </a:rPr>
+                            <m:t>:</m:t>
+                          </m:r>
+                          <m:sSub>
+                            <m:sSubPr>
+                              <m:ctrlPr>
+                                <a:rPr lang="en-US" b="0" i="1" smtClean="0">
+                                  <a:latin typeface="Cambria Math" panose="02040503050406030204" pitchFamily="18" charset="0"/>
+                                </a:rPr>
+                              </m:ctrlPr>
+                            </m:sSubPr>
+                            <m:e>
+                              <m:r>
+                                <a:rPr lang="en-US" b="0" i="1" smtClean="0">
+                                  <a:latin typeface="Cambria Math" panose="02040503050406030204" pitchFamily="18" charset="0"/>
+                                </a:rPr>
+                                <m:t>𝑥</m:t>
+                              </m:r>
+                            </m:e>
+                            <m:sub>
+                              <m:r>
+                                <a:rPr lang="en-US" b="0" i="1" smtClean="0">
+                                  <a:latin typeface="Cambria Math" panose="02040503050406030204" pitchFamily="18" charset="0"/>
+                                </a:rPr>
+                                <m:t>𝑖</m:t>
+                              </m:r>
+                            </m:sub>
+                          </m:sSub>
+                          <m:r>
+                            <a:rPr lang="en-US" b="0" i="1" smtClean="0">
+                              <a:latin typeface="Cambria Math" panose="02040503050406030204" pitchFamily="18" charset="0"/>
+                            </a:rPr>
+                            <m:t>∈</m:t>
+                          </m:r>
+                          <m:sSub>
+                            <m:sSubPr>
+                              <m:ctrlPr>
+                                <a:rPr lang="en-US" b="0" i="1" smtClean="0">
+                                  <a:latin typeface="Cambria Math" panose="02040503050406030204" pitchFamily="18" charset="0"/>
+                                </a:rPr>
+                              </m:ctrlPr>
+                            </m:sSubPr>
+                            <m:e>
+                              <m:r>
+                                <a:rPr lang="en-US" b="0" i="1" smtClean="0">
+                                  <a:latin typeface="Cambria Math" panose="02040503050406030204" pitchFamily="18" charset="0"/>
+                                </a:rPr>
+                                <m:t>𝑅</m:t>
+                              </m:r>
+                            </m:e>
+                            <m:sub>
+                              <m:r>
+                                <a:rPr lang="en-US" b="0" i="1" smtClean="0">
+                                  <a:latin typeface="Cambria Math" panose="02040503050406030204" pitchFamily="18" charset="0"/>
+                                </a:rPr>
+                                <m:t>1</m:t>
+                              </m:r>
+                            </m:sub>
+                          </m:sSub>
+                          <m:d>
+                            <m:dPr>
+                              <m:ctrlPr>
+                                <a:rPr lang="en-US" b="0" i="1" smtClean="0">
+                                  <a:latin typeface="Cambria Math" panose="02040503050406030204" pitchFamily="18" charset="0"/>
+                                </a:rPr>
+                              </m:ctrlPr>
+                            </m:dPr>
+                            <m:e>
+                              <m:r>
+                                <a:rPr lang="en-US" b="0" i="1" smtClean="0">
+                                  <a:latin typeface="Cambria Math" panose="02040503050406030204" pitchFamily="18" charset="0"/>
+                                </a:rPr>
+                                <m:t>𝑗</m:t>
+                              </m:r>
+                              <m:r>
+                                <a:rPr lang="en-US" b="0" i="1" smtClean="0">
+                                  <a:latin typeface="Cambria Math" panose="02040503050406030204" pitchFamily="18" charset="0"/>
+                                </a:rPr>
+                                <m:t>,</m:t>
+                              </m:r>
+                              <m:r>
+                                <a:rPr lang="en-US" b="0" i="1" smtClean="0">
+                                  <a:latin typeface="Cambria Math" panose="02040503050406030204" pitchFamily="18" charset="0"/>
+                                </a:rPr>
+                                <m:t>𝑠</m:t>
+                              </m:r>
+                            </m:e>
+                          </m:d>
+                        </m:sub>
+                        <m:sup/>
+                        <m:e>
+                          <m:sSup>
+                            <m:sSupPr>
+                              <m:ctrlPr>
+                                <a:rPr lang="en-US" b="0" i="1" smtClean="0">
+                                  <a:latin typeface="Cambria Math" panose="02040503050406030204" pitchFamily="18" charset="0"/>
+                                </a:rPr>
+                              </m:ctrlPr>
+                            </m:sSupPr>
+                            <m:e>
+                              <m:d>
+                                <m:dPr>
+                                  <m:ctrlPr>
+                                    <a:rPr lang="en-US" b="0" i="1" smtClean="0">
+                                      <a:latin typeface="Cambria Math" panose="02040503050406030204" pitchFamily="18" charset="0"/>
+                                    </a:rPr>
+                                  </m:ctrlPr>
+                                </m:dPr>
+                                <m:e>
+                                  <m:sSub>
+                                    <m:sSubPr>
+                                      <m:ctrlPr>
+                                        <a:rPr lang="en-US" b="0" i="1" smtClean="0">
+                                          <a:latin typeface="Cambria Math" panose="02040503050406030204" pitchFamily="18" charset="0"/>
+                                        </a:rPr>
+                                      </m:ctrlPr>
+                                    </m:sSubPr>
+                                    <m:e>
+                                      <m:r>
+                                        <a:rPr lang="en-US" b="0" i="1" smtClean="0">
+                                          <a:latin typeface="Cambria Math" panose="02040503050406030204" pitchFamily="18" charset="0"/>
+                                        </a:rPr>
+                                        <m:t>𝑦</m:t>
+                                      </m:r>
+                                    </m:e>
+                                    <m:sub>
+                                      <m:r>
+                                        <a:rPr lang="en-US" b="0" i="1" smtClean="0">
+                                          <a:latin typeface="Cambria Math" panose="02040503050406030204" pitchFamily="18" charset="0"/>
+                                        </a:rPr>
+                                        <m:t>𝑖</m:t>
+                                      </m:r>
+                                    </m:sub>
+                                  </m:sSub>
+                                  <m:r>
+                                    <a:rPr lang="en-US" b="0" i="1" smtClean="0">
+                                      <a:latin typeface="Cambria Math" panose="02040503050406030204" pitchFamily="18" charset="0"/>
+                                    </a:rPr>
+                                    <m:t>−</m:t>
+                                  </m:r>
+                                  <m:sSub>
+                                    <m:sSubPr>
+                                      <m:ctrlPr>
+                                        <a:rPr lang="en-US" b="0" i="1" smtClean="0">
+                                          <a:latin typeface="Cambria Math" panose="02040503050406030204" pitchFamily="18" charset="0"/>
+                                        </a:rPr>
+                                      </m:ctrlPr>
+                                    </m:sSubPr>
+                                    <m:e>
+                                      <m:acc>
+                                        <m:accPr>
+                                          <m:chr m:val="̂"/>
+                                          <m:ctrlPr>
+                                            <a:rPr lang="en-US" b="0" i="1" smtClean="0">
+                                              <a:latin typeface="Cambria Math" panose="02040503050406030204" pitchFamily="18" charset="0"/>
+                                            </a:rPr>
+                                          </m:ctrlPr>
+                                        </m:accPr>
+                                        <m:e>
+                                          <m:r>
+                                            <a:rPr lang="en-US" b="0" i="1" smtClean="0">
+                                              <a:latin typeface="Cambria Math" panose="02040503050406030204" pitchFamily="18" charset="0"/>
+                                            </a:rPr>
+                                            <m:t>𝑦</m:t>
+                                          </m:r>
+                                        </m:e>
+                                      </m:acc>
+                                    </m:e>
+                                    <m:sub>
+                                      <m:sSub>
+                                        <m:sSubPr>
+                                          <m:ctrlPr>
+                                            <a:rPr lang="en-US" b="0" i="1" smtClean="0">
+                                              <a:latin typeface="Cambria Math" panose="02040503050406030204" pitchFamily="18" charset="0"/>
+                                            </a:rPr>
+                                          </m:ctrlPr>
+                                        </m:sSubPr>
+                                        <m:e>
+                                          <m:r>
+                                            <a:rPr lang="en-US" b="0" i="1" smtClean="0">
+                                              <a:latin typeface="Cambria Math" panose="02040503050406030204" pitchFamily="18" charset="0"/>
+                                            </a:rPr>
+                                            <m:t>𝑅</m:t>
+                                          </m:r>
+                                        </m:e>
+                                        <m:sub>
+                                          <m:r>
+                                            <a:rPr lang="en-US" b="0" i="1" smtClean="0">
+                                              <a:latin typeface="Cambria Math" panose="02040503050406030204" pitchFamily="18" charset="0"/>
+                                            </a:rPr>
+                                            <m:t>1</m:t>
+                                          </m:r>
+                                        </m:sub>
+                                      </m:sSub>
+                                    </m:sub>
+                                  </m:sSub>
+                                </m:e>
+                              </m:d>
+                            </m:e>
+                            <m:sup>
+                              <m:r>
+                                <a:rPr lang="en-US" b="0" i="1" smtClean="0">
+                                  <a:latin typeface="Cambria Math" panose="02040503050406030204" pitchFamily="18" charset="0"/>
+                                </a:rPr>
+                                <m:t>2</m:t>
+                              </m:r>
+                            </m:sup>
+                          </m:sSup>
+                        </m:e>
+                      </m:nary>
+                      <m:r>
+                        <a:rPr lang="en-US" b="0" i="1" smtClean="0">
+                          <a:latin typeface="Cambria Math" panose="02040503050406030204" pitchFamily="18" charset="0"/>
+                        </a:rPr>
+                        <m:t>+</m:t>
+                      </m:r>
+                      <m:nary>
+                        <m:naryPr>
+                          <m:chr m:val="∑"/>
+                          <m:supHide m:val="on"/>
+                          <m:ctrlPr>
+                            <a:rPr lang="en-US" i="1">
+                              <a:latin typeface="Cambria Math" panose="02040503050406030204" pitchFamily="18" charset="0"/>
+                            </a:rPr>
+                          </m:ctrlPr>
+                        </m:naryPr>
+                        <m:sub>
+                          <m:r>
+                            <a:rPr lang="en-US" i="1">
+                              <a:latin typeface="Cambria Math" panose="02040503050406030204" pitchFamily="18" charset="0"/>
+                            </a:rPr>
+                            <m:t>𝑖</m:t>
+                          </m:r>
+                          <m:r>
+                            <a:rPr lang="en-US" i="1">
+                              <a:latin typeface="Cambria Math" panose="02040503050406030204" pitchFamily="18" charset="0"/>
+                            </a:rPr>
+                            <m:t>:</m:t>
+                          </m:r>
+                          <m:sSub>
+                            <m:sSubPr>
+                              <m:ctrlPr>
+                                <a:rPr lang="en-US" i="1">
+                                  <a:latin typeface="Cambria Math" panose="02040503050406030204" pitchFamily="18" charset="0"/>
+                                </a:rPr>
+                              </m:ctrlPr>
+                            </m:sSubPr>
+                            <m:e>
+                              <m:r>
+                                <a:rPr lang="en-US" i="1">
+                                  <a:latin typeface="Cambria Math" panose="02040503050406030204" pitchFamily="18" charset="0"/>
+                                </a:rPr>
+                                <m:t>𝑥</m:t>
+                              </m:r>
+                            </m:e>
+                            <m:sub>
+                              <m:r>
+                                <a:rPr lang="en-US" i="1">
+                                  <a:latin typeface="Cambria Math" panose="02040503050406030204" pitchFamily="18" charset="0"/>
+                                </a:rPr>
+                                <m:t>𝑖</m:t>
+                              </m:r>
+                            </m:sub>
+                          </m:sSub>
+                          <m:r>
+                            <a:rPr lang="en-US" i="1">
+                              <a:latin typeface="Cambria Math" panose="02040503050406030204" pitchFamily="18" charset="0"/>
+                            </a:rPr>
+                            <m:t>∈</m:t>
+                          </m:r>
+                          <m:sSub>
+                            <m:sSubPr>
+                              <m:ctrlPr>
+                                <a:rPr lang="en-US" i="1">
+                                  <a:latin typeface="Cambria Math" panose="02040503050406030204" pitchFamily="18" charset="0"/>
+                                </a:rPr>
+                              </m:ctrlPr>
+                            </m:sSubPr>
+                            <m:e>
+                              <m:r>
+                                <a:rPr lang="en-US" i="1">
+                                  <a:latin typeface="Cambria Math" panose="02040503050406030204" pitchFamily="18" charset="0"/>
+                                </a:rPr>
+                                <m:t>𝑅</m:t>
+                              </m:r>
+                            </m:e>
+                            <m:sub>
+                              <m:r>
+                                <a:rPr lang="en-US" b="0" i="1" smtClean="0">
+                                  <a:latin typeface="Cambria Math" panose="02040503050406030204" pitchFamily="18" charset="0"/>
+                                </a:rPr>
+                                <m:t>2</m:t>
+                              </m:r>
+                            </m:sub>
+                          </m:sSub>
+                          <m:d>
+                            <m:dPr>
+                              <m:ctrlPr>
+                                <a:rPr lang="en-US" i="1">
+                                  <a:latin typeface="Cambria Math" panose="02040503050406030204" pitchFamily="18" charset="0"/>
+                                </a:rPr>
+                              </m:ctrlPr>
+                            </m:dPr>
+                            <m:e>
+                              <m:r>
+                                <a:rPr lang="en-US" i="1">
+                                  <a:latin typeface="Cambria Math" panose="02040503050406030204" pitchFamily="18" charset="0"/>
+                                </a:rPr>
+                                <m:t>𝑗</m:t>
+                              </m:r>
+                              <m:r>
+                                <a:rPr lang="en-US" i="1">
+                                  <a:latin typeface="Cambria Math" panose="02040503050406030204" pitchFamily="18" charset="0"/>
+                                </a:rPr>
+                                <m:t>,</m:t>
+                              </m:r>
+                              <m:r>
+                                <a:rPr lang="en-US" i="1">
+                                  <a:latin typeface="Cambria Math" panose="02040503050406030204" pitchFamily="18" charset="0"/>
+                                </a:rPr>
+                                <m:t>𝑠</m:t>
+                              </m:r>
+                            </m:e>
+                          </m:d>
+                        </m:sub>
+                        <m:sup/>
+                        <m:e>
+                          <m:sSup>
+                            <m:sSupPr>
+                              <m:ctrlPr>
+                                <a:rPr lang="en-US" i="1">
+                                  <a:latin typeface="Cambria Math" panose="02040503050406030204" pitchFamily="18" charset="0"/>
+                                </a:rPr>
+                              </m:ctrlPr>
+                            </m:sSupPr>
+                            <m:e>
+                              <m:d>
+                                <m:dPr>
+                                  <m:ctrlPr>
+                                    <a:rPr lang="en-US" i="1">
+                                      <a:latin typeface="Cambria Math" panose="02040503050406030204" pitchFamily="18" charset="0"/>
+                                    </a:rPr>
+                                  </m:ctrlPr>
+                                </m:dPr>
+                                <m:e>
+                                  <m:sSub>
+                                    <m:sSubPr>
+                                      <m:ctrlPr>
+                                        <a:rPr lang="en-US" i="1">
+                                          <a:latin typeface="Cambria Math" panose="02040503050406030204" pitchFamily="18" charset="0"/>
+                                        </a:rPr>
+                                      </m:ctrlPr>
+                                    </m:sSubPr>
+                                    <m:e>
+                                      <m:r>
+                                        <a:rPr lang="en-US" i="1">
+                                          <a:latin typeface="Cambria Math" panose="02040503050406030204" pitchFamily="18" charset="0"/>
+                                        </a:rPr>
+                                        <m:t>𝑦</m:t>
+                                      </m:r>
+                                    </m:e>
+                                    <m:sub>
+                                      <m:r>
+                                        <a:rPr lang="en-US" i="1">
+                                          <a:latin typeface="Cambria Math" panose="02040503050406030204" pitchFamily="18" charset="0"/>
+                                        </a:rPr>
+                                        <m:t>𝑖</m:t>
+                                      </m:r>
+                                    </m:sub>
+                                  </m:sSub>
+                                  <m:r>
+                                    <a:rPr lang="en-US" i="1">
+                                      <a:latin typeface="Cambria Math" panose="02040503050406030204" pitchFamily="18" charset="0"/>
+                                    </a:rPr>
+                                    <m:t>−</m:t>
+                                  </m:r>
+                                  <m:sSub>
+                                    <m:sSubPr>
+                                      <m:ctrlPr>
+                                        <a:rPr lang="en-US" i="1">
+                                          <a:latin typeface="Cambria Math" panose="02040503050406030204" pitchFamily="18" charset="0"/>
+                                        </a:rPr>
+                                      </m:ctrlPr>
+                                    </m:sSubPr>
+                                    <m:e>
+                                      <m:acc>
+                                        <m:accPr>
+                                          <m:chr m:val="̂"/>
+                                          <m:ctrlPr>
+                                            <a:rPr lang="en-US" i="1">
+                                              <a:latin typeface="Cambria Math" panose="02040503050406030204" pitchFamily="18" charset="0"/>
+                                            </a:rPr>
+                                          </m:ctrlPr>
+                                        </m:accPr>
+                                        <m:e>
+                                          <m:r>
+                                            <a:rPr lang="en-US" i="1">
+                                              <a:latin typeface="Cambria Math" panose="02040503050406030204" pitchFamily="18" charset="0"/>
+                                            </a:rPr>
+                                            <m:t>𝑦</m:t>
+                                          </m:r>
+                                        </m:e>
+                                      </m:acc>
+                                    </m:e>
+                                    <m:sub>
+                                      <m:sSub>
+                                        <m:sSubPr>
+                                          <m:ctrlPr>
+                                            <a:rPr lang="en-US" i="1">
+                                              <a:latin typeface="Cambria Math" panose="02040503050406030204" pitchFamily="18" charset="0"/>
+                                            </a:rPr>
+                                          </m:ctrlPr>
+                                        </m:sSubPr>
+                                        <m:e>
+                                          <m:r>
+                                            <a:rPr lang="en-US" i="1">
+                                              <a:latin typeface="Cambria Math" panose="02040503050406030204" pitchFamily="18" charset="0"/>
+                                            </a:rPr>
+                                            <m:t>𝑅</m:t>
+                                          </m:r>
+                                        </m:e>
+                                        <m:sub>
+                                          <m:r>
+                                            <a:rPr lang="en-US" b="0" i="1" smtClean="0">
+                                              <a:latin typeface="Cambria Math" panose="02040503050406030204" pitchFamily="18" charset="0"/>
+                                            </a:rPr>
+                                            <m:t>2</m:t>
+                                          </m:r>
+                                        </m:sub>
+                                      </m:sSub>
+                                    </m:sub>
+                                  </m:sSub>
+                                </m:e>
+                              </m:d>
+                            </m:e>
+                            <m:sup>
+                              <m:r>
+                                <a:rPr lang="en-US" i="1">
+                                  <a:latin typeface="Cambria Math" panose="02040503050406030204" pitchFamily="18" charset="0"/>
+                                </a:rPr>
+                                <m:t>2</m:t>
+                              </m:r>
+                            </m:sup>
+                          </m:sSup>
+                        </m:e>
+                      </m:nary>
+                    </m:oMath>
+                  </m:oMathPara>
+                </a14:m>
+                <a:endParaRPr lang="en-US" dirty="0"/>
+              </a:p>
+            </p:txBody>
+          </p:sp>
+        </mc:Choice>
+        <mc:Fallback>
+          <p:sp>
+            <p:nvSpPr>
+              <p:cNvPr id="3" name="Content Placeholder 2">
+                <a:extLst>
+                  <a:ext uri="{FF2B5EF4-FFF2-40B4-BE49-F238E27FC236}">
+                    <a16:creationId xmlns:a16="http://schemas.microsoft.com/office/drawing/2014/main" id="{31AE4E9F-EACB-472F-B605-A431EA5EC19F}"/>
+                  </a:ext>
+                </a:extLst>
+              </p:cNvPr>
+              <p:cNvSpPr>
+                <a:spLocks noGrp="1" noRot="1" noChangeAspect="1" noMove="1" noResize="1" noEditPoints="1" noAdjustHandles="1" noChangeArrowheads="1" noChangeShapeType="1" noTextEdit="1"/>
+              </p:cNvSpPr>
+              <p:nvPr>
+                <p:ph idx="1"/>
+              </p:nvPr>
+            </p:nvSpPr>
+            <p:spPr>
+              <a:blipFill>
+                <a:blip r:embed="rId2"/>
+                <a:stretch>
+                  <a:fillRect l="-667" t="-752"/>
+                </a:stretch>
+              </a:blipFill>
+            </p:spPr>
+            <p:txBody>
+              <a:bodyPr/>
+              <a:lstStyle/>
+              <a:p>
+                <a:r>
+                  <a:rPr lang="en-IL">
+                    <a:noFill/>
+                  </a:rPr>
+                  <a:t> </a:t>
+                </a:r>
+              </a:p>
+            </p:txBody>
+          </p:sp>
+        </mc:Fallback>
+      </mc:AlternateContent>
+      <p:sp>
+        <p:nvSpPr>
+          <p:cNvPr id="4" name="Footer Placeholder 3">
+            <a:extLst>
+              <a:ext uri="{FF2B5EF4-FFF2-40B4-BE49-F238E27FC236}">
+                <a16:creationId xmlns:a16="http://schemas.microsoft.com/office/drawing/2014/main" id="{46221B2F-4990-45E5-A855-30F725B6A5C0}"/>
+              </a:ext>
+            </a:extLst>
+          </p:cNvPr>
+          <p:cNvSpPr>
+            <a:spLocks noGrp="1"/>
+          </p:cNvSpPr>
+          <p:nvPr>
+            <p:ph type="ftr" sz="quarter" idx="11"/>
+          </p:nvPr>
+        </p:nvSpPr>
+        <p:spPr/>
+        <p:txBody>
+          <a:bodyPr/>
+          <a:lstStyle/>
+          <a:p>
+            <a:r>
+              <a:rPr lang="en-US"/>
+              <a:t>Materials by Adi Sarid https://adisarid.github.io and http://www.sarid-ins.com</a:t>
+            </a:r>
+            <a:endParaRPr lang="en-US" dirty="0"/>
+          </a:p>
+        </p:txBody>
+      </p:sp>
+      <p:sp>
+        <p:nvSpPr>
+          <p:cNvPr id="5" name="Slide Number Placeholder 4">
+            <a:extLst>
+              <a:ext uri="{FF2B5EF4-FFF2-40B4-BE49-F238E27FC236}">
+                <a16:creationId xmlns:a16="http://schemas.microsoft.com/office/drawing/2014/main" id="{D1994322-5282-4E85-86EF-C1E4616EBADF}"/>
+              </a:ext>
+            </a:extLst>
+          </p:cNvPr>
+          <p:cNvSpPr>
+            <a:spLocks noGrp="1"/>
+          </p:cNvSpPr>
+          <p:nvPr>
+            <p:ph type="sldNum" sz="quarter" idx="12"/>
+          </p:nvPr>
+        </p:nvSpPr>
+        <p:spPr/>
+        <p:txBody>
+          <a:bodyPr/>
+          <a:lstStyle/>
+          <a:p>
+            <a:fld id="{4FAB73BC-B049-4115-A692-8D63A059BFB8}" type="slidenum">
+              <a:rPr lang="en-US" smtClean="0"/>
+              <a:t>23</a:t>
+            </a:fld>
+            <a:endParaRPr lang="en-US" dirty="0"/>
+          </a:p>
+        </p:txBody>
+      </p:sp>
+      <p:grpSp>
+        <p:nvGrpSpPr>
+          <p:cNvPr id="10" name="Group 9">
+            <a:extLst>
+              <a:ext uri="{FF2B5EF4-FFF2-40B4-BE49-F238E27FC236}">
+                <a16:creationId xmlns:a16="http://schemas.microsoft.com/office/drawing/2014/main" id="{F16D40CF-F300-4998-9510-538697AD845D}"/>
+              </a:ext>
+            </a:extLst>
+          </p:cNvPr>
+          <p:cNvGrpSpPr/>
+          <p:nvPr/>
+        </p:nvGrpSpPr>
+        <p:grpSpPr>
+          <a:xfrm>
+            <a:off x="8686802" y="5422604"/>
+            <a:ext cx="3387504" cy="396765"/>
+            <a:chOff x="8665536" y="5433237"/>
+            <a:chExt cx="3387504" cy="396765"/>
+          </a:xfrm>
+        </p:grpSpPr>
+        <p:cxnSp>
+          <p:nvCxnSpPr>
+            <p:cNvPr id="7" name="Straight Arrow Connector 6">
+              <a:extLst>
+                <a:ext uri="{FF2B5EF4-FFF2-40B4-BE49-F238E27FC236}">
+                  <a16:creationId xmlns:a16="http://schemas.microsoft.com/office/drawing/2014/main" id="{EB810A04-7B34-4B2A-8082-5AFFC708998F}"/>
+                </a:ext>
+              </a:extLst>
+            </p:cNvPr>
+            <p:cNvCxnSpPr>
+              <a:cxnSpLocks/>
+            </p:cNvCxnSpPr>
+            <p:nvPr/>
+          </p:nvCxnSpPr>
+          <p:spPr>
+            <a:xfrm flipH="1">
+              <a:off x="8665536" y="5433237"/>
+              <a:ext cx="3285672" cy="0"/>
+            </a:xfrm>
+            <a:prstGeom prst="straightConnector1">
+              <a:avLst/>
+            </a:prstGeom>
+            <a:ln>
+              <a:tailEnd type="triangle"/>
+            </a:ln>
+          </p:spPr>
+          <p:style>
+            <a:lnRef idx="1">
+              <a:schemeClr val="accent1"/>
+            </a:lnRef>
+            <a:fillRef idx="0">
+              <a:schemeClr val="accent1"/>
+            </a:fillRef>
+            <a:effectRef idx="0">
+              <a:schemeClr val="accent1"/>
+            </a:effectRef>
+            <a:fontRef idx="minor">
+              <a:schemeClr val="tx1"/>
+            </a:fontRef>
+          </p:style>
+        </p:cxnSp>
+        <p:sp>
+          <p:nvSpPr>
+            <p:cNvPr id="8" name="TextBox 7">
+              <a:extLst>
+                <a:ext uri="{FF2B5EF4-FFF2-40B4-BE49-F238E27FC236}">
+                  <a16:creationId xmlns:a16="http://schemas.microsoft.com/office/drawing/2014/main" id="{93B8ABDF-A2D6-4612-90B2-EE0C4A35D317}"/>
+                </a:ext>
+              </a:extLst>
+            </p:cNvPr>
+            <p:cNvSpPr txBox="1"/>
+            <p:nvPr/>
+          </p:nvSpPr>
+          <p:spPr>
+            <a:xfrm>
+              <a:off x="8978159" y="5460670"/>
+              <a:ext cx="3074881" cy="369332"/>
+            </a:xfrm>
+            <a:prstGeom prst="rect">
+              <a:avLst/>
+            </a:prstGeom>
+            <a:noFill/>
+          </p:spPr>
+          <p:txBody>
+            <a:bodyPr wrap="none" rtlCol="0">
+              <a:spAutoFit/>
+            </a:bodyPr>
+            <a:lstStyle/>
+            <a:p>
+              <a:r>
+                <a:rPr lang="en-US" dirty="0"/>
+                <a:t>Recursive binary splitting</a:t>
+              </a:r>
+              <a:endParaRPr lang="en-IL" dirty="0"/>
+            </a:p>
+          </p:txBody>
+        </p:sp>
+      </p:grpSp>
+    </p:spTree>
+    <p:extLst>
+      <p:ext uri="{BB962C8B-B14F-4D97-AF65-F5344CB8AC3E}">
+        <p14:creationId xmlns:p14="http://schemas.microsoft.com/office/powerpoint/2010/main" val="1921675993"/>
+      </p:ext>
+    </p:extLst>
+  </p:cSld>
+  <p:clrMapOvr>
+    <a:masterClrMapping/>
+  </p:clrMapOvr>
+</p:sld>
+</file>
+
+<file path=ppt/slides/slide24.xml><?xml version="1.0" encoding="utf-8"?>
+<p:sld xmlns:a="http://schemas.openxmlformats.org/drawingml/2006/main" xmlns:r="http://schemas.openxmlformats.org/officeDocument/2006/relationships" xmlns:p="http://schemas.openxmlformats.org/presentationml/2006/main">
+  <p:cSld>
+    <p:spTree>
+      <p:nvGrpSpPr>
+        <p:cNvPr id="1" name=""/>
+        <p:cNvGrpSpPr/>
+        <p:nvPr/>
+      </p:nvGrpSpPr>
+      <p:grpSpPr>
+        <a:xfrm>
+          <a:off x="0" y="0"/>
+          <a:ext cx="0" cy="0"/>
+          <a:chOff x="0" y="0"/>
+          <a:chExt cx="0" cy="0"/>
+        </a:xfrm>
+      </p:grpSpPr>
+      <p:sp>
+        <p:nvSpPr>
+          <p:cNvPr id="2" name="Title 1">
+            <a:extLst>
+              <a:ext uri="{FF2B5EF4-FFF2-40B4-BE49-F238E27FC236}">
+                <a16:creationId xmlns:a16="http://schemas.microsoft.com/office/drawing/2014/main" id="{CDE5994E-D75A-4232-BB36-6C43CBF9AAE0}"/>
+              </a:ext>
+            </a:extLst>
+          </p:cNvPr>
+          <p:cNvSpPr>
+            <a:spLocks noGrp="1"/>
+          </p:cNvSpPr>
+          <p:nvPr>
+            <p:ph type="title"/>
+          </p:nvPr>
+        </p:nvSpPr>
+        <p:spPr/>
+        <p:txBody>
+          <a:bodyPr/>
+          <a:lstStyle/>
+          <a:p>
+            <a:r>
+              <a:rPr lang="en-US" dirty="0"/>
+              <a:t>Tree Pruning</a:t>
+            </a:r>
+            <a:endParaRPr lang="en-IL" dirty="0"/>
+          </a:p>
+        </p:txBody>
+      </p:sp>
+      <mc:AlternateContent xmlns:mc="http://schemas.openxmlformats.org/markup-compatibility/2006">
+        <mc:Choice xmlns:a14="http://schemas.microsoft.com/office/drawing/2010/main" Requires="a14">
+          <p:sp>
+            <p:nvSpPr>
+              <p:cNvPr id="3" name="Content Placeholder 2">
+                <a:extLst>
+                  <a:ext uri="{FF2B5EF4-FFF2-40B4-BE49-F238E27FC236}">
+                    <a16:creationId xmlns:a16="http://schemas.microsoft.com/office/drawing/2014/main" id="{C4BFC5BA-A395-468E-A705-079FD5AF7ADB}"/>
+                  </a:ext>
+                </a:extLst>
+              </p:cNvPr>
+              <p:cNvSpPr>
+                <a:spLocks noGrp="1"/>
+              </p:cNvSpPr>
+              <p:nvPr>
+                <p:ph idx="1"/>
+              </p:nvPr>
+            </p:nvSpPr>
+            <p:spPr/>
+            <p:txBody>
+              <a:bodyPr>
+                <a:normAutofit fontScale="85000" lnSpcReduction="10000"/>
+              </a:bodyPr>
+              <a:lstStyle/>
+              <a:p>
+                <a:pPr>
+                  <a:lnSpc>
+                    <a:spcPct val="150000"/>
+                  </a:lnSpc>
+                </a:pPr>
+                <a:r>
+                  <a:rPr lang="en-US" dirty="0"/>
+                  <a:t>Grow a very large tree (which will probably be extremely over-fitted)</a:t>
+                </a:r>
+              </a:p>
+              <a:p>
+                <a:pPr>
+                  <a:lnSpc>
+                    <a:spcPct val="150000"/>
+                  </a:lnSpc>
+                </a:pPr>
+                <a:r>
+                  <a:rPr lang="en-US" dirty="0"/>
+                  <a:t>Use a “cost complexity” parameter, </a:t>
+                </a:r>
+                <a14:m>
+                  <m:oMath xmlns:m="http://schemas.openxmlformats.org/officeDocument/2006/math">
+                    <m:r>
+                      <a:rPr lang="en-US" b="0" i="1" smtClean="0">
+                        <a:latin typeface="Cambria Math" panose="02040503050406030204" pitchFamily="18" charset="0"/>
+                      </a:rPr>
+                      <m:t>𝛼</m:t>
+                    </m:r>
+                  </m:oMath>
+                </a14:m>
+                <a:r>
+                  <a:rPr lang="en-US" dirty="0"/>
+                  <a:t>, to prune the leaves and branches into subtrees, i.e., by minimizing:</a:t>
+                </a:r>
+              </a:p>
+              <a:p>
+                <a:pPr marL="0" indent="0" algn="ctr">
+                  <a:lnSpc>
+                    <a:spcPct val="150000"/>
+                  </a:lnSpc>
+                  <a:buNone/>
+                </a:pPr>
+                <a14:m>
+                  <m:oMathPara xmlns:m="http://schemas.openxmlformats.org/officeDocument/2006/math">
+                    <m:oMathParaPr>
+                      <m:jc m:val="centerGroup"/>
+                    </m:oMathParaPr>
+                    <m:oMath xmlns:m="http://schemas.openxmlformats.org/officeDocument/2006/math">
+                      <m:nary>
+                        <m:naryPr>
+                          <m:chr m:val="∑"/>
+                          <m:ctrlPr>
+                            <a:rPr lang="en-US" b="0" i="1" smtClean="0">
+                              <a:latin typeface="Cambria Math" panose="02040503050406030204" pitchFamily="18" charset="0"/>
+                            </a:rPr>
+                          </m:ctrlPr>
+                        </m:naryPr>
+                        <m:sub>
+                          <m:r>
+                            <a:rPr lang="en-US" b="0" i="1" smtClean="0">
+                              <a:latin typeface="Cambria Math" panose="02040503050406030204" pitchFamily="18" charset="0"/>
+                            </a:rPr>
+                            <m:t>𝑚</m:t>
+                          </m:r>
+                          <m:r>
+                            <a:rPr lang="en-US" b="0" i="1" smtClean="0">
+                              <a:latin typeface="Cambria Math" panose="02040503050406030204" pitchFamily="18" charset="0"/>
+                            </a:rPr>
+                            <m:t>=</m:t>
+                          </m:r>
+                          <m:r>
+                            <a:rPr lang="en-US" b="0" i="1" smtClean="0">
+                              <a:latin typeface="Cambria Math" panose="02040503050406030204" pitchFamily="18" charset="0"/>
+                            </a:rPr>
+                            <m:t>1</m:t>
+                          </m:r>
+                        </m:sub>
+                        <m:sup>
+                          <m:d>
+                            <m:dPr>
+                              <m:begChr m:val="|"/>
+                              <m:endChr m:val="|"/>
+                              <m:ctrlPr>
+                                <a:rPr lang="en-US" b="0" i="1" smtClean="0">
+                                  <a:latin typeface="Cambria Math" panose="02040503050406030204" pitchFamily="18" charset="0"/>
+                                </a:rPr>
+                              </m:ctrlPr>
+                            </m:dPr>
+                            <m:e>
+                              <m:r>
+                                <a:rPr lang="en-US" b="0" i="1" smtClean="0">
+                                  <a:latin typeface="Cambria Math" panose="02040503050406030204" pitchFamily="18" charset="0"/>
+                                </a:rPr>
+                                <m:t>𝑇</m:t>
+                              </m:r>
+                            </m:e>
+                          </m:d>
+                        </m:sup>
+                        <m:e>
+                          <m:nary>
+                            <m:naryPr>
+                              <m:chr m:val="∑"/>
+                              <m:supHide m:val="on"/>
+                              <m:ctrlPr>
+                                <a:rPr lang="en-US" b="0" i="1" smtClean="0">
+                                  <a:latin typeface="Cambria Math" panose="02040503050406030204" pitchFamily="18" charset="0"/>
+                                </a:rPr>
+                              </m:ctrlPr>
+                            </m:naryPr>
+                            <m:sub>
+                              <m:r>
+                                <a:rPr lang="en-US" b="0" i="1" smtClean="0">
+                                  <a:latin typeface="Cambria Math" panose="02040503050406030204" pitchFamily="18" charset="0"/>
+                                </a:rPr>
+                                <m:t>𝑥</m:t>
+                              </m:r>
+                              <m:r>
+                                <a:rPr lang="en-US" b="0" i="1" smtClean="0">
+                                  <a:latin typeface="Cambria Math" panose="02040503050406030204" pitchFamily="18" charset="0"/>
+                                </a:rPr>
+                                <m:t>∈</m:t>
+                              </m:r>
+                              <m:sSub>
+                                <m:sSubPr>
+                                  <m:ctrlPr>
+                                    <a:rPr lang="en-US" b="0" i="1" smtClean="0">
+                                      <a:latin typeface="Cambria Math" panose="02040503050406030204" pitchFamily="18" charset="0"/>
+                                    </a:rPr>
+                                  </m:ctrlPr>
+                                </m:sSubPr>
+                                <m:e>
+                                  <m:r>
+                                    <a:rPr lang="en-US" b="0" i="1" smtClean="0">
+                                      <a:latin typeface="Cambria Math" panose="02040503050406030204" pitchFamily="18" charset="0"/>
+                                    </a:rPr>
+                                    <m:t>𝑅</m:t>
+                                  </m:r>
+                                </m:e>
+                                <m:sub>
+                                  <m:r>
+                                    <a:rPr lang="en-US" b="0" i="1" smtClean="0">
+                                      <a:latin typeface="Cambria Math" panose="02040503050406030204" pitchFamily="18" charset="0"/>
+                                    </a:rPr>
+                                    <m:t>𝑚</m:t>
+                                  </m:r>
+                                </m:sub>
+                              </m:sSub>
+                            </m:sub>
+                            <m:sup/>
+                            <m:e>
+                              <m:sSup>
+                                <m:sSupPr>
+                                  <m:ctrlPr>
+                                    <a:rPr lang="en-US" b="0" i="1" smtClean="0">
+                                      <a:latin typeface="Cambria Math" panose="02040503050406030204" pitchFamily="18" charset="0"/>
+                                    </a:rPr>
+                                  </m:ctrlPr>
+                                </m:sSupPr>
+                                <m:e>
+                                  <m:d>
+                                    <m:dPr>
+                                      <m:ctrlPr>
+                                        <a:rPr lang="en-US" b="0" i="1" smtClean="0">
+                                          <a:latin typeface="Cambria Math" panose="02040503050406030204" pitchFamily="18" charset="0"/>
+                                        </a:rPr>
+                                      </m:ctrlPr>
+                                    </m:dPr>
+                                    <m:e>
+                                      <m:sSub>
+                                        <m:sSubPr>
+                                          <m:ctrlPr>
+                                            <a:rPr lang="en-US" b="0" i="1" smtClean="0">
+                                              <a:latin typeface="Cambria Math" panose="02040503050406030204" pitchFamily="18" charset="0"/>
+                                            </a:rPr>
+                                          </m:ctrlPr>
+                                        </m:sSubPr>
+                                        <m:e>
+                                          <m:r>
+                                            <a:rPr lang="en-US" b="0" i="1" smtClean="0">
+                                              <a:latin typeface="Cambria Math" panose="02040503050406030204" pitchFamily="18" charset="0"/>
+                                            </a:rPr>
+                                            <m:t>𝑦</m:t>
+                                          </m:r>
+                                        </m:e>
+                                        <m:sub>
+                                          <m:r>
+                                            <a:rPr lang="en-US" b="0" i="1" smtClean="0">
+                                              <a:latin typeface="Cambria Math" panose="02040503050406030204" pitchFamily="18" charset="0"/>
+                                            </a:rPr>
+                                            <m:t>𝑖</m:t>
+                                          </m:r>
+                                        </m:sub>
+                                      </m:sSub>
+                                      <m:r>
+                                        <a:rPr lang="en-US" b="0" i="1" smtClean="0">
+                                          <a:latin typeface="Cambria Math" panose="02040503050406030204" pitchFamily="18" charset="0"/>
+                                        </a:rPr>
+                                        <m:t>−</m:t>
+                                      </m:r>
+                                      <m:sSub>
+                                        <m:sSubPr>
+                                          <m:ctrlPr>
+                                            <a:rPr lang="en-US" b="0" i="1" smtClean="0">
+                                              <a:latin typeface="Cambria Math" panose="02040503050406030204" pitchFamily="18" charset="0"/>
+                                            </a:rPr>
+                                          </m:ctrlPr>
+                                        </m:sSubPr>
+                                        <m:e>
+                                          <m:acc>
+                                            <m:accPr>
+                                              <m:chr m:val="̂"/>
+                                              <m:ctrlPr>
+                                                <a:rPr lang="en-US" b="0" i="1" smtClean="0">
+                                                  <a:latin typeface="Cambria Math" panose="02040503050406030204" pitchFamily="18" charset="0"/>
+                                                </a:rPr>
+                                              </m:ctrlPr>
+                                            </m:accPr>
+                                            <m:e>
+                                              <m:r>
+                                                <a:rPr lang="en-US" b="0" i="1" smtClean="0">
+                                                  <a:latin typeface="Cambria Math" panose="02040503050406030204" pitchFamily="18" charset="0"/>
+                                                </a:rPr>
+                                                <m:t>𝑦</m:t>
+                                              </m:r>
+                                            </m:e>
+                                          </m:acc>
+                                        </m:e>
+                                        <m:sub>
+                                          <m:sSub>
+                                            <m:sSubPr>
+                                              <m:ctrlPr>
+                                                <a:rPr lang="en-US" b="0" i="1" smtClean="0">
+                                                  <a:latin typeface="Cambria Math" panose="02040503050406030204" pitchFamily="18" charset="0"/>
+                                                </a:rPr>
+                                              </m:ctrlPr>
+                                            </m:sSubPr>
+                                            <m:e>
+                                              <m:r>
+                                                <a:rPr lang="en-US" b="0" i="1" smtClean="0">
+                                                  <a:latin typeface="Cambria Math" panose="02040503050406030204" pitchFamily="18" charset="0"/>
+                                                </a:rPr>
+                                                <m:t>𝑅</m:t>
+                                              </m:r>
+                                            </m:e>
+                                            <m:sub>
+                                              <m:r>
+                                                <a:rPr lang="en-US" b="0" i="1" smtClean="0">
+                                                  <a:latin typeface="Cambria Math" panose="02040503050406030204" pitchFamily="18" charset="0"/>
+                                                </a:rPr>
+                                                <m:t>𝑚</m:t>
+                                              </m:r>
+                                            </m:sub>
+                                          </m:sSub>
+                                        </m:sub>
+                                      </m:sSub>
+                                    </m:e>
+                                  </m:d>
+                                </m:e>
+                                <m:sup>
+                                  <m:r>
+                                    <a:rPr lang="en-US" b="0" i="1" smtClean="0">
+                                      <a:latin typeface="Cambria Math" panose="02040503050406030204" pitchFamily="18" charset="0"/>
+                                    </a:rPr>
+                                    <m:t>2</m:t>
+                                  </m:r>
+                                </m:sup>
+                              </m:sSup>
+                              <m:r>
+                                <a:rPr lang="en-US" b="0" i="1" smtClean="0">
+                                  <a:latin typeface="Cambria Math" panose="02040503050406030204" pitchFamily="18" charset="0"/>
+                                </a:rPr>
+                                <m:t>+</m:t>
+                              </m:r>
+                              <m:r>
+                                <a:rPr lang="en-US" b="0" i="1" smtClean="0">
+                                  <a:latin typeface="Cambria Math" panose="02040503050406030204" pitchFamily="18" charset="0"/>
+                                </a:rPr>
+                                <m:t>𝛼</m:t>
+                              </m:r>
+                              <m:d>
+                                <m:dPr>
+                                  <m:begChr m:val="|"/>
+                                  <m:endChr m:val="|"/>
+                                  <m:ctrlPr>
+                                    <a:rPr lang="en-US" b="0" i="1" smtClean="0">
+                                      <a:latin typeface="Cambria Math" panose="02040503050406030204" pitchFamily="18" charset="0"/>
+                                    </a:rPr>
+                                  </m:ctrlPr>
+                                </m:dPr>
+                                <m:e>
+                                  <m:r>
+                                    <a:rPr lang="en-US" b="0" i="1" smtClean="0">
+                                      <a:latin typeface="Cambria Math" panose="02040503050406030204" pitchFamily="18" charset="0"/>
+                                    </a:rPr>
+                                    <m:t>𝑇</m:t>
+                                  </m:r>
+                                </m:e>
+                              </m:d>
+                            </m:e>
+                          </m:nary>
+                        </m:e>
+                      </m:nary>
+                    </m:oMath>
+                  </m:oMathPara>
+                </a14:m>
+                <a:endParaRPr lang="en-US" dirty="0"/>
+              </a:p>
+              <a:p>
+                <a:pPr>
+                  <a:lnSpc>
+                    <a:spcPct val="150000"/>
+                  </a:lnSpc>
+                </a:pPr>
+                <a:r>
+                  <a:rPr lang="en-US" dirty="0"/>
+                  <a:t>Where </a:t>
+                </a:r>
+                <a14:m>
+                  <m:oMath xmlns:m="http://schemas.openxmlformats.org/officeDocument/2006/math">
+                    <m:d>
+                      <m:dPr>
+                        <m:begChr m:val="|"/>
+                        <m:endChr m:val="|"/>
+                        <m:ctrlPr>
+                          <a:rPr lang="en-US" b="0" i="1" smtClean="0">
+                            <a:latin typeface="Cambria Math" panose="02040503050406030204" pitchFamily="18" charset="0"/>
+                          </a:rPr>
+                        </m:ctrlPr>
+                      </m:dPr>
+                      <m:e>
+                        <m:r>
+                          <a:rPr lang="en-US" b="0" i="1" smtClean="0">
+                            <a:latin typeface="Cambria Math" panose="02040503050406030204" pitchFamily="18" charset="0"/>
+                          </a:rPr>
+                          <m:t>𝑇</m:t>
+                        </m:r>
+                      </m:e>
+                    </m:d>
+                  </m:oMath>
+                </a14:m>
+                <a:r>
+                  <a:rPr lang="en-US" dirty="0"/>
+                  <a:t> is the number of terminal nodes (see the resemblance to </a:t>
+                </a:r>
+                <a:r>
+                  <a:rPr lang="en-US" b="1" dirty="0"/>
+                  <a:t>lasso?</a:t>
+                </a:r>
+                <a:r>
+                  <a:rPr lang="en-US" dirty="0"/>
+                  <a:t>)</a:t>
+                </a:r>
+              </a:p>
+              <a:p>
+                <a:pPr>
+                  <a:lnSpc>
+                    <a:spcPct val="150000"/>
+                  </a:lnSpc>
+                </a:pPr>
+                <a:r>
+                  <a:rPr lang="en-US" dirty="0"/>
+                  <a:t>Using cross-validation, examine the error as a function of the cost complexity</a:t>
+                </a:r>
+              </a:p>
+              <a:p>
+                <a:pPr>
+                  <a:lnSpc>
+                    <a:spcPct val="150000"/>
+                  </a:lnSpc>
+                </a:pPr>
+                <a:r>
+                  <a:rPr lang="en-US" dirty="0"/>
+                  <a:t>Choose optimal cost complexity </a:t>
+                </a:r>
+                <a:endParaRPr lang="en-IL" dirty="0"/>
+              </a:p>
+            </p:txBody>
+          </p:sp>
+        </mc:Choice>
+        <mc:Fallback>
+          <p:sp>
+            <p:nvSpPr>
+              <p:cNvPr id="3" name="Content Placeholder 2">
+                <a:extLst>
+                  <a:ext uri="{FF2B5EF4-FFF2-40B4-BE49-F238E27FC236}">
+                    <a16:creationId xmlns:a16="http://schemas.microsoft.com/office/drawing/2014/main" id="{C4BFC5BA-A395-468E-A705-079FD5AF7ADB}"/>
+                  </a:ext>
+                </a:extLst>
+              </p:cNvPr>
+              <p:cNvSpPr>
+                <a:spLocks noGrp="1" noRot="1" noChangeAspect="1" noMove="1" noResize="1" noEditPoints="1" noAdjustHandles="1" noChangeArrowheads="1" noChangeShapeType="1" noTextEdit="1"/>
+              </p:cNvSpPr>
+              <p:nvPr>
+                <p:ph idx="1"/>
+              </p:nvPr>
+            </p:nvSpPr>
+            <p:spPr>
+              <a:blipFill>
+                <a:blip r:embed="rId2"/>
+                <a:stretch>
+                  <a:fillRect l="-121" b="-902"/>
+                </a:stretch>
+              </a:blipFill>
+            </p:spPr>
+            <p:txBody>
+              <a:bodyPr/>
+              <a:lstStyle/>
+              <a:p>
+                <a:r>
+                  <a:rPr lang="en-IL">
+                    <a:noFill/>
+                  </a:rPr>
+                  <a:t> </a:t>
+                </a:r>
+              </a:p>
+            </p:txBody>
+          </p:sp>
+        </mc:Fallback>
+      </mc:AlternateContent>
+      <p:sp>
+        <p:nvSpPr>
+          <p:cNvPr id="4" name="Footer Placeholder 3">
+            <a:extLst>
+              <a:ext uri="{FF2B5EF4-FFF2-40B4-BE49-F238E27FC236}">
+                <a16:creationId xmlns:a16="http://schemas.microsoft.com/office/drawing/2014/main" id="{D5D8BD24-FAEE-4B2B-A0DF-27B857B64B82}"/>
+              </a:ext>
+            </a:extLst>
+          </p:cNvPr>
+          <p:cNvSpPr>
+            <a:spLocks noGrp="1"/>
+          </p:cNvSpPr>
+          <p:nvPr>
+            <p:ph type="ftr" sz="quarter" idx="11"/>
+          </p:nvPr>
+        </p:nvSpPr>
+        <p:spPr/>
+        <p:txBody>
+          <a:bodyPr/>
+          <a:lstStyle/>
+          <a:p>
+            <a:r>
+              <a:rPr lang="en-US"/>
+              <a:t>Materials by Adi Sarid https://adisarid.github.io and http://www.sarid-ins.com</a:t>
+            </a:r>
+            <a:endParaRPr lang="en-US" dirty="0"/>
+          </a:p>
+        </p:txBody>
+      </p:sp>
+      <p:sp>
+        <p:nvSpPr>
+          <p:cNvPr id="5" name="Slide Number Placeholder 4">
+            <a:extLst>
+              <a:ext uri="{FF2B5EF4-FFF2-40B4-BE49-F238E27FC236}">
+                <a16:creationId xmlns:a16="http://schemas.microsoft.com/office/drawing/2014/main" id="{9025BDA3-2C28-41E9-AB48-A131E6075B13}"/>
+              </a:ext>
+            </a:extLst>
+          </p:cNvPr>
+          <p:cNvSpPr>
+            <a:spLocks noGrp="1"/>
+          </p:cNvSpPr>
+          <p:nvPr>
+            <p:ph type="sldNum" sz="quarter" idx="12"/>
+          </p:nvPr>
+        </p:nvSpPr>
+        <p:spPr/>
+        <p:txBody>
+          <a:bodyPr/>
+          <a:lstStyle/>
+          <a:p>
+            <a:fld id="{4FAB73BC-B049-4115-A692-8D63A059BFB8}" type="slidenum">
+              <a:rPr lang="en-US" smtClean="0"/>
+              <a:t>24</a:t>
+            </a:fld>
+            <a:endParaRPr lang="en-US" dirty="0"/>
+          </a:p>
+        </p:txBody>
+      </p:sp>
+    </p:spTree>
+    <p:extLst>
+      <p:ext uri="{BB962C8B-B14F-4D97-AF65-F5344CB8AC3E}">
+        <p14:creationId xmlns:p14="http://schemas.microsoft.com/office/powerpoint/2010/main" val="2921911641"/>
+      </p:ext>
+    </p:extLst>
+  </p:cSld>
+  <p:clrMapOvr>
+    <a:masterClrMapping/>
+  </p:clrMapOvr>
+</p:sld>
+</file>
+
+<file path=ppt/slides/slide25.xml><?xml version="1.0" encoding="utf-8"?>
+<p:sld xmlns:a="http://schemas.openxmlformats.org/drawingml/2006/main" xmlns:r="http://schemas.openxmlformats.org/officeDocument/2006/relationships" xmlns:p="http://schemas.openxmlformats.org/presentationml/2006/main">
+  <p:cSld>
+    <p:spTree>
+      <p:nvGrpSpPr>
+        <p:cNvPr id="1" name=""/>
+        <p:cNvGrpSpPr/>
+        <p:nvPr/>
+      </p:nvGrpSpPr>
+      <p:grpSpPr>
+        <a:xfrm>
+          <a:off x="0" y="0"/>
+          <a:ext cx="0" cy="0"/>
+          <a:chOff x="0" y="0"/>
+          <a:chExt cx="0" cy="0"/>
+        </a:xfrm>
+      </p:grpSpPr>
+      <p:sp>
+        <p:nvSpPr>
+          <p:cNvPr id="2" name="Title 1">
+            <a:extLst>
+              <a:ext uri="{FF2B5EF4-FFF2-40B4-BE49-F238E27FC236}">
+                <a16:creationId xmlns:a16="http://schemas.microsoft.com/office/drawing/2014/main" id="{7FCFE64C-42AC-48F8-9CC4-A848469D1EFB}"/>
+              </a:ext>
+            </a:extLst>
+          </p:cNvPr>
+          <p:cNvSpPr>
+            <a:spLocks noGrp="1"/>
+          </p:cNvSpPr>
+          <p:nvPr>
+            <p:ph type="title"/>
+          </p:nvPr>
+        </p:nvSpPr>
+        <p:spPr/>
+        <p:txBody>
+          <a:bodyPr/>
+          <a:lstStyle/>
+          <a:p>
+            <a:r>
+              <a:rPr lang="en-US" dirty="0"/>
+              <a:t>Classification Trees</a:t>
+            </a:r>
+            <a:endParaRPr lang="en-IL" dirty="0"/>
+          </a:p>
+        </p:txBody>
+      </p:sp>
+      <mc:AlternateContent xmlns:mc="http://schemas.openxmlformats.org/markup-compatibility/2006">
+        <mc:Choice xmlns:a14="http://schemas.microsoft.com/office/drawing/2010/main" Requires="a14">
+          <p:sp>
+            <p:nvSpPr>
+              <p:cNvPr id="3" name="Content Placeholder 2">
+                <a:extLst>
+                  <a:ext uri="{FF2B5EF4-FFF2-40B4-BE49-F238E27FC236}">
+                    <a16:creationId xmlns:a16="http://schemas.microsoft.com/office/drawing/2014/main" id="{BF915407-7AC9-4664-B0FC-070C03A344DA}"/>
+                  </a:ext>
+                </a:extLst>
+              </p:cNvPr>
+              <p:cNvSpPr>
+                <a:spLocks noGrp="1"/>
+              </p:cNvSpPr>
+              <p:nvPr>
+                <p:ph idx="1"/>
+              </p:nvPr>
+            </p:nvSpPr>
+            <p:spPr/>
+            <p:txBody>
+              <a:bodyPr/>
+              <a:lstStyle/>
+              <a:p>
+                <a:pPr marL="0" indent="0">
+                  <a:lnSpc>
+                    <a:spcPct val="150000"/>
+                  </a:lnSpc>
+                  <a:buNone/>
+                </a:pPr>
+                <a:r>
+                  <a:rPr lang="en-US" dirty="0"/>
+                  <a:t>When a classification tree is built, we use either </a:t>
+                </a:r>
+              </a:p>
+              <a:p>
+                <a:pPr>
+                  <a:lnSpc>
+                    <a:spcPct val="150000"/>
+                  </a:lnSpc>
+                </a:pPr>
+                <a:r>
+                  <a:rPr lang="en-US" dirty="0"/>
+                  <a:t>The Gini index for node </a:t>
+                </a:r>
+                <a14:m>
+                  <m:oMath xmlns:m="http://schemas.openxmlformats.org/officeDocument/2006/math">
+                    <m:r>
+                      <a:rPr lang="en-US" b="0" i="1" smtClean="0">
+                        <a:latin typeface="Cambria Math" panose="02040503050406030204" pitchFamily="18" charset="0"/>
+                      </a:rPr>
+                      <m:t>𝑚</m:t>
+                    </m:r>
+                  </m:oMath>
+                </a14:m>
+                <a:r>
+                  <a:rPr lang="en-US" dirty="0"/>
+                  <a:t>:</a:t>
+                </a:r>
+              </a:p>
+              <a:p>
+                <a:pPr lvl="1">
+                  <a:lnSpc>
+                    <a:spcPct val="150000"/>
+                  </a:lnSpc>
+                </a:pPr>
+                <a14:m>
+                  <m:oMath xmlns:m="http://schemas.openxmlformats.org/officeDocument/2006/math">
+                    <m:nary>
+                      <m:naryPr>
+                        <m:chr m:val="∑"/>
+                        <m:ctrlPr>
+                          <a:rPr lang="en-US" b="0" i="1" smtClean="0">
+                            <a:latin typeface="Cambria Math" panose="02040503050406030204" pitchFamily="18" charset="0"/>
+                          </a:rPr>
+                        </m:ctrlPr>
+                      </m:naryPr>
+                      <m:sub>
+                        <m:r>
+                          <a:rPr lang="en-US" b="0" i="1" smtClean="0">
+                            <a:latin typeface="Cambria Math" panose="02040503050406030204" pitchFamily="18" charset="0"/>
+                          </a:rPr>
+                          <m:t>𝑘</m:t>
+                        </m:r>
+                      </m:sub>
+                      <m:sup>
+                        <m:r>
+                          <a:rPr lang="en-US" b="0" i="1" smtClean="0">
+                            <a:latin typeface="Cambria Math" panose="02040503050406030204" pitchFamily="18" charset="0"/>
+                          </a:rPr>
+                          <m:t>𝐾</m:t>
+                        </m:r>
+                      </m:sup>
+                      <m:e>
+                        <m:sSub>
+                          <m:sSubPr>
+                            <m:ctrlPr>
+                              <a:rPr lang="en-US" b="0" i="1" dirty="0" smtClean="0">
+                                <a:latin typeface="Cambria Math" panose="02040503050406030204" pitchFamily="18" charset="0"/>
+                              </a:rPr>
+                            </m:ctrlPr>
+                          </m:sSubPr>
+                          <m:e>
+                            <m:acc>
+                              <m:accPr>
+                                <m:chr m:val="̂"/>
+                                <m:ctrlPr>
+                                  <a:rPr lang="en-US" b="0" i="1" smtClean="0">
+                                    <a:latin typeface="Cambria Math" panose="02040503050406030204" pitchFamily="18" charset="0"/>
+                                  </a:rPr>
+                                </m:ctrlPr>
+                              </m:accPr>
+                              <m:e>
+                                <m:r>
+                                  <a:rPr lang="en-US" b="0" i="1" smtClean="0">
+                                    <a:latin typeface="Cambria Math" panose="02040503050406030204" pitchFamily="18" charset="0"/>
+                                  </a:rPr>
+                                  <m:t>𝑝</m:t>
+                                </m:r>
+                              </m:e>
+                            </m:acc>
+                          </m:e>
+                          <m:sub>
+                            <m:r>
+                              <a:rPr lang="en-US" b="0" i="1" dirty="0" smtClean="0">
+                                <a:latin typeface="Cambria Math" panose="02040503050406030204" pitchFamily="18" charset="0"/>
+                              </a:rPr>
+                              <m:t>𝑚𝑘</m:t>
+                            </m:r>
+                          </m:sub>
+                        </m:sSub>
+                        <m:d>
+                          <m:dPr>
+                            <m:ctrlPr>
+                              <a:rPr lang="en-US" b="0" i="1" dirty="0" smtClean="0">
+                                <a:latin typeface="Cambria Math" panose="02040503050406030204" pitchFamily="18" charset="0"/>
+                              </a:rPr>
+                            </m:ctrlPr>
+                          </m:dPr>
+                          <m:e>
+                            <m:r>
+                              <a:rPr lang="en-US" b="0" i="1" dirty="0" smtClean="0">
+                                <a:latin typeface="Cambria Math" panose="02040503050406030204" pitchFamily="18" charset="0"/>
+                              </a:rPr>
+                              <m:t>1</m:t>
+                            </m:r>
+                            <m:r>
+                              <a:rPr lang="en-US" b="0" i="1" dirty="0" smtClean="0">
+                                <a:latin typeface="Cambria Math" panose="02040503050406030204" pitchFamily="18" charset="0"/>
+                              </a:rPr>
+                              <m:t>−</m:t>
+                            </m:r>
+                            <m:sSub>
+                              <m:sSubPr>
+                                <m:ctrlPr>
+                                  <a:rPr lang="en-US" b="0" i="1" dirty="0" smtClean="0">
+                                    <a:latin typeface="Cambria Math" panose="02040503050406030204" pitchFamily="18" charset="0"/>
+                                  </a:rPr>
+                                </m:ctrlPr>
+                              </m:sSubPr>
+                              <m:e>
+                                <m:acc>
+                                  <m:accPr>
+                                    <m:chr m:val="̂"/>
+                                    <m:ctrlPr>
+                                      <a:rPr lang="en-US" b="0" i="1" dirty="0" smtClean="0">
+                                        <a:latin typeface="Cambria Math" panose="02040503050406030204" pitchFamily="18" charset="0"/>
+                                      </a:rPr>
+                                    </m:ctrlPr>
+                                  </m:accPr>
+                                  <m:e>
+                                    <m:r>
+                                      <a:rPr lang="en-US" b="0" i="1" dirty="0" smtClean="0">
+                                        <a:latin typeface="Cambria Math" panose="02040503050406030204" pitchFamily="18" charset="0"/>
+                                      </a:rPr>
+                                      <m:t>𝑝</m:t>
+                                    </m:r>
+                                  </m:e>
+                                </m:acc>
+                              </m:e>
+                              <m:sub>
+                                <m:r>
+                                  <a:rPr lang="en-US" b="0" i="1" dirty="0" smtClean="0">
+                                    <a:latin typeface="Cambria Math" panose="02040503050406030204" pitchFamily="18" charset="0"/>
+                                  </a:rPr>
+                                  <m:t>𝑚𝑘</m:t>
+                                </m:r>
+                              </m:sub>
+                            </m:sSub>
+                          </m:e>
+                        </m:d>
+                      </m:e>
+                    </m:nary>
+                  </m:oMath>
+                </a14:m>
+                <a:endParaRPr lang="en-US" dirty="0"/>
+              </a:p>
+              <a:p>
+                <a:pPr>
+                  <a:lnSpc>
+                    <a:spcPct val="150000"/>
+                  </a:lnSpc>
+                </a:pPr>
+                <a:r>
+                  <a:rPr lang="en-US" dirty="0"/>
+                  <a:t>The Cross-entropy or deviance for node </a:t>
+                </a:r>
+                <a14:m>
+                  <m:oMath xmlns:m="http://schemas.openxmlformats.org/officeDocument/2006/math">
+                    <m:r>
+                      <a:rPr lang="en-US" b="0" i="1" smtClean="0">
+                        <a:latin typeface="Cambria Math" panose="02040503050406030204" pitchFamily="18" charset="0"/>
+                      </a:rPr>
+                      <m:t>𝑚</m:t>
+                    </m:r>
+                  </m:oMath>
+                </a14:m>
+                <a:r>
+                  <a:rPr lang="en-US" dirty="0"/>
+                  <a:t>:</a:t>
+                </a:r>
+              </a:p>
+              <a:p>
+                <a:pPr lvl="1">
+                  <a:lnSpc>
+                    <a:spcPct val="150000"/>
+                  </a:lnSpc>
+                </a:pPr>
+                <a14:m>
+                  <m:oMath xmlns:m="http://schemas.openxmlformats.org/officeDocument/2006/math">
+                    <m:r>
+                      <a:rPr lang="en-US" b="0" i="1" smtClean="0">
+                        <a:latin typeface="Cambria Math" panose="02040503050406030204" pitchFamily="18" charset="0"/>
+                      </a:rPr>
+                      <m:t>−</m:t>
+                    </m:r>
+                    <m:nary>
+                      <m:naryPr>
+                        <m:chr m:val="∑"/>
+                        <m:ctrlPr>
+                          <a:rPr lang="en-US" b="0" i="1" smtClean="0">
+                            <a:latin typeface="Cambria Math" panose="02040503050406030204" pitchFamily="18" charset="0"/>
+                          </a:rPr>
+                        </m:ctrlPr>
+                      </m:naryPr>
+                      <m:sub>
+                        <m:r>
+                          <a:rPr lang="en-US" b="0" i="1" smtClean="0">
+                            <a:latin typeface="Cambria Math" panose="02040503050406030204" pitchFamily="18" charset="0"/>
+                          </a:rPr>
+                          <m:t>𝑘</m:t>
+                        </m:r>
+                        <m:r>
+                          <a:rPr lang="en-US" b="0" i="1" smtClean="0">
+                            <a:latin typeface="Cambria Math" panose="02040503050406030204" pitchFamily="18" charset="0"/>
+                          </a:rPr>
+                          <m:t>=</m:t>
+                        </m:r>
+                        <m:r>
+                          <a:rPr lang="en-US" b="0" i="1" smtClean="0">
+                            <a:latin typeface="Cambria Math" panose="02040503050406030204" pitchFamily="18" charset="0"/>
+                          </a:rPr>
+                          <m:t>1</m:t>
+                        </m:r>
+                      </m:sub>
+                      <m:sup>
+                        <m:r>
+                          <a:rPr lang="en-US" b="0" i="1" smtClean="0">
+                            <a:latin typeface="Cambria Math" panose="02040503050406030204" pitchFamily="18" charset="0"/>
+                          </a:rPr>
+                          <m:t>𝐾</m:t>
+                        </m:r>
+                      </m:sup>
+                      <m:e>
+                        <m:sSub>
+                          <m:sSubPr>
+                            <m:ctrlPr>
+                              <a:rPr lang="en-US" b="0" i="1" dirty="0" smtClean="0">
+                                <a:latin typeface="Cambria Math" panose="02040503050406030204" pitchFamily="18" charset="0"/>
+                              </a:rPr>
+                            </m:ctrlPr>
+                          </m:sSubPr>
+                          <m:e>
+                            <m:acc>
+                              <m:accPr>
+                                <m:chr m:val="̂"/>
+                                <m:ctrlPr>
+                                  <a:rPr lang="en-US" b="0" i="1" smtClean="0">
+                                    <a:latin typeface="Cambria Math" panose="02040503050406030204" pitchFamily="18" charset="0"/>
+                                  </a:rPr>
+                                </m:ctrlPr>
+                              </m:accPr>
+                              <m:e>
+                                <m:r>
+                                  <a:rPr lang="en-US" b="0" i="1" smtClean="0">
+                                    <a:latin typeface="Cambria Math" panose="02040503050406030204" pitchFamily="18" charset="0"/>
+                                  </a:rPr>
+                                  <m:t>𝑝</m:t>
+                                </m:r>
+                              </m:e>
+                            </m:acc>
+                          </m:e>
+                          <m:sub>
+                            <m:r>
+                              <a:rPr lang="en-US" b="0" i="1" dirty="0" smtClean="0">
+                                <a:latin typeface="Cambria Math" panose="02040503050406030204" pitchFamily="18" charset="0"/>
+                              </a:rPr>
+                              <m:t>𝑚𝑘</m:t>
+                            </m:r>
+                          </m:sub>
+                        </m:sSub>
+                        <m:func>
+                          <m:funcPr>
+                            <m:ctrlPr>
+                              <a:rPr lang="en-US" b="0" i="1" dirty="0" smtClean="0">
+                                <a:latin typeface="Cambria Math" panose="02040503050406030204" pitchFamily="18" charset="0"/>
+                              </a:rPr>
+                            </m:ctrlPr>
+                          </m:funcPr>
+                          <m:fName>
+                            <m:r>
+                              <m:rPr>
+                                <m:sty m:val="p"/>
+                              </m:rPr>
+                              <a:rPr lang="en-US" b="0" i="0" dirty="0" smtClean="0">
+                                <a:latin typeface="Cambria Math" panose="02040503050406030204" pitchFamily="18" charset="0"/>
+                              </a:rPr>
+                              <m:t>log</m:t>
+                            </m:r>
+                          </m:fName>
+                          <m:e>
+                            <m:sSub>
+                              <m:sSubPr>
+                                <m:ctrlPr>
+                                  <a:rPr lang="en-US" b="0" i="1" dirty="0" smtClean="0">
+                                    <a:latin typeface="Cambria Math" panose="02040503050406030204" pitchFamily="18" charset="0"/>
+                                  </a:rPr>
+                                </m:ctrlPr>
+                              </m:sSubPr>
+                              <m:e>
+                                <m:acc>
+                                  <m:accPr>
+                                    <m:chr m:val="̂"/>
+                                    <m:ctrlPr>
+                                      <a:rPr lang="en-US" b="0" i="1" dirty="0" smtClean="0">
+                                        <a:latin typeface="Cambria Math" panose="02040503050406030204" pitchFamily="18" charset="0"/>
+                                      </a:rPr>
+                                    </m:ctrlPr>
+                                  </m:accPr>
+                                  <m:e>
+                                    <m:r>
+                                      <a:rPr lang="en-US" b="0" i="1" dirty="0" smtClean="0">
+                                        <a:latin typeface="Cambria Math" panose="02040503050406030204" pitchFamily="18" charset="0"/>
+                                      </a:rPr>
+                                      <m:t>𝑝</m:t>
+                                    </m:r>
+                                  </m:e>
+                                </m:acc>
+                              </m:e>
+                              <m:sub>
+                                <m:r>
+                                  <a:rPr lang="en-US" b="0" i="1" dirty="0" smtClean="0">
+                                    <a:latin typeface="Cambria Math" panose="02040503050406030204" pitchFamily="18" charset="0"/>
+                                  </a:rPr>
+                                  <m:t>𝑚𝑘</m:t>
+                                </m:r>
+                              </m:sub>
+                            </m:sSub>
+                          </m:e>
+                        </m:func>
+                      </m:e>
+                    </m:nary>
+                  </m:oMath>
+                </a14:m>
+                <a:endParaRPr lang="en-US" dirty="0"/>
+              </a:p>
+              <a:p>
+                <a:r>
+                  <a:rPr lang="en-US" dirty="0"/>
+                  <a:t>The misclassification may be used for pruning (but is </a:t>
+                </a:r>
+                <a:r>
+                  <a:rPr lang="en-US"/>
+                  <a:t>less advised for growth)</a:t>
+                </a:r>
+                <a:endParaRPr lang="en-IL" dirty="0"/>
+              </a:p>
+            </p:txBody>
+          </p:sp>
+        </mc:Choice>
+        <mc:Fallback>
+          <p:sp>
+            <p:nvSpPr>
+              <p:cNvPr id="3" name="Content Placeholder 2">
+                <a:extLst>
+                  <a:ext uri="{FF2B5EF4-FFF2-40B4-BE49-F238E27FC236}">
+                    <a16:creationId xmlns:a16="http://schemas.microsoft.com/office/drawing/2014/main" id="{BF915407-7AC9-4664-B0FC-070C03A344DA}"/>
+                  </a:ext>
+                </a:extLst>
+              </p:cNvPr>
+              <p:cNvSpPr>
+                <a:spLocks noGrp="1" noRot="1" noChangeAspect="1" noMove="1" noResize="1" noEditPoints="1" noAdjustHandles="1" noChangeArrowheads="1" noChangeShapeType="1" noTextEdit="1"/>
+              </p:cNvSpPr>
+              <p:nvPr>
+                <p:ph idx="1"/>
+              </p:nvPr>
+            </p:nvSpPr>
+            <p:spPr>
+              <a:blipFill>
+                <a:blip r:embed="rId3"/>
+                <a:stretch>
+                  <a:fillRect l="-667"/>
+                </a:stretch>
+              </a:blipFill>
+            </p:spPr>
+            <p:txBody>
+              <a:bodyPr/>
+              <a:lstStyle/>
+              <a:p>
+                <a:r>
+                  <a:rPr lang="en-IL">
+                    <a:noFill/>
+                  </a:rPr>
+                  <a:t> </a:t>
+                </a:r>
+              </a:p>
+            </p:txBody>
+          </p:sp>
+        </mc:Fallback>
+      </mc:AlternateContent>
+      <p:sp>
+        <p:nvSpPr>
+          <p:cNvPr id="4" name="Footer Placeholder 3">
+            <a:extLst>
+              <a:ext uri="{FF2B5EF4-FFF2-40B4-BE49-F238E27FC236}">
+                <a16:creationId xmlns:a16="http://schemas.microsoft.com/office/drawing/2014/main" id="{B67F66D6-C93D-463E-B5E9-AA3EF650882E}"/>
+              </a:ext>
+            </a:extLst>
+          </p:cNvPr>
+          <p:cNvSpPr>
+            <a:spLocks noGrp="1"/>
+          </p:cNvSpPr>
+          <p:nvPr>
+            <p:ph type="ftr" sz="quarter" idx="11"/>
+          </p:nvPr>
+        </p:nvSpPr>
+        <p:spPr/>
+        <p:txBody>
+          <a:bodyPr/>
+          <a:lstStyle/>
+          <a:p>
+            <a:r>
+              <a:rPr lang="en-US"/>
+              <a:t>Materials by Adi Sarid https://adisarid.github.io and http://www.sarid-ins.com</a:t>
+            </a:r>
+            <a:endParaRPr lang="en-US" dirty="0"/>
+          </a:p>
+        </p:txBody>
+      </p:sp>
+      <p:sp>
+        <p:nvSpPr>
+          <p:cNvPr id="5" name="Slide Number Placeholder 4">
+            <a:extLst>
+              <a:ext uri="{FF2B5EF4-FFF2-40B4-BE49-F238E27FC236}">
+                <a16:creationId xmlns:a16="http://schemas.microsoft.com/office/drawing/2014/main" id="{559F37C9-9246-406F-8882-12BD8F038ADF}"/>
+              </a:ext>
+            </a:extLst>
+          </p:cNvPr>
+          <p:cNvSpPr>
+            <a:spLocks noGrp="1"/>
+          </p:cNvSpPr>
+          <p:nvPr>
+            <p:ph type="sldNum" sz="quarter" idx="12"/>
+          </p:nvPr>
+        </p:nvSpPr>
+        <p:spPr/>
+        <p:txBody>
+          <a:bodyPr/>
+          <a:lstStyle/>
+          <a:p>
+            <a:fld id="{4FAB73BC-B049-4115-A692-8D63A059BFB8}" type="slidenum">
+              <a:rPr lang="en-US" smtClean="0"/>
+              <a:t>25</a:t>
+            </a:fld>
+            <a:endParaRPr lang="en-US" dirty="0"/>
+          </a:p>
+        </p:txBody>
+      </p:sp>
+    </p:spTree>
+    <p:extLst>
+      <p:ext uri="{BB962C8B-B14F-4D97-AF65-F5344CB8AC3E}">
+        <p14:creationId xmlns:p14="http://schemas.microsoft.com/office/powerpoint/2010/main" val="228237063"/>
+      </p:ext>
+    </p:extLst>
+  </p:cSld>
+  <p:clrMapOvr>
+    <a:masterClrMapping/>
+  </p:clrMapOvr>
+</p:sld>
+</file>
+
 <file path=ppt/slides/slide3.xml><?xml version="1.0" encoding="utf-8"?>
 <p:sld xmlns:a="http://schemas.openxmlformats.org/drawingml/2006/main" xmlns:r="http://schemas.openxmlformats.org/officeDocument/2006/relationships" xmlns:p="http://schemas.openxmlformats.org/presentationml/2006/main">
   <p:cSld>

--- a/presentation/pptx/03-Classification_methods_part2_SVMs_and_Cross_Validation.pptx
+++ b/presentation/pptx/03-Classification_methods_part2_SVMs_and_Cross_Validation.pptx
@@ -5,11 +5,11 @@
     <p:sldMasterId id="2147483840" r:id="rId1"/>
   </p:sldMasterIdLst>
   <p:notesMasterIdLst>
-    <p:notesMasterId r:id="rId27"/>
+    <p:notesMasterId r:id="rId29"/>
   </p:notesMasterIdLst>
   <p:sldIdLst>
     <p:sldId id="256" r:id="rId2"/>
-    <p:sldId id="273" r:id="rId3"/>
+    <p:sldId id="298" r:id="rId3"/>
     <p:sldId id="274" r:id="rId4"/>
     <p:sldId id="275" r:id="rId5"/>
     <p:sldId id="276" r:id="rId6"/>
@@ -22,17 +22,19 @@
     <p:sldId id="285" r:id="rId13"/>
     <p:sldId id="288" r:id="rId14"/>
     <p:sldId id="281" r:id="rId15"/>
-    <p:sldId id="286" r:id="rId16"/>
-    <p:sldId id="289" r:id="rId17"/>
-    <p:sldId id="290" r:id="rId18"/>
-    <p:sldId id="291" r:id="rId19"/>
-    <p:sldId id="292" r:id="rId20"/>
-    <p:sldId id="287" r:id="rId21"/>
-    <p:sldId id="293" r:id="rId22"/>
-    <p:sldId id="294" r:id="rId23"/>
-    <p:sldId id="295" r:id="rId24"/>
-    <p:sldId id="296" r:id="rId25"/>
-    <p:sldId id="297" r:id="rId26"/>
+    <p:sldId id="299" r:id="rId16"/>
+    <p:sldId id="286" r:id="rId17"/>
+    <p:sldId id="289" r:id="rId18"/>
+    <p:sldId id="290" r:id="rId19"/>
+    <p:sldId id="291" r:id="rId20"/>
+    <p:sldId id="292" r:id="rId21"/>
+    <p:sldId id="273" r:id="rId22"/>
+    <p:sldId id="287" r:id="rId23"/>
+    <p:sldId id="293" r:id="rId24"/>
+    <p:sldId id="294" r:id="rId25"/>
+    <p:sldId id="295" r:id="rId26"/>
+    <p:sldId id="296" r:id="rId27"/>
+    <p:sldId id="297" r:id="rId28"/>
   </p:sldIdLst>
   <p:sldSz cx="12192000" cy="6858000"/>
   <p:notesSz cx="6858000" cy="9144000"/>
@@ -144,7 +146,7 @@
             <a:srgbClr val="A4A3A4"/>
           </p15:clr>
         </p15:guide>
-        <p15:guide id="3" orient="horz" pos="2409" userDrawn="1">
+        <p15:guide id="3" orient="horz" pos="2387" userDrawn="1">
           <p15:clr>
             <a:srgbClr val="A4A3A4"/>
           </p15:clr>
@@ -237,7 +239,7 @@
           <a:p>
             <a:fld id="{5C93CA8F-50F8-44B5-B48F-4C4452AC4FCB}" type="datetimeFigureOut">
               <a:rPr lang="he-IL" smtClean="0"/>
-              <a:t>ו'/אב/תשע"ט</a:t>
+              <a:t>ז'/אב/תשע"ט</a:t>
             </a:fld>
             <a:endParaRPr lang="he-IL"/>
           </a:p>
@@ -579,7 +581,7 @@
     </p:spTree>
     <p:extLst>
       <p:ext uri="{BB962C8B-B14F-4D97-AF65-F5344CB8AC3E}">
-        <p14:creationId xmlns:p14="http://schemas.microsoft.com/office/powerpoint/2010/main" val="3332590928"/>
+        <p14:creationId xmlns:p14="http://schemas.microsoft.com/office/powerpoint/2010/main" val="72330202"/>
       </p:ext>
     </p:extLst>
   </p:cSld>
@@ -938,14 +940,6 @@
           <a:bodyPr/>
           <a:lstStyle/>
           <a:p>
-            <a:r>
-              <a:rPr lang="en-US" dirty="0"/>
-              <a:t>The explanation</a:t>
-            </a:r>
-            <a:r>
-              <a:rPr lang="en-US" baseline="0" dirty="0"/>
-              <a:t> here of bias-variance tradeoff of the test set error is somewhat “hand waving”. If you’re interested, it is also explained in pages 183-184 in ISLR.</a:t>
-            </a:r>
             <a:endParaRPr lang="he-IL" dirty="0"/>
           </a:p>
         </p:txBody>
@@ -967,7 +961,7 @@
           <a:p>
             <a:fld id="{C4276747-8356-4D8F-84BF-3C530C5DAF39}" type="slidenum">
               <a:rPr lang="he-IL" smtClean="0"/>
-              <a:t>17</a:t>
+              <a:t>15</a:t>
             </a:fld>
             <a:endParaRPr lang="he-IL"/>
           </a:p>
@@ -976,7 +970,7 @@
     </p:spTree>
     <p:extLst>
       <p:ext uri="{BB962C8B-B14F-4D97-AF65-F5344CB8AC3E}">
-        <p14:creationId xmlns:p14="http://schemas.microsoft.com/office/powerpoint/2010/main" val="2463563639"/>
+        <p14:creationId xmlns:p14="http://schemas.microsoft.com/office/powerpoint/2010/main" val="3410525098"/>
       </p:ext>
     </p:extLst>
   </p:cSld>
@@ -1032,6 +1026,182 @@
           <a:p>
             <a:r>
               <a:rPr lang="en-US" dirty="0"/>
+              <a:t>The explanation</a:t>
+            </a:r>
+            <a:r>
+              <a:rPr lang="en-US" baseline="0" dirty="0"/>
+              <a:t> here of bias-variance tradeoff of the test set error is somewhat “hand waving”. If you’re interested, it is also explained in pages 183-184 in ISLR.</a:t>
+            </a:r>
+            <a:endParaRPr lang="he-IL" dirty="0"/>
+          </a:p>
+        </p:txBody>
+      </p:sp>
+      <p:sp>
+        <p:nvSpPr>
+          <p:cNvPr id="4" name="Slide Number Placeholder 3"/>
+          <p:cNvSpPr>
+            <a:spLocks noGrp="1"/>
+          </p:cNvSpPr>
+          <p:nvPr>
+            <p:ph type="sldNum" sz="quarter" idx="10"/>
+          </p:nvPr>
+        </p:nvSpPr>
+        <p:spPr/>
+        <p:txBody>
+          <a:bodyPr/>
+          <a:lstStyle/>
+          <a:p>
+            <a:fld id="{C4276747-8356-4D8F-84BF-3C530C5DAF39}" type="slidenum">
+              <a:rPr lang="he-IL" smtClean="0"/>
+              <a:t>18</a:t>
+            </a:fld>
+            <a:endParaRPr lang="he-IL"/>
+          </a:p>
+        </p:txBody>
+      </p:sp>
+    </p:spTree>
+    <p:extLst>
+      <p:ext uri="{BB962C8B-B14F-4D97-AF65-F5344CB8AC3E}">
+        <p14:creationId xmlns:p14="http://schemas.microsoft.com/office/powerpoint/2010/main" val="2463563639"/>
+      </p:ext>
+    </p:extLst>
+  </p:cSld>
+  <p:clrMapOvr>
+    <a:masterClrMapping/>
+  </p:clrMapOvr>
+</p:notes>
+</file>
+
+<file path=ppt/notesSlides/notesSlide7.xml><?xml version="1.0" encoding="utf-8"?>
+<p:notes xmlns:a="http://schemas.openxmlformats.org/drawingml/2006/main" xmlns:r="http://schemas.openxmlformats.org/officeDocument/2006/relationships" xmlns:p="http://schemas.openxmlformats.org/presentationml/2006/main">
+  <p:cSld>
+    <p:spTree>
+      <p:nvGrpSpPr>
+        <p:cNvPr id="1" name=""/>
+        <p:cNvGrpSpPr/>
+        <p:nvPr/>
+      </p:nvGrpSpPr>
+      <p:grpSpPr>
+        <a:xfrm>
+          <a:off x="0" y="0"/>
+          <a:ext cx="0" cy="0"/>
+          <a:chOff x="0" y="0"/>
+          <a:chExt cx="0" cy="0"/>
+        </a:xfrm>
+      </p:grpSpPr>
+      <p:sp>
+        <p:nvSpPr>
+          <p:cNvPr id="2" name="Slide Image Placeholder 1"/>
+          <p:cNvSpPr>
+            <a:spLocks noGrp="1" noRot="1" noChangeAspect="1"/>
+          </p:cNvSpPr>
+          <p:nvPr>
+            <p:ph type="sldImg"/>
+          </p:nvPr>
+        </p:nvSpPr>
+        <p:spPr/>
+      </p:sp>
+      <p:sp>
+        <p:nvSpPr>
+          <p:cNvPr id="3" name="Notes Placeholder 2"/>
+          <p:cNvSpPr>
+            <a:spLocks noGrp="1"/>
+          </p:cNvSpPr>
+          <p:nvPr>
+            <p:ph type="body" idx="1"/>
+          </p:nvPr>
+        </p:nvSpPr>
+        <p:spPr/>
+        <p:txBody>
+          <a:bodyPr/>
+          <a:lstStyle/>
+          <a:p>
+            <a:endParaRPr lang="he-IL" dirty="0"/>
+          </a:p>
+        </p:txBody>
+      </p:sp>
+      <p:sp>
+        <p:nvSpPr>
+          <p:cNvPr id="4" name="Slide Number Placeholder 3"/>
+          <p:cNvSpPr>
+            <a:spLocks noGrp="1"/>
+          </p:cNvSpPr>
+          <p:nvPr>
+            <p:ph type="sldNum" sz="quarter" idx="10"/>
+          </p:nvPr>
+        </p:nvSpPr>
+        <p:spPr/>
+        <p:txBody>
+          <a:bodyPr/>
+          <a:lstStyle/>
+          <a:p>
+            <a:fld id="{C4276747-8356-4D8F-84BF-3C530C5DAF39}" type="slidenum">
+              <a:rPr lang="he-IL" smtClean="0"/>
+              <a:t>21</a:t>
+            </a:fld>
+            <a:endParaRPr lang="he-IL"/>
+          </a:p>
+        </p:txBody>
+      </p:sp>
+    </p:spTree>
+    <p:extLst>
+      <p:ext uri="{BB962C8B-B14F-4D97-AF65-F5344CB8AC3E}">
+        <p14:creationId xmlns:p14="http://schemas.microsoft.com/office/powerpoint/2010/main" val="3332590928"/>
+      </p:ext>
+    </p:extLst>
+  </p:cSld>
+  <p:clrMapOvr>
+    <a:masterClrMapping/>
+  </p:clrMapOvr>
+</p:notes>
+</file>
+
+<file path=ppt/notesSlides/notesSlide8.xml><?xml version="1.0" encoding="utf-8"?>
+<p:notes xmlns:a="http://schemas.openxmlformats.org/drawingml/2006/main" xmlns:r="http://schemas.openxmlformats.org/officeDocument/2006/relationships" xmlns:p="http://schemas.openxmlformats.org/presentationml/2006/main">
+  <p:cSld>
+    <p:spTree>
+      <p:nvGrpSpPr>
+        <p:cNvPr id="1" name=""/>
+        <p:cNvGrpSpPr/>
+        <p:nvPr/>
+      </p:nvGrpSpPr>
+      <p:grpSpPr>
+        <a:xfrm>
+          <a:off x="0" y="0"/>
+          <a:ext cx="0" cy="0"/>
+          <a:chOff x="0" y="0"/>
+          <a:chExt cx="0" cy="0"/>
+        </a:xfrm>
+      </p:grpSpPr>
+      <p:sp>
+        <p:nvSpPr>
+          <p:cNvPr id="2" name="Slide Image Placeholder 1"/>
+          <p:cNvSpPr>
+            <a:spLocks noGrp="1" noRot="1" noChangeAspect="1"/>
+          </p:cNvSpPr>
+          <p:nvPr>
+            <p:ph type="sldImg"/>
+          </p:nvPr>
+        </p:nvSpPr>
+        <p:spPr/>
+      </p:sp>
+      <p:sp>
+        <p:nvSpPr>
+          <p:cNvPr id="3" name="Notes Placeholder 2"/>
+          <p:cNvSpPr>
+            <a:spLocks noGrp="1"/>
+          </p:cNvSpPr>
+          <p:nvPr>
+            <p:ph type="body" idx="1"/>
+          </p:nvPr>
+        </p:nvSpPr>
+        <p:spPr/>
+        <p:txBody>
+          <a:bodyPr/>
+          <a:lstStyle/>
+          <a:p>
+            <a:r>
+              <a:rPr lang="en-US" dirty="0"/>
               <a:t>For details about measures and why misclassification is not that advised, see ESLII pages 309-310.</a:t>
             </a:r>
             <a:endParaRPr lang="en-IL" dirty="0"/>
@@ -1055,7 +1225,7 @@
           <a:p>
             <a:fld id="{C4276747-8356-4D8F-84BF-3C530C5DAF39}" type="slidenum">
               <a:rPr lang="he-IL" smtClean="0"/>
-              <a:t>25</a:t>
+              <a:t>27</a:t>
             </a:fld>
             <a:endParaRPr lang="he-IL"/>
           </a:p>
@@ -8425,6 +8595,1375 @@
       </p:grpSpPr>
       <p:sp>
         <p:nvSpPr>
+          <p:cNvPr id="2" name="Title 1"/>
+          <p:cNvSpPr>
+            <a:spLocks noGrp="1"/>
+          </p:cNvSpPr>
+          <p:nvPr>
+            <p:ph type="title"/>
+          </p:nvPr>
+        </p:nvSpPr>
+        <p:spPr/>
+        <p:txBody>
+          <a:bodyPr>
+            <a:normAutofit/>
+          </a:bodyPr>
+          <a:lstStyle/>
+          <a:p>
+            <a:r>
+              <a:rPr lang="en-US" dirty="0"/>
+              <a:t>Contents for today</a:t>
+            </a:r>
+            <a:endParaRPr lang="he-IL" dirty="0"/>
+          </a:p>
+        </p:txBody>
+      </p:sp>
+      <p:sp>
+        <p:nvSpPr>
+          <p:cNvPr id="4" name="Footer Placeholder 3"/>
+          <p:cNvSpPr>
+            <a:spLocks noGrp="1"/>
+          </p:cNvSpPr>
+          <p:nvPr>
+            <p:ph type="ftr" sz="quarter" idx="11"/>
+          </p:nvPr>
+        </p:nvSpPr>
+        <p:spPr/>
+        <p:txBody>
+          <a:bodyPr/>
+          <a:lstStyle/>
+          <a:p>
+            <a:r>
+              <a:rPr lang="en-US" dirty="0"/>
+              <a:t>Materials by Adi Sarid https://adisarid.github.io and http://www.sarid-ins.com</a:t>
+            </a:r>
+          </a:p>
+        </p:txBody>
+      </p:sp>
+      <p:sp>
+        <p:nvSpPr>
+          <p:cNvPr id="5" name="Slide Number Placeholder 4"/>
+          <p:cNvSpPr>
+            <a:spLocks noGrp="1"/>
+          </p:cNvSpPr>
+          <p:nvPr>
+            <p:ph type="sldNum" sz="quarter" idx="12"/>
+          </p:nvPr>
+        </p:nvSpPr>
+        <p:spPr>
+          <a:xfrm>
+            <a:off x="11784467" y="6272784"/>
+            <a:ext cx="640080" cy="365125"/>
+          </a:xfrm>
+        </p:spPr>
+        <p:txBody>
+          <a:bodyPr/>
+          <a:lstStyle/>
+          <a:p>
+            <a:fld id="{4FAB73BC-B049-4115-A692-8D63A059BFB8}" type="slidenum">
+              <a:rPr lang="en-US" smtClean="0"/>
+              <a:t>15</a:t>
+            </a:fld>
+            <a:endParaRPr lang="en-US" dirty="0"/>
+          </a:p>
+        </p:txBody>
+      </p:sp>
+      <p:sp>
+        <p:nvSpPr>
+          <p:cNvPr id="6" name="Rounded Rectangle 5"/>
+          <p:cNvSpPr/>
+          <p:nvPr/>
+        </p:nvSpPr>
+        <p:spPr>
+          <a:xfrm>
+            <a:off x="3377903" y="2000920"/>
+            <a:ext cx="1775012" cy="623943"/>
+          </a:xfrm>
+          <a:prstGeom prst="roundRect">
+            <a:avLst/>
+          </a:prstGeom>
+        </p:spPr>
+        <p:style>
+          <a:lnRef idx="3">
+            <a:schemeClr val="lt1"/>
+          </a:lnRef>
+          <a:fillRef idx="1">
+            <a:schemeClr val="accent2"/>
+          </a:fillRef>
+          <a:effectRef idx="1">
+            <a:schemeClr val="accent2"/>
+          </a:effectRef>
+          <a:fontRef idx="minor">
+            <a:schemeClr val="lt1"/>
+          </a:fontRef>
+        </p:style>
+        <p:txBody>
+          <a:bodyPr rtlCol="1" anchor="ctr"/>
+          <a:lstStyle/>
+          <a:p>
+            <a:pPr algn="ctr"/>
+            <a:r>
+              <a:rPr lang="en-US" dirty="0"/>
+              <a:t>Supervised learning</a:t>
+            </a:r>
+            <a:endParaRPr lang="he-IL" dirty="0"/>
+          </a:p>
+        </p:txBody>
+      </p:sp>
+      <p:sp>
+        <p:nvSpPr>
+          <p:cNvPr id="7" name="Rounded Rectangle 6"/>
+          <p:cNvSpPr/>
+          <p:nvPr/>
+        </p:nvSpPr>
+        <p:spPr>
+          <a:xfrm>
+            <a:off x="441065" y="2000920"/>
+            <a:ext cx="1775012" cy="623943"/>
+          </a:xfrm>
+          <a:prstGeom prst="roundRect">
+            <a:avLst/>
+          </a:prstGeom>
+          <a:ln>
+            <a:headEnd type="none" w="med" len="med"/>
+            <a:tailEnd type="none" w="med" len="med"/>
+          </a:ln>
+        </p:spPr>
+        <p:style>
+          <a:lnRef idx="2">
+            <a:schemeClr val="accent2"/>
+          </a:lnRef>
+          <a:fillRef idx="1">
+            <a:schemeClr val="lt1"/>
+          </a:fillRef>
+          <a:effectRef idx="0">
+            <a:schemeClr val="accent2"/>
+          </a:effectRef>
+          <a:fontRef idx="minor">
+            <a:schemeClr val="dk1"/>
+          </a:fontRef>
+        </p:style>
+        <p:txBody>
+          <a:bodyPr rtlCol="1" anchor="ctr"/>
+          <a:lstStyle/>
+          <a:p>
+            <a:pPr algn="ctr"/>
+            <a:r>
+              <a:rPr lang="en-US" dirty="0"/>
+              <a:t>Unsupervised learning</a:t>
+            </a:r>
+          </a:p>
+        </p:txBody>
+      </p:sp>
+      <p:sp>
+        <p:nvSpPr>
+          <p:cNvPr id="8" name="Rounded Rectangle 7"/>
+          <p:cNvSpPr/>
+          <p:nvPr/>
+        </p:nvSpPr>
+        <p:spPr>
+          <a:xfrm>
+            <a:off x="7888638" y="3973256"/>
+            <a:ext cx="1785765" cy="623943"/>
+          </a:xfrm>
+          <a:prstGeom prst="roundRect">
+            <a:avLst/>
+          </a:prstGeom>
+        </p:spPr>
+        <p:style>
+          <a:lnRef idx="3">
+            <a:schemeClr val="lt1"/>
+          </a:lnRef>
+          <a:fillRef idx="1">
+            <a:schemeClr val="accent2"/>
+          </a:fillRef>
+          <a:effectRef idx="1">
+            <a:schemeClr val="accent2"/>
+          </a:effectRef>
+          <a:fontRef idx="minor">
+            <a:schemeClr val="lt1"/>
+          </a:fontRef>
+        </p:style>
+        <p:txBody>
+          <a:bodyPr rtlCol="1" anchor="ctr"/>
+          <a:lstStyle/>
+          <a:p>
+            <a:pPr algn="ctr"/>
+            <a:r>
+              <a:rPr lang="en-US" dirty="0"/>
+              <a:t>Classification</a:t>
+            </a:r>
+            <a:endParaRPr lang="he-IL" dirty="0"/>
+          </a:p>
+        </p:txBody>
+      </p:sp>
+      <p:sp>
+        <p:nvSpPr>
+          <p:cNvPr id="13" name="Rounded Rectangle 12"/>
+          <p:cNvSpPr/>
+          <p:nvPr/>
+        </p:nvSpPr>
+        <p:spPr>
+          <a:xfrm>
+            <a:off x="217340" y="3824288"/>
+            <a:ext cx="1775012" cy="623943"/>
+          </a:xfrm>
+          <a:prstGeom prst="roundRect">
+            <a:avLst/>
+          </a:prstGeom>
+          <a:ln>
+            <a:headEnd type="none" w="med" len="med"/>
+            <a:tailEnd type="none" w="med" len="med"/>
+          </a:ln>
+        </p:spPr>
+        <p:style>
+          <a:lnRef idx="2">
+            <a:schemeClr val="accent2">
+              <a:shade val="50000"/>
+            </a:schemeClr>
+          </a:lnRef>
+          <a:fillRef idx="1">
+            <a:schemeClr val="accent2"/>
+          </a:fillRef>
+          <a:effectRef idx="0">
+            <a:schemeClr val="accent2"/>
+          </a:effectRef>
+          <a:fontRef idx="minor">
+            <a:schemeClr val="lt1"/>
+          </a:fontRef>
+        </p:style>
+        <p:txBody>
+          <a:bodyPr rtlCol="1" anchor="ctr"/>
+          <a:lstStyle/>
+          <a:p>
+            <a:pPr algn="ctr"/>
+            <a:r>
+              <a:rPr lang="en-US" dirty="0"/>
+              <a:t>Model evaluation</a:t>
+            </a:r>
+            <a:endParaRPr lang="he-IL" dirty="0"/>
+          </a:p>
+        </p:txBody>
+      </p:sp>
+      <p:sp>
+        <p:nvSpPr>
+          <p:cNvPr id="15" name="Rounded Rectangle 14"/>
+          <p:cNvSpPr/>
+          <p:nvPr/>
+        </p:nvSpPr>
+        <p:spPr>
+          <a:xfrm>
+            <a:off x="9981917" y="3973255"/>
+            <a:ext cx="1785765" cy="623943"/>
+          </a:xfrm>
+          <a:prstGeom prst="roundRect">
+            <a:avLst/>
+          </a:prstGeom>
+        </p:spPr>
+        <p:style>
+          <a:lnRef idx="2">
+            <a:schemeClr val="accent2"/>
+          </a:lnRef>
+          <a:fillRef idx="1">
+            <a:schemeClr val="lt1"/>
+          </a:fillRef>
+          <a:effectRef idx="0">
+            <a:schemeClr val="accent2"/>
+          </a:effectRef>
+          <a:fontRef idx="minor">
+            <a:schemeClr val="dk1"/>
+          </a:fontRef>
+        </p:style>
+        <p:txBody>
+          <a:bodyPr rtlCol="1" anchor="ctr"/>
+          <a:lstStyle/>
+          <a:p>
+            <a:pPr algn="ctr"/>
+            <a:r>
+              <a:rPr lang="en-US" dirty="0"/>
+              <a:t>Regression</a:t>
+            </a:r>
+            <a:endParaRPr lang="he-IL" dirty="0"/>
+          </a:p>
+        </p:txBody>
+      </p:sp>
+      <p:sp>
+        <p:nvSpPr>
+          <p:cNvPr id="16" name="Rounded Rectangle 15"/>
+          <p:cNvSpPr/>
+          <p:nvPr/>
+        </p:nvSpPr>
+        <p:spPr>
+          <a:xfrm>
+            <a:off x="8663210" y="2935269"/>
+            <a:ext cx="1785765" cy="623943"/>
+          </a:xfrm>
+          <a:prstGeom prst="roundRect">
+            <a:avLst/>
+          </a:prstGeom>
+        </p:spPr>
+        <p:style>
+          <a:lnRef idx="3">
+            <a:schemeClr val="lt1"/>
+          </a:lnRef>
+          <a:fillRef idx="1">
+            <a:schemeClr val="accent2"/>
+          </a:fillRef>
+          <a:effectRef idx="1">
+            <a:schemeClr val="accent2"/>
+          </a:effectRef>
+          <a:fontRef idx="minor">
+            <a:schemeClr val="lt1"/>
+          </a:fontRef>
+        </p:style>
+        <p:txBody>
+          <a:bodyPr rtlCol="1" anchor="ctr"/>
+          <a:lstStyle/>
+          <a:p>
+            <a:pPr algn="ctr"/>
+            <a:r>
+              <a:rPr lang="en-US" dirty="0"/>
+              <a:t>Models</a:t>
+            </a:r>
+            <a:endParaRPr lang="he-IL" dirty="0"/>
+          </a:p>
+        </p:txBody>
+      </p:sp>
+      <p:sp>
+        <p:nvSpPr>
+          <p:cNvPr id="17" name="Rounded Rectangle 16"/>
+          <p:cNvSpPr/>
+          <p:nvPr/>
+        </p:nvSpPr>
+        <p:spPr>
+          <a:xfrm>
+            <a:off x="1430005" y="2935269"/>
+            <a:ext cx="1785765" cy="623943"/>
+          </a:xfrm>
+          <a:prstGeom prst="roundRect">
+            <a:avLst/>
+          </a:prstGeom>
+        </p:spPr>
+        <p:style>
+          <a:lnRef idx="2">
+            <a:schemeClr val="accent2"/>
+          </a:lnRef>
+          <a:fillRef idx="1">
+            <a:schemeClr val="lt1"/>
+          </a:fillRef>
+          <a:effectRef idx="0">
+            <a:schemeClr val="accent2"/>
+          </a:effectRef>
+          <a:fontRef idx="minor">
+            <a:schemeClr val="dk1"/>
+          </a:fontRef>
+        </p:style>
+        <p:txBody>
+          <a:bodyPr rtlCol="1" anchor="ctr"/>
+          <a:lstStyle/>
+          <a:p>
+            <a:pPr algn="ctr"/>
+            <a:r>
+              <a:rPr lang="en-US" dirty="0"/>
+              <a:t>Methods</a:t>
+            </a:r>
+            <a:endParaRPr lang="he-IL" dirty="0"/>
+          </a:p>
+        </p:txBody>
+      </p:sp>
+      <p:cxnSp>
+        <p:nvCxnSpPr>
+          <p:cNvPr id="23" name="Straight Arrow Connector 22"/>
+          <p:cNvCxnSpPr>
+            <a:stCxn id="6" idx="2"/>
+            <a:endCxn id="16" idx="0"/>
+          </p:cNvCxnSpPr>
+          <p:nvPr/>
+        </p:nvCxnSpPr>
+        <p:spPr>
+          <a:xfrm>
+            <a:off x="4265409" y="2624863"/>
+            <a:ext cx="5290684" cy="310406"/>
+          </a:xfrm>
+          <a:prstGeom prst="straightConnector1">
+            <a:avLst/>
+          </a:prstGeom>
+          <a:ln>
+            <a:tailEnd type="triangle"/>
+          </a:ln>
+        </p:spPr>
+        <p:style>
+          <a:lnRef idx="2">
+            <a:schemeClr val="dk1"/>
+          </a:lnRef>
+          <a:fillRef idx="0">
+            <a:schemeClr val="dk1"/>
+          </a:fillRef>
+          <a:effectRef idx="1">
+            <a:schemeClr val="dk1"/>
+          </a:effectRef>
+          <a:fontRef idx="minor">
+            <a:schemeClr val="tx1"/>
+          </a:fontRef>
+        </p:style>
+      </p:cxnSp>
+      <p:cxnSp>
+        <p:nvCxnSpPr>
+          <p:cNvPr id="25" name="Straight Arrow Connector 24"/>
+          <p:cNvCxnSpPr>
+            <a:stCxn id="16" idx="2"/>
+            <a:endCxn id="15" idx="0"/>
+          </p:cNvCxnSpPr>
+          <p:nvPr/>
+        </p:nvCxnSpPr>
+        <p:spPr>
+          <a:xfrm>
+            <a:off x="9556093" y="3559212"/>
+            <a:ext cx="1318707" cy="414043"/>
+          </a:xfrm>
+          <a:prstGeom prst="straightConnector1">
+            <a:avLst/>
+          </a:prstGeom>
+          <a:ln>
+            <a:tailEnd type="triangle"/>
+          </a:ln>
+        </p:spPr>
+        <p:style>
+          <a:lnRef idx="2">
+            <a:schemeClr val="dk1"/>
+          </a:lnRef>
+          <a:fillRef idx="0">
+            <a:schemeClr val="dk1"/>
+          </a:fillRef>
+          <a:effectRef idx="1">
+            <a:schemeClr val="dk1"/>
+          </a:effectRef>
+          <a:fontRef idx="minor">
+            <a:schemeClr val="tx1"/>
+          </a:fontRef>
+        </p:style>
+      </p:cxnSp>
+      <p:cxnSp>
+        <p:nvCxnSpPr>
+          <p:cNvPr id="39" name="Straight Arrow Connector 38"/>
+          <p:cNvCxnSpPr>
+            <a:stCxn id="6" idx="2"/>
+            <a:endCxn id="17" idx="0"/>
+          </p:cNvCxnSpPr>
+          <p:nvPr/>
+        </p:nvCxnSpPr>
+        <p:spPr>
+          <a:xfrm flipH="1">
+            <a:off x="2322888" y="2624863"/>
+            <a:ext cx="1942521" cy="310406"/>
+          </a:xfrm>
+          <a:prstGeom prst="straightConnector1">
+            <a:avLst/>
+          </a:prstGeom>
+          <a:ln>
+            <a:tailEnd type="triangle"/>
+          </a:ln>
+        </p:spPr>
+        <p:style>
+          <a:lnRef idx="2">
+            <a:schemeClr val="dk1"/>
+          </a:lnRef>
+          <a:fillRef idx="0">
+            <a:schemeClr val="dk1"/>
+          </a:fillRef>
+          <a:effectRef idx="1">
+            <a:schemeClr val="dk1"/>
+          </a:effectRef>
+          <a:fontRef idx="minor">
+            <a:schemeClr val="tx1"/>
+          </a:fontRef>
+        </p:style>
+      </p:cxnSp>
+      <p:cxnSp>
+        <p:nvCxnSpPr>
+          <p:cNvPr id="43" name="Straight Arrow Connector 42"/>
+          <p:cNvCxnSpPr>
+            <a:stCxn id="16" idx="2"/>
+            <a:endCxn id="8" idx="0"/>
+          </p:cNvCxnSpPr>
+          <p:nvPr/>
+        </p:nvCxnSpPr>
+        <p:spPr>
+          <a:xfrm flipH="1">
+            <a:off x="8781521" y="3559212"/>
+            <a:ext cx="774572" cy="414044"/>
+          </a:xfrm>
+          <a:prstGeom prst="straightConnector1">
+            <a:avLst/>
+          </a:prstGeom>
+          <a:ln>
+            <a:tailEnd type="triangle"/>
+          </a:ln>
+        </p:spPr>
+        <p:style>
+          <a:lnRef idx="2">
+            <a:schemeClr val="dk1"/>
+          </a:lnRef>
+          <a:fillRef idx="0">
+            <a:schemeClr val="dk1"/>
+          </a:fillRef>
+          <a:effectRef idx="1">
+            <a:schemeClr val="dk1"/>
+          </a:effectRef>
+          <a:fontRef idx="minor">
+            <a:schemeClr val="tx1"/>
+          </a:fontRef>
+        </p:style>
+      </p:cxnSp>
+      <p:cxnSp>
+        <p:nvCxnSpPr>
+          <p:cNvPr id="45" name="Straight Arrow Connector 44"/>
+          <p:cNvCxnSpPr>
+            <a:stCxn id="17" idx="2"/>
+            <a:endCxn id="13" idx="0"/>
+          </p:cNvCxnSpPr>
+          <p:nvPr/>
+        </p:nvCxnSpPr>
+        <p:spPr>
+          <a:xfrm flipH="1">
+            <a:off x="1104846" y="3559212"/>
+            <a:ext cx="1218042" cy="265076"/>
+          </a:xfrm>
+          <a:prstGeom prst="straightConnector1">
+            <a:avLst/>
+          </a:prstGeom>
+          <a:ln>
+            <a:tailEnd type="triangle"/>
+          </a:ln>
+        </p:spPr>
+        <p:style>
+          <a:lnRef idx="2">
+            <a:schemeClr val="dk1"/>
+          </a:lnRef>
+          <a:fillRef idx="0">
+            <a:schemeClr val="dk1"/>
+          </a:fillRef>
+          <a:effectRef idx="1">
+            <a:schemeClr val="dk1"/>
+          </a:effectRef>
+          <a:fontRef idx="minor">
+            <a:schemeClr val="tx1"/>
+          </a:fontRef>
+        </p:style>
+      </p:cxnSp>
+      <p:sp>
+        <p:nvSpPr>
+          <p:cNvPr id="46" name="Rounded Rectangle 45"/>
+          <p:cNvSpPr/>
+          <p:nvPr/>
+        </p:nvSpPr>
+        <p:spPr>
+          <a:xfrm>
+            <a:off x="4877806" y="3973256"/>
+            <a:ext cx="1785765" cy="623943"/>
+          </a:xfrm>
+          <a:prstGeom prst="roundRect">
+            <a:avLst/>
+          </a:prstGeom>
+        </p:spPr>
+        <p:style>
+          <a:lnRef idx="2">
+            <a:schemeClr val="accent2"/>
+          </a:lnRef>
+          <a:fillRef idx="1">
+            <a:schemeClr val="lt1"/>
+          </a:fillRef>
+          <a:effectRef idx="0">
+            <a:schemeClr val="accent2"/>
+          </a:effectRef>
+          <a:fontRef idx="minor">
+            <a:schemeClr val="dk1"/>
+          </a:fontRef>
+        </p:style>
+        <p:txBody>
+          <a:bodyPr rtlCol="1" anchor="ctr"/>
+          <a:lstStyle/>
+          <a:p>
+            <a:pPr algn="ctr"/>
+            <a:r>
+              <a:rPr lang="en-US" dirty="0"/>
+              <a:t>Linear methods</a:t>
+            </a:r>
+            <a:endParaRPr lang="he-IL" dirty="0"/>
+          </a:p>
+        </p:txBody>
+      </p:sp>
+      <p:sp>
+        <p:nvSpPr>
+          <p:cNvPr id="48" name="Rounded Rectangle 47"/>
+          <p:cNvSpPr/>
+          <p:nvPr/>
+        </p:nvSpPr>
+        <p:spPr>
+          <a:xfrm>
+            <a:off x="5758750" y="5021472"/>
+            <a:ext cx="1785765" cy="623943"/>
+          </a:xfrm>
+          <a:prstGeom prst="roundRect">
+            <a:avLst/>
+          </a:prstGeom>
+        </p:spPr>
+        <p:style>
+          <a:lnRef idx="2">
+            <a:schemeClr val="accent2"/>
+          </a:lnRef>
+          <a:fillRef idx="1">
+            <a:schemeClr val="lt1"/>
+          </a:fillRef>
+          <a:effectRef idx="0">
+            <a:schemeClr val="accent2"/>
+          </a:effectRef>
+          <a:fontRef idx="minor">
+            <a:schemeClr val="dk1"/>
+          </a:fontRef>
+        </p:style>
+        <p:txBody>
+          <a:bodyPr rtlCol="1" anchor="ctr"/>
+          <a:lstStyle/>
+          <a:p>
+            <a:pPr algn="ctr"/>
+            <a:r>
+              <a:rPr lang="en-US" dirty="0"/>
+              <a:t>Logistic regression</a:t>
+            </a:r>
+            <a:endParaRPr lang="he-IL" dirty="0"/>
+          </a:p>
+        </p:txBody>
+      </p:sp>
+      <p:sp>
+        <p:nvSpPr>
+          <p:cNvPr id="49" name="Rounded Rectangle 48"/>
+          <p:cNvSpPr/>
+          <p:nvPr/>
+        </p:nvSpPr>
+        <p:spPr>
+          <a:xfrm>
+            <a:off x="3807288" y="5032624"/>
+            <a:ext cx="1785765" cy="623943"/>
+          </a:xfrm>
+          <a:prstGeom prst="roundRect">
+            <a:avLst/>
+          </a:prstGeom>
+        </p:spPr>
+        <p:style>
+          <a:lnRef idx="2">
+            <a:schemeClr val="accent2"/>
+          </a:lnRef>
+          <a:fillRef idx="1">
+            <a:schemeClr val="lt1"/>
+          </a:fillRef>
+          <a:effectRef idx="0">
+            <a:schemeClr val="accent2"/>
+          </a:effectRef>
+          <a:fontRef idx="minor">
+            <a:schemeClr val="dk1"/>
+          </a:fontRef>
+        </p:style>
+        <p:txBody>
+          <a:bodyPr rtlCol="1" anchor="ctr"/>
+          <a:lstStyle/>
+          <a:p>
+            <a:pPr algn="ctr"/>
+            <a:r>
+              <a:rPr lang="en-US" dirty="0"/>
+              <a:t>Discriminant Analysis</a:t>
+            </a:r>
+            <a:endParaRPr lang="he-IL" dirty="0"/>
+          </a:p>
+        </p:txBody>
+      </p:sp>
+      <p:sp>
+        <p:nvSpPr>
+          <p:cNvPr id="54" name="Rounded Rectangle 53"/>
+          <p:cNvSpPr/>
+          <p:nvPr/>
+        </p:nvSpPr>
+        <p:spPr>
+          <a:xfrm>
+            <a:off x="7866332" y="5021472"/>
+            <a:ext cx="2069405" cy="623943"/>
+          </a:xfrm>
+          <a:prstGeom prst="roundRect">
+            <a:avLst/>
+          </a:prstGeom>
+        </p:spPr>
+        <p:style>
+          <a:lnRef idx="3">
+            <a:schemeClr val="lt1"/>
+          </a:lnRef>
+          <a:fillRef idx="1">
+            <a:schemeClr val="accent5"/>
+          </a:fillRef>
+          <a:effectRef idx="1">
+            <a:schemeClr val="accent5"/>
+          </a:effectRef>
+          <a:fontRef idx="minor">
+            <a:schemeClr val="lt1"/>
+          </a:fontRef>
+        </p:style>
+        <p:txBody>
+          <a:bodyPr rtlCol="1" anchor="ctr"/>
+          <a:lstStyle/>
+          <a:p>
+            <a:pPr algn="ctr"/>
+            <a:r>
+              <a:rPr lang="en-US" dirty="0"/>
+              <a:t>Support Vector Machines (SVM)</a:t>
+            </a:r>
+            <a:endParaRPr lang="he-IL" dirty="0"/>
+          </a:p>
+        </p:txBody>
+      </p:sp>
+      <p:cxnSp>
+        <p:nvCxnSpPr>
+          <p:cNvPr id="53" name="Straight Arrow Connector 52"/>
+          <p:cNvCxnSpPr>
+            <a:stCxn id="8" idx="2"/>
+            <a:endCxn id="54" idx="0"/>
+          </p:cNvCxnSpPr>
+          <p:nvPr/>
+        </p:nvCxnSpPr>
+        <p:spPr>
+          <a:xfrm>
+            <a:off x="8781521" y="4597199"/>
+            <a:ext cx="119514" cy="424273"/>
+          </a:xfrm>
+          <a:prstGeom prst="straightConnector1">
+            <a:avLst/>
+          </a:prstGeom>
+          <a:ln>
+            <a:tailEnd type="triangle"/>
+          </a:ln>
+        </p:spPr>
+        <p:style>
+          <a:lnRef idx="2">
+            <a:schemeClr val="dk1"/>
+          </a:lnRef>
+          <a:fillRef idx="0">
+            <a:schemeClr val="dk1"/>
+          </a:fillRef>
+          <a:effectRef idx="1">
+            <a:schemeClr val="dk1"/>
+          </a:effectRef>
+          <a:fontRef idx="minor">
+            <a:schemeClr val="tx1"/>
+          </a:fontRef>
+        </p:style>
+      </p:cxnSp>
+      <p:cxnSp>
+        <p:nvCxnSpPr>
+          <p:cNvPr id="57" name="Straight Arrow Connector 56"/>
+          <p:cNvCxnSpPr>
+            <a:stCxn id="8" idx="1"/>
+            <a:endCxn id="46" idx="3"/>
+          </p:cNvCxnSpPr>
+          <p:nvPr/>
+        </p:nvCxnSpPr>
+        <p:spPr>
+          <a:xfrm flipH="1">
+            <a:off x="6663571" y="4285228"/>
+            <a:ext cx="1225067" cy="0"/>
+          </a:xfrm>
+          <a:prstGeom prst="straightConnector1">
+            <a:avLst/>
+          </a:prstGeom>
+          <a:ln>
+            <a:tailEnd type="triangle"/>
+          </a:ln>
+        </p:spPr>
+        <p:style>
+          <a:lnRef idx="2">
+            <a:schemeClr val="dk1"/>
+          </a:lnRef>
+          <a:fillRef idx="0">
+            <a:schemeClr val="dk1"/>
+          </a:fillRef>
+          <a:effectRef idx="1">
+            <a:schemeClr val="dk1"/>
+          </a:effectRef>
+          <a:fontRef idx="minor">
+            <a:schemeClr val="tx1"/>
+          </a:fontRef>
+        </p:style>
+      </p:cxnSp>
+      <p:cxnSp>
+        <p:nvCxnSpPr>
+          <p:cNvPr id="60" name="Straight Arrow Connector 59"/>
+          <p:cNvCxnSpPr>
+            <a:stCxn id="46" idx="2"/>
+            <a:endCxn id="48" idx="0"/>
+          </p:cNvCxnSpPr>
+          <p:nvPr/>
+        </p:nvCxnSpPr>
+        <p:spPr>
+          <a:xfrm>
+            <a:off x="5770689" y="4597199"/>
+            <a:ext cx="880944" cy="424273"/>
+          </a:xfrm>
+          <a:prstGeom prst="straightConnector1">
+            <a:avLst/>
+          </a:prstGeom>
+          <a:ln>
+            <a:tailEnd type="triangle"/>
+          </a:ln>
+        </p:spPr>
+        <p:style>
+          <a:lnRef idx="2">
+            <a:schemeClr val="dk1"/>
+          </a:lnRef>
+          <a:fillRef idx="0">
+            <a:schemeClr val="dk1"/>
+          </a:fillRef>
+          <a:effectRef idx="1">
+            <a:schemeClr val="dk1"/>
+          </a:effectRef>
+          <a:fontRef idx="minor">
+            <a:schemeClr val="tx1"/>
+          </a:fontRef>
+        </p:style>
+      </p:cxnSp>
+      <p:cxnSp>
+        <p:nvCxnSpPr>
+          <p:cNvPr id="63" name="Straight Arrow Connector 62"/>
+          <p:cNvCxnSpPr>
+            <a:stCxn id="46" idx="2"/>
+            <a:endCxn id="49" idx="0"/>
+          </p:cNvCxnSpPr>
+          <p:nvPr/>
+        </p:nvCxnSpPr>
+        <p:spPr>
+          <a:xfrm flipH="1">
+            <a:off x="4700171" y="4597199"/>
+            <a:ext cx="1070518" cy="435425"/>
+          </a:xfrm>
+          <a:prstGeom prst="straightConnector1">
+            <a:avLst/>
+          </a:prstGeom>
+          <a:ln>
+            <a:tailEnd type="triangle"/>
+          </a:ln>
+        </p:spPr>
+        <p:style>
+          <a:lnRef idx="2">
+            <a:schemeClr val="dk1"/>
+          </a:lnRef>
+          <a:fillRef idx="0">
+            <a:schemeClr val="dk1"/>
+          </a:fillRef>
+          <a:effectRef idx="1">
+            <a:schemeClr val="dk1"/>
+          </a:effectRef>
+          <a:fontRef idx="minor">
+            <a:schemeClr val="tx1"/>
+          </a:fontRef>
+        </p:style>
+      </p:cxnSp>
+      <p:cxnSp>
+        <p:nvCxnSpPr>
+          <p:cNvPr id="69" name="Elbow Connector 68"/>
+          <p:cNvCxnSpPr>
+            <a:stCxn id="49" idx="2"/>
+            <a:endCxn id="54" idx="2"/>
+          </p:cNvCxnSpPr>
+          <p:nvPr/>
+        </p:nvCxnSpPr>
+        <p:spPr>
+          <a:xfrm rot="5400000" flipH="1" flipV="1">
+            <a:off x="6795027" y="3550559"/>
+            <a:ext cx="11152" cy="4200864"/>
+          </a:xfrm>
+          <a:prstGeom prst="bentConnector3">
+            <a:avLst>
+              <a:gd name="adj1" fmla="val -3749740"/>
+            </a:avLst>
+          </a:prstGeom>
+          <a:ln w="9525" cap="flat" cmpd="sng" algn="ctr">
+            <a:solidFill>
+              <a:schemeClr val="dk1"/>
+            </a:solidFill>
+            <a:prstDash val="dash"/>
+            <a:round/>
+            <a:headEnd type="none" w="med" len="med"/>
+            <a:tailEnd type="arrow" w="med" len="med"/>
+          </a:ln>
+        </p:spPr>
+        <p:style>
+          <a:lnRef idx="0">
+            <a:scrgbClr r="0" g="0" b="0"/>
+          </a:lnRef>
+          <a:fillRef idx="0">
+            <a:scrgbClr r="0" g="0" b="0"/>
+          </a:fillRef>
+          <a:effectRef idx="0">
+            <a:scrgbClr r="0" g="0" b="0"/>
+          </a:effectRef>
+          <a:fontRef idx="minor">
+            <a:schemeClr val="tx1"/>
+          </a:fontRef>
+        </p:style>
+      </p:cxnSp>
+      <p:sp>
+        <p:nvSpPr>
+          <p:cNvPr id="31" name="Rounded Rectangle 30"/>
+          <p:cNvSpPr/>
+          <p:nvPr/>
+        </p:nvSpPr>
+        <p:spPr>
+          <a:xfrm>
+            <a:off x="2391828" y="3824288"/>
+            <a:ext cx="1775012" cy="623943"/>
+          </a:xfrm>
+          <a:prstGeom prst="roundRect">
+            <a:avLst/>
+          </a:prstGeom>
+          <a:ln>
+            <a:headEnd type="none" w="med" len="med"/>
+            <a:tailEnd type="none" w="med" len="med"/>
+          </a:ln>
+        </p:spPr>
+        <p:style>
+          <a:lnRef idx="2">
+            <a:schemeClr val="accent2"/>
+          </a:lnRef>
+          <a:fillRef idx="1">
+            <a:schemeClr val="lt1"/>
+          </a:fillRef>
+          <a:effectRef idx="0">
+            <a:schemeClr val="accent2"/>
+          </a:effectRef>
+          <a:fontRef idx="minor">
+            <a:schemeClr val="dk1"/>
+          </a:fontRef>
+        </p:style>
+        <p:txBody>
+          <a:bodyPr rtlCol="1" anchor="ctr"/>
+          <a:lstStyle/>
+          <a:p>
+            <a:pPr algn="ctr"/>
+            <a:r>
+              <a:rPr lang="en-US" dirty="0"/>
+              <a:t>ROC/AUC</a:t>
+            </a:r>
+            <a:endParaRPr lang="he-IL" dirty="0"/>
+          </a:p>
+        </p:txBody>
+      </p:sp>
+      <p:cxnSp>
+        <p:nvCxnSpPr>
+          <p:cNvPr id="10" name="Straight Arrow Connector 9"/>
+          <p:cNvCxnSpPr>
+            <a:stCxn id="13" idx="3"/>
+            <a:endCxn id="31" idx="1"/>
+          </p:cNvCxnSpPr>
+          <p:nvPr/>
+        </p:nvCxnSpPr>
+        <p:spPr>
+          <a:xfrm>
+            <a:off x="1992352" y="4136260"/>
+            <a:ext cx="399476" cy="0"/>
+          </a:xfrm>
+          <a:prstGeom prst="straightConnector1">
+            <a:avLst/>
+          </a:prstGeom>
+          <a:ln>
+            <a:tailEnd type="triangle"/>
+          </a:ln>
+        </p:spPr>
+        <p:style>
+          <a:lnRef idx="2">
+            <a:schemeClr val="dk1"/>
+          </a:lnRef>
+          <a:fillRef idx="0">
+            <a:schemeClr val="dk1"/>
+          </a:fillRef>
+          <a:effectRef idx="1">
+            <a:schemeClr val="dk1"/>
+          </a:effectRef>
+          <a:fontRef idx="minor">
+            <a:schemeClr val="tx1"/>
+          </a:fontRef>
+        </p:style>
+      </p:cxnSp>
+      <p:sp>
+        <p:nvSpPr>
+          <p:cNvPr id="36" name="Rounded Rectangle 35"/>
+          <p:cNvSpPr/>
+          <p:nvPr/>
+        </p:nvSpPr>
+        <p:spPr>
+          <a:xfrm>
+            <a:off x="10053949" y="5021472"/>
+            <a:ext cx="2069405" cy="623943"/>
+          </a:xfrm>
+          <a:prstGeom prst="roundRect">
+            <a:avLst/>
+          </a:prstGeom>
+        </p:spPr>
+        <p:style>
+          <a:lnRef idx="3">
+            <a:schemeClr val="lt1"/>
+          </a:lnRef>
+          <a:fillRef idx="1">
+            <a:schemeClr val="accent2"/>
+          </a:fillRef>
+          <a:effectRef idx="1">
+            <a:schemeClr val="accent2"/>
+          </a:effectRef>
+          <a:fontRef idx="minor">
+            <a:schemeClr val="lt1"/>
+          </a:fontRef>
+        </p:style>
+        <p:txBody>
+          <a:bodyPr rtlCol="1" anchor="ctr"/>
+          <a:lstStyle/>
+          <a:p>
+            <a:pPr algn="ctr"/>
+            <a:r>
+              <a:rPr lang="en-US" b="1" dirty="0"/>
+              <a:t>Trees</a:t>
+            </a:r>
+            <a:r>
+              <a:rPr lang="en-US" dirty="0"/>
+              <a:t>, </a:t>
+            </a:r>
+            <a:r>
+              <a:rPr lang="en-US" strike="sngStrike" dirty="0"/>
+              <a:t>Forests, Boosting, etc.</a:t>
+            </a:r>
+            <a:endParaRPr lang="he-IL" strike="sngStrike" dirty="0"/>
+          </a:p>
+        </p:txBody>
+      </p:sp>
+      <p:cxnSp>
+        <p:nvCxnSpPr>
+          <p:cNvPr id="18" name="Straight Arrow Connector 17"/>
+          <p:cNvCxnSpPr>
+            <a:stCxn id="8" idx="2"/>
+            <a:endCxn id="36" idx="0"/>
+          </p:cNvCxnSpPr>
+          <p:nvPr/>
+        </p:nvCxnSpPr>
+        <p:spPr>
+          <a:xfrm>
+            <a:off x="8781521" y="4597199"/>
+            <a:ext cx="2307131" cy="424273"/>
+          </a:xfrm>
+          <a:prstGeom prst="straightConnector1">
+            <a:avLst/>
+          </a:prstGeom>
+          <a:ln>
+            <a:tailEnd type="triangle"/>
+          </a:ln>
+        </p:spPr>
+        <p:style>
+          <a:lnRef idx="2">
+            <a:schemeClr val="dk1"/>
+          </a:lnRef>
+          <a:fillRef idx="0">
+            <a:schemeClr val="dk1"/>
+          </a:fillRef>
+          <a:effectRef idx="1">
+            <a:schemeClr val="dk1"/>
+          </a:effectRef>
+          <a:fontRef idx="minor">
+            <a:schemeClr val="tx1"/>
+          </a:fontRef>
+        </p:style>
+      </p:cxnSp>
+      <p:sp>
+        <p:nvSpPr>
+          <p:cNvPr id="37" name="Rounded Rectangle 36"/>
+          <p:cNvSpPr/>
+          <p:nvPr/>
+        </p:nvSpPr>
+        <p:spPr>
+          <a:xfrm>
+            <a:off x="217340" y="4756769"/>
+            <a:ext cx="1775012" cy="623943"/>
+          </a:xfrm>
+          <a:prstGeom prst="roundRect">
+            <a:avLst/>
+          </a:prstGeom>
+          <a:ln>
+            <a:headEnd type="none" w="med" len="med"/>
+            <a:tailEnd type="none" w="med" len="med"/>
+          </a:ln>
+        </p:spPr>
+        <p:style>
+          <a:lnRef idx="3">
+            <a:schemeClr val="lt1"/>
+          </a:lnRef>
+          <a:fillRef idx="1">
+            <a:schemeClr val="accent2"/>
+          </a:fillRef>
+          <a:effectRef idx="1">
+            <a:schemeClr val="accent2"/>
+          </a:effectRef>
+          <a:fontRef idx="minor">
+            <a:schemeClr val="lt1"/>
+          </a:fontRef>
+        </p:style>
+        <p:txBody>
+          <a:bodyPr rtlCol="1" anchor="ctr"/>
+          <a:lstStyle/>
+          <a:p>
+            <a:pPr algn="ctr"/>
+            <a:r>
+              <a:rPr lang="en-US" dirty="0"/>
+              <a:t>Cross validation</a:t>
+            </a:r>
+            <a:endParaRPr lang="he-IL" dirty="0"/>
+          </a:p>
+        </p:txBody>
+      </p:sp>
+      <p:cxnSp>
+        <p:nvCxnSpPr>
+          <p:cNvPr id="12" name="Straight Arrow Connector 11"/>
+          <p:cNvCxnSpPr>
+            <a:stCxn id="13" idx="2"/>
+            <a:endCxn id="37" idx="0"/>
+          </p:cNvCxnSpPr>
+          <p:nvPr/>
+        </p:nvCxnSpPr>
+        <p:spPr>
+          <a:xfrm>
+            <a:off x="1104846" y="4448231"/>
+            <a:ext cx="0" cy="308538"/>
+          </a:xfrm>
+          <a:prstGeom prst="straightConnector1">
+            <a:avLst/>
+          </a:prstGeom>
+          <a:ln>
+            <a:tailEnd type="triangle"/>
+          </a:ln>
+        </p:spPr>
+        <p:style>
+          <a:lnRef idx="2">
+            <a:schemeClr val="dk1"/>
+          </a:lnRef>
+          <a:fillRef idx="0">
+            <a:schemeClr val="dk1"/>
+          </a:fillRef>
+          <a:effectRef idx="1">
+            <a:schemeClr val="dk1"/>
+          </a:effectRef>
+          <a:fontRef idx="minor">
+            <a:schemeClr val="tx1"/>
+          </a:fontRef>
+        </p:style>
+      </p:cxnSp>
+      <p:sp>
+        <p:nvSpPr>
+          <p:cNvPr id="42" name="Rounded Rectangle 41"/>
+          <p:cNvSpPr/>
+          <p:nvPr/>
+        </p:nvSpPr>
+        <p:spPr>
+          <a:xfrm>
+            <a:off x="225579" y="5735170"/>
+            <a:ext cx="1183092" cy="492640"/>
+          </a:xfrm>
+          <a:prstGeom prst="roundRect">
+            <a:avLst/>
+          </a:prstGeom>
+          <a:ln>
+            <a:headEnd type="none" w="med" len="med"/>
+            <a:tailEnd type="none" w="med" len="med"/>
+          </a:ln>
+        </p:spPr>
+        <p:style>
+          <a:lnRef idx="3">
+            <a:schemeClr val="lt1"/>
+          </a:lnRef>
+          <a:fillRef idx="1">
+            <a:schemeClr val="accent2"/>
+          </a:fillRef>
+          <a:effectRef idx="1">
+            <a:schemeClr val="accent2"/>
+          </a:effectRef>
+          <a:fontRef idx="minor">
+            <a:schemeClr val="lt1"/>
+          </a:fontRef>
+        </p:style>
+        <p:txBody>
+          <a:bodyPr rtlCol="1" anchor="ctr"/>
+          <a:lstStyle/>
+          <a:p>
+            <a:pPr algn="ctr"/>
+            <a:r>
+              <a:rPr lang="en-US" sz="1400" dirty="0"/>
+              <a:t>k-fold </a:t>
+            </a:r>
+            <a:r>
+              <a:rPr lang="en-US" sz="1400" dirty="0" err="1"/>
+              <a:t>xval</a:t>
+            </a:r>
+            <a:endParaRPr lang="he-IL" sz="1400" dirty="0"/>
+          </a:p>
+        </p:txBody>
+      </p:sp>
+      <p:sp>
+        <p:nvSpPr>
+          <p:cNvPr id="44" name="Rounded Rectangle 43"/>
+          <p:cNvSpPr/>
+          <p:nvPr/>
+        </p:nvSpPr>
+        <p:spPr>
+          <a:xfrm>
+            <a:off x="1482811" y="5735170"/>
+            <a:ext cx="1466334" cy="492640"/>
+          </a:xfrm>
+          <a:prstGeom prst="roundRect">
+            <a:avLst/>
+          </a:prstGeom>
+          <a:ln>
+            <a:headEnd type="none" w="med" len="med"/>
+            <a:tailEnd type="none" w="med" len="med"/>
+          </a:ln>
+        </p:spPr>
+        <p:style>
+          <a:lnRef idx="3">
+            <a:schemeClr val="lt1"/>
+          </a:lnRef>
+          <a:fillRef idx="1">
+            <a:schemeClr val="accent2"/>
+          </a:fillRef>
+          <a:effectRef idx="1">
+            <a:schemeClr val="accent2"/>
+          </a:effectRef>
+          <a:fontRef idx="minor">
+            <a:schemeClr val="lt1"/>
+          </a:fontRef>
+        </p:style>
+        <p:txBody>
+          <a:bodyPr rtlCol="1" anchor="ctr"/>
+          <a:lstStyle/>
+          <a:p>
+            <a:pPr algn="ctr"/>
+            <a:r>
+              <a:rPr lang="en-US" sz="1400" dirty="0"/>
+              <a:t>Leave one out</a:t>
+            </a:r>
+            <a:endParaRPr lang="he-IL" sz="1400" dirty="0"/>
+          </a:p>
+        </p:txBody>
+      </p:sp>
+      <p:cxnSp>
+        <p:nvCxnSpPr>
+          <p:cNvPr id="24" name="Straight Arrow Connector 23"/>
+          <p:cNvCxnSpPr>
+            <a:stCxn id="37" idx="2"/>
+            <a:endCxn id="42" idx="0"/>
+          </p:cNvCxnSpPr>
+          <p:nvPr/>
+        </p:nvCxnSpPr>
+        <p:spPr>
+          <a:xfrm flipH="1">
+            <a:off x="817125" y="5380712"/>
+            <a:ext cx="287721" cy="354458"/>
+          </a:xfrm>
+          <a:prstGeom prst="straightConnector1">
+            <a:avLst/>
+          </a:prstGeom>
+          <a:ln>
+            <a:tailEnd type="triangle"/>
+          </a:ln>
+        </p:spPr>
+        <p:style>
+          <a:lnRef idx="2">
+            <a:schemeClr val="dk1"/>
+          </a:lnRef>
+          <a:fillRef idx="0">
+            <a:schemeClr val="dk1"/>
+          </a:fillRef>
+          <a:effectRef idx="1">
+            <a:schemeClr val="dk1"/>
+          </a:effectRef>
+          <a:fontRef idx="minor">
+            <a:schemeClr val="tx1"/>
+          </a:fontRef>
+        </p:style>
+      </p:cxnSp>
+      <p:cxnSp>
+        <p:nvCxnSpPr>
+          <p:cNvPr id="27" name="Straight Arrow Connector 26"/>
+          <p:cNvCxnSpPr>
+            <a:stCxn id="37" idx="2"/>
+            <a:endCxn id="44" idx="0"/>
+          </p:cNvCxnSpPr>
+          <p:nvPr/>
+        </p:nvCxnSpPr>
+        <p:spPr>
+          <a:xfrm>
+            <a:off x="1104846" y="5380712"/>
+            <a:ext cx="1111132" cy="354458"/>
+          </a:xfrm>
+          <a:prstGeom prst="straightConnector1">
+            <a:avLst/>
+          </a:prstGeom>
+          <a:ln>
+            <a:tailEnd type="triangle"/>
+          </a:ln>
+        </p:spPr>
+        <p:style>
+          <a:lnRef idx="2">
+            <a:schemeClr val="dk1"/>
+          </a:lnRef>
+          <a:fillRef idx="0">
+            <a:schemeClr val="dk1"/>
+          </a:fillRef>
+          <a:effectRef idx="1">
+            <a:schemeClr val="dk1"/>
+          </a:effectRef>
+          <a:fontRef idx="minor">
+            <a:schemeClr val="tx1"/>
+          </a:fontRef>
+        </p:style>
+      </p:cxnSp>
+    </p:spTree>
+    <p:extLst>
+      <p:ext uri="{BB962C8B-B14F-4D97-AF65-F5344CB8AC3E}">
+        <p14:creationId xmlns:p14="http://schemas.microsoft.com/office/powerpoint/2010/main" val="598188538"/>
+      </p:ext>
+    </p:extLst>
+  </p:cSld>
+  <p:clrMapOvr>
+    <a:masterClrMapping/>
+  </p:clrMapOvr>
+  <p:timing>
+    <p:tnLst>
+      <p:par>
+        <p:cTn id="1" dur="indefinite" restart="never" nodeType="tmRoot"/>
+      </p:par>
+    </p:tnLst>
+  </p:timing>
+</p:sld>
+</file>
+
+<file path=ppt/slides/slide16.xml><?xml version="1.0" encoding="utf-8"?>
+<p:sld xmlns:a="http://schemas.openxmlformats.org/drawingml/2006/main" xmlns:r="http://schemas.openxmlformats.org/officeDocument/2006/relationships" xmlns:p="http://schemas.openxmlformats.org/presentationml/2006/main">
+  <p:cSld>
+    <p:spTree>
+      <p:nvGrpSpPr>
+        <p:cNvPr id="1" name=""/>
+        <p:cNvGrpSpPr/>
+        <p:nvPr/>
+      </p:nvGrpSpPr>
+      <p:grpSpPr>
+        <a:xfrm>
+          <a:off x="0" y="0"/>
+          <a:ext cx="0" cy="0"/>
+          <a:chOff x="0" y="0"/>
+          <a:chExt cx="0" cy="0"/>
+        </a:xfrm>
+      </p:grpSpPr>
+      <p:sp>
+        <p:nvSpPr>
           <p:cNvPr id="6" name="Title 5"/>
           <p:cNvSpPr>
             <a:spLocks noGrp="1"/>
@@ -8505,7 +10044,7 @@
           <a:p>
             <a:fld id="{4FAB73BC-B049-4115-A692-8D63A059BFB8}" type="slidenum">
               <a:rPr lang="en-US" smtClean="0"/>
-              <a:t>15</a:t>
+              <a:t>16</a:t>
             </a:fld>
             <a:endParaRPr lang="en-US" dirty="0"/>
           </a:p>
@@ -8521,10 +10060,17 @@
   <p:clrMapOvr>
     <a:masterClrMapping/>
   </p:clrMapOvr>
+  <p:timing>
+    <p:tnLst>
+      <p:par>
+        <p:cTn id="1" dur="indefinite" restart="never" nodeType="tmRoot"/>
+      </p:par>
+    </p:tnLst>
+  </p:timing>
 </p:sld>
 </file>
 
-<file path=ppt/slides/slide16.xml><?xml version="1.0" encoding="utf-8"?>
+<file path=ppt/slides/slide17.xml><?xml version="1.0" encoding="utf-8"?>
 <p:sld xmlns:a="http://schemas.openxmlformats.org/drawingml/2006/main" xmlns:r="http://schemas.openxmlformats.org/officeDocument/2006/relationships" xmlns:p="http://schemas.openxmlformats.org/presentationml/2006/main">
   <p:cSld>
     <p:spTree>
@@ -8729,7 +10275,7 @@
             <a:fld id="{4FAB73BC-B049-4115-A692-8D63A059BFB8}" type="slidenum">
               <a:rPr lang="en-US" smtClean="0"/>
               <a:pPr/>
-              <a:t>16</a:t>
+              <a:t>17</a:t>
             </a:fld>
             <a:endParaRPr lang="en-US" dirty="0"/>
           </a:p>
@@ -8745,10 +10291,17 @@
   <p:clrMapOvr>
     <a:masterClrMapping/>
   </p:clrMapOvr>
+  <p:timing>
+    <p:tnLst>
+      <p:par>
+        <p:cTn id="1" dur="indefinite" restart="never" nodeType="tmRoot"/>
+      </p:par>
+    </p:tnLst>
+  </p:timing>
 </p:sld>
 </file>
 
-<file path=ppt/slides/slide17.xml><?xml version="1.0" encoding="utf-8"?>
+<file path=ppt/slides/slide18.xml><?xml version="1.0" encoding="utf-8"?>
 <p:sld xmlns:a="http://schemas.openxmlformats.org/drawingml/2006/main" xmlns:r="http://schemas.openxmlformats.org/officeDocument/2006/relationships" xmlns:p="http://schemas.openxmlformats.org/presentationml/2006/main">
   <p:cSld>
     <p:spTree>
@@ -9129,7 +10682,7 @@
           <a:p>
             <a:fld id="{4FAB73BC-B049-4115-A692-8D63A059BFB8}" type="slidenum">
               <a:rPr lang="en-US" smtClean="0"/>
-              <a:t>17</a:t>
+              <a:t>18</a:t>
             </a:fld>
             <a:endParaRPr lang="en-US" dirty="0"/>
           </a:p>
@@ -9524,7 +11077,7 @@
 </p:sld>
 </file>
 
-<file path=ppt/slides/slide18.xml><?xml version="1.0" encoding="utf-8"?>
+<file path=ppt/slides/slide19.xml><?xml version="1.0" encoding="utf-8"?>
 <p:sld xmlns:a="http://schemas.openxmlformats.org/drawingml/2006/main" xmlns:r="http://schemas.openxmlformats.org/officeDocument/2006/relationships" xmlns:p="http://schemas.openxmlformats.org/presentationml/2006/main">
   <p:cSld>
     <p:spTree>
@@ -9717,7 +11270,7 @@
           <a:p>
             <a:fld id="{4FAB73BC-B049-4115-A692-8D63A059BFB8}" type="slidenum">
               <a:rPr lang="en-US" smtClean="0"/>
-              <a:t>18</a:t>
+              <a:t>19</a:t>
             </a:fld>
             <a:endParaRPr lang="en-US" dirty="0"/>
           </a:p>
@@ -9757,128 +11310,6 @@
     <p:extLst>
       <p:ext uri="{BB962C8B-B14F-4D97-AF65-F5344CB8AC3E}">
         <p14:creationId xmlns:p14="http://schemas.microsoft.com/office/powerpoint/2010/main" val="4102354008"/>
-      </p:ext>
-    </p:extLst>
-  </p:cSld>
-  <p:clrMapOvr>
-    <a:masterClrMapping/>
-  </p:clrMapOvr>
-</p:sld>
-</file>
-
-<file path=ppt/slides/slide19.xml><?xml version="1.0" encoding="utf-8"?>
-<p:sld xmlns:a="http://schemas.openxmlformats.org/drawingml/2006/main" xmlns:r="http://schemas.openxmlformats.org/officeDocument/2006/relationships" xmlns:p="http://schemas.openxmlformats.org/presentationml/2006/main">
-  <p:cSld>
-    <p:spTree>
-      <p:nvGrpSpPr>
-        <p:cNvPr id="1" name=""/>
-        <p:cNvGrpSpPr/>
-        <p:nvPr/>
-      </p:nvGrpSpPr>
-      <p:grpSpPr>
-        <a:xfrm>
-          <a:off x="0" y="0"/>
-          <a:ext cx="0" cy="0"/>
-          <a:chOff x="0" y="0"/>
-          <a:chExt cx="0" cy="0"/>
-        </a:xfrm>
-      </p:grpSpPr>
-      <p:sp>
-        <p:nvSpPr>
-          <p:cNvPr id="2" name="Title 1"/>
-          <p:cNvSpPr>
-            <a:spLocks noGrp="1"/>
-          </p:cNvSpPr>
-          <p:nvPr>
-            <p:ph type="title"/>
-          </p:nvPr>
-        </p:nvSpPr>
-        <p:spPr/>
-        <p:txBody>
-          <a:bodyPr/>
-          <a:lstStyle/>
-          <a:p>
-            <a:r>
-              <a:rPr lang="en-US" dirty="0"/>
-              <a:t>Live Coding Example k-fold cv</a:t>
-            </a:r>
-            <a:endParaRPr lang="he-IL" dirty="0"/>
-          </a:p>
-        </p:txBody>
-      </p:sp>
-      <p:sp>
-        <p:nvSpPr>
-          <p:cNvPr id="3" name="Content Placeholder 2"/>
-          <p:cNvSpPr>
-            <a:spLocks noGrp="1"/>
-          </p:cNvSpPr>
-          <p:nvPr>
-            <p:ph idx="1"/>
-          </p:nvPr>
-        </p:nvSpPr>
-        <p:spPr/>
-        <p:txBody>
-          <a:bodyPr/>
-          <a:lstStyle/>
-          <a:p>
-            <a:r>
-              <a:rPr lang="en-US" dirty="0"/>
-              <a:t>/class code/03-cv_example.R</a:t>
-            </a:r>
-            <a:endParaRPr lang="he-IL" dirty="0"/>
-          </a:p>
-        </p:txBody>
-      </p:sp>
-      <p:sp>
-        <p:nvSpPr>
-          <p:cNvPr id="4" name="Footer Placeholder 3"/>
-          <p:cNvSpPr>
-            <a:spLocks noGrp="1"/>
-          </p:cNvSpPr>
-          <p:nvPr>
-            <p:ph type="ftr" sz="quarter" idx="11"/>
-          </p:nvPr>
-        </p:nvSpPr>
-        <p:spPr/>
-        <p:txBody>
-          <a:bodyPr/>
-          <a:lstStyle/>
-          <a:p>
-            <a:r>
-              <a:rPr lang="en-US"/>
-              <a:t>Materials by Adi Sarid https://adisarid.github.io and http://www.sarid-ins.com</a:t>
-            </a:r>
-            <a:endParaRPr lang="en-US" dirty="0"/>
-          </a:p>
-        </p:txBody>
-      </p:sp>
-      <p:sp>
-        <p:nvSpPr>
-          <p:cNvPr id="5" name="Slide Number Placeholder 4"/>
-          <p:cNvSpPr>
-            <a:spLocks noGrp="1"/>
-          </p:cNvSpPr>
-          <p:nvPr>
-            <p:ph type="sldNum" sz="quarter" idx="12"/>
-          </p:nvPr>
-        </p:nvSpPr>
-        <p:spPr/>
-        <p:txBody>
-          <a:bodyPr/>
-          <a:lstStyle/>
-          <a:p>
-            <a:fld id="{4FAB73BC-B049-4115-A692-8D63A059BFB8}" type="slidenum">
-              <a:rPr lang="en-US" smtClean="0"/>
-              <a:t>19</a:t>
-            </a:fld>
-            <a:endParaRPr lang="en-US" dirty="0"/>
-          </a:p>
-        </p:txBody>
-      </p:sp>
-    </p:spTree>
-    <p:extLst>
-      <p:ext uri="{BB962C8B-B14F-4D97-AF65-F5344CB8AC3E}">
-        <p14:creationId xmlns:p14="http://schemas.microsoft.com/office/powerpoint/2010/main" val="1860836206"/>
       </p:ext>
     </p:extLst>
   </p:cSld>
@@ -10479,17 +11910,17 @@
           </a:prstGeom>
         </p:spPr>
         <p:style>
-          <a:lnRef idx="3">
-            <a:schemeClr val="lt1"/>
+          <a:lnRef idx="2">
+            <a:schemeClr val="accent2"/>
           </a:lnRef>
           <a:fillRef idx="1">
-            <a:schemeClr val="accent2"/>
+            <a:schemeClr val="lt1"/>
           </a:fillRef>
-          <a:effectRef idx="1">
+          <a:effectRef idx="0">
             <a:schemeClr val="accent2"/>
           </a:effectRef>
           <a:fontRef idx="minor">
-            <a:schemeClr val="lt1"/>
+            <a:schemeClr val="dk1"/>
           </a:fontRef>
         </p:style>
         <p:txBody>
@@ -11240,13 +12671,20 @@
     </p:spTree>
     <p:extLst>
       <p:ext uri="{BB962C8B-B14F-4D97-AF65-F5344CB8AC3E}">
-        <p14:creationId xmlns:p14="http://schemas.microsoft.com/office/powerpoint/2010/main" val="601734684"/>
+        <p14:creationId xmlns:p14="http://schemas.microsoft.com/office/powerpoint/2010/main" val="2570557502"/>
       </p:ext>
     </p:extLst>
   </p:cSld>
   <p:clrMapOvr>
     <a:masterClrMapping/>
   </p:clrMapOvr>
+  <p:timing>
+    <p:tnLst>
+      <p:par>
+        <p:cTn id="1" dur="indefinite" restart="never" nodeType="tmRoot"/>
+      </p:par>
+    </p:tnLst>
+  </p:timing>
 </p:sld>
 </file>
 
@@ -11284,6 +12722,1497 @@
           <a:p>
             <a:r>
               <a:rPr lang="en-US" dirty="0"/>
+              <a:t>Live Coding Example k-fold cv</a:t>
+            </a:r>
+            <a:endParaRPr lang="he-IL" dirty="0"/>
+          </a:p>
+        </p:txBody>
+      </p:sp>
+      <p:sp>
+        <p:nvSpPr>
+          <p:cNvPr id="3" name="Content Placeholder 2"/>
+          <p:cNvSpPr>
+            <a:spLocks noGrp="1"/>
+          </p:cNvSpPr>
+          <p:nvPr>
+            <p:ph idx="1"/>
+          </p:nvPr>
+        </p:nvSpPr>
+        <p:spPr/>
+        <p:txBody>
+          <a:bodyPr/>
+          <a:lstStyle/>
+          <a:p>
+            <a:r>
+              <a:rPr lang="en-US" dirty="0"/>
+              <a:t>/class code/03-cv_example.R</a:t>
+            </a:r>
+            <a:endParaRPr lang="he-IL" dirty="0"/>
+          </a:p>
+        </p:txBody>
+      </p:sp>
+      <p:sp>
+        <p:nvSpPr>
+          <p:cNvPr id="4" name="Footer Placeholder 3"/>
+          <p:cNvSpPr>
+            <a:spLocks noGrp="1"/>
+          </p:cNvSpPr>
+          <p:nvPr>
+            <p:ph type="ftr" sz="quarter" idx="11"/>
+          </p:nvPr>
+        </p:nvSpPr>
+        <p:spPr/>
+        <p:txBody>
+          <a:bodyPr/>
+          <a:lstStyle/>
+          <a:p>
+            <a:r>
+              <a:rPr lang="en-US"/>
+              <a:t>Materials by Adi Sarid https://adisarid.github.io and http://www.sarid-ins.com</a:t>
+            </a:r>
+            <a:endParaRPr lang="en-US" dirty="0"/>
+          </a:p>
+        </p:txBody>
+      </p:sp>
+      <p:sp>
+        <p:nvSpPr>
+          <p:cNvPr id="5" name="Slide Number Placeholder 4"/>
+          <p:cNvSpPr>
+            <a:spLocks noGrp="1"/>
+          </p:cNvSpPr>
+          <p:nvPr>
+            <p:ph type="sldNum" sz="quarter" idx="12"/>
+          </p:nvPr>
+        </p:nvSpPr>
+        <p:spPr/>
+        <p:txBody>
+          <a:bodyPr/>
+          <a:lstStyle/>
+          <a:p>
+            <a:fld id="{4FAB73BC-B049-4115-A692-8D63A059BFB8}" type="slidenum">
+              <a:rPr lang="en-US" smtClean="0"/>
+              <a:t>20</a:t>
+            </a:fld>
+            <a:endParaRPr lang="en-US" dirty="0"/>
+          </a:p>
+        </p:txBody>
+      </p:sp>
+    </p:spTree>
+    <p:extLst>
+      <p:ext uri="{BB962C8B-B14F-4D97-AF65-F5344CB8AC3E}">
+        <p14:creationId xmlns:p14="http://schemas.microsoft.com/office/powerpoint/2010/main" val="1860836206"/>
+      </p:ext>
+    </p:extLst>
+  </p:cSld>
+  <p:clrMapOvr>
+    <a:masterClrMapping/>
+  </p:clrMapOvr>
+</p:sld>
+</file>
+
+<file path=ppt/slides/slide21.xml><?xml version="1.0" encoding="utf-8"?>
+<p:sld xmlns:a="http://schemas.openxmlformats.org/drawingml/2006/main" xmlns:r="http://schemas.openxmlformats.org/officeDocument/2006/relationships" xmlns:p="http://schemas.openxmlformats.org/presentationml/2006/main">
+  <p:cSld>
+    <p:spTree>
+      <p:nvGrpSpPr>
+        <p:cNvPr id="1" name=""/>
+        <p:cNvGrpSpPr/>
+        <p:nvPr/>
+      </p:nvGrpSpPr>
+      <p:grpSpPr>
+        <a:xfrm>
+          <a:off x="0" y="0"/>
+          <a:ext cx="0" cy="0"/>
+          <a:chOff x="0" y="0"/>
+          <a:chExt cx="0" cy="0"/>
+        </a:xfrm>
+      </p:grpSpPr>
+      <p:sp>
+        <p:nvSpPr>
+          <p:cNvPr id="2" name="Title 1"/>
+          <p:cNvSpPr>
+            <a:spLocks noGrp="1"/>
+          </p:cNvSpPr>
+          <p:nvPr>
+            <p:ph type="title"/>
+          </p:nvPr>
+        </p:nvSpPr>
+        <p:spPr/>
+        <p:txBody>
+          <a:bodyPr>
+            <a:normAutofit/>
+          </a:bodyPr>
+          <a:lstStyle/>
+          <a:p>
+            <a:r>
+              <a:rPr lang="en-US" dirty="0"/>
+              <a:t>Contents for today</a:t>
+            </a:r>
+            <a:endParaRPr lang="he-IL" dirty="0"/>
+          </a:p>
+        </p:txBody>
+      </p:sp>
+      <p:sp>
+        <p:nvSpPr>
+          <p:cNvPr id="4" name="Footer Placeholder 3"/>
+          <p:cNvSpPr>
+            <a:spLocks noGrp="1"/>
+          </p:cNvSpPr>
+          <p:nvPr>
+            <p:ph type="ftr" sz="quarter" idx="11"/>
+          </p:nvPr>
+        </p:nvSpPr>
+        <p:spPr/>
+        <p:txBody>
+          <a:bodyPr/>
+          <a:lstStyle/>
+          <a:p>
+            <a:r>
+              <a:rPr lang="en-US" dirty="0"/>
+              <a:t>Materials by Adi Sarid https://adisarid.github.io and http://www.sarid-ins.com</a:t>
+            </a:r>
+          </a:p>
+        </p:txBody>
+      </p:sp>
+      <p:sp>
+        <p:nvSpPr>
+          <p:cNvPr id="5" name="Slide Number Placeholder 4"/>
+          <p:cNvSpPr>
+            <a:spLocks noGrp="1"/>
+          </p:cNvSpPr>
+          <p:nvPr>
+            <p:ph type="sldNum" sz="quarter" idx="12"/>
+          </p:nvPr>
+        </p:nvSpPr>
+        <p:spPr>
+          <a:xfrm>
+            <a:off x="11784467" y="6272784"/>
+            <a:ext cx="640080" cy="365125"/>
+          </a:xfrm>
+        </p:spPr>
+        <p:txBody>
+          <a:bodyPr/>
+          <a:lstStyle/>
+          <a:p>
+            <a:fld id="{4FAB73BC-B049-4115-A692-8D63A059BFB8}" type="slidenum">
+              <a:rPr lang="en-US" smtClean="0"/>
+              <a:t>21</a:t>
+            </a:fld>
+            <a:endParaRPr lang="en-US" dirty="0"/>
+          </a:p>
+        </p:txBody>
+      </p:sp>
+      <p:sp>
+        <p:nvSpPr>
+          <p:cNvPr id="6" name="Rounded Rectangle 5"/>
+          <p:cNvSpPr/>
+          <p:nvPr/>
+        </p:nvSpPr>
+        <p:spPr>
+          <a:xfrm>
+            <a:off x="3377903" y="2000920"/>
+            <a:ext cx="1775012" cy="623943"/>
+          </a:xfrm>
+          <a:prstGeom prst="roundRect">
+            <a:avLst/>
+          </a:prstGeom>
+        </p:spPr>
+        <p:style>
+          <a:lnRef idx="3">
+            <a:schemeClr val="lt1"/>
+          </a:lnRef>
+          <a:fillRef idx="1">
+            <a:schemeClr val="accent2"/>
+          </a:fillRef>
+          <a:effectRef idx="1">
+            <a:schemeClr val="accent2"/>
+          </a:effectRef>
+          <a:fontRef idx="minor">
+            <a:schemeClr val="lt1"/>
+          </a:fontRef>
+        </p:style>
+        <p:txBody>
+          <a:bodyPr rtlCol="1" anchor="ctr"/>
+          <a:lstStyle/>
+          <a:p>
+            <a:pPr algn="ctr"/>
+            <a:r>
+              <a:rPr lang="en-US" dirty="0"/>
+              <a:t>Supervised learning</a:t>
+            </a:r>
+            <a:endParaRPr lang="he-IL" dirty="0"/>
+          </a:p>
+        </p:txBody>
+      </p:sp>
+      <p:sp>
+        <p:nvSpPr>
+          <p:cNvPr id="7" name="Rounded Rectangle 6"/>
+          <p:cNvSpPr/>
+          <p:nvPr/>
+        </p:nvSpPr>
+        <p:spPr>
+          <a:xfrm>
+            <a:off x="441065" y="2000920"/>
+            <a:ext cx="1775012" cy="623943"/>
+          </a:xfrm>
+          <a:prstGeom prst="roundRect">
+            <a:avLst/>
+          </a:prstGeom>
+          <a:ln>
+            <a:headEnd type="none" w="med" len="med"/>
+            <a:tailEnd type="none" w="med" len="med"/>
+          </a:ln>
+        </p:spPr>
+        <p:style>
+          <a:lnRef idx="2">
+            <a:schemeClr val="accent2"/>
+          </a:lnRef>
+          <a:fillRef idx="1">
+            <a:schemeClr val="lt1"/>
+          </a:fillRef>
+          <a:effectRef idx="0">
+            <a:schemeClr val="accent2"/>
+          </a:effectRef>
+          <a:fontRef idx="minor">
+            <a:schemeClr val="dk1"/>
+          </a:fontRef>
+        </p:style>
+        <p:txBody>
+          <a:bodyPr rtlCol="1" anchor="ctr"/>
+          <a:lstStyle/>
+          <a:p>
+            <a:pPr algn="ctr"/>
+            <a:r>
+              <a:rPr lang="en-US" dirty="0"/>
+              <a:t>Unsupervised learning</a:t>
+            </a:r>
+          </a:p>
+        </p:txBody>
+      </p:sp>
+      <p:sp>
+        <p:nvSpPr>
+          <p:cNvPr id="8" name="Rounded Rectangle 7"/>
+          <p:cNvSpPr/>
+          <p:nvPr/>
+        </p:nvSpPr>
+        <p:spPr>
+          <a:xfrm>
+            <a:off x="7888638" y="3973256"/>
+            <a:ext cx="1785765" cy="623943"/>
+          </a:xfrm>
+          <a:prstGeom prst="roundRect">
+            <a:avLst/>
+          </a:prstGeom>
+        </p:spPr>
+        <p:style>
+          <a:lnRef idx="3">
+            <a:schemeClr val="lt1"/>
+          </a:lnRef>
+          <a:fillRef idx="1">
+            <a:schemeClr val="accent2"/>
+          </a:fillRef>
+          <a:effectRef idx="1">
+            <a:schemeClr val="accent2"/>
+          </a:effectRef>
+          <a:fontRef idx="minor">
+            <a:schemeClr val="lt1"/>
+          </a:fontRef>
+        </p:style>
+        <p:txBody>
+          <a:bodyPr rtlCol="1" anchor="ctr"/>
+          <a:lstStyle/>
+          <a:p>
+            <a:pPr algn="ctr"/>
+            <a:r>
+              <a:rPr lang="en-US" dirty="0"/>
+              <a:t>Classification</a:t>
+            </a:r>
+            <a:endParaRPr lang="he-IL" dirty="0"/>
+          </a:p>
+        </p:txBody>
+      </p:sp>
+      <p:sp>
+        <p:nvSpPr>
+          <p:cNvPr id="13" name="Rounded Rectangle 12"/>
+          <p:cNvSpPr/>
+          <p:nvPr/>
+        </p:nvSpPr>
+        <p:spPr>
+          <a:xfrm>
+            <a:off x="217340" y="3824288"/>
+            <a:ext cx="1775012" cy="623943"/>
+          </a:xfrm>
+          <a:prstGeom prst="roundRect">
+            <a:avLst/>
+          </a:prstGeom>
+          <a:ln>
+            <a:headEnd type="none" w="med" len="med"/>
+            <a:tailEnd type="none" w="med" len="med"/>
+          </a:ln>
+        </p:spPr>
+        <p:style>
+          <a:lnRef idx="2">
+            <a:schemeClr val="accent2">
+              <a:shade val="50000"/>
+            </a:schemeClr>
+          </a:lnRef>
+          <a:fillRef idx="1">
+            <a:schemeClr val="accent2"/>
+          </a:fillRef>
+          <a:effectRef idx="0">
+            <a:schemeClr val="accent2"/>
+          </a:effectRef>
+          <a:fontRef idx="minor">
+            <a:schemeClr val="lt1"/>
+          </a:fontRef>
+        </p:style>
+        <p:txBody>
+          <a:bodyPr rtlCol="1" anchor="ctr"/>
+          <a:lstStyle/>
+          <a:p>
+            <a:pPr algn="ctr"/>
+            <a:r>
+              <a:rPr lang="en-US" dirty="0"/>
+              <a:t>Model evaluation</a:t>
+            </a:r>
+            <a:endParaRPr lang="he-IL" dirty="0"/>
+          </a:p>
+        </p:txBody>
+      </p:sp>
+      <p:sp>
+        <p:nvSpPr>
+          <p:cNvPr id="15" name="Rounded Rectangle 14"/>
+          <p:cNvSpPr/>
+          <p:nvPr/>
+        </p:nvSpPr>
+        <p:spPr>
+          <a:xfrm>
+            <a:off x="9981917" y="3973255"/>
+            <a:ext cx="1785765" cy="623943"/>
+          </a:xfrm>
+          <a:prstGeom prst="roundRect">
+            <a:avLst/>
+          </a:prstGeom>
+        </p:spPr>
+        <p:style>
+          <a:lnRef idx="2">
+            <a:schemeClr val="accent2"/>
+          </a:lnRef>
+          <a:fillRef idx="1">
+            <a:schemeClr val="lt1"/>
+          </a:fillRef>
+          <a:effectRef idx="0">
+            <a:schemeClr val="accent2"/>
+          </a:effectRef>
+          <a:fontRef idx="minor">
+            <a:schemeClr val="dk1"/>
+          </a:fontRef>
+        </p:style>
+        <p:txBody>
+          <a:bodyPr rtlCol="1" anchor="ctr"/>
+          <a:lstStyle/>
+          <a:p>
+            <a:pPr algn="ctr"/>
+            <a:r>
+              <a:rPr lang="en-US" dirty="0"/>
+              <a:t>Regression</a:t>
+            </a:r>
+            <a:endParaRPr lang="he-IL" dirty="0"/>
+          </a:p>
+        </p:txBody>
+      </p:sp>
+      <p:sp>
+        <p:nvSpPr>
+          <p:cNvPr id="16" name="Rounded Rectangle 15"/>
+          <p:cNvSpPr/>
+          <p:nvPr/>
+        </p:nvSpPr>
+        <p:spPr>
+          <a:xfrm>
+            <a:off x="8663210" y="2935269"/>
+            <a:ext cx="1785765" cy="623943"/>
+          </a:xfrm>
+          <a:prstGeom prst="roundRect">
+            <a:avLst/>
+          </a:prstGeom>
+        </p:spPr>
+        <p:style>
+          <a:lnRef idx="3">
+            <a:schemeClr val="lt1"/>
+          </a:lnRef>
+          <a:fillRef idx="1">
+            <a:schemeClr val="accent2"/>
+          </a:fillRef>
+          <a:effectRef idx="1">
+            <a:schemeClr val="accent2"/>
+          </a:effectRef>
+          <a:fontRef idx="minor">
+            <a:schemeClr val="lt1"/>
+          </a:fontRef>
+        </p:style>
+        <p:txBody>
+          <a:bodyPr rtlCol="1" anchor="ctr"/>
+          <a:lstStyle/>
+          <a:p>
+            <a:pPr algn="ctr"/>
+            <a:r>
+              <a:rPr lang="en-US" dirty="0"/>
+              <a:t>Models</a:t>
+            </a:r>
+            <a:endParaRPr lang="he-IL" dirty="0"/>
+          </a:p>
+        </p:txBody>
+      </p:sp>
+      <p:sp>
+        <p:nvSpPr>
+          <p:cNvPr id="17" name="Rounded Rectangle 16"/>
+          <p:cNvSpPr/>
+          <p:nvPr/>
+        </p:nvSpPr>
+        <p:spPr>
+          <a:xfrm>
+            <a:off x="1430005" y="2935269"/>
+            <a:ext cx="1785765" cy="623943"/>
+          </a:xfrm>
+          <a:prstGeom prst="roundRect">
+            <a:avLst/>
+          </a:prstGeom>
+        </p:spPr>
+        <p:style>
+          <a:lnRef idx="2">
+            <a:schemeClr val="accent2"/>
+          </a:lnRef>
+          <a:fillRef idx="1">
+            <a:schemeClr val="lt1"/>
+          </a:fillRef>
+          <a:effectRef idx="0">
+            <a:schemeClr val="accent2"/>
+          </a:effectRef>
+          <a:fontRef idx="minor">
+            <a:schemeClr val="dk1"/>
+          </a:fontRef>
+        </p:style>
+        <p:txBody>
+          <a:bodyPr rtlCol="1" anchor="ctr"/>
+          <a:lstStyle/>
+          <a:p>
+            <a:pPr algn="ctr"/>
+            <a:r>
+              <a:rPr lang="en-US" dirty="0"/>
+              <a:t>Methods</a:t>
+            </a:r>
+            <a:endParaRPr lang="he-IL" dirty="0"/>
+          </a:p>
+        </p:txBody>
+      </p:sp>
+      <p:cxnSp>
+        <p:nvCxnSpPr>
+          <p:cNvPr id="23" name="Straight Arrow Connector 22"/>
+          <p:cNvCxnSpPr>
+            <a:stCxn id="6" idx="2"/>
+            <a:endCxn id="16" idx="0"/>
+          </p:cNvCxnSpPr>
+          <p:nvPr/>
+        </p:nvCxnSpPr>
+        <p:spPr>
+          <a:xfrm>
+            <a:off x="4265409" y="2624863"/>
+            <a:ext cx="5290684" cy="310406"/>
+          </a:xfrm>
+          <a:prstGeom prst="straightConnector1">
+            <a:avLst/>
+          </a:prstGeom>
+          <a:ln>
+            <a:tailEnd type="triangle"/>
+          </a:ln>
+        </p:spPr>
+        <p:style>
+          <a:lnRef idx="2">
+            <a:schemeClr val="dk1"/>
+          </a:lnRef>
+          <a:fillRef idx="0">
+            <a:schemeClr val="dk1"/>
+          </a:fillRef>
+          <a:effectRef idx="1">
+            <a:schemeClr val="dk1"/>
+          </a:effectRef>
+          <a:fontRef idx="minor">
+            <a:schemeClr val="tx1"/>
+          </a:fontRef>
+        </p:style>
+      </p:cxnSp>
+      <p:cxnSp>
+        <p:nvCxnSpPr>
+          <p:cNvPr id="25" name="Straight Arrow Connector 24"/>
+          <p:cNvCxnSpPr>
+            <a:stCxn id="16" idx="2"/>
+            <a:endCxn id="15" idx="0"/>
+          </p:cNvCxnSpPr>
+          <p:nvPr/>
+        </p:nvCxnSpPr>
+        <p:spPr>
+          <a:xfrm>
+            <a:off x="9556093" y="3559212"/>
+            <a:ext cx="1318707" cy="414043"/>
+          </a:xfrm>
+          <a:prstGeom prst="straightConnector1">
+            <a:avLst/>
+          </a:prstGeom>
+          <a:ln>
+            <a:tailEnd type="triangle"/>
+          </a:ln>
+        </p:spPr>
+        <p:style>
+          <a:lnRef idx="2">
+            <a:schemeClr val="dk1"/>
+          </a:lnRef>
+          <a:fillRef idx="0">
+            <a:schemeClr val="dk1"/>
+          </a:fillRef>
+          <a:effectRef idx="1">
+            <a:schemeClr val="dk1"/>
+          </a:effectRef>
+          <a:fontRef idx="minor">
+            <a:schemeClr val="tx1"/>
+          </a:fontRef>
+        </p:style>
+      </p:cxnSp>
+      <p:cxnSp>
+        <p:nvCxnSpPr>
+          <p:cNvPr id="39" name="Straight Arrow Connector 38"/>
+          <p:cNvCxnSpPr>
+            <a:stCxn id="6" idx="2"/>
+            <a:endCxn id="17" idx="0"/>
+          </p:cNvCxnSpPr>
+          <p:nvPr/>
+        </p:nvCxnSpPr>
+        <p:spPr>
+          <a:xfrm flipH="1">
+            <a:off x="2322888" y="2624863"/>
+            <a:ext cx="1942521" cy="310406"/>
+          </a:xfrm>
+          <a:prstGeom prst="straightConnector1">
+            <a:avLst/>
+          </a:prstGeom>
+          <a:ln>
+            <a:tailEnd type="triangle"/>
+          </a:ln>
+        </p:spPr>
+        <p:style>
+          <a:lnRef idx="2">
+            <a:schemeClr val="dk1"/>
+          </a:lnRef>
+          <a:fillRef idx="0">
+            <a:schemeClr val="dk1"/>
+          </a:fillRef>
+          <a:effectRef idx="1">
+            <a:schemeClr val="dk1"/>
+          </a:effectRef>
+          <a:fontRef idx="minor">
+            <a:schemeClr val="tx1"/>
+          </a:fontRef>
+        </p:style>
+      </p:cxnSp>
+      <p:cxnSp>
+        <p:nvCxnSpPr>
+          <p:cNvPr id="43" name="Straight Arrow Connector 42"/>
+          <p:cNvCxnSpPr>
+            <a:stCxn id="16" idx="2"/>
+            <a:endCxn id="8" idx="0"/>
+          </p:cNvCxnSpPr>
+          <p:nvPr/>
+        </p:nvCxnSpPr>
+        <p:spPr>
+          <a:xfrm flipH="1">
+            <a:off x="8781521" y="3559212"/>
+            <a:ext cx="774572" cy="414044"/>
+          </a:xfrm>
+          <a:prstGeom prst="straightConnector1">
+            <a:avLst/>
+          </a:prstGeom>
+          <a:ln>
+            <a:tailEnd type="triangle"/>
+          </a:ln>
+        </p:spPr>
+        <p:style>
+          <a:lnRef idx="2">
+            <a:schemeClr val="dk1"/>
+          </a:lnRef>
+          <a:fillRef idx="0">
+            <a:schemeClr val="dk1"/>
+          </a:fillRef>
+          <a:effectRef idx="1">
+            <a:schemeClr val="dk1"/>
+          </a:effectRef>
+          <a:fontRef idx="minor">
+            <a:schemeClr val="tx1"/>
+          </a:fontRef>
+        </p:style>
+      </p:cxnSp>
+      <p:cxnSp>
+        <p:nvCxnSpPr>
+          <p:cNvPr id="45" name="Straight Arrow Connector 44"/>
+          <p:cNvCxnSpPr>
+            <a:stCxn id="17" idx="2"/>
+            <a:endCxn id="13" idx="0"/>
+          </p:cNvCxnSpPr>
+          <p:nvPr/>
+        </p:nvCxnSpPr>
+        <p:spPr>
+          <a:xfrm flipH="1">
+            <a:off x="1104846" y="3559212"/>
+            <a:ext cx="1218042" cy="265076"/>
+          </a:xfrm>
+          <a:prstGeom prst="straightConnector1">
+            <a:avLst/>
+          </a:prstGeom>
+          <a:ln>
+            <a:tailEnd type="triangle"/>
+          </a:ln>
+        </p:spPr>
+        <p:style>
+          <a:lnRef idx="2">
+            <a:schemeClr val="dk1"/>
+          </a:lnRef>
+          <a:fillRef idx="0">
+            <a:schemeClr val="dk1"/>
+          </a:fillRef>
+          <a:effectRef idx="1">
+            <a:schemeClr val="dk1"/>
+          </a:effectRef>
+          <a:fontRef idx="minor">
+            <a:schemeClr val="tx1"/>
+          </a:fontRef>
+        </p:style>
+      </p:cxnSp>
+      <p:sp>
+        <p:nvSpPr>
+          <p:cNvPr id="46" name="Rounded Rectangle 45"/>
+          <p:cNvSpPr/>
+          <p:nvPr/>
+        </p:nvSpPr>
+        <p:spPr>
+          <a:xfrm>
+            <a:off x="4877806" y="3973256"/>
+            <a:ext cx="1785765" cy="623943"/>
+          </a:xfrm>
+          <a:prstGeom prst="roundRect">
+            <a:avLst/>
+          </a:prstGeom>
+        </p:spPr>
+        <p:style>
+          <a:lnRef idx="2">
+            <a:schemeClr val="accent2"/>
+          </a:lnRef>
+          <a:fillRef idx="1">
+            <a:schemeClr val="lt1"/>
+          </a:fillRef>
+          <a:effectRef idx="0">
+            <a:schemeClr val="accent2"/>
+          </a:effectRef>
+          <a:fontRef idx="minor">
+            <a:schemeClr val="dk1"/>
+          </a:fontRef>
+        </p:style>
+        <p:txBody>
+          <a:bodyPr rtlCol="1" anchor="ctr"/>
+          <a:lstStyle/>
+          <a:p>
+            <a:pPr algn="ctr"/>
+            <a:r>
+              <a:rPr lang="en-US" dirty="0"/>
+              <a:t>Linear methods</a:t>
+            </a:r>
+            <a:endParaRPr lang="he-IL" dirty="0"/>
+          </a:p>
+        </p:txBody>
+      </p:sp>
+      <p:sp>
+        <p:nvSpPr>
+          <p:cNvPr id="48" name="Rounded Rectangle 47"/>
+          <p:cNvSpPr/>
+          <p:nvPr/>
+        </p:nvSpPr>
+        <p:spPr>
+          <a:xfrm>
+            <a:off x="5758750" y="5021472"/>
+            <a:ext cx="1785765" cy="623943"/>
+          </a:xfrm>
+          <a:prstGeom prst="roundRect">
+            <a:avLst/>
+          </a:prstGeom>
+        </p:spPr>
+        <p:style>
+          <a:lnRef idx="2">
+            <a:schemeClr val="accent2"/>
+          </a:lnRef>
+          <a:fillRef idx="1">
+            <a:schemeClr val="lt1"/>
+          </a:fillRef>
+          <a:effectRef idx="0">
+            <a:schemeClr val="accent2"/>
+          </a:effectRef>
+          <a:fontRef idx="minor">
+            <a:schemeClr val="dk1"/>
+          </a:fontRef>
+        </p:style>
+        <p:txBody>
+          <a:bodyPr rtlCol="1" anchor="ctr"/>
+          <a:lstStyle/>
+          <a:p>
+            <a:pPr algn="ctr"/>
+            <a:r>
+              <a:rPr lang="en-US" dirty="0"/>
+              <a:t>Logistic regression</a:t>
+            </a:r>
+            <a:endParaRPr lang="he-IL" dirty="0"/>
+          </a:p>
+        </p:txBody>
+      </p:sp>
+      <p:sp>
+        <p:nvSpPr>
+          <p:cNvPr id="49" name="Rounded Rectangle 48"/>
+          <p:cNvSpPr/>
+          <p:nvPr/>
+        </p:nvSpPr>
+        <p:spPr>
+          <a:xfrm>
+            <a:off x="3807288" y="5032624"/>
+            <a:ext cx="1785765" cy="623943"/>
+          </a:xfrm>
+          <a:prstGeom prst="roundRect">
+            <a:avLst/>
+          </a:prstGeom>
+        </p:spPr>
+        <p:style>
+          <a:lnRef idx="2">
+            <a:schemeClr val="accent2"/>
+          </a:lnRef>
+          <a:fillRef idx="1">
+            <a:schemeClr val="lt1"/>
+          </a:fillRef>
+          <a:effectRef idx="0">
+            <a:schemeClr val="accent2"/>
+          </a:effectRef>
+          <a:fontRef idx="minor">
+            <a:schemeClr val="dk1"/>
+          </a:fontRef>
+        </p:style>
+        <p:txBody>
+          <a:bodyPr rtlCol="1" anchor="ctr"/>
+          <a:lstStyle/>
+          <a:p>
+            <a:pPr algn="ctr"/>
+            <a:r>
+              <a:rPr lang="en-US" dirty="0"/>
+              <a:t>Discriminant Analysis</a:t>
+            </a:r>
+            <a:endParaRPr lang="he-IL" dirty="0"/>
+          </a:p>
+        </p:txBody>
+      </p:sp>
+      <p:sp>
+        <p:nvSpPr>
+          <p:cNvPr id="54" name="Rounded Rectangle 53"/>
+          <p:cNvSpPr/>
+          <p:nvPr/>
+        </p:nvSpPr>
+        <p:spPr>
+          <a:xfrm>
+            <a:off x="7866332" y="5021472"/>
+            <a:ext cx="2069405" cy="623943"/>
+          </a:xfrm>
+          <a:prstGeom prst="roundRect">
+            <a:avLst/>
+          </a:prstGeom>
+        </p:spPr>
+        <p:style>
+          <a:lnRef idx="3">
+            <a:schemeClr val="lt1"/>
+          </a:lnRef>
+          <a:fillRef idx="1">
+            <a:schemeClr val="accent5"/>
+          </a:fillRef>
+          <a:effectRef idx="1">
+            <a:schemeClr val="accent5"/>
+          </a:effectRef>
+          <a:fontRef idx="minor">
+            <a:schemeClr val="lt1"/>
+          </a:fontRef>
+        </p:style>
+        <p:txBody>
+          <a:bodyPr rtlCol="1" anchor="ctr"/>
+          <a:lstStyle/>
+          <a:p>
+            <a:pPr algn="ctr"/>
+            <a:r>
+              <a:rPr lang="en-US" dirty="0"/>
+              <a:t>Support Vector Machines (SVM)</a:t>
+            </a:r>
+            <a:endParaRPr lang="he-IL" dirty="0"/>
+          </a:p>
+        </p:txBody>
+      </p:sp>
+      <p:cxnSp>
+        <p:nvCxnSpPr>
+          <p:cNvPr id="53" name="Straight Arrow Connector 52"/>
+          <p:cNvCxnSpPr>
+            <a:stCxn id="8" idx="2"/>
+            <a:endCxn id="54" idx="0"/>
+          </p:cNvCxnSpPr>
+          <p:nvPr/>
+        </p:nvCxnSpPr>
+        <p:spPr>
+          <a:xfrm>
+            <a:off x="8781521" y="4597199"/>
+            <a:ext cx="119514" cy="424273"/>
+          </a:xfrm>
+          <a:prstGeom prst="straightConnector1">
+            <a:avLst/>
+          </a:prstGeom>
+          <a:ln>
+            <a:tailEnd type="triangle"/>
+          </a:ln>
+        </p:spPr>
+        <p:style>
+          <a:lnRef idx="2">
+            <a:schemeClr val="dk1"/>
+          </a:lnRef>
+          <a:fillRef idx="0">
+            <a:schemeClr val="dk1"/>
+          </a:fillRef>
+          <a:effectRef idx="1">
+            <a:schemeClr val="dk1"/>
+          </a:effectRef>
+          <a:fontRef idx="minor">
+            <a:schemeClr val="tx1"/>
+          </a:fontRef>
+        </p:style>
+      </p:cxnSp>
+      <p:cxnSp>
+        <p:nvCxnSpPr>
+          <p:cNvPr id="57" name="Straight Arrow Connector 56"/>
+          <p:cNvCxnSpPr>
+            <a:stCxn id="8" idx="1"/>
+            <a:endCxn id="46" idx="3"/>
+          </p:cNvCxnSpPr>
+          <p:nvPr/>
+        </p:nvCxnSpPr>
+        <p:spPr>
+          <a:xfrm flipH="1">
+            <a:off x="6663571" y="4285228"/>
+            <a:ext cx="1225067" cy="0"/>
+          </a:xfrm>
+          <a:prstGeom prst="straightConnector1">
+            <a:avLst/>
+          </a:prstGeom>
+          <a:ln>
+            <a:tailEnd type="triangle"/>
+          </a:ln>
+        </p:spPr>
+        <p:style>
+          <a:lnRef idx="2">
+            <a:schemeClr val="dk1"/>
+          </a:lnRef>
+          <a:fillRef idx="0">
+            <a:schemeClr val="dk1"/>
+          </a:fillRef>
+          <a:effectRef idx="1">
+            <a:schemeClr val="dk1"/>
+          </a:effectRef>
+          <a:fontRef idx="minor">
+            <a:schemeClr val="tx1"/>
+          </a:fontRef>
+        </p:style>
+      </p:cxnSp>
+      <p:cxnSp>
+        <p:nvCxnSpPr>
+          <p:cNvPr id="60" name="Straight Arrow Connector 59"/>
+          <p:cNvCxnSpPr>
+            <a:stCxn id="46" idx="2"/>
+            <a:endCxn id="48" idx="0"/>
+          </p:cNvCxnSpPr>
+          <p:nvPr/>
+        </p:nvCxnSpPr>
+        <p:spPr>
+          <a:xfrm>
+            <a:off x="5770689" y="4597199"/>
+            <a:ext cx="880944" cy="424273"/>
+          </a:xfrm>
+          <a:prstGeom prst="straightConnector1">
+            <a:avLst/>
+          </a:prstGeom>
+          <a:ln>
+            <a:tailEnd type="triangle"/>
+          </a:ln>
+        </p:spPr>
+        <p:style>
+          <a:lnRef idx="2">
+            <a:schemeClr val="dk1"/>
+          </a:lnRef>
+          <a:fillRef idx="0">
+            <a:schemeClr val="dk1"/>
+          </a:fillRef>
+          <a:effectRef idx="1">
+            <a:schemeClr val="dk1"/>
+          </a:effectRef>
+          <a:fontRef idx="minor">
+            <a:schemeClr val="tx1"/>
+          </a:fontRef>
+        </p:style>
+      </p:cxnSp>
+      <p:cxnSp>
+        <p:nvCxnSpPr>
+          <p:cNvPr id="63" name="Straight Arrow Connector 62"/>
+          <p:cNvCxnSpPr>
+            <a:stCxn id="46" idx="2"/>
+            <a:endCxn id="49" idx="0"/>
+          </p:cNvCxnSpPr>
+          <p:nvPr/>
+        </p:nvCxnSpPr>
+        <p:spPr>
+          <a:xfrm flipH="1">
+            <a:off x="4700171" y="4597199"/>
+            <a:ext cx="1070518" cy="435425"/>
+          </a:xfrm>
+          <a:prstGeom prst="straightConnector1">
+            <a:avLst/>
+          </a:prstGeom>
+          <a:ln>
+            <a:tailEnd type="triangle"/>
+          </a:ln>
+        </p:spPr>
+        <p:style>
+          <a:lnRef idx="2">
+            <a:schemeClr val="dk1"/>
+          </a:lnRef>
+          <a:fillRef idx="0">
+            <a:schemeClr val="dk1"/>
+          </a:fillRef>
+          <a:effectRef idx="1">
+            <a:schemeClr val="dk1"/>
+          </a:effectRef>
+          <a:fontRef idx="minor">
+            <a:schemeClr val="tx1"/>
+          </a:fontRef>
+        </p:style>
+      </p:cxnSp>
+      <p:cxnSp>
+        <p:nvCxnSpPr>
+          <p:cNvPr id="69" name="Elbow Connector 68"/>
+          <p:cNvCxnSpPr>
+            <a:stCxn id="49" idx="2"/>
+            <a:endCxn id="54" idx="2"/>
+          </p:cNvCxnSpPr>
+          <p:nvPr/>
+        </p:nvCxnSpPr>
+        <p:spPr>
+          <a:xfrm rot="5400000" flipH="1" flipV="1">
+            <a:off x="6795027" y="3550559"/>
+            <a:ext cx="11152" cy="4200864"/>
+          </a:xfrm>
+          <a:prstGeom prst="bentConnector3">
+            <a:avLst>
+              <a:gd name="adj1" fmla="val -3749740"/>
+            </a:avLst>
+          </a:prstGeom>
+          <a:ln w="9525" cap="flat" cmpd="sng" algn="ctr">
+            <a:solidFill>
+              <a:schemeClr val="dk1"/>
+            </a:solidFill>
+            <a:prstDash val="dash"/>
+            <a:round/>
+            <a:headEnd type="none" w="med" len="med"/>
+            <a:tailEnd type="arrow" w="med" len="med"/>
+          </a:ln>
+        </p:spPr>
+        <p:style>
+          <a:lnRef idx="0">
+            <a:scrgbClr r="0" g="0" b="0"/>
+          </a:lnRef>
+          <a:fillRef idx="0">
+            <a:scrgbClr r="0" g="0" b="0"/>
+          </a:fillRef>
+          <a:effectRef idx="0">
+            <a:scrgbClr r="0" g="0" b="0"/>
+          </a:effectRef>
+          <a:fontRef idx="minor">
+            <a:schemeClr val="tx1"/>
+          </a:fontRef>
+        </p:style>
+      </p:cxnSp>
+      <p:sp>
+        <p:nvSpPr>
+          <p:cNvPr id="31" name="Rounded Rectangle 30"/>
+          <p:cNvSpPr/>
+          <p:nvPr/>
+        </p:nvSpPr>
+        <p:spPr>
+          <a:xfrm>
+            <a:off x="2391828" y="3824288"/>
+            <a:ext cx="1775012" cy="623943"/>
+          </a:xfrm>
+          <a:prstGeom prst="roundRect">
+            <a:avLst/>
+          </a:prstGeom>
+          <a:ln>
+            <a:headEnd type="none" w="med" len="med"/>
+            <a:tailEnd type="none" w="med" len="med"/>
+          </a:ln>
+        </p:spPr>
+        <p:style>
+          <a:lnRef idx="2">
+            <a:schemeClr val="accent2"/>
+          </a:lnRef>
+          <a:fillRef idx="1">
+            <a:schemeClr val="lt1"/>
+          </a:fillRef>
+          <a:effectRef idx="0">
+            <a:schemeClr val="accent2"/>
+          </a:effectRef>
+          <a:fontRef idx="minor">
+            <a:schemeClr val="dk1"/>
+          </a:fontRef>
+        </p:style>
+        <p:txBody>
+          <a:bodyPr rtlCol="1" anchor="ctr"/>
+          <a:lstStyle/>
+          <a:p>
+            <a:pPr algn="ctr"/>
+            <a:r>
+              <a:rPr lang="en-US" dirty="0"/>
+              <a:t>ROC/AUC</a:t>
+            </a:r>
+            <a:endParaRPr lang="he-IL" dirty="0"/>
+          </a:p>
+        </p:txBody>
+      </p:sp>
+      <p:cxnSp>
+        <p:nvCxnSpPr>
+          <p:cNvPr id="10" name="Straight Arrow Connector 9"/>
+          <p:cNvCxnSpPr>
+            <a:stCxn id="13" idx="3"/>
+            <a:endCxn id="31" idx="1"/>
+          </p:cNvCxnSpPr>
+          <p:nvPr/>
+        </p:nvCxnSpPr>
+        <p:spPr>
+          <a:xfrm>
+            <a:off x="1992352" y="4136260"/>
+            <a:ext cx="399476" cy="0"/>
+          </a:xfrm>
+          <a:prstGeom prst="straightConnector1">
+            <a:avLst/>
+          </a:prstGeom>
+          <a:ln>
+            <a:tailEnd type="triangle"/>
+          </a:ln>
+        </p:spPr>
+        <p:style>
+          <a:lnRef idx="2">
+            <a:schemeClr val="dk1"/>
+          </a:lnRef>
+          <a:fillRef idx="0">
+            <a:schemeClr val="dk1"/>
+          </a:fillRef>
+          <a:effectRef idx="1">
+            <a:schemeClr val="dk1"/>
+          </a:effectRef>
+          <a:fontRef idx="minor">
+            <a:schemeClr val="tx1"/>
+          </a:fontRef>
+        </p:style>
+      </p:cxnSp>
+      <p:sp>
+        <p:nvSpPr>
+          <p:cNvPr id="36" name="Rounded Rectangle 35"/>
+          <p:cNvSpPr/>
+          <p:nvPr/>
+        </p:nvSpPr>
+        <p:spPr>
+          <a:xfrm>
+            <a:off x="10053949" y="5021472"/>
+            <a:ext cx="2069405" cy="623943"/>
+          </a:xfrm>
+          <a:prstGeom prst="roundRect">
+            <a:avLst/>
+          </a:prstGeom>
+        </p:spPr>
+        <p:style>
+          <a:lnRef idx="3">
+            <a:schemeClr val="lt1"/>
+          </a:lnRef>
+          <a:fillRef idx="1">
+            <a:schemeClr val="accent2"/>
+          </a:fillRef>
+          <a:effectRef idx="1">
+            <a:schemeClr val="accent2"/>
+          </a:effectRef>
+          <a:fontRef idx="minor">
+            <a:schemeClr val="lt1"/>
+          </a:fontRef>
+        </p:style>
+        <p:txBody>
+          <a:bodyPr rtlCol="1" anchor="ctr"/>
+          <a:lstStyle/>
+          <a:p>
+            <a:pPr algn="ctr"/>
+            <a:r>
+              <a:rPr lang="en-US" b="1" dirty="0"/>
+              <a:t>Trees</a:t>
+            </a:r>
+            <a:r>
+              <a:rPr lang="en-US" dirty="0"/>
+              <a:t>, </a:t>
+            </a:r>
+            <a:r>
+              <a:rPr lang="en-US" strike="sngStrike" dirty="0"/>
+              <a:t>Forests, Boosting, etc.</a:t>
+            </a:r>
+            <a:endParaRPr lang="he-IL" strike="sngStrike" dirty="0"/>
+          </a:p>
+        </p:txBody>
+      </p:sp>
+      <p:cxnSp>
+        <p:nvCxnSpPr>
+          <p:cNvPr id="18" name="Straight Arrow Connector 17"/>
+          <p:cNvCxnSpPr>
+            <a:stCxn id="8" idx="2"/>
+            <a:endCxn id="36" idx="0"/>
+          </p:cNvCxnSpPr>
+          <p:nvPr/>
+        </p:nvCxnSpPr>
+        <p:spPr>
+          <a:xfrm>
+            <a:off x="8781521" y="4597199"/>
+            <a:ext cx="2307131" cy="424273"/>
+          </a:xfrm>
+          <a:prstGeom prst="straightConnector1">
+            <a:avLst/>
+          </a:prstGeom>
+          <a:ln>
+            <a:tailEnd type="triangle"/>
+          </a:ln>
+        </p:spPr>
+        <p:style>
+          <a:lnRef idx="2">
+            <a:schemeClr val="dk1"/>
+          </a:lnRef>
+          <a:fillRef idx="0">
+            <a:schemeClr val="dk1"/>
+          </a:fillRef>
+          <a:effectRef idx="1">
+            <a:schemeClr val="dk1"/>
+          </a:effectRef>
+          <a:fontRef idx="minor">
+            <a:schemeClr val="tx1"/>
+          </a:fontRef>
+        </p:style>
+      </p:cxnSp>
+      <p:sp>
+        <p:nvSpPr>
+          <p:cNvPr id="37" name="Rounded Rectangle 36"/>
+          <p:cNvSpPr/>
+          <p:nvPr/>
+        </p:nvSpPr>
+        <p:spPr>
+          <a:xfrm>
+            <a:off x="217340" y="4756769"/>
+            <a:ext cx="1775012" cy="623943"/>
+          </a:xfrm>
+          <a:prstGeom prst="roundRect">
+            <a:avLst/>
+          </a:prstGeom>
+          <a:ln>
+            <a:headEnd type="none" w="med" len="med"/>
+            <a:tailEnd type="none" w="med" len="med"/>
+          </a:ln>
+        </p:spPr>
+        <p:style>
+          <a:lnRef idx="3">
+            <a:schemeClr val="lt1"/>
+          </a:lnRef>
+          <a:fillRef idx="1">
+            <a:schemeClr val="accent5"/>
+          </a:fillRef>
+          <a:effectRef idx="1">
+            <a:schemeClr val="accent5"/>
+          </a:effectRef>
+          <a:fontRef idx="minor">
+            <a:schemeClr val="lt1"/>
+          </a:fontRef>
+        </p:style>
+        <p:txBody>
+          <a:bodyPr rtlCol="1" anchor="ctr"/>
+          <a:lstStyle/>
+          <a:p>
+            <a:pPr algn="ctr"/>
+            <a:r>
+              <a:rPr lang="en-US" dirty="0"/>
+              <a:t>Cross validation</a:t>
+            </a:r>
+            <a:endParaRPr lang="he-IL" dirty="0"/>
+          </a:p>
+        </p:txBody>
+      </p:sp>
+      <p:cxnSp>
+        <p:nvCxnSpPr>
+          <p:cNvPr id="12" name="Straight Arrow Connector 11"/>
+          <p:cNvCxnSpPr>
+            <a:stCxn id="13" idx="2"/>
+            <a:endCxn id="37" idx="0"/>
+          </p:cNvCxnSpPr>
+          <p:nvPr/>
+        </p:nvCxnSpPr>
+        <p:spPr>
+          <a:xfrm>
+            <a:off x="1104846" y="4448231"/>
+            <a:ext cx="0" cy="308538"/>
+          </a:xfrm>
+          <a:prstGeom prst="straightConnector1">
+            <a:avLst/>
+          </a:prstGeom>
+          <a:ln>
+            <a:tailEnd type="triangle"/>
+          </a:ln>
+        </p:spPr>
+        <p:style>
+          <a:lnRef idx="2">
+            <a:schemeClr val="dk1"/>
+          </a:lnRef>
+          <a:fillRef idx="0">
+            <a:schemeClr val="dk1"/>
+          </a:fillRef>
+          <a:effectRef idx="1">
+            <a:schemeClr val="dk1"/>
+          </a:effectRef>
+          <a:fontRef idx="minor">
+            <a:schemeClr val="tx1"/>
+          </a:fontRef>
+        </p:style>
+      </p:cxnSp>
+      <p:sp>
+        <p:nvSpPr>
+          <p:cNvPr id="42" name="Rounded Rectangle 41"/>
+          <p:cNvSpPr/>
+          <p:nvPr/>
+        </p:nvSpPr>
+        <p:spPr>
+          <a:xfrm>
+            <a:off x="225579" y="5735170"/>
+            <a:ext cx="1183092" cy="492640"/>
+          </a:xfrm>
+          <a:prstGeom prst="roundRect">
+            <a:avLst/>
+          </a:prstGeom>
+          <a:ln>
+            <a:headEnd type="none" w="med" len="med"/>
+            <a:tailEnd type="none" w="med" len="med"/>
+          </a:ln>
+        </p:spPr>
+        <p:style>
+          <a:lnRef idx="3">
+            <a:schemeClr val="lt1"/>
+          </a:lnRef>
+          <a:fillRef idx="1">
+            <a:schemeClr val="accent5"/>
+          </a:fillRef>
+          <a:effectRef idx="1">
+            <a:schemeClr val="accent5"/>
+          </a:effectRef>
+          <a:fontRef idx="minor">
+            <a:schemeClr val="lt1"/>
+          </a:fontRef>
+        </p:style>
+        <p:txBody>
+          <a:bodyPr rtlCol="1" anchor="ctr"/>
+          <a:lstStyle/>
+          <a:p>
+            <a:pPr algn="ctr"/>
+            <a:r>
+              <a:rPr lang="en-US" sz="1400" dirty="0"/>
+              <a:t>k-fold </a:t>
+            </a:r>
+            <a:r>
+              <a:rPr lang="en-US" sz="1400" dirty="0" err="1"/>
+              <a:t>xval</a:t>
+            </a:r>
+            <a:endParaRPr lang="he-IL" sz="1400" dirty="0"/>
+          </a:p>
+        </p:txBody>
+      </p:sp>
+      <p:sp>
+        <p:nvSpPr>
+          <p:cNvPr id="44" name="Rounded Rectangle 43"/>
+          <p:cNvSpPr/>
+          <p:nvPr/>
+        </p:nvSpPr>
+        <p:spPr>
+          <a:xfrm>
+            <a:off x="1482811" y="5735170"/>
+            <a:ext cx="1466334" cy="492640"/>
+          </a:xfrm>
+          <a:prstGeom prst="roundRect">
+            <a:avLst/>
+          </a:prstGeom>
+          <a:ln>
+            <a:headEnd type="none" w="med" len="med"/>
+            <a:tailEnd type="none" w="med" len="med"/>
+          </a:ln>
+        </p:spPr>
+        <p:style>
+          <a:lnRef idx="3">
+            <a:schemeClr val="lt1"/>
+          </a:lnRef>
+          <a:fillRef idx="1">
+            <a:schemeClr val="accent5"/>
+          </a:fillRef>
+          <a:effectRef idx="1">
+            <a:schemeClr val="accent5"/>
+          </a:effectRef>
+          <a:fontRef idx="minor">
+            <a:schemeClr val="lt1"/>
+          </a:fontRef>
+        </p:style>
+        <p:txBody>
+          <a:bodyPr rtlCol="1" anchor="ctr"/>
+          <a:lstStyle/>
+          <a:p>
+            <a:pPr algn="ctr"/>
+            <a:r>
+              <a:rPr lang="en-US" sz="1400" dirty="0"/>
+              <a:t>Leave one out</a:t>
+            </a:r>
+            <a:endParaRPr lang="he-IL" sz="1400" dirty="0"/>
+          </a:p>
+        </p:txBody>
+      </p:sp>
+      <p:cxnSp>
+        <p:nvCxnSpPr>
+          <p:cNvPr id="24" name="Straight Arrow Connector 23"/>
+          <p:cNvCxnSpPr>
+            <a:stCxn id="37" idx="2"/>
+            <a:endCxn id="42" idx="0"/>
+          </p:cNvCxnSpPr>
+          <p:nvPr/>
+        </p:nvCxnSpPr>
+        <p:spPr>
+          <a:xfrm flipH="1">
+            <a:off x="817125" y="5380712"/>
+            <a:ext cx="287721" cy="354458"/>
+          </a:xfrm>
+          <a:prstGeom prst="straightConnector1">
+            <a:avLst/>
+          </a:prstGeom>
+          <a:ln>
+            <a:tailEnd type="triangle"/>
+          </a:ln>
+        </p:spPr>
+        <p:style>
+          <a:lnRef idx="2">
+            <a:schemeClr val="dk1"/>
+          </a:lnRef>
+          <a:fillRef idx="0">
+            <a:schemeClr val="dk1"/>
+          </a:fillRef>
+          <a:effectRef idx="1">
+            <a:schemeClr val="dk1"/>
+          </a:effectRef>
+          <a:fontRef idx="minor">
+            <a:schemeClr val="tx1"/>
+          </a:fontRef>
+        </p:style>
+      </p:cxnSp>
+      <p:cxnSp>
+        <p:nvCxnSpPr>
+          <p:cNvPr id="27" name="Straight Arrow Connector 26"/>
+          <p:cNvCxnSpPr>
+            <a:stCxn id="37" idx="2"/>
+            <a:endCxn id="44" idx="0"/>
+          </p:cNvCxnSpPr>
+          <p:nvPr/>
+        </p:nvCxnSpPr>
+        <p:spPr>
+          <a:xfrm>
+            <a:off x="1104846" y="5380712"/>
+            <a:ext cx="1111132" cy="354458"/>
+          </a:xfrm>
+          <a:prstGeom prst="straightConnector1">
+            <a:avLst/>
+          </a:prstGeom>
+          <a:ln>
+            <a:tailEnd type="triangle"/>
+          </a:ln>
+        </p:spPr>
+        <p:style>
+          <a:lnRef idx="2">
+            <a:schemeClr val="dk1"/>
+          </a:lnRef>
+          <a:fillRef idx="0">
+            <a:schemeClr val="dk1"/>
+          </a:fillRef>
+          <a:effectRef idx="1">
+            <a:schemeClr val="dk1"/>
+          </a:effectRef>
+          <a:fontRef idx="minor">
+            <a:schemeClr val="tx1"/>
+          </a:fontRef>
+        </p:style>
+      </p:cxnSp>
+    </p:spTree>
+    <p:extLst>
+      <p:ext uri="{BB962C8B-B14F-4D97-AF65-F5344CB8AC3E}">
+        <p14:creationId xmlns:p14="http://schemas.microsoft.com/office/powerpoint/2010/main" val="601734684"/>
+      </p:ext>
+    </p:extLst>
+  </p:cSld>
+  <p:clrMapOvr>
+    <a:masterClrMapping/>
+  </p:clrMapOvr>
+  <p:timing>
+    <p:tnLst>
+      <p:par>
+        <p:cTn id="1" dur="indefinite" restart="never" nodeType="tmRoot"/>
+      </p:par>
+    </p:tnLst>
+  </p:timing>
+</p:sld>
+</file>
+
+<file path=ppt/slides/slide22.xml><?xml version="1.0" encoding="utf-8"?>
+<p:sld xmlns:a="http://schemas.openxmlformats.org/drawingml/2006/main" xmlns:r="http://schemas.openxmlformats.org/officeDocument/2006/relationships" xmlns:p="http://schemas.openxmlformats.org/presentationml/2006/main">
+  <p:cSld>
+    <p:spTree>
+      <p:nvGrpSpPr>
+        <p:cNvPr id="1" name=""/>
+        <p:cNvGrpSpPr/>
+        <p:nvPr/>
+      </p:nvGrpSpPr>
+      <p:grpSpPr>
+        <a:xfrm>
+          <a:off x="0" y="0"/>
+          <a:ext cx="0" cy="0"/>
+          <a:chOff x="0" y="0"/>
+          <a:chExt cx="0" cy="0"/>
+        </a:xfrm>
+      </p:grpSpPr>
+      <p:sp>
+        <p:nvSpPr>
+          <p:cNvPr id="2" name="Title 1"/>
+          <p:cNvSpPr>
+            <a:spLocks noGrp="1"/>
+          </p:cNvSpPr>
+          <p:nvPr>
+            <p:ph type="title"/>
+          </p:nvPr>
+        </p:nvSpPr>
+        <p:spPr/>
+        <p:txBody>
+          <a:bodyPr/>
+          <a:lstStyle/>
+          <a:p>
+            <a:r>
+              <a:rPr lang="en-US" dirty="0"/>
               <a:t>Classification and Regression Trees</a:t>
             </a:r>
             <a:endParaRPr lang="he-IL" dirty="0"/>
@@ -11350,7 +14279,7 @@
             <a:fld id="{4FAB73BC-B049-4115-A692-8D63A059BFB8}" type="slidenum">
               <a:rPr lang="en-US" smtClean="0"/>
               <a:pPr/>
-              <a:t>20</a:t>
+              <a:t>22</a:t>
             </a:fld>
             <a:endParaRPr lang="en-US" dirty="0"/>
           </a:p>
@@ -11369,7 +14298,7 @@
 </p:sld>
 </file>
 
-<file path=ppt/slides/slide21.xml><?xml version="1.0" encoding="utf-8"?>
+<file path=ppt/slides/slide23.xml><?xml version="1.0" encoding="utf-8"?>
 <p:sld xmlns:a="http://schemas.openxmlformats.org/drawingml/2006/main" xmlns:r="http://schemas.openxmlformats.org/officeDocument/2006/relationships" xmlns:p="http://schemas.openxmlformats.org/presentationml/2006/main">
   <p:cSld>
     <p:spTree>
@@ -11534,7 +14463,7 @@
             <a:fld id="{4FAB73BC-B049-4115-A692-8D63A059BFB8}" type="slidenum">
               <a:rPr lang="en-US" smtClean="0"/>
               <a:pPr/>
-              <a:t>21</a:t>
+              <a:t>23</a:t>
             </a:fld>
             <a:endParaRPr lang="en-US" dirty="0"/>
           </a:p>
@@ -11553,7 +14482,7 @@
 </p:sld>
 </file>
 
-<file path=ppt/slides/slide22.xml><?xml version="1.0" encoding="utf-8"?>
+<file path=ppt/slides/slide24.xml><?xml version="1.0" encoding="utf-8"?>
 <p:sld xmlns:a="http://schemas.openxmlformats.org/drawingml/2006/main" xmlns:r="http://schemas.openxmlformats.org/officeDocument/2006/relationships" xmlns:p="http://schemas.openxmlformats.org/presentationml/2006/main">
   <p:cSld>
     <p:spTree>
@@ -11651,7 +14580,7 @@
           <a:p>
             <a:fld id="{4FAB73BC-B049-4115-A692-8D63A059BFB8}" type="slidenum">
               <a:rPr lang="en-US" smtClean="0"/>
-              <a:t>22</a:t>
+              <a:t>24</a:t>
             </a:fld>
             <a:endParaRPr lang="en-US" dirty="0"/>
           </a:p>
@@ -11701,8 +14630,8 @@
           </a:p>
         </p:txBody>
       </p:sp>
-      <mc:AlternateContent xmlns:mc="http://schemas.openxmlformats.org/markup-compatibility/2006">
-        <mc:Choice xmlns:a14="http://schemas.microsoft.com/office/drawing/2010/main" Requires="a14">
+      <mc:AlternateContent xmlns:mc="http://schemas.openxmlformats.org/markup-compatibility/2006" xmlns:a14="http://schemas.microsoft.com/office/drawing/2010/main">
+        <mc:Choice Requires="a14">
           <p:sp>
             <p:nvSpPr>
               <p:cNvPr id="7" name="TextBox 6">
@@ -11766,7 +14695,7 @@
             </p:txBody>
           </p:sp>
         </mc:Choice>
-        <mc:Fallback>
+        <mc:Fallback xmlns="">
           <p:sp>
             <p:nvSpPr>
               <p:cNvPr id="7" name="TextBox 6">
@@ -11847,8 +14776,8 @@
           </a:p>
         </p:txBody>
       </p:sp>
-      <mc:AlternateContent xmlns:mc="http://schemas.openxmlformats.org/markup-compatibility/2006">
-        <mc:Choice xmlns:a14="http://schemas.microsoft.com/office/drawing/2010/main" Requires="a14">
+      <mc:AlternateContent xmlns:mc="http://schemas.openxmlformats.org/markup-compatibility/2006" xmlns:a14="http://schemas.microsoft.com/office/drawing/2010/main">
+        <mc:Choice Requires="a14">
           <p:sp>
             <p:nvSpPr>
               <p:cNvPr id="9" name="TextBox 8">
@@ -11877,6 +14806,7 @@
               </a:bodyPr>
               <a:lstStyle/>
               <a:p>
+                <a:pPr/>
                 <a14:m>
                   <m:oMathPara xmlns:m="http://schemas.openxmlformats.org/officeDocument/2006/math">
                     <m:oMathParaPr>
@@ -11916,7 +14846,7 @@
             </p:txBody>
           </p:sp>
         </mc:Choice>
-        <mc:Fallback>
+        <mc:Fallback xmlns="">
           <p:sp>
             <p:nvSpPr>
               <p:cNvPr id="9" name="TextBox 8">
@@ -11961,8 +14891,8 @@
           </p:sp>
         </mc:Fallback>
       </mc:AlternateContent>
-      <mc:AlternateContent xmlns:mc="http://schemas.openxmlformats.org/markup-compatibility/2006">
-        <mc:Choice xmlns:a14="http://schemas.microsoft.com/office/drawing/2010/main" Requires="a14">
+      <mc:AlternateContent xmlns:mc="http://schemas.openxmlformats.org/markup-compatibility/2006" xmlns:a14="http://schemas.microsoft.com/office/drawing/2010/main">
+        <mc:Choice Requires="a14">
           <p:sp>
             <p:nvSpPr>
               <p:cNvPr id="10" name="TextBox 9">
@@ -11991,6 +14921,7 @@
               </a:bodyPr>
               <a:lstStyle/>
               <a:p>
+                <a:pPr/>
                 <a14:m>
                   <m:oMathPara xmlns:m="http://schemas.openxmlformats.org/officeDocument/2006/math">
                     <m:oMathParaPr>
@@ -12030,7 +14961,7 @@
             </p:txBody>
           </p:sp>
         </mc:Choice>
-        <mc:Fallback>
+        <mc:Fallback xmlns="">
           <p:sp>
             <p:nvSpPr>
               <p:cNvPr id="10" name="TextBox 9">
@@ -12693,8 +15624,8 @@
             <a:chExt cx="4830941" cy="369332"/>
           </a:xfrm>
         </p:grpSpPr>
-        <mc:AlternateContent xmlns:mc="http://schemas.openxmlformats.org/markup-compatibility/2006">
-          <mc:Choice xmlns:a14="http://schemas.microsoft.com/office/drawing/2010/main" Requires="a14">
+        <mc:AlternateContent xmlns:mc="http://schemas.openxmlformats.org/markup-compatibility/2006" xmlns:a14="http://schemas.microsoft.com/office/drawing/2010/main">
+          <mc:Choice Requires="a14">
             <p:sp>
               <p:nvSpPr>
                 <p:cNvPr id="24" name="TextBox 23">
@@ -12723,6 +15654,7 @@
                 </a:bodyPr>
                 <a:lstStyle/>
                 <a:p>
+                  <a:pPr/>
                   <a14:m>
                     <m:oMathPara xmlns:m="http://schemas.openxmlformats.org/officeDocument/2006/math">
                       <m:oMathParaPr>
@@ -12762,7 +15694,7 @@
               </p:txBody>
             </p:sp>
           </mc:Choice>
-          <mc:Fallback>
+          <mc:Fallback xmlns="">
             <p:sp>
               <p:nvSpPr>
                 <p:cNvPr id="24" name="TextBox 23">
@@ -12871,8 +15803,8 @@
             <a:chExt cx="453714" cy="3728264"/>
           </a:xfrm>
         </p:grpSpPr>
-        <mc:AlternateContent xmlns:mc="http://schemas.openxmlformats.org/markup-compatibility/2006">
-          <mc:Choice xmlns:a14="http://schemas.microsoft.com/office/drawing/2010/main" Requires="a14">
+        <mc:AlternateContent xmlns:mc="http://schemas.openxmlformats.org/markup-compatibility/2006" xmlns:a14="http://schemas.microsoft.com/office/drawing/2010/main">
+          <mc:Choice Requires="a14">
             <p:sp>
               <p:nvSpPr>
                 <p:cNvPr id="25" name="TextBox 24">
@@ -12901,6 +15833,7 @@
                 </a:bodyPr>
                 <a:lstStyle/>
                 <a:p>
+                  <a:pPr/>
                   <a14:m>
                     <m:oMathPara xmlns:m="http://schemas.openxmlformats.org/officeDocument/2006/math">
                       <m:oMathParaPr>
@@ -12940,7 +15873,7 @@
               </p:txBody>
             </p:sp>
           </mc:Choice>
-          <mc:Fallback>
+          <mc:Fallback xmlns="">
             <p:sp>
               <p:nvSpPr>
                 <p:cNvPr id="25" name="TextBox 24">
@@ -13047,8 +15980,8 @@
             <a:chExt cx="453714" cy="3728264"/>
           </a:xfrm>
         </p:grpSpPr>
-        <mc:AlternateContent xmlns:mc="http://schemas.openxmlformats.org/markup-compatibility/2006">
-          <mc:Choice xmlns:a14="http://schemas.microsoft.com/office/drawing/2010/main" Requires="a14">
+        <mc:AlternateContent xmlns:mc="http://schemas.openxmlformats.org/markup-compatibility/2006" xmlns:a14="http://schemas.microsoft.com/office/drawing/2010/main">
+          <mc:Choice Requires="a14">
             <p:sp>
               <p:nvSpPr>
                 <p:cNvPr id="26" name="TextBox 25">
@@ -13077,6 +16010,7 @@
                 </a:bodyPr>
                 <a:lstStyle/>
                 <a:p>
+                  <a:pPr/>
                   <a14:m>
                     <m:oMathPara xmlns:m="http://schemas.openxmlformats.org/officeDocument/2006/math">
                       <m:oMathParaPr>
@@ -13116,7 +16050,7 @@
               </p:txBody>
             </p:sp>
           </mc:Choice>
-          <mc:Fallback>
+          <mc:Fallback xmlns="">
             <p:sp>
               <p:nvSpPr>
                 <p:cNvPr id="26" name="TextBox 25">
@@ -13389,8 +16323,8 @@
             <a:chExt cx="2573079" cy="841755"/>
           </a:xfrm>
         </p:grpSpPr>
-        <mc:AlternateContent xmlns:mc="http://schemas.openxmlformats.org/markup-compatibility/2006">
-          <mc:Choice xmlns:a14="http://schemas.microsoft.com/office/drawing/2010/main" Requires="a14">
+        <mc:AlternateContent xmlns:mc="http://schemas.openxmlformats.org/markup-compatibility/2006" xmlns:a14="http://schemas.microsoft.com/office/drawing/2010/main">
+          <mc:Choice Requires="a14">
             <p:sp>
               <p:nvSpPr>
                 <p:cNvPr id="41" name="TextBox 40">
@@ -13419,6 +16353,7 @@
                 </a:bodyPr>
                 <a:lstStyle/>
                 <a:p>
+                  <a:pPr/>
                   <a14:m>
                     <m:oMathPara xmlns:m="http://schemas.openxmlformats.org/officeDocument/2006/math">
                       <m:oMathParaPr>
@@ -13489,7 +16424,7 @@
               </p:txBody>
             </p:sp>
           </mc:Choice>
-          <mc:Fallback>
+          <mc:Fallback xmlns="">
             <p:sp>
               <p:nvSpPr>
                 <p:cNvPr id="41" name="TextBox 40">
@@ -14046,8 +16981,8 @@
             <a:chExt cx="1535613" cy="853548"/>
           </a:xfrm>
         </p:grpSpPr>
-        <mc:AlternateContent xmlns:mc="http://schemas.openxmlformats.org/markup-compatibility/2006">
-          <mc:Choice xmlns:a14="http://schemas.microsoft.com/office/drawing/2010/main" Requires="a14">
+        <mc:AlternateContent xmlns:mc="http://schemas.openxmlformats.org/markup-compatibility/2006" xmlns:a14="http://schemas.microsoft.com/office/drawing/2010/main">
+          <mc:Choice Requires="a14">
             <p:sp>
               <p:nvSpPr>
                 <p:cNvPr id="58" name="TextBox 57">
@@ -14076,6 +17011,7 @@
                 </a:bodyPr>
                 <a:lstStyle/>
                 <a:p>
+                  <a:pPr/>
                   <a14:m>
                     <m:oMathPara xmlns:m="http://schemas.openxmlformats.org/officeDocument/2006/math">
                       <m:oMathParaPr>
@@ -14146,7 +17082,7 @@
               </p:txBody>
             </p:sp>
           </mc:Choice>
-          <mc:Fallback>
+          <mc:Fallback xmlns="">
             <p:sp>
               <p:nvSpPr>
                 <p:cNvPr id="58" name="TextBox 57">
@@ -14702,8 +17638,8 @@
             <a:chExt cx="1713180" cy="730867"/>
           </a:xfrm>
         </p:grpSpPr>
-        <mc:AlternateContent xmlns:mc="http://schemas.openxmlformats.org/markup-compatibility/2006">
-          <mc:Choice xmlns:a14="http://schemas.microsoft.com/office/drawing/2010/main" Requires="a14">
+        <mc:AlternateContent xmlns:mc="http://schemas.openxmlformats.org/markup-compatibility/2006" xmlns:a14="http://schemas.microsoft.com/office/drawing/2010/main">
+          <mc:Choice Requires="a14">
             <p:sp>
               <p:nvSpPr>
                 <p:cNvPr id="75" name="TextBox 74">
@@ -14732,6 +17668,7 @@
                 </a:bodyPr>
                 <a:lstStyle/>
                 <a:p>
+                  <a:pPr/>
                   <a14:m>
                     <m:oMathPara xmlns:m="http://schemas.openxmlformats.org/officeDocument/2006/math">
                       <m:oMathParaPr>
@@ -14802,7 +17739,7 @@
               </p:txBody>
             </p:sp>
           </mc:Choice>
-          <mc:Fallback>
+          <mc:Fallback xmlns="">
             <p:sp>
               <p:nvSpPr>
                 <p:cNvPr id="75" name="TextBox 74">
@@ -16265,7 +19202,7 @@
 </p:sld>
 </file>
 
-<file path=ppt/slides/slide23.xml><?xml version="1.0" encoding="utf-8"?>
+<file path=ppt/slides/slide25.xml><?xml version="1.0" encoding="utf-8"?>
 <p:sld xmlns:a="http://schemas.openxmlformats.org/drawingml/2006/main" xmlns:r="http://schemas.openxmlformats.org/officeDocument/2006/relationships" xmlns:p="http://schemas.openxmlformats.org/presentationml/2006/main">
   <p:cSld>
     <p:spTree>
@@ -16311,8 +19248,8 @@
           </a:p>
         </p:txBody>
       </p:sp>
-      <mc:AlternateContent xmlns:mc="http://schemas.openxmlformats.org/markup-compatibility/2006">
-        <mc:Choice xmlns:a14="http://schemas.microsoft.com/office/drawing/2010/main" Requires="a14">
+      <mc:AlternateContent xmlns:mc="http://schemas.openxmlformats.org/markup-compatibility/2006" xmlns:a14="http://schemas.microsoft.com/office/drawing/2010/main">
+        <mc:Choice Requires="a14">
           <p:sp>
             <p:nvSpPr>
               <p:cNvPr id="3" name="Content Placeholder 2">
@@ -17216,7 +20153,7 @@
             </p:txBody>
           </p:sp>
         </mc:Choice>
-        <mc:Fallback>
+        <mc:Fallback xmlns="">
           <p:sp>
             <p:nvSpPr>
               <p:cNvPr id="3" name="Content Placeholder 2">
@@ -17308,7 +20245,7 @@
           <a:p>
             <a:fld id="{4FAB73BC-B049-4115-A692-8D63A059BFB8}" type="slidenum">
               <a:rPr lang="en-US" smtClean="0"/>
-              <a:t>23</a:t>
+              <a:t>25</a:t>
             </a:fld>
             <a:endParaRPr lang="en-US" dirty="0"/>
           </a:p>
@@ -17425,7 +20362,7 @@
 </p:sld>
 </file>
 
-<file path=ppt/slides/slide24.xml><?xml version="1.0" encoding="utf-8"?>
+<file path=ppt/slides/slide26.xml><?xml version="1.0" encoding="utf-8"?>
 <p:sld xmlns:a="http://schemas.openxmlformats.org/drawingml/2006/main" xmlns:r="http://schemas.openxmlformats.org/officeDocument/2006/relationships" xmlns:p="http://schemas.openxmlformats.org/presentationml/2006/main">
   <p:cSld>
     <p:spTree>
@@ -17471,8 +20408,8 @@
           </a:p>
         </p:txBody>
       </p:sp>
-      <mc:AlternateContent xmlns:mc="http://schemas.openxmlformats.org/markup-compatibility/2006">
-        <mc:Choice xmlns:a14="http://schemas.microsoft.com/office/drawing/2010/main" Requires="a14">
+      <mc:AlternateContent xmlns:mc="http://schemas.openxmlformats.org/markup-compatibility/2006" xmlns:a14="http://schemas.microsoft.com/office/drawing/2010/main">
+        <mc:Choice Requires="a14">
           <p:sp>
             <p:nvSpPr>
               <p:cNvPr id="3" name="Content Placeholder 2">
@@ -17875,7 +20812,7 @@
             </p:txBody>
           </p:sp>
         </mc:Choice>
-        <mc:Fallback>
+        <mc:Fallback xmlns="">
           <p:sp>
             <p:nvSpPr>
               <p:cNvPr id="3" name="Content Placeholder 2">
@@ -17967,7 +20904,7 @@
           <a:p>
             <a:fld id="{4FAB73BC-B049-4115-A692-8D63A059BFB8}" type="slidenum">
               <a:rPr lang="en-US" smtClean="0"/>
-              <a:t>24</a:t>
+              <a:t>26</a:t>
             </a:fld>
             <a:endParaRPr lang="en-US" dirty="0"/>
           </a:p>
@@ -17986,7 +20923,7 @@
 </p:sld>
 </file>
 
-<file path=ppt/slides/slide25.xml><?xml version="1.0" encoding="utf-8"?>
+<file path=ppt/slides/slide27.xml><?xml version="1.0" encoding="utf-8"?>
 <p:sld xmlns:a="http://schemas.openxmlformats.org/drawingml/2006/main" xmlns:r="http://schemas.openxmlformats.org/officeDocument/2006/relationships" xmlns:p="http://schemas.openxmlformats.org/presentationml/2006/main">
   <p:cSld>
     <p:spTree>
@@ -18032,8 +20969,8 @@
           </a:p>
         </p:txBody>
       </p:sp>
-      <mc:AlternateContent xmlns:mc="http://schemas.openxmlformats.org/markup-compatibility/2006">
-        <mc:Choice xmlns:a14="http://schemas.microsoft.com/office/drawing/2010/main" Requires="a14">
+      <mc:AlternateContent xmlns:mc="http://schemas.openxmlformats.org/markup-compatibility/2006" xmlns:a14="http://schemas.microsoft.com/office/drawing/2010/main">
+        <mc:Choice Requires="a14">
           <p:sp>
             <p:nvSpPr>
               <p:cNvPr id="3" name="Content Placeholder 2">
@@ -18421,7 +21358,7 @@
             </p:txBody>
           </p:sp>
         </mc:Choice>
-        <mc:Fallback>
+        <mc:Fallback xmlns="">
           <p:sp>
             <p:nvSpPr>
               <p:cNvPr id="3" name="Content Placeholder 2">
@@ -18513,7 +21450,7 @@
           <a:p>
             <a:fld id="{4FAB73BC-B049-4115-A692-8D63A059BFB8}" type="slidenum">
               <a:rPr lang="en-US" smtClean="0"/>
-              <a:t>25</a:t>
+              <a:t>27</a:t>
             </a:fld>
             <a:endParaRPr lang="en-US" dirty="0"/>
           </a:p>
